--- a/深度学习-3.12-3.14.pptx
+++ b/深度学习-3.12-3.14.pptx
@@ -13,7 +13,17 @@
     <p:sldId id="265" r:id="rId7"/>
     <p:sldId id="263" r:id="rId8"/>
     <p:sldId id="266" r:id="rId9"/>
-    <p:sldId id="258" r:id="rId10"/>
+    <p:sldId id="267" r:id="rId10"/>
+    <p:sldId id="268" r:id="rId11"/>
+    <p:sldId id="269" r:id="rId12"/>
+    <p:sldId id="270" r:id="rId13"/>
+    <p:sldId id="271" r:id="rId14"/>
+    <p:sldId id="272" r:id="rId15"/>
+    <p:sldId id="273" r:id="rId16"/>
+    <p:sldId id="274" r:id="rId17"/>
+    <p:sldId id="275" r:id="rId18"/>
+    <p:sldId id="276" r:id="rId19"/>
+    <p:sldId id="258" r:id="rId20"/>
   </p:sldIdLst>
   <p:sldSz cx="9144000" cy="6858000" type="screen4x3"/>
   <p:notesSz cx="6858000" cy="9144000"/>
@@ -4304,6 +4314,8971 @@
 </p:sld>
 </file>
 
+<file path=ppt/slides/slide10.xml><?xml version="1.0" encoding="utf-8"?>
+<p:sld xmlns:a="http://schemas.openxmlformats.org/drawingml/2006/main" xmlns:r="http://schemas.openxmlformats.org/officeDocument/2006/relationships" xmlns:p="http://schemas.openxmlformats.org/presentationml/2006/main">
+  <p:cSld>
+    <p:spTree>
+      <p:nvGrpSpPr>
+        <p:cNvPr id="1" name=""/>
+        <p:cNvGrpSpPr/>
+        <p:nvPr/>
+      </p:nvGrpSpPr>
+      <p:grpSpPr>
+        <a:xfrm>
+          <a:off x="0" y="0"/>
+          <a:ext cx="0" cy="0"/>
+          <a:chOff x="0" y="0"/>
+          <a:chExt cx="0" cy="0"/>
+        </a:xfrm>
+      </p:grpSpPr>
+      <p:sp>
+        <p:nvSpPr>
+          <p:cNvPr id="5" name="标题 1">
+            <a:extLst>
+              <a:ext uri="{FF2B5EF4-FFF2-40B4-BE49-F238E27FC236}">
+                <a16:creationId xmlns:a16="http://schemas.microsoft.com/office/drawing/2014/main" id="{F0511409-B9AF-4D30-B635-901BDDA9EAD1}"/>
+              </a:ext>
+            </a:extLst>
+          </p:cNvPr>
+          <p:cNvSpPr>
+            <a:spLocks noGrp="1"/>
+          </p:cNvSpPr>
+          <p:nvPr>
+            <p:ph type="title"/>
+          </p:nvPr>
+        </p:nvSpPr>
+        <p:spPr>
+          <a:xfrm>
+            <a:off x="460664" y="539176"/>
+            <a:ext cx="8048336" cy="750455"/>
+          </a:xfrm>
+        </p:spPr>
+        <p:txBody>
+          <a:bodyPr/>
+          <a:lstStyle/>
+          <a:p>
+            <a:pPr algn="l"/>
+            <a:r>
+              <a:rPr lang="en-US" altLang="ja-JP" sz="4000" baseline="30000" dirty="0">
+                <a:solidFill>
+                  <a:schemeClr val="bg1"/>
+                </a:solidFill>
+                <a:latin typeface="黑体"/>
+                <a:ea typeface="黑体"/>
+                <a:cs typeface="黑体"/>
+              </a:rPr>
+              <a:t>2.1 Self-Information</a:t>
+            </a:r>
+            <a:endParaRPr lang="ja-JP" altLang="en-US" sz="4000" baseline="30000" dirty="0">
+              <a:solidFill>
+                <a:schemeClr val="bg1"/>
+              </a:solidFill>
+              <a:latin typeface="黑体"/>
+              <a:ea typeface="黑体"/>
+              <a:cs typeface="黑体"/>
+            </a:endParaRPr>
+          </a:p>
+        </p:txBody>
+      </p:sp>
+      <p:sp>
+        <p:nvSpPr>
+          <p:cNvPr id="3" name="内容占位符 4">
+            <a:extLst>
+              <a:ext uri="{FF2B5EF4-FFF2-40B4-BE49-F238E27FC236}">
+                <a16:creationId xmlns:a16="http://schemas.microsoft.com/office/drawing/2014/main" id="{C3A1C0B0-1BA2-46B8-86D0-C2FA375EBD02}"/>
+              </a:ext>
+            </a:extLst>
+          </p:cNvPr>
+          <p:cNvSpPr txBox="1">
+            <a:spLocks/>
+          </p:cNvSpPr>
+          <p:nvPr/>
+        </p:nvSpPr>
+        <p:spPr>
+          <a:xfrm>
+            <a:off x="207819" y="1381587"/>
+            <a:ext cx="8827124" cy="2670296"/>
+          </a:xfrm>
+          <a:prstGeom prst="rect">
+            <a:avLst/>
+          </a:prstGeom>
+        </p:spPr>
+        <p:txBody>
+          <a:bodyPr vert="horz" lIns="91440" tIns="45720" rIns="91440" bIns="45720" rtlCol="0">
+            <a:normAutofit/>
+          </a:bodyPr>
+          <a:lstStyle>
+            <a:lvl1pPr marL="457200" indent="-457200" algn="l" defTabSz="914400" rtl="0" eaLnBrk="1" latinLnBrk="0" hangingPunct="1">
+              <a:spcBef>
+                <a:spcPts val="2000"/>
+              </a:spcBef>
+              <a:buClr>
+                <a:schemeClr val="tx1">
+                  <a:lumMod val="75000"/>
+                  <a:lumOff val="25000"/>
+                </a:schemeClr>
+              </a:buClr>
+              <a:buSzPct val="75000"/>
+              <a:buFont typeface="Wingdings 2" pitchFamily="18" charset="2"/>
+              <a:buChar char=""/>
+              <a:defRPr sz="2200" kern="1200">
+                <a:solidFill>
+                  <a:schemeClr val="tx1">
+                    <a:lumMod val="75000"/>
+                    <a:lumOff val="25000"/>
+                  </a:schemeClr>
+                </a:solidFill>
+                <a:latin typeface="+mn-lt"/>
+                <a:ea typeface="+mn-ea"/>
+                <a:cs typeface="+mn-cs"/>
+              </a:defRPr>
+            </a:lvl1pPr>
+            <a:lvl2pPr marL="914400" indent="-457200" algn="l" defTabSz="914400" rtl="0" eaLnBrk="1" latinLnBrk="0" hangingPunct="1">
+              <a:spcBef>
+                <a:spcPts val="600"/>
+              </a:spcBef>
+              <a:buClr>
+                <a:schemeClr val="tx1">
+                  <a:lumMod val="50000"/>
+                  <a:lumOff val="50000"/>
+                </a:schemeClr>
+              </a:buClr>
+              <a:buSzPct val="75000"/>
+              <a:buFont typeface="Wingdings 2" pitchFamily="18" charset="2"/>
+              <a:buChar char=""/>
+              <a:defRPr sz="2000" kern="1200">
+                <a:solidFill>
+                  <a:schemeClr val="tx1">
+                    <a:lumMod val="75000"/>
+                    <a:lumOff val="25000"/>
+                  </a:schemeClr>
+                </a:solidFill>
+                <a:latin typeface="+mn-lt"/>
+                <a:ea typeface="+mn-ea"/>
+                <a:cs typeface="+mn-cs"/>
+              </a:defRPr>
+            </a:lvl2pPr>
+            <a:lvl3pPr marL="1371600" indent="-457200" algn="l" defTabSz="914400" rtl="0" eaLnBrk="1" latinLnBrk="0" hangingPunct="1">
+              <a:spcBef>
+                <a:spcPts val="600"/>
+              </a:spcBef>
+              <a:buClr>
+                <a:schemeClr val="tx1">
+                  <a:lumMod val="75000"/>
+                  <a:lumOff val="25000"/>
+                </a:schemeClr>
+              </a:buClr>
+              <a:buSzPct val="75000"/>
+              <a:buFont typeface="Wingdings 2" pitchFamily="18" charset="2"/>
+              <a:buChar char=""/>
+              <a:defRPr sz="1800" kern="1200">
+                <a:solidFill>
+                  <a:schemeClr val="tx1">
+                    <a:lumMod val="75000"/>
+                    <a:lumOff val="25000"/>
+                  </a:schemeClr>
+                </a:solidFill>
+                <a:latin typeface="+mn-lt"/>
+                <a:ea typeface="+mn-ea"/>
+                <a:cs typeface="+mn-cs"/>
+              </a:defRPr>
+            </a:lvl3pPr>
+            <a:lvl4pPr marL="1828800" indent="-457200" algn="l" defTabSz="914400" rtl="0" eaLnBrk="1" latinLnBrk="0" hangingPunct="1">
+              <a:spcBef>
+                <a:spcPts val="600"/>
+              </a:spcBef>
+              <a:buClr>
+                <a:schemeClr val="tx1">
+                  <a:lumMod val="50000"/>
+                  <a:lumOff val="50000"/>
+                </a:schemeClr>
+              </a:buClr>
+              <a:buSzPct val="75000"/>
+              <a:buFont typeface="Wingdings 2" pitchFamily="18" charset="2"/>
+              <a:buChar char=""/>
+              <a:defRPr sz="1800" kern="1200">
+                <a:solidFill>
+                  <a:schemeClr val="tx1">
+                    <a:lumMod val="75000"/>
+                    <a:lumOff val="25000"/>
+                  </a:schemeClr>
+                </a:solidFill>
+                <a:latin typeface="+mn-lt"/>
+                <a:ea typeface="+mn-ea"/>
+                <a:cs typeface="+mn-cs"/>
+              </a:defRPr>
+            </a:lvl4pPr>
+            <a:lvl5pPr marL="2286000" indent="-457200" algn="l" defTabSz="914400" rtl="0" eaLnBrk="1" latinLnBrk="0" hangingPunct="1">
+              <a:spcBef>
+                <a:spcPts val="600"/>
+              </a:spcBef>
+              <a:buClr>
+                <a:schemeClr val="tx1">
+                  <a:lumMod val="75000"/>
+                  <a:lumOff val="25000"/>
+                </a:schemeClr>
+              </a:buClr>
+              <a:buSzPct val="75000"/>
+              <a:buFont typeface="Wingdings 2" pitchFamily="18" charset="2"/>
+              <a:buChar char=""/>
+              <a:defRPr sz="1800" kern="1200">
+                <a:solidFill>
+                  <a:schemeClr val="tx1">
+                    <a:lumMod val="75000"/>
+                    <a:lumOff val="25000"/>
+                  </a:schemeClr>
+                </a:solidFill>
+                <a:latin typeface="+mn-lt"/>
+                <a:ea typeface="+mn-ea"/>
+                <a:cs typeface="+mn-cs"/>
+              </a:defRPr>
+            </a:lvl5pPr>
+            <a:lvl6pPr marL="2743200" indent="-461963" algn="l" defTabSz="914400" rtl="0" eaLnBrk="1" latinLnBrk="0" hangingPunct="1">
+              <a:spcBef>
+                <a:spcPct val="20000"/>
+              </a:spcBef>
+              <a:buClr>
+                <a:schemeClr val="tx1">
+                  <a:lumMod val="50000"/>
+                  <a:lumOff val="50000"/>
+                </a:schemeClr>
+              </a:buClr>
+              <a:buSzPct val="75000"/>
+              <a:buFont typeface="Wingdings 2" pitchFamily="18" charset="2"/>
+              <a:buChar char=""/>
+              <a:defRPr lang="en-US" sz="1800" kern="1200" dirty="0" smtClean="0">
+                <a:solidFill>
+                  <a:schemeClr val="tx1">
+                    <a:lumMod val="75000"/>
+                    <a:lumOff val="25000"/>
+                  </a:schemeClr>
+                </a:solidFill>
+                <a:latin typeface="+mn-lt"/>
+                <a:ea typeface="+mn-ea"/>
+                <a:cs typeface="+mn-cs"/>
+              </a:defRPr>
+            </a:lvl6pPr>
+            <a:lvl7pPr marL="3205163" indent="-461963" algn="l" defTabSz="914400" rtl="0" eaLnBrk="1" latinLnBrk="0" hangingPunct="1">
+              <a:spcBef>
+                <a:spcPct val="20000"/>
+              </a:spcBef>
+              <a:buClr>
+                <a:schemeClr val="tx1">
+                  <a:lumMod val="75000"/>
+                  <a:lumOff val="25000"/>
+                </a:schemeClr>
+              </a:buClr>
+              <a:buSzPct val="75000"/>
+              <a:buFont typeface="Wingdings 2" pitchFamily="18" charset="2"/>
+              <a:buChar char=""/>
+              <a:defRPr lang="en-US" sz="1800" kern="1200" dirty="0" smtClean="0">
+                <a:solidFill>
+                  <a:schemeClr val="tx1">
+                    <a:lumMod val="75000"/>
+                    <a:lumOff val="25000"/>
+                  </a:schemeClr>
+                </a:solidFill>
+                <a:latin typeface="+mn-lt"/>
+                <a:ea typeface="+mn-ea"/>
+                <a:cs typeface="+mn-cs"/>
+              </a:defRPr>
+            </a:lvl7pPr>
+            <a:lvl8pPr marL="3657600" indent="-461963" algn="l" defTabSz="914400" rtl="0" eaLnBrk="1" latinLnBrk="0" hangingPunct="1">
+              <a:spcBef>
+                <a:spcPct val="20000"/>
+              </a:spcBef>
+              <a:buClr>
+                <a:schemeClr val="tx1">
+                  <a:lumMod val="50000"/>
+                  <a:lumOff val="50000"/>
+                </a:schemeClr>
+              </a:buClr>
+              <a:buSzPct val="75000"/>
+              <a:buFont typeface="Wingdings 2" pitchFamily="18" charset="2"/>
+              <a:buChar char=""/>
+              <a:defRPr lang="en-US" sz="1800" kern="1200" dirty="0" smtClean="0">
+                <a:solidFill>
+                  <a:schemeClr val="tx1">
+                    <a:lumMod val="75000"/>
+                    <a:lumOff val="25000"/>
+                  </a:schemeClr>
+                </a:solidFill>
+                <a:latin typeface="+mn-lt"/>
+                <a:ea typeface="+mn-ea"/>
+                <a:cs typeface="+mn-cs"/>
+              </a:defRPr>
+            </a:lvl8pPr>
+            <a:lvl9pPr marL="4119563" indent="-461963" algn="l" defTabSz="914400" rtl="0" eaLnBrk="1" latinLnBrk="0" hangingPunct="1">
+              <a:spcBef>
+                <a:spcPct val="20000"/>
+              </a:spcBef>
+              <a:buClr>
+                <a:schemeClr val="tx1">
+                  <a:lumMod val="75000"/>
+                  <a:lumOff val="25000"/>
+                </a:schemeClr>
+              </a:buClr>
+              <a:buSzPct val="75000"/>
+              <a:buFont typeface="Wingdings 2" pitchFamily="18" charset="2"/>
+              <a:buChar char=""/>
+              <a:defRPr lang="en-US" sz="1800" kern="1200" dirty="0">
+                <a:solidFill>
+                  <a:schemeClr val="tx1">
+                    <a:lumMod val="75000"/>
+                    <a:lumOff val="25000"/>
+                  </a:schemeClr>
+                </a:solidFill>
+                <a:latin typeface="+mn-lt"/>
+                <a:ea typeface="+mn-ea"/>
+                <a:cs typeface="+mn-cs"/>
+              </a:defRPr>
+            </a:lvl9pPr>
+          </a:lstStyle>
+          <a:p>
+            <a:r>
+              <a:rPr kumimoji="1" lang="en-US" altLang="zh-CN" dirty="0">
+                <a:solidFill>
+                  <a:schemeClr val="tx1"/>
+                </a:solidFill>
+              </a:rPr>
+              <a:t>Axioms:</a:t>
+            </a:r>
+          </a:p>
+          <a:p>
+            <a:pPr indent="-274320">
+              <a:spcBef>
+                <a:spcPts val="1500"/>
+              </a:spcBef>
+              <a:buClrTx/>
+              <a:buSzPct val="100000"/>
+              <a:buFont typeface="+mj-lt"/>
+              <a:buAutoNum type="alphaLcPeriod"/>
+            </a:pPr>
+            <a:r>
+              <a:rPr kumimoji="1" lang="en-US" altLang="zh-CN" sz="1800" dirty="0">
+                <a:solidFill>
+                  <a:schemeClr val="tx1"/>
+                </a:solidFill>
+              </a:rPr>
+              <a:t>An event with probability 100% is perfectly unsurprising and yields no information.</a:t>
+            </a:r>
+          </a:p>
+          <a:p>
+            <a:pPr indent="-274320">
+              <a:spcBef>
+                <a:spcPts val="1500"/>
+              </a:spcBef>
+              <a:buClrTx/>
+              <a:buSzPct val="100000"/>
+              <a:buFont typeface="+mj-lt"/>
+              <a:buAutoNum type="alphaLcPeriod"/>
+            </a:pPr>
+            <a:r>
+              <a:rPr kumimoji="1" lang="en-US" altLang="zh-CN" sz="1800" dirty="0">
+                <a:solidFill>
+                  <a:schemeClr val="tx1"/>
+                </a:solidFill>
+              </a:rPr>
+              <a:t>The less probable an event is, the more surprising it is and the more information it yields.</a:t>
+            </a:r>
+          </a:p>
+          <a:p>
+            <a:pPr indent="-274320">
+              <a:spcBef>
+                <a:spcPts val="1500"/>
+              </a:spcBef>
+              <a:buClrTx/>
+              <a:buSzPct val="100000"/>
+              <a:buFont typeface="+mj-lt"/>
+              <a:buAutoNum type="alphaLcPeriod"/>
+            </a:pPr>
+            <a:r>
+              <a:rPr kumimoji="1" lang="en-US" altLang="zh-CN" sz="1800" dirty="0">
+                <a:solidFill>
+                  <a:schemeClr val="tx1"/>
+                </a:solidFill>
+              </a:rPr>
+              <a:t>If two independent events are measured separately, the total amount of information is the sum of the self-</a:t>
+            </a:r>
+            <a:r>
+              <a:rPr kumimoji="1" lang="en-US" altLang="zh-CN" sz="1800" dirty="0" err="1">
+                <a:solidFill>
+                  <a:schemeClr val="tx1"/>
+                </a:solidFill>
+              </a:rPr>
+              <a:t>informations</a:t>
+            </a:r>
+            <a:r>
+              <a:rPr kumimoji="1" lang="en-US" altLang="zh-CN" sz="1800" dirty="0">
+                <a:solidFill>
+                  <a:schemeClr val="tx1"/>
+                </a:solidFill>
+              </a:rPr>
+              <a:t> of the individual events.</a:t>
+            </a:r>
+          </a:p>
+          <a:p>
+            <a:endParaRPr kumimoji="1" lang="zh-CN" altLang="en-US" dirty="0">
+              <a:solidFill>
+                <a:schemeClr val="tx1"/>
+              </a:solidFill>
+            </a:endParaRPr>
+          </a:p>
+        </p:txBody>
+      </p:sp>
+      <p:sp>
+        <p:nvSpPr>
+          <p:cNvPr id="4" name="内容占位符 4">
+            <a:extLst>
+              <a:ext uri="{FF2B5EF4-FFF2-40B4-BE49-F238E27FC236}">
+                <a16:creationId xmlns:a16="http://schemas.microsoft.com/office/drawing/2014/main" id="{42DF0A3D-6AB6-4BF1-97E2-E4E9DB86D39C}"/>
+              </a:ext>
+            </a:extLst>
+          </p:cNvPr>
+          <p:cNvSpPr txBox="1">
+            <a:spLocks/>
+          </p:cNvSpPr>
+          <p:nvPr/>
+        </p:nvSpPr>
+        <p:spPr>
+          <a:xfrm>
+            <a:off x="207819" y="4152227"/>
+            <a:ext cx="8827124" cy="2307295"/>
+          </a:xfrm>
+          <a:prstGeom prst="rect">
+            <a:avLst/>
+          </a:prstGeom>
+        </p:spPr>
+        <p:txBody>
+          <a:bodyPr vert="horz" lIns="91440" tIns="45720" rIns="91440" bIns="45720" rtlCol="0">
+            <a:normAutofit/>
+          </a:bodyPr>
+          <a:lstStyle>
+            <a:lvl1pPr marL="457200" indent="-457200" algn="l" defTabSz="914400" rtl="0" eaLnBrk="1" latinLnBrk="0" hangingPunct="1">
+              <a:spcBef>
+                <a:spcPts val="2000"/>
+              </a:spcBef>
+              <a:buClr>
+                <a:schemeClr val="tx1">
+                  <a:lumMod val="75000"/>
+                  <a:lumOff val="25000"/>
+                </a:schemeClr>
+              </a:buClr>
+              <a:buSzPct val="75000"/>
+              <a:buFont typeface="Wingdings 2" pitchFamily="18" charset="2"/>
+              <a:buChar char=""/>
+              <a:defRPr sz="2200" kern="1200">
+                <a:solidFill>
+                  <a:schemeClr val="tx1">
+                    <a:lumMod val="75000"/>
+                    <a:lumOff val="25000"/>
+                  </a:schemeClr>
+                </a:solidFill>
+                <a:latin typeface="+mn-lt"/>
+                <a:ea typeface="+mn-ea"/>
+                <a:cs typeface="+mn-cs"/>
+              </a:defRPr>
+            </a:lvl1pPr>
+            <a:lvl2pPr marL="914400" indent="-457200" algn="l" defTabSz="914400" rtl="0" eaLnBrk="1" latinLnBrk="0" hangingPunct="1">
+              <a:spcBef>
+                <a:spcPts val="600"/>
+              </a:spcBef>
+              <a:buClr>
+                <a:schemeClr val="tx1">
+                  <a:lumMod val="50000"/>
+                  <a:lumOff val="50000"/>
+                </a:schemeClr>
+              </a:buClr>
+              <a:buSzPct val="75000"/>
+              <a:buFont typeface="Wingdings 2" pitchFamily="18" charset="2"/>
+              <a:buChar char=""/>
+              <a:defRPr sz="2000" kern="1200">
+                <a:solidFill>
+                  <a:schemeClr val="tx1">
+                    <a:lumMod val="75000"/>
+                    <a:lumOff val="25000"/>
+                  </a:schemeClr>
+                </a:solidFill>
+                <a:latin typeface="+mn-lt"/>
+                <a:ea typeface="+mn-ea"/>
+                <a:cs typeface="+mn-cs"/>
+              </a:defRPr>
+            </a:lvl2pPr>
+            <a:lvl3pPr marL="1371600" indent="-457200" algn="l" defTabSz="914400" rtl="0" eaLnBrk="1" latinLnBrk="0" hangingPunct="1">
+              <a:spcBef>
+                <a:spcPts val="600"/>
+              </a:spcBef>
+              <a:buClr>
+                <a:schemeClr val="tx1">
+                  <a:lumMod val="75000"/>
+                  <a:lumOff val="25000"/>
+                </a:schemeClr>
+              </a:buClr>
+              <a:buSzPct val="75000"/>
+              <a:buFont typeface="Wingdings 2" pitchFamily="18" charset="2"/>
+              <a:buChar char=""/>
+              <a:defRPr sz="1800" kern="1200">
+                <a:solidFill>
+                  <a:schemeClr val="tx1">
+                    <a:lumMod val="75000"/>
+                    <a:lumOff val="25000"/>
+                  </a:schemeClr>
+                </a:solidFill>
+                <a:latin typeface="+mn-lt"/>
+                <a:ea typeface="+mn-ea"/>
+                <a:cs typeface="+mn-cs"/>
+              </a:defRPr>
+            </a:lvl3pPr>
+            <a:lvl4pPr marL="1828800" indent="-457200" algn="l" defTabSz="914400" rtl="0" eaLnBrk="1" latinLnBrk="0" hangingPunct="1">
+              <a:spcBef>
+                <a:spcPts val="600"/>
+              </a:spcBef>
+              <a:buClr>
+                <a:schemeClr val="tx1">
+                  <a:lumMod val="50000"/>
+                  <a:lumOff val="50000"/>
+                </a:schemeClr>
+              </a:buClr>
+              <a:buSzPct val="75000"/>
+              <a:buFont typeface="Wingdings 2" pitchFamily="18" charset="2"/>
+              <a:buChar char=""/>
+              <a:defRPr sz="1800" kern="1200">
+                <a:solidFill>
+                  <a:schemeClr val="tx1">
+                    <a:lumMod val="75000"/>
+                    <a:lumOff val="25000"/>
+                  </a:schemeClr>
+                </a:solidFill>
+                <a:latin typeface="+mn-lt"/>
+                <a:ea typeface="+mn-ea"/>
+                <a:cs typeface="+mn-cs"/>
+              </a:defRPr>
+            </a:lvl4pPr>
+            <a:lvl5pPr marL="2286000" indent="-457200" algn="l" defTabSz="914400" rtl="0" eaLnBrk="1" latinLnBrk="0" hangingPunct="1">
+              <a:spcBef>
+                <a:spcPts val="600"/>
+              </a:spcBef>
+              <a:buClr>
+                <a:schemeClr val="tx1">
+                  <a:lumMod val="75000"/>
+                  <a:lumOff val="25000"/>
+                </a:schemeClr>
+              </a:buClr>
+              <a:buSzPct val="75000"/>
+              <a:buFont typeface="Wingdings 2" pitchFamily="18" charset="2"/>
+              <a:buChar char=""/>
+              <a:defRPr sz="1800" kern="1200">
+                <a:solidFill>
+                  <a:schemeClr val="tx1">
+                    <a:lumMod val="75000"/>
+                    <a:lumOff val="25000"/>
+                  </a:schemeClr>
+                </a:solidFill>
+                <a:latin typeface="+mn-lt"/>
+                <a:ea typeface="+mn-ea"/>
+                <a:cs typeface="+mn-cs"/>
+              </a:defRPr>
+            </a:lvl5pPr>
+            <a:lvl6pPr marL="2743200" indent="-461963" algn="l" defTabSz="914400" rtl="0" eaLnBrk="1" latinLnBrk="0" hangingPunct="1">
+              <a:spcBef>
+                <a:spcPct val="20000"/>
+              </a:spcBef>
+              <a:buClr>
+                <a:schemeClr val="tx1">
+                  <a:lumMod val="50000"/>
+                  <a:lumOff val="50000"/>
+                </a:schemeClr>
+              </a:buClr>
+              <a:buSzPct val="75000"/>
+              <a:buFont typeface="Wingdings 2" pitchFamily="18" charset="2"/>
+              <a:buChar char=""/>
+              <a:defRPr lang="en-US" sz="1800" kern="1200" dirty="0" smtClean="0">
+                <a:solidFill>
+                  <a:schemeClr val="tx1">
+                    <a:lumMod val="75000"/>
+                    <a:lumOff val="25000"/>
+                  </a:schemeClr>
+                </a:solidFill>
+                <a:latin typeface="+mn-lt"/>
+                <a:ea typeface="+mn-ea"/>
+                <a:cs typeface="+mn-cs"/>
+              </a:defRPr>
+            </a:lvl6pPr>
+            <a:lvl7pPr marL="3205163" indent="-461963" algn="l" defTabSz="914400" rtl="0" eaLnBrk="1" latinLnBrk="0" hangingPunct="1">
+              <a:spcBef>
+                <a:spcPct val="20000"/>
+              </a:spcBef>
+              <a:buClr>
+                <a:schemeClr val="tx1">
+                  <a:lumMod val="75000"/>
+                  <a:lumOff val="25000"/>
+                </a:schemeClr>
+              </a:buClr>
+              <a:buSzPct val="75000"/>
+              <a:buFont typeface="Wingdings 2" pitchFamily="18" charset="2"/>
+              <a:buChar char=""/>
+              <a:defRPr lang="en-US" sz="1800" kern="1200" dirty="0" smtClean="0">
+                <a:solidFill>
+                  <a:schemeClr val="tx1">
+                    <a:lumMod val="75000"/>
+                    <a:lumOff val="25000"/>
+                  </a:schemeClr>
+                </a:solidFill>
+                <a:latin typeface="+mn-lt"/>
+                <a:ea typeface="+mn-ea"/>
+                <a:cs typeface="+mn-cs"/>
+              </a:defRPr>
+            </a:lvl7pPr>
+            <a:lvl8pPr marL="3657600" indent="-461963" algn="l" defTabSz="914400" rtl="0" eaLnBrk="1" latinLnBrk="0" hangingPunct="1">
+              <a:spcBef>
+                <a:spcPct val="20000"/>
+              </a:spcBef>
+              <a:buClr>
+                <a:schemeClr val="tx1">
+                  <a:lumMod val="50000"/>
+                  <a:lumOff val="50000"/>
+                </a:schemeClr>
+              </a:buClr>
+              <a:buSzPct val="75000"/>
+              <a:buFont typeface="Wingdings 2" pitchFamily="18" charset="2"/>
+              <a:buChar char=""/>
+              <a:defRPr lang="en-US" sz="1800" kern="1200" dirty="0" smtClean="0">
+                <a:solidFill>
+                  <a:schemeClr val="tx1">
+                    <a:lumMod val="75000"/>
+                    <a:lumOff val="25000"/>
+                  </a:schemeClr>
+                </a:solidFill>
+                <a:latin typeface="+mn-lt"/>
+                <a:ea typeface="+mn-ea"/>
+                <a:cs typeface="+mn-cs"/>
+              </a:defRPr>
+            </a:lvl8pPr>
+            <a:lvl9pPr marL="4119563" indent="-461963" algn="l" defTabSz="914400" rtl="0" eaLnBrk="1" latinLnBrk="0" hangingPunct="1">
+              <a:spcBef>
+                <a:spcPct val="20000"/>
+              </a:spcBef>
+              <a:buClr>
+                <a:schemeClr val="tx1">
+                  <a:lumMod val="75000"/>
+                  <a:lumOff val="25000"/>
+                </a:schemeClr>
+              </a:buClr>
+              <a:buSzPct val="75000"/>
+              <a:buFont typeface="Wingdings 2" pitchFamily="18" charset="2"/>
+              <a:buChar char=""/>
+              <a:defRPr lang="en-US" sz="1800" kern="1200" dirty="0">
+                <a:solidFill>
+                  <a:schemeClr val="tx1">
+                    <a:lumMod val="75000"/>
+                    <a:lumOff val="25000"/>
+                  </a:schemeClr>
+                </a:solidFill>
+                <a:latin typeface="+mn-lt"/>
+                <a:ea typeface="+mn-ea"/>
+                <a:cs typeface="+mn-cs"/>
+              </a:defRPr>
+            </a:lvl9pPr>
+          </a:lstStyle>
+          <a:p>
+            <a:r>
+              <a:rPr kumimoji="1" lang="en-US" altLang="zh-CN" dirty="0">
+                <a:solidFill>
+                  <a:schemeClr val="tx1"/>
+                </a:solidFill>
+              </a:rPr>
+              <a:t>Broadly given an event x with probability P(x), the information content is defined as follows:</a:t>
+            </a:r>
+          </a:p>
+          <a:p>
+            <a:pPr marL="914400">
+              <a:buNone/>
+            </a:pPr>
+            <a:r>
+              <a:rPr kumimoji="1" lang="en-US" altLang="zh-CN" b="1" dirty="0">
+                <a:solidFill>
+                  <a:schemeClr val="tx1"/>
+                </a:solidFill>
+              </a:rPr>
+              <a:t>I(x) = -</a:t>
+            </a:r>
+            <a:r>
+              <a:rPr kumimoji="1" lang="en-US" altLang="zh-CN" b="1" dirty="0" err="1">
+                <a:solidFill>
+                  <a:schemeClr val="tx1"/>
+                </a:solidFill>
+              </a:rPr>
+              <a:t>log</a:t>
+            </a:r>
+            <a:r>
+              <a:rPr kumimoji="1" lang="en-US" altLang="zh-CN" b="1" baseline="-25000" dirty="0" err="1">
+                <a:solidFill>
+                  <a:schemeClr val="tx1"/>
+                </a:solidFill>
+              </a:rPr>
+              <a:t>b</a:t>
+            </a:r>
+            <a:r>
+              <a:rPr kumimoji="1" lang="en-US" altLang="zh-CN" b="1" dirty="0" err="1">
+                <a:solidFill>
+                  <a:schemeClr val="tx1"/>
+                </a:solidFill>
+              </a:rPr>
+              <a:t>P</a:t>
+            </a:r>
+            <a:r>
+              <a:rPr kumimoji="1" lang="en-US" altLang="zh-CN" b="1" dirty="0">
+                <a:solidFill>
+                  <a:schemeClr val="tx1"/>
+                </a:solidFill>
+              </a:rPr>
+              <a:t>(x)</a:t>
+            </a:r>
+          </a:p>
+          <a:p>
+            <a:pPr marL="914400">
+              <a:buNone/>
+            </a:pPr>
+            <a:r>
+              <a:rPr kumimoji="1" lang="en-US" altLang="zh-CN" dirty="0">
+                <a:solidFill>
+                  <a:schemeClr val="tx1"/>
+                </a:solidFill>
+              </a:rPr>
+              <a:t>When b=2, units called bits or </a:t>
+            </a:r>
+            <a:r>
+              <a:rPr kumimoji="1" lang="en-US" altLang="zh-CN" dirty="0" err="1">
+                <a:solidFill>
+                  <a:schemeClr val="tx1"/>
+                </a:solidFill>
+              </a:rPr>
+              <a:t>shannons</a:t>
+            </a:r>
+            <a:r>
+              <a:rPr kumimoji="1" lang="en-US" altLang="zh-CN" dirty="0">
+                <a:solidFill>
+                  <a:schemeClr val="tx1"/>
+                </a:solidFill>
+              </a:rPr>
+              <a:t>; b = e, units called </a:t>
+            </a:r>
+            <a:r>
+              <a:rPr kumimoji="1" lang="en-US" altLang="zh-CN" dirty="0" err="1">
+                <a:solidFill>
+                  <a:schemeClr val="tx1"/>
+                </a:solidFill>
+              </a:rPr>
+              <a:t>nats</a:t>
+            </a:r>
+            <a:r>
+              <a:rPr kumimoji="1" lang="en-US" altLang="zh-CN" dirty="0">
+                <a:solidFill>
+                  <a:schemeClr val="tx1"/>
+                </a:solidFill>
+              </a:rPr>
+              <a:t>.</a:t>
+            </a:r>
+          </a:p>
+          <a:p>
+            <a:endParaRPr kumimoji="1" lang="zh-CN" altLang="en-US" dirty="0">
+              <a:solidFill>
+                <a:schemeClr val="tx1"/>
+              </a:solidFill>
+            </a:endParaRPr>
+          </a:p>
+        </p:txBody>
+      </p:sp>
+    </p:spTree>
+    <p:extLst>
+      <p:ext uri="{BB962C8B-B14F-4D97-AF65-F5344CB8AC3E}">
+        <p14:creationId xmlns:p14="http://schemas.microsoft.com/office/powerpoint/2010/main" val="2485046714"/>
+      </p:ext>
+    </p:extLst>
+  </p:cSld>
+  <p:clrMapOvr>
+    <a:masterClrMapping/>
+  </p:clrMapOvr>
+</p:sld>
+</file>
+
+<file path=ppt/slides/slide11.xml><?xml version="1.0" encoding="utf-8"?>
+<p:sld xmlns:a="http://schemas.openxmlformats.org/drawingml/2006/main" xmlns:r="http://schemas.openxmlformats.org/officeDocument/2006/relationships" xmlns:p="http://schemas.openxmlformats.org/presentationml/2006/main">
+  <p:cSld>
+    <p:spTree>
+      <p:nvGrpSpPr>
+        <p:cNvPr id="1" name=""/>
+        <p:cNvGrpSpPr/>
+        <p:nvPr/>
+      </p:nvGrpSpPr>
+      <p:grpSpPr>
+        <a:xfrm>
+          <a:off x="0" y="0"/>
+          <a:ext cx="0" cy="0"/>
+          <a:chOff x="0" y="0"/>
+          <a:chExt cx="0" cy="0"/>
+        </a:xfrm>
+      </p:grpSpPr>
+      <p:sp>
+        <p:nvSpPr>
+          <p:cNvPr id="5" name="标题 1">
+            <a:extLst>
+              <a:ext uri="{FF2B5EF4-FFF2-40B4-BE49-F238E27FC236}">
+                <a16:creationId xmlns:a16="http://schemas.microsoft.com/office/drawing/2014/main" id="{F0511409-B9AF-4D30-B635-901BDDA9EAD1}"/>
+              </a:ext>
+            </a:extLst>
+          </p:cNvPr>
+          <p:cNvSpPr>
+            <a:spLocks noGrp="1"/>
+          </p:cNvSpPr>
+          <p:nvPr>
+            <p:ph type="title"/>
+          </p:nvPr>
+        </p:nvSpPr>
+        <p:spPr>
+          <a:xfrm>
+            <a:off x="460664" y="539176"/>
+            <a:ext cx="8048336" cy="750455"/>
+          </a:xfrm>
+        </p:spPr>
+        <p:txBody>
+          <a:bodyPr/>
+          <a:lstStyle/>
+          <a:p>
+            <a:pPr algn="l"/>
+            <a:r>
+              <a:rPr lang="en-US" altLang="ja-JP" sz="4000" baseline="30000" dirty="0">
+                <a:solidFill>
+                  <a:schemeClr val="bg1"/>
+                </a:solidFill>
+                <a:latin typeface="黑体"/>
+                <a:ea typeface="黑体"/>
+                <a:cs typeface="黑体"/>
+              </a:rPr>
+              <a:t>2.2 Shannon Entropy</a:t>
+            </a:r>
+            <a:endParaRPr lang="ja-JP" altLang="en-US" sz="4000" baseline="30000" dirty="0">
+              <a:solidFill>
+                <a:schemeClr val="bg1"/>
+              </a:solidFill>
+              <a:latin typeface="黑体"/>
+              <a:ea typeface="黑体"/>
+              <a:cs typeface="黑体"/>
+            </a:endParaRPr>
+          </a:p>
+        </p:txBody>
+      </p:sp>
+      <p:sp>
+        <p:nvSpPr>
+          <p:cNvPr id="3" name="内容占位符 4">
+            <a:extLst>
+              <a:ext uri="{FF2B5EF4-FFF2-40B4-BE49-F238E27FC236}">
+                <a16:creationId xmlns:a16="http://schemas.microsoft.com/office/drawing/2014/main" id="{C3A1C0B0-1BA2-46B8-86D0-C2FA375EBD02}"/>
+              </a:ext>
+            </a:extLst>
+          </p:cNvPr>
+          <p:cNvSpPr txBox="1">
+            <a:spLocks/>
+          </p:cNvSpPr>
+          <p:nvPr/>
+        </p:nvSpPr>
+        <p:spPr>
+          <a:xfrm>
+            <a:off x="207819" y="1381587"/>
+            <a:ext cx="8827124" cy="2443793"/>
+          </a:xfrm>
+          <a:prstGeom prst="rect">
+            <a:avLst/>
+          </a:prstGeom>
+        </p:spPr>
+        <p:txBody>
+          <a:bodyPr vert="horz" lIns="91440" tIns="45720" rIns="91440" bIns="45720" rtlCol="0">
+            <a:normAutofit/>
+          </a:bodyPr>
+          <a:lstStyle>
+            <a:lvl1pPr marL="457200" indent="-457200" algn="l" defTabSz="914400" rtl="0" eaLnBrk="1" latinLnBrk="0" hangingPunct="1">
+              <a:spcBef>
+                <a:spcPts val="2000"/>
+              </a:spcBef>
+              <a:buClr>
+                <a:schemeClr val="tx1">
+                  <a:lumMod val="75000"/>
+                  <a:lumOff val="25000"/>
+                </a:schemeClr>
+              </a:buClr>
+              <a:buSzPct val="75000"/>
+              <a:buFont typeface="Wingdings 2" pitchFamily="18" charset="2"/>
+              <a:buChar char=""/>
+              <a:defRPr sz="2200" kern="1200">
+                <a:solidFill>
+                  <a:schemeClr val="tx1">
+                    <a:lumMod val="75000"/>
+                    <a:lumOff val="25000"/>
+                  </a:schemeClr>
+                </a:solidFill>
+                <a:latin typeface="+mn-lt"/>
+                <a:ea typeface="+mn-ea"/>
+                <a:cs typeface="+mn-cs"/>
+              </a:defRPr>
+            </a:lvl1pPr>
+            <a:lvl2pPr marL="914400" indent="-457200" algn="l" defTabSz="914400" rtl="0" eaLnBrk="1" latinLnBrk="0" hangingPunct="1">
+              <a:spcBef>
+                <a:spcPts val="600"/>
+              </a:spcBef>
+              <a:buClr>
+                <a:schemeClr val="tx1">
+                  <a:lumMod val="50000"/>
+                  <a:lumOff val="50000"/>
+                </a:schemeClr>
+              </a:buClr>
+              <a:buSzPct val="75000"/>
+              <a:buFont typeface="Wingdings 2" pitchFamily="18" charset="2"/>
+              <a:buChar char=""/>
+              <a:defRPr sz="2000" kern="1200">
+                <a:solidFill>
+                  <a:schemeClr val="tx1">
+                    <a:lumMod val="75000"/>
+                    <a:lumOff val="25000"/>
+                  </a:schemeClr>
+                </a:solidFill>
+                <a:latin typeface="+mn-lt"/>
+                <a:ea typeface="+mn-ea"/>
+                <a:cs typeface="+mn-cs"/>
+              </a:defRPr>
+            </a:lvl2pPr>
+            <a:lvl3pPr marL="1371600" indent="-457200" algn="l" defTabSz="914400" rtl="0" eaLnBrk="1" latinLnBrk="0" hangingPunct="1">
+              <a:spcBef>
+                <a:spcPts val="600"/>
+              </a:spcBef>
+              <a:buClr>
+                <a:schemeClr val="tx1">
+                  <a:lumMod val="75000"/>
+                  <a:lumOff val="25000"/>
+                </a:schemeClr>
+              </a:buClr>
+              <a:buSzPct val="75000"/>
+              <a:buFont typeface="Wingdings 2" pitchFamily="18" charset="2"/>
+              <a:buChar char=""/>
+              <a:defRPr sz="1800" kern="1200">
+                <a:solidFill>
+                  <a:schemeClr val="tx1">
+                    <a:lumMod val="75000"/>
+                    <a:lumOff val="25000"/>
+                  </a:schemeClr>
+                </a:solidFill>
+                <a:latin typeface="+mn-lt"/>
+                <a:ea typeface="+mn-ea"/>
+                <a:cs typeface="+mn-cs"/>
+              </a:defRPr>
+            </a:lvl3pPr>
+            <a:lvl4pPr marL="1828800" indent="-457200" algn="l" defTabSz="914400" rtl="0" eaLnBrk="1" latinLnBrk="0" hangingPunct="1">
+              <a:spcBef>
+                <a:spcPts val="600"/>
+              </a:spcBef>
+              <a:buClr>
+                <a:schemeClr val="tx1">
+                  <a:lumMod val="50000"/>
+                  <a:lumOff val="50000"/>
+                </a:schemeClr>
+              </a:buClr>
+              <a:buSzPct val="75000"/>
+              <a:buFont typeface="Wingdings 2" pitchFamily="18" charset="2"/>
+              <a:buChar char=""/>
+              <a:defRPr sz="1800" kern="1200">
+                <a:solidFill>
+                  <a:schemeClr val="tx1">
+                    <a:lumMod val="75000"/>
+                    <a:lumOff val="25000"/>
+                  </a:schemeClr>
+                </a:solidFill>
+                <a:latin typeface="+mn-lt"/>
+                <a:ea typeface="+mn-ea"/>
+                <a:cs typeface="+mn-cs"/>
+              </a:defRPr>
+            </a:lvl4pPr>
+            <a:lvl5pPr marL="2286000" indent="-457200" algn="l" defTabSz="914400" rtl="0" eaLnBrk="1" latinLnBrk="0" hangingPunct="1">
+              <a:spcBef>
+                <a:spcPts val="600"/>
+              </a:spcBef>
+              <a:buClr>
+                <a:schemeClr val="tx1">
+                  <a:lumMod val="75000"/>
+                  <a:lumOff val="25000"/>
+                </a:schemeClr>
+              </a:buClr>
+              <a:buSzPct val="75000"/>
+              <a:buFont typeface="Wingdings 2" pitchFamily="18" charset="2"/>
+              <a:buChar char=""/>
+              <a:defRPr sz="1800" kern="1200">
+                <a:solidFill>
+                  <a:schemeClr val="tx1">
+                    <a:lumMod val="75000"/>
+                    <a:lumOff val="25000"/>
+                  </a:schemeClr>
+                </a:solidFill>
+                <a:latin typeface="+mn-lt"/>
+                <a:ea typeface="+mn-ea"/>
+                <a:cs typeface="+mn-cs"/>
+              </a:defRPr>
+            </a:lvl5pPr>
+            <a:lvl6pPr marL="2743200" indent="-461963" algn="l" defTabSz="914400" rtl="0" eaLnBrk="1" latinLnBrk="0" hangingPunct="1">
+              <a:spcBef>
+                <a:spcPct val="20000"/>
+              </a:spcBef>
+              <a:buClr>
+                <a:schemeClr val="tx1">
+                  <a:lumMod val="50000"/>
+                  <a:lumOff val="50000"/>
+                </a:schemeClr>
+              </a:buClr>
+              <a:buSzPct val="75000"/>
+              <a:buFont typeface="Wingdings 2" pitchFamily="18" charset="2"/>
+              <a:buChar char=""/>
+              <a:defRPr lang="en-US" sz="1800" kern="1200" dirty="0" smtClean="0">
+                <a:solidFill>
+                  <a:schemeClr val="tx1">
+                    <a:lumMod val="75000"/>
+                    <a:lumOff val="25000"/>
+                  </a:schemeClr>
+                </a:solidFill>
+                <a:latin typeface="+mn-lt"/>
+                <a:ea typeface="+mn-ea"/>
+                <a:cs typeface="+mn-cs"/>
+              </a:defRPr>
+            </a:lvl6pPr>
+            <a:lvl7pPr marL="3205163" indent="-461963" algn="l" defTabSz="914400" rtl="0" eaLnBrk="1" latinLnBrk="0" hangingPunct="1">
+              <a:spcBef>
+                <a:spcPct val="20000"/>
+              </a:spcBef>
+              <a:buClr>
+                <a:schemeClr val="tx1">
+                  <a:lumMod val="75000"/>
+                  <a:lumOff val="25000"/>
+                </a:schemeClr>
+              </a:buClr>
+              <a:buSzPct val="75000"/>
+              <a:buFont typeface="Wingdings 2" pitchFamily="18" charset="2"/>
+              <a:buChar char=""/>
+              <a:defRPr lang="en-US" sz="1800" kern="1200" dirty="0" smtClean="0">
+                <a:solidFill>
+                  <a:schemeClr val="tx1">
+                    <a:lumMod val="75000"/>
+                    <a:lumOff val="25000"/>
+                  </a:schemeClr>
+                </a:solidFill>
+                <a:latin typeface="+mn-lt"/>
+                <a:ea typeface="+mn-ea"/>
+                <a:cs typeface="+mn-cs"/>
+              </a:defRPr>
+            </a:lvl7pPr>
+            <a:lvl8pPr marL="3657600" indent="-461963" algn="l" defTabSz="914400" rtl="0" eaLnBrk="1" latinLnBrk="0" hangingPunct="1">
+              <a:spcBef>
+                <a:spcPct val="20000"/>
+              </a:spcBef>
+              <a:buClr>
+                <a:schemeClr val="tx1">
+                  <a:lumMod val="50000"/>
+                  <a:lumOff val="50000"/>
+                </a:schemeClr>
+              </a:buClr>
+              <a:buSzPct val="75000"/>
+              <a:buFont typeface="Wingdings 2" pitchFamily="18" charset="2"/>
+              <a:buChar char=""/>
+              <a:defRPr lang="en-US" sz="1800" kern="1200" dirty="0" smtClean="0">
+                <a:solidFill>
+                  <a:schemeClr val="tx1">
+                    <a:lumMod val="75000"/>
+                    <a:lumOff val="25000"/>
+                  </a:schemeClr>
+                </a:solidFill>
+                <a:latin typeface="+mn-lt"/>
+                <a:ea typeface="+mn-ea"/>
+                <a:cs typeface="+mn-cs"/>
+              </a:defRPr>
+            </a:lvl8pPr>
+            <a:lvl9pPr marL="4119563" indent="-461963" algn="l" defTabSz="914400" rtl="0" eaLnBrk="1" latinLnBrk="0" hangingPunct="1">
+              <a:spcBef>
+                <a:spcPct val="20000"/>
+              </a:spcBef>
+              <a:buClr>
+                <a:schemeClr val="tx1">
+                  <a:lumMod val="75000"/>
+                  <a:lumOff val="25000"/>
+                </a:schemeClr>
+              </a:buClr>
+              <a:buSzPct val="75000"/>
+              <a:buFont typeface="Wingdings 2" pitchFamily="18" charset="2"/>
+              <a:buChar char=""/>
+              <a:defRPr lang="en-US" sz="1800" kern="1200" dirty="0">
+                <a:solidFill>
+                  <a:schemeClr val="tx1">
+                    <a:lumMod val="75000"/>
+                    <a:lumOff val="25000"/>
+                  </a:schemeClr>
+                </a:solidFill>
+                <a:latin typeface="+mn-lt"/>
+                <a:ea typeface="+mn-ea"/>
+                <a:cs typeface="+mn-cs"/>
+              </a:defRPr>
+            </a:lvl9pPr>
+          </a:lstStyle>
+          <a:p>
+            <a:r>
+              <a:rPr kumimoji="1" lang="en-US" altLang="zh-CN" dirty="0">
+                <a:solidFill>
+                  <a:schemeClr val="tx1"/>
+                </a:solidFill>
+              </a:rPr>
+              <a:t>In information theory, the entropy of a random variable is the average level of "information", "surprise", or "uncertainty" inherent in the variable's possible outcomes. </a:t>
+            </a:r>
+          </a:p>
+          <a:p>
+            <a:r>
+              <a:rPr kumimoji="1" lang="en-US" altLang="zh-CN" dirty="0">
+                <a:solidFill>
+                  <a:schemeClr val="tx1"/>
+                </a:solidFill>
+              </a:rPr>
+              <a:t>The concept of information entropy was introduced by Claude Shannon in his 1948 paper "A Mathematical Theory of Communication".</a:t>
+            </a:r>
+            <a:endParaRPr kumimoji="1" lang="zh-CN" altLang="en-US" dirty="0">
+              <a:solidFill>
+                <a:schemeClr val="tx1"/>
+              </a:solidFill>
+            </a:endParaRPr>
+          </a:p>
+        </p:txBody>
+      </p:sp>
+      <mc:AlternateContent xmlns:mc="http://schemas.openxmlformats.org/markup-compatibility/2006">
+        <mc:Choice xmlns:a14="http://schemas.microsoft.com/office/drawing/2010/main" Requires="a14">
+          <p:sp>
+            <p:nvSpPr>
+              <p:cNvPr id="4" name="内容占位符 4">
+                <a:extLst>
+                  <a:ext uri="{FF2B5EF4-FFF2-40B4-BE49-F238E27FC236}">
+                    <a16:creationId xmlns:a16="http://schemas.microsoft.com/office/drawing/2014/main" id="{42DF0A3D-6AB6-4BF1-97E2-E4E9DB86D39C}"/>
+                  </a:ext>
+                </a:extLst>
+              </p:cNvPr>
+              <p:cNvSpPr txBox="1">
+                <a:spLocks/>
+              </p:cNvSpPr>
+              <p:nvPr/>
+            </p:nvSpPr>
+            <p:spPr>
+              <a:xfrm>
+                <a:off x="207819" y="3825380"/>
+                <a:ext cx="9011682" cy="2493443"/>
+              </a:xfrm>
+              <a:prstGeom prst="rect">
+                <a:avLst/>
+              </a:prstGeom>
+            </p:spPr>
+            <p:txBody>
+              <a:bodyPr vert="horz" lIns="91440" tIns="45720" rIns="91440" bIns="45720" rtlCol="0">
+                <a:normAutofit lnSpcReduction="10000"/>
+              </a:bodyPr>
+              <a:lstStyle>
+                <a:lvl1pPr marL="457200" indent="-457200" algn="l" defTabSz="914400" rtl="0" eaLnBrk="1" latinLnBrk="0" hangingPunct="1">
+                  <a:spcBef>
+                    <a:spcPts val="2000"/>
+                  </a:spcBef>
+                  <a:buClr>
+                    <a:schemeClr val="tx1">
+                      <a:lumMod val="75000"/>
+                      <a:lumOff val="25000"/>
+                    </a:schemeClr>
+                  </a:buClr>
+                  <a:buSzPct val="75000"/>
+                  <a:buFont typeface="Wingdings 2" pitchFamily="18" charset="2"/>
+                  <a:buChar char=""/>
+                  <a:defRPr sz="2200" kern="1200">
+                    <a:solidFill>
+                      <a:schemeClr val="tx1">
+                        <a:lumMod val="75000"/>
+                        <a:lumOff val="25000"/>
+                      </a:schemeClr>
+                    </a:solidFill>
+                    <a:latin typeface="+mn-lt"/>
+                    <a:ea typeface="+mn-ea"/>
+                    <a:cs typeface="+mn-cs"/>
+                  </a:defRPr>
+                </a:lvl1pPr>
+                <a:lvl2pPr marL="914400" indent="-457200" algn="l" defTabSz="914400" rtl="0" eaLnBrk="1" latinLnBrk="0" hangingPunct="1">
+                  <a:spcBef>
+                    <a:spcPts val="600"/>
+                  </a:spcBef>
+                  <a:buClr>
+                    <a:schemeClr val="tx1">
+                      <a:lumMod val="50000"/>
+                      <a:lumOff val="50000"/>
+                    </a:schemeClr>
+                  </a:buClr>
+                  <a:buSzPct val="75000"/>
+                  <a:buFont typeface="Wingdings 2" pitchFamily="18" charset="2"/>
+                  <a:buChar char=""/>
+                  <a:defRPr sz="2000" kern="1200">
+                    <a:solidFill>
+                      <a:schemeClr val="tx1">
+                        <a:lumMod val="75000"/>
+                        <a:lumOff val="25000"/>
+                      </a:schemeClr>
+                    </a:solidFill>
+                    <a:latin typeface="+mn-lt"/>
+                    <a:ea typeface="+mn-ea"/>
+                    <a:cs typeface="+mn-cs"/>
+                  </a:defRPr>
+                </a:lvl2pPr>
+                <a:lvl3pPr marL="1371600" indent="-457200" algn="l" defTabSz="914400" rtl="0" eaLnBrk="1" latinLnBrk="0" hangingPunct="1">
+                  <a:spcBef>
+                    <a:spcPts val="600"/>
+                  </a:spcBef>
+                  <a:buClr>
+                    <a:schemeClr val="tx1">
+                      <a:lumMod val="75000"/>
+                      <a:lumOff val="25000"/>
+                    </a:schemeClr>
+                  </a:buClr>
+                  <a:buSzPct val="75000"/>
+                  <a:buFont typeface="Wingdings 2" pitchFamily="18" charset="2"/>
+                  <a:buChar char=""/>
+                  <a:defRPr sz="1800" kern="1200">
+                    <a:solidFill>
+                      <a:schemeClr val="tx1">
+                        <a:lumMod val="75000"/>
+                        <a:lumOff val="25000"/>
+                      </a:schemeClr>
+                    </a:solidFill>
+                    <a:latin typeface="+mn-lt"/>
+                    <a:ea typeface="+mn-ea"/>
+                    <a:cs typeface="+mn-cs"/>
+                  </a:defRPr>
+                </a:lvl3pPr>
+                <a:lvl4pPr marL="1828800" indent="-457200" algn="l" defTabSz="914400" rtl="0" eaLnBrk="1" latinLnBrk="0" hangingPunct="1">
+                  <a:spcBef>
+                    <a:spcPts val="600"/>
+                  </a:spcBef>
+                  <a:buClr>
+                    <a:schemeClr val="tx1">
+                      <a:lumMod val="50000"/>
+                      <a:lumOff val="50000"/>
+                    </a:schemeClr>
+                  </a:buClr>
+                  <a:buSzPct val="75000"/>
+                  <a:buFont typeface="Wingdings 2" pitchFamily="18" charset="2"/>
+                  <a:buChar char=""/>
+                  <a:defRPr sz="1800" kern="1200">
+                    <a:solidFill>
+                      <a:schemeClr val="tx1">
+                        <a:lumMod val="75000"/>
+                        <a:lumOff val="25000"/>
+                      </a:schemeClr>
+                    </a:solidFill>
+                    <a:latin typeface="+mn-lt"/>
+                    <a:ea typeface="+mn-ea"/>
+                    <a:cs typeface="+mn-cs"/>
+                  </a:defRPr>
+                </a:lvl4pPr>
+                <a:lvl5pPr marL="2286000" indent="-457200" algn="l" defTabSz="914400" rtl="0" eaLnBrk="1" latinLnBrk="0" hangingPunct="1">
+                  <a:spcBef>
+                    <a:spcPts val="600"/>
+                  </a:spcBef>
+                  <a:buClr>
+                    <a:schemeClr val="tx1">
+                      <a:lumMod val="75000"/>
+                      <a:lumOff val="25000"/>
+                    </a:schemeClr>
+                  </a:buClr>
+                  <a:buSzPct val="75000"/>
+                  <a:buFont typeface="Wingdings 2" pitchFamily="18" charset="2"/>
+                  <a:buChar char=""/>
+                  <a:defRPr sz="1800" kern="1200">
+                    <a:solidFill>
+                      <a:schemeClr val="tx1">
+                        <a:lumMod val="75000"/>
+                        <a:lumOff val="25000"/>
+                      </a:schemeClr>
+                    </a:solidFill>
+                    <a:latin typeface="+mn-lt"/>
+                    <a:ea typeface="+mn-ea"/>
+                    <a:cs typeface="+mn-cs"/>
+                  </a:defRPr>
+                </a:lvl5pPr>
+                <a:lvl6pPr marL="2743200" indent="-461963" algn="l" defTabSz="914400" rtl="0" eaLnBrk="1" latinLnBrk="0" hangingPunct="1">
+                  <a:spcBef>
+                    <a:spcPct val="20000"/>
+                  </a:spcBef>
+                  <a:buClr>
+                    <a:schemeClr val="tx1">
+                      <a:lumMod val="50000"/>
+                      <a:lumOff val="50000"/>
+                    </a:schemeClr>
+                  </a:buClr>
+                  <a:buSzPct val="75000"/>
+                  <a:buFont typeface="Wingdings 2" pitchFamily="18" charset="2"/>
+                  <a:buChar char=""/>
+                  <a:defRPr lang="en-US" sz="1800" kern="1200" dirty="0" smtClean="0">
+                    <a:solidFill>
+                      <a:schemeClr val="tx1">
+                        <a:lumMod val="75000"/>
+                        <a:lumOff val="25000"/>
+                      </a:schemeClr>
+                    </a:solidFill>
+                    <a:latin typeface="+mn-lt"/>
+                    <a:ea typeface="+mn-ea"/>
+                    <a:cs typeface="+mn-cs"/>
+                  </a:defRPr>
+                </a:lvl6pPr>
+                <a:lvl7pPr marL="3205163" indent="-461963" algn="l" defTabSz="914400" rtl="0" eaLnBrk="1" latinLnBrk="0" hangingPunct="1">
+                  <a:spcBef>
+                    <a:spcPct val="20000"/>
+                  </a:spcBef>
+                  <a:buClr>
+                    <a:schemeClr val="tx1">
+                      <a:lumMod val="75000"/>
+                      <a:lumOff val="25000"/>
+                    </a:schemeClr>
+                  </a:buClr>
+                  <a:buSzPct val="75000"/>
+                  <a:buFont typeface="Wingdings 2" pitchFamily="18" charset="2"/>
+                  <a:buChar char=""/>
+                  <a:defRPr lang="en-US" sz="1800" kern="1200" dirty="0" smtClean="0">
+                    <a:solidFill>
+                      <a:schemeClr val="tx1">
+                        <a:lumMod val="75000"/>
+                        <a:lumOff val="25000"/>
+                      </a:schemeClr>
+                    </a:solidFill>
+                    <a:latin typeface="+mn-lt"/>
+                    <a:ea typeface="+mn-ea"/>
+                    <a:cs typeface="+mn-cs"/>
+                  </a:defRPr>
+                </a:lvl7pPr>
+                <a:lvl8pPr marL="3657600" indent="-461963" algn="l" defTabSz="914400" rtl="0" eaLnBrk="1" latinLnBrk="0" hangingPunct="1">
+                  <a:spcBef>
+                    <a:spcPct val="20000"/>
+                  </a:spcBef>
+                  <a:buClr>
+                    <a:schemeClr val="tx1">
+                      <a:lumMod val="50000"/>
+                      <a:lumOff val="50000"/>
+                    </a:schemeClr>
+                  </a:buClr>
+                  <a:buSzPct val="75000"/>
+                  <a:buFont typeface="Wingdings 2" pitchFamily="18" charset="2"/>
+                  <a:buChar char=""/>
+                  <a:defRPr lang="en-US" sz="1800" kern="1200" dirty="0" smtClean="0">
+                    <a:solidFill>
+                      <a:schemeClr val="tx1">
+                        <a:lumMod val="75000"/>
+                        <a:lumOff val="25000"/>
+                      </a:schemeClr>
+                    </a:solidFill>
+                    <a:latin typeface="+mn-lt"/>
+                    <a:ea typeface="+mn-ea"/>
+                    <a:cs typeface="+mn-cs"/>
+                  </a:defRPr>
+                </a:lvl8pPr>
+                <a:lvl9pPr marL="4119563" indent="-461963" algn="l" defTabSz="914400" rtl="0" eaLnBrk="1" latinLnBrk="0" hangingPunct="1">
+                  <a:spcBef>
+                    <a:spcPct val="20000"/>
+                  </a:spcBef>
+                  <a:buClr>
+                    <a:schemeClr val="tx1">
+                      <a:lumMod val="75000"/>
+                      <a:lumOff val="25000"/>
+                    </a:schemeClr>
+                  </a:buClr>
+                  <a:buSzPct val="75000"/>
+                  <a:buFont typeface="Wingdings 2" pitchFamily="18" charset="2"/>
+                  <a:buChar char=""/>
+                  <a:defRPr lang="en-US" sz="1800" kern="1200" dirty="0">
+                    <a:solidFill>
+                      <a:schemeClr val="tx1">
+                        <a:lumMod val="75000"/>
+                        <a:lumOff val="25000"/>
+                      </a:schemeClr>
+                    </a:solidFill>
+                    <a:latin typeface="+mn-lt"/>
+                    <a:ea typeface="+mn-ea"/>
+                    <a:cs typeface="+mn-cs"/>
+                  </a:defRPr>
+                </a:lvl9pPr>
+              </a:lstStyle>
+              <a:p>
+                <a:r>
+                  <a:rPr kumimoji="1" lang="en-US" altLang="zh-CN" dirty="0">
+                    <a:solidFill>
+                      <a:schemeClr val="tx1"/>
+                    </a:solidFill>
+                  </a:rPr>
+                  <a:t>Self-information deals only with a single outcome. We can quantify the amount of uncertainty in an entire probability distribution using the Shannon entropy: </a:t>
+                </a:r>
+              </a:p>
+              <a:p>
+                <a:pPr indent="0">
+                  <a:buNone/>
+                </a:pPr>
+                <a14:m>
+                  <m:oMath xmlns:m="http://schemas.openxmlformats.org/officeDocument/2006/math">
+                    <m:r>
+                      <a:rPr kumimoji="1" lang="en-US" altLang="zh-CN" b="1" i="1" smtClean="0">
+                        <a:solidFill>
+                          <a:schemeClr val="tx1"/>
+                        </a:solidFill>
+                        <a:latin typeface="Cambria Math" panose="02040503050406030204" pitchFamily="18" charset="0"/>
+                      </a:rPr>
+                      <m:t>𝑯</m:t>
+                    </m:r>
+                    <m:d>
+                      <m:dPr>
+                        <m:ctrlPr>
+                          <a:rPr kumimoji="1" lang="en-US" altLang="zh-CN" b="1" i="1" smtClean="0">
+                            <a:solidFill>
+                              <a:schemeClr val="tx1"/>
+                            </a:solidFill>
+                            <a:latin typeface="Cambria Math" panose="02040503050406030204" pitchFamily="18" charset="0"/>
+                          </a:rPr>
+                        </m:ctrlPr>
+                      </m:dPr>
+                      <m:e>
+                        <m:r>
+                          <a:rPr kumimoji="1" lang="en-US" altLang="zh-CN" b="1" i="1" smtClean="0">
+                            <a:solidFill>
+                              <a:schemeClr val="tx1"/>
+                            </a:solidFill>
+                            <a:latin typeface="Cambria Math" panose="02040503050406030204" pitchFamily="18" charset="0"/>
+                          </a:rPr>
+                          <m:t>𝒙</m:t>
+                        </m:r>
+                      </m:e>
+                    </m:d>
+                    <m:r>
+                      <a:rPr kumimoji="1" lang="en-US" altLang="zh-CN" b="1" i="1" smtClean="0">
+                        <a:solidFill>
+                          <a:schemeClr val="tx1"/>
+                        </a:solidFill>
+                        <a:latin typeface="Cambria Math" panose="02040503050406030204" pitchFamily="18" charset="0"/>
+                      </a:rPr>
+                      <m:t>=</m:t>
+                    </m:r>
+                    <m:r>
+                      <a:rPr kumimoji="1" lang="en-US" altLang="zh-CN" b="1" i="1" smtClean="0">
+                        <a:solidFill>
+                          <a:schemeClr val="tx1"/>
+                        </a:solidFill>
+                        <a:latin typeface="Cambria Math" panose="02040503050406030204" pitchFamily="18" charset="0"/>
+                      </a:rPr>
+                      <m:t>𝑬</m:t>
+                    </m:r>
+                    <m:d>
+                      <m:dPr>
+                        <m:begChr m:val="["/>
+                        <m:endChr m:val="]"/>
+                        <m:ctrlPr>
+                          <a:rPr kumimoji="1" lang="en-US" altLang="zh-CN" b="1" i="1" smtClean="0">
+                            <a:solidFill>
+                              <a:schemeClr val="tx1"/>
+                            </a:solidFill>
+                            <a:latin typeface="Cambria Math" panose="02040503050406030204" pitchFamily="18" charset="0"/>
+                          </a:rPr>
+                        </m:ctrlPr>
+                      </m:dPr>
+                      <m:e>
+                        <m:r>
+                          <a:rPr kumimoji="1" lang="en-US" altLang="zh-CN" b="1" i="1" smtClean="0">
+                            <a:solidFill>
+                              <a:schemeClr val="tx1"/>
+                            </a:solidFill>
+                            <a:latin typeface="Cambria Math" panose="02040503050406030204" pitchFamily="18" charset="0"/>
+                          </a:rPr>
+                          <m:t>𝑰</m:t>
+                        </m:r>
+                        <m:d>
+                          <m:dPr>
+                            <m:ctrlPr>
+                              <a:rPr kumimoji="1" lang="en-US" altLang="zh-CN" b="1" i="1" smtClean="0">
+                                <a:solidFill>
+                                  <a:schemeClr val="tx1"/>
+                                </a:solidFill>
+                                <a:latin typeface="Cambria Math" panose="02040503050406030204" pitchFamily="18" charset="0"/>
+                              </a:rPr>
+                            </m:ctrlPr>
+                          </m:dPr>
+                          <m:e>
+                            <m:r>
+                              <a:rPr kumimoji="1" lang="en-US" altLang="zh-CN" b="1" i="1" smtClean="0">
+                                <a:solidFill>
+                                  <a:schemeClr val="tx1"/>
+                                </a:solidFill>
+                                <a:latin typeface="Cambria Math" panose="02040503050406030204" pitchFamily="18" charset="0"/>
+                              </a:rPr>
+                              <m:t>𝒙</m:t>
+                            </m:r>
+                          </m:e>
+                        </m:d>
+                      </m:e>
+                    </m:d>
+                    <m:r>
+                      <a:rPr kumimoji="1" lang="en-US" altLang="zh-CN" b="1" i="1" smtClean="0">
+                        <a:solidFill>
+                          <a:schemeClr val="tx1"/>
+                        </a:solidFill>
+                        <a:latin typeface="Cambria Math" panose="02040503050406030204" pitchFamily="18" charset="0"/>
+                      </a:rPr>
+                      <m:t>=−</m:t>
+                    </m:r>
+                    <m:nary>
+                      <m:naryPr>
+                        <m:chr m:val="∑"/>
+                        <m:ctrlPr>
+                          <a:rPr kumimoji="1" lang="en-US" altLang="zh-CN" b="1" i="1" smtClean="0">
+                            <a:solidFill>
+                              <a:schemeClr val="tx1"/>
+                            </a:solidFill>
+                            <a:latin typeface="Cambria Math" panose="02040503050406030204" pitchFamily="18" charset="0"/>
+                          </a:rPr>
+                        </m:ctrlPr>
+                      </m:naryPr>
+                      <m:sub>
+                        <m:r>
+                          <m:rPr>
+                            <m:brk m:alnAt="23"/>
+                          </m:rPr>
+                          <a:rPr kumimoji="1" lang="en-US" altLang="zh-CN" b="1" i="1" smtClean="0">
+                            <a:solidFill>
+                              <a:schemeClr val="tx1"/>
+                            </a:solidFill>
+                            <a:latin typeface="Cambria Math" panose="02040503050406030204" pitchFamily="18" charset="0"/>
+                          </a:rPr>
+                          <m:t>𝒊</m:t>
+                        </m:r>
+                        <m:r>
+                          <a:rPr kumimoji="1" lang="en-US" altLang="zh-CN" b="1" i="1" smtClean="0">
+                            <a:solidFill>
+                              <a:schemeClr val="tx1"/>
+                            </a:solidFill>
+                            <a:latin typeface="Cambria Math" panose="02040503050406030204" pitchFamily="18" charset="0"/>
+                          </a:rPr>
+                          <m:t>=</m:t>
+                        </m:r>
+                        <m:r>
+                          <a:rPr kumimoji="1" lang="en-US" altLang="zh-CN" b="1" i="1" smtClean="0">
+                            <a:solidFill>
+                              <a:schemeClr val="tx1"/>
+                            </a:solidFill>
+                            <a:latin typeface="Cambria Math" panose="02040503050406030204" pitchFamily="18" charset="0"/>
+                          </a:rPr>
+                          <m:t>𝟏</m:t>
+                        </m:r>
+                      </m:sub>
+                      <m:sup>
+                        <m:r>
+                          <a:rPr kumimoji="1" lang="en-US" altLang="zh-CN" b="1" i="1" smtClean="0">
+                            <a:solidFill>
+                              <a:schemeClr val="tx1"/>
+                            </a:solidFill>
+                            <a:latin typeface="Cambria Math" panose="02040503050406030204" pitchFamily="18" charset="0"/>
+                          </a:rPr>
+                          <m:t>𝒏</m:t>
+                        </m:r>
+                      </m:sup>
+                      <m:e>
+                        <m:r>
+                          <a:rPr kumimoji="1" lang="en-US" altLang="zh-CN" b="1" i="1" smtClean="0">
+                            <a:solidFill>
+                              <a:schemeClr val="tx1"/>
+                            </a:solidFill>
+                            <a:latin typeface="Cambria Math" panose="02040503050406030204" pitchFamily="18" charset="0"/>
+                          </a:rPr>
+                          <m:t>𝑷</m:t>
+                        </m:r>
+                        <m:d>
+                          <m:dPr>
+                            <m:ctrlPr>
+                              <a:rPr kumimoji="1" lang="en-US" altLang="zh-CN" b="1" i="1" smtClean="0">
+                                <a:solidFill>
+                                  <a:schemeClr val="tx1"/>
+                                </a:solidFill>
+                                <a:latin typeface="Cambria Math" panose="02040503050406030204" pitchFamily="18" charset="0"/>
+                              </a:rPr>
+                            </m:ctrlPr>
+                          </m:dPr>
+                          <m:e>
+                            <m:sSub>
+                              <m:sSubPr>
+                                <m:ctrlPr>
+                                  <a:rPr kumimoji="1" lang="en-US" altLang="zh-CN" b="1" i="1" smtClean="0">
+                                    <a:solidFill>
+                                      <a:schemeClr val="tx1"/>
+                                    </a:solidFill>
+                                    <a:latin typeface="Cambria Math" panose="02040503050406030204" pitchFamily="18" charset="0"/>
+                                  </a:rPr>
+                                </m:ctrlPr>
+                              </m:sSubPr>
+                              <m:e>
+                                <m:r>
+                                  <a:rPr kumimoji="1" lang="en-US" altLang="zh-CN" b="1" i="1" smtClean="0">
+                                    <a:solidFill>
+                                      <a:schemeClr val="tx1"/>
+                                    </a:solidFill>
+                                    <a:latin typeface="Cambria Math" panose="02040503050406030204" pitchFamily="18" charset="0"/>
+                                  </a:rPr>
+                                  <m:t>𝒙</m:t>
+                                </m:r>
+                              </m:e>
+                              <m:sub>
+                                <m:r>
+                                  <a:rPr kumimoji="1" lang="en-US" altLang="zh-CN" b="1" i="1" smtClean="0">
+                                    <a:solidFill>
+                                      <a:schemeClr val="tx1"/>
+                                    </a:solidFill>
+                                    <a:latin typeface="Cambria Math" panose="02040503050406030204" pitchFamily="18" charset="0"/>
+                                  </a:rPr>
+                                  <m:t>𝒊</m:t>
+                                </m:r>
+                              </m:sub>
+                            </m:sSub>
+                          </m:e>
+                        </m:d>
+                        <m:r>
+                          <a:rPr kumimoji="1" lang="en-US" altLang="zh-CN" b="1" i="1" smtClean="0">
+                            <a:solidFill>
+                              <a:schemeClr val="tx1"/>
+                            </a:solidFill>
+                            <a:latin typeface="Cambria Math" panose="02040503050406030204" pitchFamily="18" charset="0"/>
+                          </a:rPr>
+                          <m:t>𝒍𝒐</m:t>
+                        </m:r>
+                        <m:sSub>
+                          <m:sSubPr>
+                            <m:ctrlPr>
+                              <a:rPr kumimoji="1" lang="en-US" altLang="zh-CN" b="1" i="1" smtClean="0">
+                                <a:solidFill>
+                                  <a:schemeClr val="tx1"/>
+                                </a:solidFill>
+                                <a:latin typeface="Cambria Math" panose="02040503050406030204" pitchFamily="18" charset="0"/>
+                              </a:rPr>
+                            </m:ctrlPr>
+                          </m:sSubPr>
+                          <m:e>
+                            <m:r>
+                              <a:rPr kumimoji="1" lang="en-US" altLang="zh-CN" b="1" i="1" smtClean="0">
+                                <a:solidFill>
+                                  <a:schemeClr val="tx1"/>
+                                </a:solidFill>
+                                <a:latin typeface="Cambria Math" panose="02040503050406030204" pitchFamily="18" charset="0"/>
+                              </a:rPr>
+                              <m:t>𝒈</m:t>
+                            </m:r>
+                          </m:e>
+                          <m:sub>
+                            <m:r>
+                              <a:rPr kumimoji="1" lang="en-US" altLang="zh-CN" b="1" i="1" smtClean="0">
+                                <a:solidFill>
+                                  <a:schemeClr val="tx1"/>
+                                </a:solidFill>
+                                <a:latin typeface="Cambria Math" panose="02040503050406030204" pitchFamily="18" charset="0"/>
+                              </a:rPr>
+                              <m:t>𝒃</m:t>
+                            </m:r>
+                          </m:sub>
+                        </m:sSub>
+                        <m:r>
+                          <a:rPr kumimoji="1" lang="en-US" altLang="zh-CN" b="1" i="1" smtClean="0">
+                            <a:solidFill>
+                              <a:schemeClr val="tx1"/>
+                            </a:solidFill>
+                            <a:latin typeface="Cambria Math" panose="02040503050406030204" pitchFamily="18" charset="0"/>
+                          </a:rPr>
+                          <m:t>𝑷</m:t>
+                        </m:r>
+                        <m:d>
+                          <m:dPr>
+                            <m:ctrlPr>
+                              <a:rPr kumimoji="1" lang="en-US" altLang="zh-CN" b="1" i="1" smtClean="0">
+                                <a:solidFill>
+                                  <a:schemeClr val="tx1"/>
+                                </a:solidFill>
+                                <a:latin typeface="Cambria Math" panose="02040503050406030204" pitchFamily="18" charset="0"/>
+                              </a:rPr>
+                            </m:ctrlPr>
+                          </m:dPr>
+                          <m:e>
+                            <m:sSub>
+                              <m:sSubPr>
+                                <m:ctrlPr>
+                                  <a:rPr kumimoji="1" lang="en-US" altLang="zh-CN" b="1" i="1" smtClean="0">
+                                    <a:solidFill>
+                                      <a:schemeClr val="tx1"/>
+                                    </a:solidFill>
+                                    <a:latin typeface="Cambria Math" panose="02040503050406030204" pitchFamily="18" charset="0"/>
+                                  </a:rPr>
+                                </m:ctrlPr>
+                              </m:sSubPr>
+                              <m:e>
+                                <m:r>
+                                  <a:rPr kumimoji="1" lang="en-US" altLang="zh-CN" b="1" i="1" smtClean="0">
+                                    <a:solidFill>
+                                      <a:schemeClr val="tx1"/>
+                                    </a:solidFill>
+                                    <a:latin typeface="Cambria Math" panose="02040503050406030204" pitchFamily="18" charset="0"/>
+                                  </a:rPr>
+                                  <m:t>𝒙</m:t>
+                                </m:r>
+                              </m:e>
+                              <m:sub>
+                                <m:r>
+                                  <a:rPr kumimoji="1" lang="en-US" altLang="zh-CN" b="1" i="1" smtClean="0">
+                                    <a:solidFill>
+                                      <a:schemeClr val="tx1"/>
+                                    </a:solidFill>
+                                    <a:latin typeface="Cambria Math" panose="02040503050406030204" pitchFamily="18" charset="0"/>
+                                  </a:rPr>
+                                  <m:t>𝒊</m:t>
+                                </m:r>
+                              </m:sub>
+                            </m:sSub>
+                          </m:e>
+                        </m:d>
+                      </m:e>
+                    </m:nary>
+                  </m:oMath>
+                </a14:m>
+                <a:r>
+                  <a:rPr kumimoji="1" lang="en-US" altLang="zh-CN" b="1" dirty="0">
+                    <a:solidFill>
+                      <a:schemeClr val="tx1"/>
+                    </a:solidFill>
+                  </a:rPr>
+                  <a:t> </a:t>
+                </a:r>
+              </a:p>
+              <a:p>
+                <a:pPr indent="0">
+                  <a:buNone/>
+                </a:pPr>
+                <a:r>
+                  <a:rPr kumimoji="1" lang="en-US" altLang="zh-CN" dirty="0">
+                    <a:solidFill>
+                      <a:schemeClr val="tx1"/>
+                    </a:solidFill>
+                  </a:rPr>
+                  <a:t>where x</a:t>
+                </a:r>
+                <a:r>
+                  <a:rPr kumimoji="1" lang="en-US" altLang="zh-CN" baseline="-25000" dirty="0">
+                    <a:solidFill>
+                      <a:schemeClr val="tx1"/>
+                    </a:solidFill>
+                  </a:rPr>
+                  <a:t>i </a:t>
+                </a:r>
+                <a:r>
+                  <a:rPr kumimoji="1" lang="en-US" altLang="zh-CN" dirty="0">
+                    <a:solidFill>
+                      <a:schemeClr val="tx1"/>
+                    </a:solidFill>
+                  </a:rPr>
+                  <a:t>is the possible outcome of a random variable X and b is the base.</a:t>
+                </a:r>
+              </a:p>
+              <a:p>
+                <a:endParaRPr kumimoji="1" lang="zh-CN" altLang="en-US" dirty="0">
+                  <a:solidFill>
+                    <a:schemeClr val="tx1"/>
+                  </a:solidFill>
+                </a:endParaRPr>
+              </a:p>
+            </p:txBody>
+          </p:sp>
+        </mc:Choice>
+        <mc:Fallback>
+          <p:sp>
+            <p:nvSpPr>
+              <p:cNvPr id="4" name="内容占位符 4">
+                <a:extLst>
+                  <a:ext uri="{FF2B5EF4-FFF2-40B4-BE49-F238E27FC236}">
+                    <a16:creationId xmlns:a16="http://schemas.microsoft.com/office/drawing/2014/main" id="{42DF0A3D-6AB6-4BF1-97E2-E4E9DB86D39C}"/>
+                  </a:ext>
+                </a:extLst>
+              </p:cNvPr>
+              <p:cNvSpPr txBox="1">
+                <a:spLocks noRot="1" noChangeAspect="1" noMove="1" noResize="1" noEditPoints="1" noAdjustHandles="1" noChangeArrowheads="1" noChangeShapeType="1" noTextEdit="1"/>
+              </p:cNvSpPr>
+              <p:nvPr/>
+            </p:nvSpPr>
+            <p:spPr>
+              <a:xfrm>
+                <a:off x="207819" y="3825380"/>
+                <a:ext cx="9011682" cy="2493443"/>
+              </a:xfrm>
+              <a:prstGeom prst="rect">
+                <a:avLst/>
+              </a:prstGeom>
+              <a:blipFill>
+                <a:blip r:embed="rId2"/>
+                <a:stretch>
+                  <a:fillRect l="-203" t="-2934" r="-1421" b="-1711"/>
+                </a:stretch>
+              </a:blipFill>
+            </p:spPr>
+            <p:txBody>
+              <a:bodyPr/>
+              <a:lstStyle/>
+              <a:p>
+                <a:r>
+                  <a:rPr lang="en-US">
+                    <a:noFill/>
+                  </a:rPr>
+                  <a:t> </a:t>
+                </a:r>
+              </a:p>
+            </p:txBody>
+          </p:sp>
+        </mc:Fallback>
+      </mc:AlternateContent>
+    </p:spTree>
+    <p:extLst>
+      <p:ext uri="{BB962C8B-B14F-4D97-AF65-F5344CB8AC3E}">
+        <p14:creationId xmlns:p14="http://schemas.microsoft.com/office/powerpoint/2010/main" val="67255391"/>
+      </p:ext>
+    </p:extLst>
+  </p:cSld>
+  <p:clrMapOvr>
+    <a:masterClrMapping/>
+  </p:clrMapOvr>
+</p:sld>
+</file>
+
+<file path=ppt/slides/slide12.xml><?xml version="1.0" encoding="utf-8"?>
+<p:sld xmlns:a="http://schemas.openxmlformats.org/drawingml/2006/main" xmlns:r="http://schemas.openxmlformats.org/officeDocument/2006/relationships" xmlns:p="http://schemas.openxmlformats.org/presentationml/2006/main">
+  <p:cSld>
+    <p:spTree>
+      <p:nvGrpSpPr>
+        <p:cNvPr id="1" name=""/>
+        <p:cNvGrpSpPr/>
+        <p:nvPr/>
+      </p:nvGrpSpPr>
+      <p:grpSpPr>
+        <a:xfrm>
+          <a:off x="0" y="0"/>
+          <a:ext cx="0" cy="0"/>
+          <a:chOff x="0" y="0"/>
+          <a:chExt cx="0" cy="0"/>
+        </a:xfrm>
+      </p:grpSpPr>
+      <p:sp>
+        <p:nvSpPr>
+          <p:cNvPr id="5" name="标题 1">
+            <a:extLst>
+              <a:ext uri="{FF2B5EF4-FFF2-40B4-BE49-F238E27FC236}">
+                <a16:creationId xmlns:a16="http://schemas.microsoft.com/office/drawing/2014/main" id="{F0511409-B9AF-4D30-B635-901BDDA9EAD1}"/>
+              </a:ext>
+            </a:extLst>
+          </p:cNvPr>
+          <p:cNvSpPr>
+            <a:spLocks noGrp="1"/>
+          </p:cNvSpPr>
+          <p:nvPr>
+            <p:ph type="title"/>
+          </p:nvPr>
+        </p:nvSpPr>
+        <p:spPr>
+          <a:xfrm>
+            <a:off x="460664" y="539176"/>
+            <a:ext cx="8048336" cy="750455"/>
+          </a:xfrm>
+        </p:spPr>
+        <p:txBody>
+          <a:bodyPr/>
+          <a:lstStyle/>
+          <a:p>
+            <a:pPr algn="l"/>
+            <a:r>
+              <a:rPr lang="en-US" altLang="ja-JP" sz="4000" baseline="30000" dirty="0">
+                <a:solidFill>
+                  <a:schemeClr val="bg1"/>
+                </a:solidFill>
+                <a:latin typeface="黑体"/>
+                <a:ea typeface="黑体"/>
+                <a:cs typeface="黑体"/>
+              </a:rPr>
+              <a:t>2.3 Practice-A</a:t>
+            </a:r>
+            <a:endParaRPr lang="ja-JP" altLang="en-US" sz="4000" baseline="30000" dirty="0">
+              <a:solidFill>
+                <a:schemeClr val="bg1"/>
+              </a:solidFill>
+              <a:latin typeface="黑体"/>
+              <a:ea typeface="黑体"/>
+              <a:cs typeface="黑体"/>
+            </a:endParaRPr>
+          </a:p>
+        </p:txBody>
+      </p:sp>
+      <p:sp>
+        <p:nvSpPr>
+          <p:cNvPr id="3" name="内容占位符 4">
+            <a:extLst>
+              <a:ext uri="{FF2B5EF4-FFF2-40B4-BE49-F238E27FC236}">
+                <a16:creationId xmlns:a16="http://schemas.microsoft.com/office/drawing/2014/main" id="{C3A1C0B0-1BA2-46B8-86D0-C2FA375EBD02}"/>
+              </a:ext>
+            </a:extLst>
+          </p:cNvPr>
+          <p:cNvSpPr txBox="1">
+            <a:spLocks/>
+          </p:cNvSpPr>
+          <p:nvPr/>
+        </p:nvSpPr>
+        <p:spPr>
+          <a:xfrm>
+            <a:off x="207819" y="1381588"/>
+            <a:ext cx="8827124" cy="1135110"/>
+          </a:xfrm>
+          <a:prstGeom prst="rect">
+            <a:avLst/>
+          </a:prstGeom>
+        </p:spPr>
+        <p:txBody>
+          <a:bodyPr vert="horz" lIns="91440" tIns="45720" rIns="91440" bIns="45720" rtlCol="0">
+            <a:normAutofit/>
+          </a:bodyPr>
+          <a:lstStyle>
+            <a:lvl1pPr marL="457200" indent="-457200" algn="l" defTabSz="914400" rtl="0" eaLnBrk="1" latinLnBrk="0" hangingPunct="1">
+              <a:spcBef>
+                <a:spcPts val="2000"/>
+              </a:spcBef>
+              <a:buClr>
+                <a:schemeClr val="tx1">
+                  <a:lumMod val="75000"/>
+                  <a:lumOff val="25000"/>
+                </a:schemeClr>
+              </a:buClr>
+              <a:buSzPct val="75000"/>
+              <a:buFont typeface="Wingdings 2" pitchFamily="18" charset="2"/>
+              <a:buChar char=""/>
+              <a:defRPr sz="2200" kern="1200">
+                <a:solidFill>
+                  <a:schemeClr val="tx1">
+                    <a:lumMod val="75000"/>
+                    <a:lumOff val="25000"/>
+                  </a:schemeClr>
+                </a:solidFill>
+                <a:latin typeface="+mn-lt"/>
+                <a:ea typeface="+mn-ea"/>
+                <a:cs typeface="+mn-cs"/>
+              </a:defRPr>
+            </a:lvl1pPr>
+            <a:lvl2pPr marL="914400" indent="-457200" algn="l" defTabSz="914400" rtl="0" eaLnBrk="1" latinLnBrk="0" hangingPunct="1">
+              <a:spcBef>
+                <a:spcPts val="600"/>
+              </a:spcBef>
+              <a:buClr>
+                <a:schemeClr val="tx1">
+                  <a:lumMod val="50000"/>
+                  <a:lumOff val="50000"/>
+                </a:schemeClr>
+              </a:buClr>
+              <a:buSzPct val="75000"/>
+              <a:buFont typeface="Wingdings 2" pitchFamily="18" charset="2"/>
+              <a:buChar char=""/>
+              <a:defRPr sz="2000" kern="1200">
+                <a:solidFill>
+                  <a:schemeClr val="tx1">
+                    <a:lumMod val="75000"/>
+                    <a:lumOff val="25000"/>
+                  </a:schemeClr>
+                </a:solidFill>
+                <a:latin typeface="+mn-lt"/>
+                <a:ea typeface="+mn-ea"/>
+                <a:cs typeface="+mn-cs"/>
+              </a:defRPr>
+            </a:lvl2pPr>
+            <a:lvl3pPr marL="1371600" indent="-457200" algn="l" defTabSz="914400" rtl="0" eaLnBrk="1" latinLnBrk="0" hangingPunct="1">
+              <a:spcBef>
+                <a:spcPts val="600"/>
+              </a:spcBef>
+              <a:buClr>
+                <a:schemeClr val="tx1">
+                  <a:lumMod val="75000"/>
+                  <a:lumOff val="25000"/>
+                </a:schemeClr>
+              </a:buClr>
+              <a:buSzPct val="75000"/>
+              <a:buFont typeface="Wingdings 2" pitchFamily="18" charset="2"/>
+              <a:buChar char=""/>
+              <a:defRPr sz="1800" kern="1200">
+                <a:solidFill>
+                  <a:schemeClr val="tx1">
+                    <a:lumMod val="75000"/>
+                    <a:lumOff val="25000"/>
+                  </a:schemeClr>
+                </a:solidFill>
+                <a:latin typeface="+mn-lt"/>
+                <a:ea typeface="+mn-ea"/>
+                <a:cs typeface="+mn-cs"/>
+              </a:defRPr>
+            </a:lvl3pPr>
+            <a:lvl4pPr marL="1828800" indent="-457200" algn="l" defTabSz="914400" rtl="0" eaLnBrk="1" latinLnBrk="0" hangingPunct="1">
+              <a:spcBef>
+                <a:spcPts val="600"/>
+              </a:spcBef>
+              <a:buClr>
+                <a:schemeClr val="tx1">
+                  <a:lumMod val="50000"/>
+                  <a:lumOff val="50000"/>
+                </a:schemeClr>
+              </a:buClr>
+              <a:buSzPct val="75000"/>
+              <a:buFont typeface="Wingdings 2" pitchFamily="18" charset="2"/>
+              <a:buChar char=""/>
+              <a:defRPr sz="1800" kern="1200">
+                <a:solidFill>
+                  <a:schemeClr val="tx1">
+                    <a:lumMod val="75000"/>
+                    <a:lumOff val="25000"/>
+                  </a:schemeClr>
+                </a:solidFill>
+                <a:latin typeface="+mn-lt"/>
+                <a:ea typeface="+mn-ea"/>
+                <a:cs typeface="+mn-cs"/>
+              </a:defRPr>
+            </a:lvl4pPr>
+            <a:lvl5pPr marL="2286000" indent="-457200" algn="l" defTabSz="914400" rtl="0" eaLnBrk="1" latinLnBrk="0" hangingPunct="1">
+              <a:spcBef>
+                <a:spcPts val="600"/>
+              </a:spcBef>
+              <a:buClr>
+                <a:schemeClr val="tx1">
+                  <a:lumMod val="75000"/>
+                  <a:lumOff val="25000"/>
+                </a:schemeClr>
+              </a:buClr>
+              <a:buSzPct val="75000"/>
+              <a:buFont typeface="Wingdings 2" pitchFamily="18" charset="2"/>
+              <a:buChar char=""/>
+              <a:defRPr sz="1800" kern="1200">
+                <a:solidFill>
+                  <a:schemeClr val="tx1">
+                    <a:lumMod val="75000"/>
+                    <a:lumOff val="25000"/>
+                  </a:schemeClr>
+                </a:solidFill>
+                <a:latin typeface="+mn-lt"/>
+                <a:ea typeface="+mn-ea"/>
+                <a:cs typeface="+mn-cs"/>
+              </a:defRPr>
+            </a:lvl5pPr>
+            <a:lvl6pPr marL="2743200" indent="-461963" algn="l" defTabSz="914400" rtl="0" eaLnBrk="1" latinLnBrk="0" hangingPunct="1">
+              <a:spcBef>
+                <a:spcPct val="20000"/>
+              </a:spcBef>
+              <a:buClr>
+                <a:schemeClr val="tx1">
+                  <a:lumMod val="50000"/>
+                  <a:lumOff val="50000"/>
+                </a:schemeClr>
+              </a:buClr>
+              <a:buSzPct val="75000"/>
+              <a:buFont typeface="Wingdings 2" pitchFamily="18" charset="2"/>
+              <a:buChar char=""/>
+              <a:defRPr lang="en-US" sz="1800" kern="1200" dirty="0" smtClean="0">
+                <a:solidFill>
+                  <a:schemeClr val="tx1">
+                    <a:lumMod val="75000"/>
+                    <a:lumOff val="25000"/>
+                  </a:schemeClr>
+                </a:solidFill>
+                <a:latin typeface="+mn-lt"/>
+                <a:ea typeface="+mn-ea"/>
+                <a:cs typeface="+mn-cs"/>
+              </a:defRPr>
+            </a:lvl6pPr>
+            <a:lvl7pPr marL="3205163" indent="-461963" algn="l" defTabSz="914400" rtl="0" eaLnBrk="1" latinLnBrk="0" hangingPunct="1">
+              <a:spcBef>
+                <a:spcPct val="20000"/>
+              </a:spcBef>
+              <a:buClr>
+                <a:schemeClr val="tx1">
+                  <a:lumMod val="75000"/>
+                  <a:lumOff val="25000"/>
+                </a:schemeClr>
+              </a:buClr>
+              <a:buSzPct val="75000"/>
+              <a:buFont typeface="Wingdings 2" pitchFamily="18" charset="2"/>
+              <a:buChar char=""/>
+              <a:defRPr lang="en-US" sz="1800" kern="1200" dirty="0" smtClean="0">
+                <a:solidFill>
+                  <a:schemeClr val="tx1">
+                    <a:lumMod val="75000"/>
+                    <a:lumOff val="25000"/>
+                  </a:schemeClr>
+                </a:solidFill>
+                <a:latin typeface="+mn-lt"/>
+                <a:ea typeface="+mn-ea"/>
+                <a:cs typeface="+mn-cs"/>
+              </a:defRPr>
+            </a:lvl7pPr>
+            <a:lvl8pPr marL="3657600" indent="-461963" algn="l" defTabSz="914400" rtl="0" eaLnBrk="1" latinLnBrk="0" hangingPunct="1">
+              <a:spcBef>
+                <a:spcPct val="20000"/>
+              </a:spcBef>
+              <a:buClr>
+                <a:schemeClr val="tx1">
+                  <a:lumMod val="50000"/>
+                  <a:lumOff val="50000"/>
+                </a:schemeClr>
+              </a:buClr>
+              <a:buSzPct val="75000"/>
+              <a:buFont typeface="Wingdings 2" pitchFamily="18" charset="2"/>
+              <a:buChar char=""/>
+              <a:defRPr lang="en-US" sz="1800" kern="1200" dirty="0" smtClean="0">
+                <a:solidFill>
+                  <a:schemeClr val="tx1">
+                    <a:lumMod val="75000"/>
+                    <a:lumOff val="25000"/>
+                  </a:schemeClr>
+                </a:solidFill>
+                <a:latin typeface="+mn-lt"/>
+                <a:ea typeface="+mn-ea"/>
+                <a:cs typeface="+mn-cs"/>
+              </a:defRPr>
+            </a:lvl8pPr>
+            <a:lvl9pPr marL="4119563" indent="-461963" algn="l" defTabSz="914400" rtl="0" eaLnBrk="1" latinLnBrk="0" hangingPunct="1">
+              <a:spcBef>
+                <a:spcPct val="20000"/>
+              </a:spcBef>
+              <a:buClr>
+                <a:schemeClr val="tx1">
+                  <a:lumMod val="75000"/>
+                  <a:lumOff val="25000"/>
+                </a:schemeClr>
+              </a:buClr>
+              <a:buSzPct val="75000"/>
+              <a:buFont typeface="Wingdings 2" pitchFamily="18" charset="2"/>
+              <a:buChar char=""/>
+              <a:defRPr lang="en-US" sz="1800" kern="1200" dirty="0">
+                <a:solidFill>
+                  <a:schemeClr val="tx1">
+                    <a:lumMod val="75000"/>
+                    <a:lumOff val="25000"/>
+                  </a:schemeClr>
+                </a:solidFill>
+                <a:latin typeface="+mn-lt"/>
+                <a:ea typeface="+mn-ea"/>
+                <a:cs typeface="+mn-cs"/>
+              </a:defRPr>
+            </a:lvl9pPr>
+          </a:lstStyle>
+          <a:p>
+            <a:r>
+              <a:rPr kumimoji="1" lang="en-US" altLang="zh-CN" dirty="0">
+                <a:solidFill>
+                  <a:schemeClr val="tx1"/>
+                </a:solidFill>
+              </a:rPr>
+              <a:t>Consider the example of a coin toss. The probability of heads is the same as the probability of tails, which is 1/2. Calculate the entropy of the coin toss.</a:t>
+            </a:r>
+          </a:p>
+          <a:p>
+            <a:endParaRPr kumimoji="1" lang="zh-CN" altLang="en-US" dirty="0">
+              <a:solidFill>
+                <a:schemeClr val="tx1"/>
+              </a:solidFill>
+            </a:endParaRPr>
+          </a:p>
+        </p:txBody>
+      </p:sp>
+      <mc:AlternateContent xmlns:mc="http://schemas.openxmlformats.org/markup-compatibility/2006">
+        <mc:Choice xmlns:a14="http://schemas.microsoft.com/office/drawing/2010/main" Requires="a14">
+          <p:sp>
+            <p:nvSpPr>
+              <p:cNvPr id="6" name="内容占位符 4">
+                <a:extLst>
+                  <a:ext uri="{FF2B5EF4-FFF2-40B4-BE49-F238E27FC236}">
+                    <a16:creationId xmlns:a16="http://schemas.microsoft.com/office/drawing/2014/main" id="{D9D69492-E153-4FEF-98AB-E145CCD6482F}"/>
+                  </a:ext>
+                </a:extLst>
+              </p:cNvPr>
+              <p:cNvSpPr txBox="1">
+                <a:spLocks/>
+              </p:cNvSpPr>
+              <p:nvPr/>
+            </p:nvSpPr>
+            <p:spPr>
+              <a:xfrm>
+                <a:off x="207819" y="2533477"/>
+                <a:ext cx="8827124" cy="3179426"/>
+              </a:xfrm>
+              <a:prstGeom prst="rect">
+                <a:avLst/>
+              </a:prstGeom>
+            </p:spPr>
+            <p:txBody>
+              <a:bodyPr vert="horz" lIns="91440" tIns="45720" rIns="91440" bIns="45720" rtlCol="0">
+                <a:normAutofit lnSpcReduction="10000"/>
+              </a:bodyPr>
+              <a:lstStyle>
+                <a:lvl1pPr marL="457200" indent="-457200" algn="l" defTabSz="914400" rtl="0" eaLnBrk="1" latinLnBrk="0" hangingPunct="1">
+                  <a:spcBef>
+                    <a:spcPts val="2000"/>
+                  </a:spcBef>
+                  <a:buClr>
+                    <a:schemeClr val="tx1">
+                      <a:lumMod val="75000"/>
+                      <a:lumOff val="25000"/>
+                    </a:schemeClr>
+                  </a:buClr>
+                  <a:buSzPct val="75000"/>
+                  <a:buFont typeface="Wingdings 2" pitchFamily="18" charset="2"/>
+                  <a:buChar char=""/>
+                  <a:defRPr sz="2200" kern="1200">
+                    <a:solidFill>
+                      <a:schemeClr val="tx1">
+                        <a:lumMod val="75000"/>
+                        <a:lumOff val="25000"/>
+                      </a:schemeClr>
+                    </a:solidFill>
+                    <a:latin typeface="+mn-lt"/>
+                    <a:ea typeface="+mn-ea"/>
+                    <a:cs typeface="+mn-cs"/>
+                  </a:defRPr>
+                </a:lvl1pPr>
+                <a:lvl2pPr marL="914400" indent="-457200" algn="l" defTabSz="914400" rtl="0" eaLnBrk="1" latinLnBrk="0" hangingPunct="1">
+                  <a:spcBef>
+                    <a:spcPts val="600"/>
+                  </a:spcBef>
+                  <a:buClr>
+                    <a:schemeClr val="tx1">
+                      <a:lumMod val="50000"/>
+                      <a:lumOff val="50000"/>
+                    </a:schemeClr>
+                  </a:buClr>
+                  <a:buSzPct val="75000"/>
+                  <a:buFont typeface="Wingdings 2" pitchFamily="18" charset="2"/>
+                  <a:buChar char=""/>
+                  <a:defRPr sz="2000" kern="1200">
+                    <a:solidFill>
+                      <a:schemeClr val="tx1">
+                        <a:lumMod val="75000"/>
+                        <a:lumOff val="25000"/>
+                      </a:schemeClr>
+                    </a:solidFill>
+                    <a:latin typeface="+mn-lt"/>
+                    <a:ea typeface="+mn-ea"/>
+                    <a:cs typeface="+mn-cs"/>
+                  </a:defRPr>
+                </a:lvl2pPr>
+                <a:lvl3pPr marL="1371600" indent="-457200" algn="l" defTabSz="914400" rtl="0" eaLnBrk="1" latinLnBrk="0" hangingPunct="1">
+                  <a:spcBef>
+                    <a:spcPts val="600"/>
+                  </a:spcBef>
+                  <a:buClr>
+                    <a:schemeClr val="tx1">
+                      <a:lumMod val="75000"/>
+                      <a:lumOff val="25000"/>
+                    </a:schemeClr>
+                  </a:buClr>
+                  <a:buSzPct val="75000"/>
+                  <a:buFont typeface="Wingdings 2" pitchFamily="18" charset="2"/>
+                  <a:buChar char=""/>
+                  <a:defRPr sz="1800" kern="1200">
+                    <a:solidFill>
+                      <a:schemeClr val="tx1">
+                        <a:lumMod val="75000"/>
+                        <a:lumOff val="25000"/>
+                      </a:schemeClr>
+                    </a:solidFill>
+                    <a:latin typeface="+mn-lt"/>
+                    <a:ea typeface="+mn-ea"/>
+                    <a:cs typeface="+mn-cs"/>
+                  </a:defRPr>
+                </a:lvl3pPr>
+                <a:lvl4pPr marL="1828800" indent="-457200" algn="l" defTabSz="914400" rtl="0" eaLnBrk="1" latinLnBrk="0" hangingPunct="1">
+                  <a:spcBef>
+                    <a:spcPts val="600"/>
+                  </a:spcBef>
+                  <a:buClr>
+                    <a:schemeClr val="tx1">
+                      <a:lumMod val="50000"/>
+                      <a:lumOff val="50000"/>
+                    </a:schemeClr>
+                  </a:buClr>
+                  <a:buSzPct val="75000"/>
+                  <a:buFont typeface="Wingdings 2" pitchFamily="18" charset="2"/>
+                  <a:buChar char=""/>
+                  <a:defRPr sz="1800" kern="1200">
+                    <a:solidFill>
+                      <a:schemeClr val="tx1">
+                        <a:lumMod val="75000"/>
+                        <a:lumOff val="25000"/>
+                      </a:schemeClr>
+                    </a:solidFill>
+                    <a:latin typeface="+mn-lt"/>
+                    <a:ea typeface="+mn-ea"/>
+                    <a:cs typeface="+mn-cs"/>
+                  </a:defRPr>
+                </a:lvl4pPr>
+                <a:lvl5pPr marL="2286000" indent="-457200" algn="l" defTabSz="914400" rtl="0" eaLnBrk="1" latinLnBrk="0" hangingPunct="1">
+                  <a:spcBef>
+                    <a:spcPts val="600"/>
+                  </a:spcBef>
+                  <a:buClr>
+                    <a:schemeClr val="tx1">
+                      <a:lumMod val="75000"/>
+                      <a:lumOff val="25000"/>
+                    </a:schemeClr>
+                  </a:buClr>
+                  <a:buSzPct val="75000"/>
+                  <a:buFont typeface="Wingdings 2" pitchFamily="18" charset="2"/>
+                  <a:buChar char=""/>
+                  <a:defRPr sz="1800" kern="1200">
+                    <a:solidFill>
+                      <a:schemeClr val="tx1">
+                        <a:lumMod val="75000"/>
+                        <a:lumOff val="25000"/>
+                      </a:schemeClr>
+                    </a:solidFill>
+                    <a:latin typeface="+mn-lt"/>
+                    <a:ea typeface="+mn-ea"/>
+                    <a:cs typeface="+mn-cs"/>
+                  </a:defRPr>
+                </a:lvl5pPr>
+                <a:lvl6pPr marL="2743200" indent="-461963" algn="l" defTabSz="914400" rtl="0" eaLnBrk="1" latinLnBrk="0" hangingPunct="1">
+                  <a:spcBef>
+                    <a:spcPct val="20000"/>
+                  </a:spcBef>
+                  <a:buClr>
+                    <a:schemeClr val="tx1">
+                      <a:lumMod val="50000"/>
+                      <a:lumOff val="50000"/>
+                    </a:schemeClr>
+                  </a:buClr>
+                  <a:buSzPct val="75000"/>
+                  <a:buFont typeface="Wingdings 2" pitchFamily="18" charset="2"/>
+                  <a:buChar char=""/>
+                  <a:defRPr lang="en-US" sz="1800" kern="1200" dirty="0" smtClean="0">
+                    <a:solidFill>
+                      <a:schemeClr val="tx1">
+                        <a:lumMod val="75000"/>
+                        <a:lumOff val="25000"/>
+                      </a:schemeClr>
+                    </a:solidFill>
+                    <a:latin typeface="+mn-lt"/>
+                    <a:ea typeface="+mn-ea"/>
+                    <a:cs typeface="+mn-cs"/>
+                  </a:defRPr>
+                </a:lvl6pPr>
+                <a:lvl7pPr marL="3205163" indent="-461963" algn="l" defTabSz="914400" rtl="0" eaLnBrk="1" latinLnBrk="0" hangingPunct="1">
+                  <a:spcBef>
+                    <a:spcPct val="20000"/>
+                  </a:spcBef>
+                  <a:buClr>
+                    <a:schemeClr val="tx1">
+                      <a:lumMod val="75000"/>
+                      <a:lumOff val="25000"/>
+                    </a:schemeClr>
+                  </a:buClr>
+                  <a:buSzPct val="75000"/>
+                  <a:buFont typeface="Wingdings 2" pitchFamily="18" charset="2"/>
+                  <a:buChar char=""/>
+                  <a:defRPr lang="en-US" sz="1800" kern="1200" dirty="0" smtClean="0">
+                    <a:solidFill>
+                      <a:schemeClr val="tx1">
+                        <a:lumMod val="75000"/>
+                        <a:lumOff val="25000"/>
+                      </a:schemeClr>
+                    </a:solidFill>
+                    <a:latin typeface="+mn-lt"/>
+                    <a:ea typeface="+mn-ea"/>
+                    <a:cs typeface="+mn-cs"/>
+                  </a:defRPr>
+                </a:lvl7pPr>
+                <a:lvl8pPr marL="3657600" indent="-461963" algn="l" defTabSz="914400" rtl="0" eaLnBrk="1" latinLnBrk="0" hangingPunct="1">
+                  <a:spcBef>
+                    <a:spcPct val="20000"/>
+                  </a:spcBef>
+                  <a:buClr>
+                    <a:schemeClr val="tx1">
+                      <a:lumMod val="50000"/>
+                      <a:lumOff val="50000"/>
+                    </a:schemeClr>
+                  </a:buClr>
+                  <a:buSzPct val="75000"/>
+                  <a:buFont typeface="Wingdings 2" pitchFamily="18" charset="2"/>
+                  <a:buChar char=""/>
+                  <a:defRPr lang="en-US" sz="1800" kern="1200" dirty="0" smtClean="0">
+                    <a:solidFill>
+                      <a:schemeClr val="tx1">
+                        <a:lumMod val="75000"/>
+                        <a:lumOff val="25000"/>
+                      </a:schemeClr>
+                    </a:solidFill>
+                    <a:latin typeface="+mn-lt"/>
+                    <a:ea typeface="+mn-ea"/>
+                    <a:cs typeface="+mn-cs"/>
+                  </a:defRPr>
+                </a:lvl8pPr>
+                <a:lvl9pPr marL="4119563" indent="-461963" algn="l" defTabSz="914400" rtl="0" eaLnBrk="1" latinLnBrk="0" hangingPunct="1">
+                  <a:spcBef>
+                    <a:spcPct val="20000"/>
+                  </a:spcBef>
+                  <a:buClr>
+                    <a:schemeClr val="tx1">
+                      <a:lumMod val="75000"/>
+                      <a:lumOff val="25000"/>
+                    </a:schemeClr>
+                  </a:buClr>
+                  <a:buSzPct val="75000"/>
+                  <a:buFont typeface="Wingdings 2" pitchFamily="18" charset="2"/>
+                  <a:buChar char=""/>
+                  <a:defRPr lang="en-US" sz="1800" kern="1200" dirty="0">
+                    <a:solidFill>
+                      <a:schemeClr val="tx1">
+                        <a:lumMod val="75000"/>
+                        <a:lumOff val="25000"/>
+                      </a:schemeClr>
+                    </a:solidFill>
+                    <a:latin typeface="+mn-lt"/>
+                    <a:ea typeface="+mn-ea"/>
+                    <a:cs typeface="+mn-cs"/>
+                  </a:defRPr>
+                </a:lvl9pPr>
+              </a:lstStyle>
+              <a:p>
+                <a:r>
+                  <a:rPr kumimoji="1" lang="en-US" altLang="zh-CN" dirty="0">
+                    <a:solidFill>
+                      <a:schemeClr val="tx1"/>
+                    </a:solidFill>
+                  </a:rPr>
+                  <a:t>Let X represents the coin faces, which X=1 means the head of the coin faces up and X=0 means the tail of the coin faces up. </a:t>
+                </a:r>
+              </a:p>
+              <a:p>
+                <a:r>
+                  <a:rPr kumimoji="1" lang="en-US" altLang="zh-CN" dirty="0">
+                    <a:solidFill>
+                      <a:schemeClr val="tx1"/>
+                    </a:solidFill>
+                  </a:rPr>
+                  <a:t>We obtain that</a:t>
+                </a:r>
+              </a:p>
+              <a:p>
+                <a:r>
+                  <a:rPr kumimoji="1" lang="en-US" altLang="zh-CN" dirty="0">
+                    <a:solidFill>
+                      <a:schemeClr val="tx1"/>
+                    </a:solidFill>
+                  </a:rPr>
+                  <a:t>P(X=0) = 1/2; P(X=1)=1/2</a:t>
+                </a:r>
+              </a:p>
+              <a:p>
+                <a14:m>
+                  <m:oMath xmlns:m="http://schemas.openxmlformats.org/officeDocument/2006/math">
+                    <m:r>
+                      <a:rPr kumimoji="1" lang="en-US" altLang="zh-CN" b="0" i="1" smtClean="0">
+                        <a:solidFill>
+                          <a:schemeClr val="tx1"/>
+                        </a:solidFill>
+                        <a:latin typeface="Cambria Math" panose="02040503050406030204" pitchFamily="18" charset="0"/>
+                      </a:rPr>
+                      <m:t>𝐻</m:t>
+                    </m:r>
+                    <m:d>
+                      <m:dPr>
+                        <m:ctrlPr>
+                          <a:rPr kumimoji="1" lang="en-US" altLang="zh-CN" b="0" i="1" smtClean="0">
+                            <a:solidFill>
+                              <a:schemeClr val="tx1"/>
+                            </a:solidFill>
+                            <a:latin typeface="Cambria Math" panose="02040503050406030204" pitchFamily="18" charset="0"/>
+                          </a:rPr>
+                        </m:ctrlPr>
+                      </m:dPr>
+                      <m:e>
+                        <m:r>
+                          <a:rPr kumimoji="1" lang="en-US" altLang="zh-CN" b="0" i="1" smtClean="0">
+                            <a:solidFill>
+                              <a:schemeClr val="tx1"/>
+                            </a:solidFill>
+                            <a:latin typeface="Cambria Math" panose="02040503050406030204" pitchFamily="18" charset="0"/>
+                          </a:rPr>
+                          <m:t>𝑋</m:t>
+                        </m:r>
+                      </m:e>
+                    </m:d>
+                    <m:r>
+                      <a:rPr kumimoji="1" lang="en-US" altLang="zh-CN" b="0" i="1" smtClean="0">
+                        <a:solidFill>
+                          <a:schemeClr val="tx1"/>
+                        </a:solidFill>
+                        <a:latin typeface="Cambria Math" panose="02040503050406030204" pitchFamily="18" charset="0"/>
+                      </a:rPr>
+                      <m:t>=−</m:t>
+                    </m:r>
+                    <m:nary>
+                      <m:naryPr>
+                        <m:chr m:val="∑"/>
+                        <m:ctrlPr>
+                          <a:rPr kumimoji="1" lang="en-US" altLang="zh-CN" b="0" i="1" smtClean="0">
+                            <a:solidFill>
+                              <a:schemeClr val="tx1"/>
+                            </a:solidFill>
+                            <a:latin typeface="Cambria Math" panose="02040503050406030204" pitchFamily="18" charset="0"/>
+                          </a:rPr>
+                        </m:ctrlPr>
+                      </m:naryPr>
+                      <m:sub>
+                        <m:r>
+                          <m:rPr>
+                            <m:brk m:alnAt="23"/>
+                          </m:rPr>
+                          <a:rPr kumimoji="1" lang="en-US" altLang="zh-CN" b="0" i="1" smtClean="0">
+                            <a:solidFill>
+                              <a:schemeClr val="tx1"/>
+                            </a:solidFill>
+                            <a:latin typeface="Cambria Math" panose="02040503050406030204" pitchFamily="18" charset="0"/>
+                          </a:rPr>
+                          <m:t>𝑖</m:t>
+                        </m:r>
+                        <m:r>
+                          <a:rPr kumimoji="1" lang="en-US" altLang="zh-CN" b="0" i="1" smtClean="0">
+                            <a:solidFill>
+                              <a:schemeClr val="tx1"/>
+                            </a:solidFill>
+                            <a:latin typeface="Cambria Math" panose="02040503050406030204" pitchFamily="18" charset="0"/>
+                          </a:rPr>
+                          <m:t>=1</m:t>
+                        </m:r>
+                      </m:sub>
+                      <m:sup>
+                        <m:r>
+                          <a:rPr kumimoji="1" lang="en-US" altLang="zh-CN" b="0" i="1" smtClean="0">
+                            <a:solidFill>
+                              <a:schemeClr val="tx1"/>
+                            </a:solidFill>
+                            <a:latin typeface="Cambria Math" panose="02040503050406030204" pitchFamily="18" charset="0"/>
+                          </a:rPr>
+                          <m:t>2</m:t>
+                        </m:r>
+                      </m:sup>
+                      <m:e>
+                        <m:r>
+                          <a:rPr kumimoji="1" lang="en-US" altLang="zh-CN" b="0" i="1" smtClean="0">
+                            <a:solidFill>
+                              <a:schemeClr val="tx1"/>
+                            </a:solidFill>
+                            <a:latin typeface="Cambria Math" panose="02040503050406030204" pitchFamily="18" charset="0"/>
+                          </a:rPr>
+                          <m:t>𝑃</m:t>
+                        </m:r>
+                        <m:d>
+                          <m:dPr>
+                            <m:ctrlPr>
+                              <a:rPr kumimoji="1" lang="en-US" altLang="zh-CN" b="0" i="1" smtClean="0">
+                                <a:solidFill>
+                                  <a:schemeClr val="tx1"/>
+                                </a:solidFill>
+                                <a:latin typeface="Cambria Math" panose="02040503050406030204" pitchFamily="18" charset="0"/>
+                              </a:rPr>
+                            </m:ctrlPr>
+                          </m:dPr>
+                          <m:e>
+                            <m:sSub>
+                              <m:sSubPr>
+                                <m:ctrlPr>
+                                  <a:rPr kumimoji="1" lang="en-US" altLang="zh-CN" b="0" i="1" smtClean="0">
+                                    <a:solidFill>
+                                      <a:schemeClr val="tx1"/>
+                                    </a:solidFill>
+                                    <a:latin typeface="Cambria Math" panose="02040503050406030204" pitchFamily="18" charset="0"/>
+                                  </a:rPr>
+                                </m:ctrlPr>
+                              </m:sSubPr>
+                              <m:e>
+                                <m:r>
+                                  <a:rPr kumimoji="1" lang="en-US" altLang="zh-CN" b="0" i="1" smtClean="0">
+                                    <a:solidFill>
+                                      <a:schemeClr val="tx1"/>
+                                    </a:solidFill>
+                                    <a:latin typeface="Cambria Math" panose="02040503050406030204" pitchFamily="18" charset="0"/>
+                                  </a:rPr>
+                                  <m:t>𝑥</m:t>
+                                </m:r>
+                              </m:e>
+                              <m:sub>
+                                <m:r>
+                                  <a:rPr kumimoji="1" lang="en-US" altLang="zh-CN" b="0" i="1" smtClean="0">
+                                    <a:solidFill>
+                                      <a:schemeClr val="tx1"/>
+                                    </a:solidFill>
+                                    <a:latin typeface="Cambria Math" panose="02040503050406030204" pitchFamily="18" charset="0"/>
+                                  </a:rPr>
+                                  <m:t>𝑖</m:t>
+                                </m:r>
+                              </m:sub>
+                            </m:sSub>
+                          </m:e>
+                        </m:d>
+                        <m:func>
+                          <m:funcPr>
+                            <m:ctrlPr>
+                              <a:rPr kumimoji="1" lang="en-US" altLang="zh-CN" b="0" i="1" smtClean="0">
+                                <a:solidFill>
+                                  <a:schemeClr val="tx1"/>
+                                </a:solidFill>
+                                <a:latin typeface="Cambria Math" panose="02040503050406030204" pitchFamily="18" charset="0"/>
+                              </a:rPr>
+                            </m:ctrlPr>
+                          </m:funcPr>
+                          <m:fName>
+                            <m:sSub>
+                              <m:sSubPr>
+                                <m:ctrlPr>
+                                  <a:rPr kumimoji="1" lang="en-US" altLang="zh-CN" b="0" i="1" smtClean="0">
+                                    <a:solidFill>
+                                      <a:schemeClr val="tx1"/>
+                                    </a:solidFill>
+                                    <a:latin typeface="Cambria Math" panose="02040503050406030204" pitchFamily="18" charset="0"/>
+                                  </a:rPr>
+                                </m:ctrlPr>
+                              </m:sSubPr>
+                              <m:e>
+                                <m:r>
+                                  <m:rPr>
+                                    <m:sty m:val="p"/>
+                                  </m:rPr>
+                                  <a:rPr kumimoji="1" lang="en-US" altLang="zh-CN" b="0" i="0" smtClean="0">
+                                    <a:solidFill>
+                                      <a:schemeClr val="tx1"/>
+                                    </a:solidFill>
+                                    <a:latin typeface="Cambria Math" panose="02040503050406030204" pitchFamily="18" charset="0"/>
+                                  </a:rPr>
+                                  <m:t>log</m:t>
+                                </m:r>
+                              </m:e>
+                              <m:sub>
+                                <m:r>
+                                  <a:rPr kumimoji="1" lang="en-US" altLang="zh-CN" b="0" i="1" smtClean="0">
+                                    <a:solidFill>
+                                      <a:schemeClr val="tx1"/>
+                                    </a:solidFill>
+                                    <a:latin typeface="Cambria Math" panose="02040503050406030204" pitchFamily="18" charset="0"/>
+                                  </a:rPr>
+                                  <m:t>2</m:t>
+                                </m:r>
+                              </m:sub>
+                            </m:sSub>
+                          </m:fName>
+                          <m:e>
+                            <m:r>
+                              <a:rPr kumimoji="1" lang="en-US" altLang="zh-CN" b="0" i="1" smtClean="0">
+                                <a:solidFill>
+                                  <a:schemeClr val="tx1"/>
+                                </a:solidFill>
+                                <a:latin typeface="Cambria Math" panose="02040503050406030204" pitchFamily="18" charset="0"/>
+                              </a:rPr>
+                              <m:t>𝑃</m:t>
+                            </m:r>
+                            <m:r>
+                              <a:rPr kumimoji="1" lang="en-US" altLang="zh-CN" b="0" i="1" smtClean="0">
+                                <a:solidFill>
+                                  <a:schemeClr val="tx1"/>
+                                </a:solidFill>
+                                <a:latin typeface="Cambria Math" panose="02040503050406030204" pitchFamily="18" charset="0"/>
+                              </a:rPr>
+                              <m:t>(</m:t>
+                            </m:r>
+                            <m:sSub>
+                              <m:sSubPr>
+                                <m:ctrlPr>
+                                  <a:rPr kumimoji="1" lang="en-US" altLang="zh-CN" b="0" i="1" smtClean="0">
+                                    <a:solidFill>
+                                      <a:schemeClr val="tx1"/>
+                                    </a:solidFill>
+                                    <a:latin typeface="Cambria Math" panose="02040503050406030204" pitchFamily="18" charset="0"/>
+                                  </a:rPr>
+                                </m:ctrlPr>
+                              </m:sSubPr>
+                              <m:e>
+                                <m:r>
+                                  <a:rPr kumimoji="1" lang="en-US" altLang="zh-CN" b="0" i="1" smtClean="0">
+                                    <a:solidFill>
+                                      <a:schemeClr val="tx1"/>
+                                    </a:solidFill>
+                                    <a:latin typeface="Cambria Math" panose="02040503050406030204" pitchFamily="18" charset="0"/>
+                                  </a:rPr>
+                                  <m:t>𝑥</m:t>
+                                </m:r>
+                              </m:e>
+                              <m:sub>
+                                <m:r>
+                                  <a:rPr kumimoji="1" lang="en-US" altLang="zh-CN" b="0" i="1" smtClean="0">
+                                    <a:solidFill>
+                                      <a:schemeClr val="tx1"/>
+                                    </a:solidFill>
+                                    <a:latin typeface="Cambria Math" panose="02040503050406030204" pitchFamily="18" charset="0"/>
+                                  </a:rPr>
+                                  <m:t>𝑖</m:t>
+                                </m:r>
+                              </m:sub>
+                            </m:sSub>
+                            <m:r>
+                              <a:rPr kumimoji="1" lang="en-US" altLang="zh-CN" b="0" i="1" smtClean="0">
+                                <a:solidFill>
+                                  <a:schemeClr val="tx1"/>
+                                </a:solidFill>
+                                <a:latin typeface="Cambria Math" panose="02040503050406030204" pitchFamily="18" charset="0"/>
+                              </a:rPr>
+                              <m:t>)</m:t>
+                            </m:r>
+                          </m:e>
+                        </m:func>
+                      </m:e>
+                    </m:nary>
+                  </m:oMath>
+                </a14:m>
+                <a:endParaRPr kumimoji="1" lang="en-US" altLang="zh-CN" b="0" dirty="0">
+                  <a:solidFill>
+                    <a:schemeClr val="tx1"/>
+                  </a:solidFill>
+                </a:endParaRPr>
+              </a:p>
+              <a:p>
+                <a:r>
+                  <a:rPr kumimoji="1" lang="en-US" altLang="zh-CN" b="0" dirty="0">
+                    <a:solidFill>
+                      <a:schemeClr val="tx1"/>
+                    </a:solidFill>
+                  </a:rPr>
+                  <a:t>         </a:t>
+                </a:r>
+                <a14:m>
+                  <m:oMath xmlns:m="http://schemas.openxmlformats.org/officeDocument/2006/math">
+                    <m:r>
+                      <a:rPr kumimoji="1" lang="en-US" altLang="zh-CN" b="0" i="0" smtClean="0">
+                        <a:solidFill>
+                          <a:schemeClr val="tx1"/>
+                        </a:solidFill>
+                        <a:latin typeface="Cambria Math" panose="02040503050406030204" pitchFamily="18" charset="0"/>
+                      </a:rPr>
+                      <m:t> </m:t>
+                    </m:r>
+                    <m:r>
+                      <a:rPr kumimoji="1" lang="en-US" altLang="zh-CN" i="1">
+                        <a:solidFill>
+                          <a:schemeClr val="tx1"/>
+                        </a:solidFill>
+                        <a:latin typeface="Cambria Math" panose="02040503050406030204" pitchFamily="18" charset="0"/>
+                      </a:rPr>
+                      <m:t>=−</m:t>
+                    </m:r>
+                    <m:f>
+                      <m:fPr>
+                        <m:ctrlPr>
+                          <a:rPr kumimoji="1" lang="en-US" altLang="zh-CN" b="0" i="1" smtClean="0">
+                            <a:solidFill>
+                              <a:schemeClr val="tx1"/>
+                            </a:solidFill>
+                            <a:latin typeface="Cambria Math" panose="02040503050406030204" pitchFamily="18" charset="0"/>
+                          </a:rPr>
+                        </m:ctrlPr>
+                      </m:fPr>
+                      <m:num>
+                        <m:r>
+                          <a:rPr kumimoji="1" lang="en-US" altLang="zh-CN" b="0" i="1" smtClean="0">
+                            <a:solidFill>
+                              <a:schemeClr val="tx1"/>
+                            </a:solidFill>
+                            <a:latin typeface="Cambria Math" panose="02040503050406030204" pitchFamily="18" charset="0"/>
+                          </a:rPr>
+                          <m:t>1</m:t>
+                        </m:r>
+                      </m:num>
+                      <m:den>
+                        <m:r>
+                          <a:rPr kumimoji="1" lang="en-US" altLang="zh-CN" b="0" i="1" smtClean="0">
+                            <a:solidFill>
+                              <a:schemeClr val="tx1"/>
+                            </a:solidFill>
+                            <a:latin typeface="Cambria Math" panose="02040503050406030204" pitchFamily="18" charset="0"/>
+                          </a:rPr>
+                          <m:t>2</m:t>
+                        </m:r>
+                      </m:den>
+                    </m:f>
+                    <m:r>
+                      <a:rPr kumimoji="1" lang="en-US" altLang="zh-CN" i="1">
+                        <a:solidFill>
+                          <a:schemeClr val="tx1"/>
+                        </a:solidFill>
+                        <a:latin typeface="Cambria Math" panose="02040503050406030204" pitchFamily="18" charset="0"/>
+                      </a:rPr>
+                      <m:t>×</m:t>
+                    </m:r>
+                    <m:func>
+                      <m:funcPr>
+                        <m:ctrlPr>
+                          <a:rPr kumimoji="1" lang="en-US" altLang="zh-CN" i="1">
+                            <a:solidFill>
+                              <a:schemeClr val="tx1"/>
+                            </a:solidFill>
+                            <a:latin typeface="Cambria Math" panose="02040503050406030204" pitchFamily="18" charset="0"/>
+                          </a:rPr>
+                        </m:ctrlPr>
+                      </m:funcPr>
+                      <m:fName>
+                        <m:sSub>
+                          <m:sSubPr>
+                            <m:ctrlPr>
+                              <a:rPr kumimoji="1" lang="en-US" altLang="zh-CN" i="1">
+                                <a:solidFill>
+                                  <a:schemeClr val="tx1"/>
+                                </a:solidFill>
+                                <a:latin typeface="Cambria Math" panose="02040503050406030204" pitchFamily="18" charset="0"/>
+                              </a:rPr>
+                            </m:ctrlPr>
+                          </m:sSubPr>
+                          <m:e>
+                            <m:r>
+                              <m:rPr>
+                                <m:sty m:val="p"/>
+                              </m:rPr>
+                              <a:rPr kumimoji="1" lang="en-US" altLang="zh-CN">
+                                <a:solidFill>
+                                  <a:schemeClr val="tx1"/>
+                                </a:solidFill>
+                                <a:latin typeface="Cambria Math" panose="02040503050406030204" pitchFamily="18" charset="0"/>
+                              </a:rPr>
+                              <m:t>log</m:t>
+                            </m:r>
+                          </m:e>
+                          <m:sub>
+                            <m:r>
+                              <a:rPr kumimoji="1" lang="en-US" altLang="zh-CN" i="1">
+                                <a:solidFill>
+                                  <a:schemeClr val="tx1"/>
+                                </a:solidFill>
+                                <a:latin typeface="Cambria Math" panose="02040503050406030204" pitchFamily="18" charset="0"/>
+                              </a:rPr>
+                              <m:t>2</m:t>
+                            </m:r>
+                          </m:sub>
+                        </m:sSub>
+                      </m:fName>
+                      <m:e>
+                        <m:f>
+                          <m:fPr>
+                            <m:ctrlPr>
+                              <a:rPr kumimoji="1" lang="en-US" altLang="zh-CN" b="0" i="1" smtClean="0">
+                                <a:solidFill>
+                                  <a:schemeClr val="tx1"/>
+                                </a:solidFill>
+                                <a:latin typeface="Cambria Math" panose="02040503050406030204" pitchFamily="18" charset="0"/>
+                              </a:rPr>
+                            </m:ctrlPr>
+                          </m:fPr>
+                          <m:num>
+                            <m:r>
+                              <a:rPr kumimoji="1" lang="en-US" altLang="zh-CN" b="0" i="1" smtClean="0">
+                                <a:solidFill>
+                                  <a:schemeClr val="tx1"/>
+                                </a:solidFill>
+                                <a:latin typeface="Cambria Math" panose="02040503050406030204" pitchFamily="18" charset="0"/>
+                              </a:rPr>
+                              <m:t>1</m:t>
+                            </m:r>
+                          </m:num>
+                          <m:den>
+                            <m:r>
+                              <a:rPr kumimoji="1" lang="en-US" altLang="zh-CN" b="0" i="1" smtClean="0">
+                                <a:solidFill>
+                                  <a:schemeClr val="tx1"/>
+                                </a:solidFill>
+                                <a:latin typeface="Cambria Math" panose="02040503050406030204" pitchFamily="18" charset="0"/>
+                              </a:rPr>
+                              <m:t>2</m:t>
+                            </m:r>
+                          </m:den>
+                        </m:f>
+                      </m:e>
+                    </m:func>
+                    <m:r>
+                      <a:rPr kumimoji="1" lang="en-US" altLang="zh-CN" i="1">
+                        <a:solidFill>
+                          <a:schemeClr val="tx1"/>
+                        </a:solidFill>
+                        <a:latin typeface="Cambria Math" panose="02040503050406030204" pitchFamily="18" charset="0"/>
+                      </a:rPr>
+                      <m:t>−</m:t>
+                    </m:r>
+                    <m:f>
+                      <m:fPr>
+                        <m:ctrlPr>
+                          <a:rPr kumimoji="1" lang="en-US" altLang="zh-CN" b="0" i="1" smtClean="0">
+                            <a:solidFill>
+                              <a:schemeClr val="tx1"/>
+                            </a:solidFill>
+                            <a:latin typeface="Cambria Math" panose="02040503050406030204" pitchFamily="18" charset="0"/>
+                          </a:rPr>
+                        </m:ctrlPr>
+                      </m:fPr>
+                      <m:num>
+                        <m:r>
+                          <a:rPr kumimoji="1" lang="en-US" altLang="zh-CN" i="1">
+                            <a:solidFill>
+                              <a:schemeClr val="tx1"/>
+                            </a:solidFill>
+                            <a:latin typeface="Cambria Math" panose="02040503050406030204" pitchFamily="18" charset="0"/>
+                          </a:rPr>
+                          <m:t>1</m:t>
+                        </m:r>
+                      </m:num>
+                      <m:den>
+                        <m:r>
+                          <a:rPr kumimoji="1" lang="en-US" altLang="zh-CN" b="0" i="1" smtClean="0">
+                            <a:solidFill>
+                              <a:schemeClr val="tx1"/>
+                            </a:solidFill>
+                            <a:latin typeface="Cambria Math" panose="02040503050406030204" pitchFamily="18" charset="0"/>
+                          </a:rPr>
+                          <m:t>2</m:t>
+                        </m:r>
+                      </m:den>
+                    </m:f>
+                    <m:r>
+                      <a:rPr kumimoji="1" lang="en-US" altLang="zh-CN" i="1">
+                        <a:solidFill>
+                          <a:schemeClr val="tx1"/>
+                        </a:solidFill>
+                        <a:latin typeface="Cambria Math" panose="02040503050406030204" pitchFamily="18" charset="0"/>
+                      </a:rPr>
+                      <m:t>×</m:t>
+                    </m:r>
+                    <m:func>
+                      <m:funcPr>
+                        <m:ctrlPr>
+                          <a:rPr kumimoji="1" lang="en-US" altLang="zh-CN" i="1">
+                            <a:solidFill>
+                              <a:schemeClr val="tx1"/>
+                            </a:solidFill>
+                            <a:latin typeface="Cambria Math" panose="02040503050406030204" pitchFamily="18" charset="0"/>
+                          </a:rPr>
+                        </m:ctrlPr>
+                      </m:funcPr>
+                      <m:fName>
+                        <m:sSub>
+                          <m:sSubPr>
+                            <m:ctrlPr>
+                              <a:rPr kumimoji="1" lang="en-US" altLang="zh-CN" i="1">
+                                <a:solidFill>
+                                  <a:schemeClr val="tx1"/>
+                                </a:solidFill>
+                                <a:latin typeface="Cambria Math" panose="02040503050406030204" pitchFamily="18" charset="0"/>
+                              </a:rPr>
+                            </m:ctrlPr>
+                          </m:sSubPr>
+                          <m:e>
+                            <m:r>
+                              <m:rPr>
+                                <m:sty m:val="p"/>
+                              </m:rPr>
+                              <a:rPr kumimoji="1" lang="en-US" altLang="zh-CN">
+                                <a:solidFill>
+                                  <a:schemeClr val="tx1"/>
+                                </a:solidFill>
+                                <a:latin typeface="Cambria Math" panose="02040503050406030204" pitchFamily="18" charset="0"/>
+                              </a:rPr>
+                              <m:t>log</m:t>
+                            </m:r>
+                          </m:e>
+                          <m:sub>
+                            <m:r>
+                              <a:rPr kumimoji="1" lang="en-US" altLang="zh-CN" i="1">
+                                <a:solidFill>
+                                  <a:schemeClr val="tx1"/>
+                                </a:solidFill>
+                                <a:latin typeface="Cambria Math" panose="02040503050406030204" pitchFamily="18" charset="0"/>
+                              </a:rPr>
+                              <m:t>2</m:t>
+                            </m:r>
+                          </m:sub>
+                        </m:sSub>
+                      </m:fName>
+                      <m:e>
+                        <m:f>
+                          <m:fPr>
+                            <m:ctrlPr>
+                              <a:rPr kumimoji="1" lang="en-US" altLang="zh-CN" b="0" i="1" smtClean="0">
+                                <a:solidFill>
+                                  <a:schemeClr val="tx1"/>
+                                </a:solidFill>
+                                <a:latin typeface="Cambria Math" panose="02040503050406030204" pitchFamily="18" charset="0"/>
+                              </a:rPr>
+                            </m:ctrlPr>
+                          </m:fPr>
+                          <m:num>
+                            <m:r>
+                              <a:rPr kumimoji="1" lang="en-US" altLang="zh-CN" b="0" i="1" smtClean="0">
+                                <a:solidFill>
+                                  <a:schemeClr val="tx1"/>
+                                </a:solidFill>
+                                <a:latin typeface="Cambria Math" panose="02040503050406030204" pitchFamily="18" charset="0"/>
+                              </a:rPr>
+                              <m:t>1</m:t>
+                            </m:r>
+                          </m:num>
+                          <m:den>
+                            <m:r>
+                              <a:rPr kumimoji="1" lang="en-US" altLang="zh-CN" b="0" i="1" smtClean="0">
+                                <a:solidFill>
+                                  <a:schemeClr val="tx1"/>
+                                </a:solidFill>
+                                <a:latin typeface="Cambria Math" panose="02040503050406030204" pitchFamily="18" charset="0"/>
+                              </a:rPr>
+                              <m:t>2</m:t>
+                            </m:r>
+                          </m:den>
+                        </m:f>
+                        <m:r>
+                          <m:rPr>
+                            <m:nor/>
+                          </m:rPr>
+                          <a:rPr kumimoji="1" lang="en-US" altLang="zh-CN" dirty="0">
+                            <a:solidFill>
+                              <a:schemeClr val="tx1"/>
+                            </a:solidFill>
+                          </a:rPr>
+                          <m:t> </m:t>
+                        </m:r>
+                      </m:e>
+                    </m:func>
+                    <m:r>
+                      <a:rPr kumimoji="1" lang="en-US" altLang="zh-CN" b="0" i="1" dirty="0" smtClean="0">
+                        <a:solidFill>
+                          <a:schemeClr val="tx1"/>
+                        </a:solidFill>
+                        <a:latin typeface="Cambria Math" panose="02040503050406030204" pitchFamily="18" charset="0"/>
+                      </a:rPr>
+                      <m:t>=1</m:t>
+                    </m:r>
+                    <m:r>
+                      <a:rPr kumimoji="1" lang="en-US" altLang="zh-CN" b="0" i="1" dirty="0" smtClean="0">
+                        <a:solidFill>
+                          <a:schemeClr val="tx1"/>
+                        </a:solidFill>
+                        <a:latin typeface="Cambria Math" panose="02040503050406030204" pitchFamily="18" charset="0"/>
+                      </a:rPr>
+                      <m:t>𝑏𝑖𝑡</m:t>
+                    </m:r>
+                  </m:oMath>
+                </a14:m>
+                <a:endParaRPr kumimoji="1" lang="en-US" altLang="zh-CN" i="1" dirty="0">
+                  <a:solidFill>
+                    <a:schemeClr val="tx1"/>
+                  </a:solidFill>
+                  <a:latin typeface="Cambria Math" panose="02040503050406030204" pitchFamily="18" charset="0"/>
+                </a:endParaRPr>
+              </a:p>
+            </p:txBody>
+          </p:sp>
+        </mc:Choice>
+        <mc:Fallback>
+          <p:sp>
+            <p:nvSpPr>
+              <p:cNvPr id="6" name="内容占位符 4">
+                <a:extLst>
+                  <a:ext uri="{FF2B5EF4-FFF2-40B4-BE49-F238E27FC236}">
+                    <a16:creationId xmlns:a16="http://schemas.microsoft.com/office/drawing/2014/main" id="{D9D69492-E153-4FEF-98AB-E145CCD6482F}"/>
+                  </a:ext>
+                </a:extLst>
+              </p:cNvPr>
+              <p:cNvSpPr txBox="1">
+                <a:spLocks noRot="1" noChangeAspect="1" noMove="1" noResize="1" noEditPoints="1" noAdjustHandles="1" noChangeArrowheads="1" noChangeShapeType="1" noTextEdit="1"/>
+              </p:cNvSpPr>
+              <p:nvPr/>
+            </p:nvSpPr>
+            <p:spPr>
+              <a:xfrm>
+                <a:off x="207819" y="2533477"/>
+                <a:ext cx="8827124" cy="3179426"/>
+              </a:xfrm>
+              <a:prstGeom prst="rect">
+                <a:avLst/>
+              </a:prstGeom>
+              <a:blipFill>
+                <a:blip r:embed="rId2"/>
+                <a:stretch>
+                  <a:fillRect l="-207" t="-2303" b="-1919"/>
+                </a:stretch>
+              </a:blipFill>
+            </p:spPr>
+            <p:txBody>
+              <a:bodyPr/>
+              <a:lstStyle/>
+              <a:p>
+                <a:r>
+                  <a:rPr lang="en-US">
+                    <a:noFill/>
+                  </a:rPr>
+                  <a:t> </a:t>
+                </a:r>
+              </a:p>
+            </p:txBody>
+          </p:sp>
+        </mc:Fallback>
+      </mc:AlternateContent>
+    </p:spTree>
+    <p:extLst>
+      <p:ext uri="{BB962C8B-B14F-4D97-AF65-F5344CB8AC3E}">
+        <p14:creationId xmlns:p14="http://schemas.microsoft.com/office/powerpoint/2010/main" val="3206978978"/>
+      </p:ext>
+    </p:extLst>
+  </p:cSld>
+  <p:clrMapOvr>
+    <a:masterClrMapping/>
+  </p:clrMapOvr>
+</p:sld>
+</file>
+
+<file path=ppt/slides/slide13.xml><?xml version="1.0" encoding="utf-8"?>
+<p:sld xmlns:a="http://schemas.openxmlformats.org/drawingml/2006/main" xmlns:r="http://schemas.openxmlformats.org/officeDocument/2006/relationships" xmlns:p="http://schemas.openxmlformats.org/presentationml/2006/main">
+  <p:cSld>
+    <p:spTree>
+      <p:nvGrpSpPr>
+        <p:cNvPr id="1" name=""/>
+        <p:cNvGrpSpPr/>
+        <p:nvPr/>
+      </p:nvGrpSpPr>
+      <p:grpSpPr>
+        <a:xfrm>
+          <a:off x="0" y="0"/>
+          <a:ext cx="0" cy="0"/>
+          <a:chOff x="0" y="0"/>
+          <a:chExt cx="0" cy="0"/>
+        </a:xfrm>
+      </p:grpSpPr>
+      <p:sp>
+        <p:nvSpPr>
+          <p:cNvPr id="5" name="标题 1">
+            <a:extLst>
+              <a:ext uri="{FF2B5EF4-FFF2-40B4-BE49-F238E27FC236}">
+                <a16:creationId xmlns:a16="http://schemas.microsoft.com/office/drawing/2014/main" id="{F0511409-B9AF-4D30-B635-901BDDA9EAD1}"/>
+              </a:ext>
+            </a:extLst>
+          </p:cNvPr>
+          <p:cNvSpPr>
+            <a:spLocks noGrp="1"/>
+          </p:cNvSpPr>
+          <p:nvPr>
+            <p:ph type="title"/>
+          </p:nvPr>
+        </p:nvSpPr>
+        <p:spPr>
+          <a:xfrm>
+            <a:off x="460664" y="539176"/>
+            <a:ext cx="8048336" cy="750455"/>
+          </a:xfrm>
+        </p:spPr>
+        <p:txBody>
+          <a:bodyPr/>
+          <a:lstStyle/>
+          <a:p>
+            <a:pPr algn="l"/>
+            <a:r>
+              <a:rPr lang="en-US" altLang="ja-JP" sz="4000" baseline="30000" dirty="0">
+                <a:solidFill>
+                  <a:schemeClr val="bg1"/>
+                </a:solidFill>
+                <a:latin typeface="黑体"/>
+                <a:ea typeface="黑体"/>
+                <a:cs typeface="黑体"/>
+              </a:rPr>
+              <a:t>2.3 Practice-B</a:t>
+            </a:r>
+            <a:endParaRPr lang="ja-JP" altLang="en-US" sz="4000" baseline="30000" dirty="0">
+              <a:solidFill>
+                <a:schemeClr val="bg1"/>
+              </a:solidFill>
+              <a:latin typeface="黑体"/>
+              <a:ea typeface="黑体"/>
+              <a:cs typeface="黑体"/>
+            </a:endParaRPr>
+          </a:p>
+        </p:txBody>
+      </p:sp>
+      <p:sp>
+        <p:nvSpPr>
+          <p:cNvPr id="3" name="内容占位符 4">
+            <a:extLst>
+              <a:ext uri="{FF2B5EF4-FFF2-40B4-BE49-F238E27FC236}">
+                <a16:creationId xmlns:a16="http://schemas.microsoft.com/office/drawing/2014/main" id="{C3A1C0B0-1BA2-46B8-86D0-C2FA375EBD02}"/>
+              </a:ext>
+            </a:extLst>
+          </p:cNvPr>
+          <p:cNvSpPr txBox="1">
+            <a:spLocks/>
+          </p:cNvSpPr>
+          <p:nvPr/>
+        </p:nvSpPr>
+        <p:spPr>
+          <a:xfrm>
+            <a:off x="207819" y="1381587"/>
+            <a:ext cx="8827124" cy="1613283"/>
+          </a:xfrm>
+          <a:prstGeom prst="rect">
+            <a:avLst/>
+          </a:prstGeom>
+        </p:spPr>
+        <p:txBody>
+          <a:bodyPr vert="horz" lIns="91440" tIns="45720" rIns="91440" bIns="45720" rtlCol="0">
+            <a:normAutofit/>
+          </a:bodyPr>
+          <a:lstStyle>
+            <a:lvl1pPr marL="457200" indent="-457200" algn="l" defTabSz="914400" rtl="0" eaLnBrk="1" latinLnBrk="0" hangingPunct="1">
+              <a:spcBef>
+                <a:spcPts val="2000"/>
+              </a:spcBef>
+              <a:buClr>
+                <a:schemeClr val="tx1">
+                  <a:lumMod val="75000"/>
+                  <a:lumOff val="25000"/>
+                </a:schemeClr>
+              </a:buClr>
+              <a:buSzPct val="75000"/>
+              <a:buFont typeface="Wingdings 2" pitchFamily="18" charset="2"/>
+              <a:buChar char=""/>
+              <a:defRPr sz="2200" kern="1200">
+                <a:solidFill>
+                  <a:schemeClr val="tx1">
+                    <a:lumMod val="75000"/>
+                    <a:lumOff val="25000"/>
+                  </a:schemeClr>
+                </a:solidFill>
+                <a:latin typeface="+mn-lt"/>
+                <a:ea typeface="+mn-ea"/>
+                <a:cs typeface="+mn-cs"/>
+              </a:defRPr>
+            </a:lvl1pPr>
+            <a:lvl2pPr marL="914400" indent="-457200" algn="l" defTabSz="914400" rtl="0" eaLnBrk="1" latinLnBrk="0" hangingPunct="1">
+              <a:spcBef>
+                <a:spcPts val="600"/>
+              </a:spcBef>
+              <a:buClr>
+                <a:schemeClr val="tx1">
+                  <a:lumMod val="50000"/>
+                  <a:lumOff val="50000"/>
+                </a:schemeClr>
+              </a:buClr>
+              <a:buSzPct val="75000"/>
+              <a:buFont typeface="Wingdings 2" pitchFamily="18" charset="2"/>
+              <a:buChar char=""/>
+              <a:defRPr sz="2000" kern="1200">
+                <a:solidFill>
+                  <a:schemeClr val="tx1">
+                    <a:lumMod val="75000"/>
+                    <a:lumOff val="25000"/>
+                  </a:schemeClr>
+                </a:solidFill>
+                <a:latin typeface="+mn-lt"/>
+                <a:ea typeface="+mn-ea"/>
+                <a:cs typeface="+mn-cs"/>
+              </a:defRPr>
+            </a:lvl2pPr>
+            <a:lvl3pPr marL="1371600" indent="-457200" algn="l" defTabSz="914400" rtl="0" eaLnBrk="1" latinLnBrk="0" hangingPunct="1">
+              <a:spcBef>
+                <a:spcPts val="600"/>
+              </a:spcBef>
+              <a:buClr>
+                <a:schemeClr val="tx1">
+                  <a:lumMod val="75000"/>
+                  <a:lumOff val="25000"/>
+                </a:schemeClr>
+              </a:buClr>
+              <a:buSzPct val="75000"/>
+              <a:buFont typeface="Wingdings 2" pitchFamily="18" charset="2"/>
+              <a:buChar char=""/>
+              <a:defRPr sz="1800" kern="1200">
+                <a:solidFill>
+                  <a:schemeClr val="tx1">
+                    <a:lumMod val="75000"/>
+                    <a:lumOff val="25000"/>
+                  </a:schemeClr>
+                </a:solidFill>
+                <a:latin typeface="+mn-lt"/>
+                <a:ea typeface="+mn-ea"/>
+                <a:cs typeface="+mn-cs"/>
+              </a:defRPr>
+            </a:lvl3pPr>
+            <a:lvl4pPr marL="1828800" indent="-457200" algn="l" defTabSz="914400" rtl="0" eaLnBrk="1" latinLnBrk="0" hangingPunct="1">
+              <a:spcBef>
+                <a:spcPts val="600"/>
+              </a:spcBef>
+              <a:buClr>
+                <a:schemeClr val="tx1">
+                  <a:lumMod val="50000"/>
+                  <a:lumOff val="50000"/>
+                </a:schemeClr>
+              </a:buClr>
+              <a:buSzPct val="75000"/>
+              <a:buFont typeface="Wingdings 2" pitchFamily="18" charset="2"/>
+              <a:buChar char=""/>
+              <a:defRPr sz="1800" kern="1200">
+                <a:solidFill>
+                  <a:schemeClr val="tx1">
+                    <a:lumMod val="75000"/>
+                    <a:lumOff val="25000"/>
+                  </a:schemeClr>
+                </a:solidFill>
+                <a:latin typeface="+mn-lt"/>
+                <a:ea typeface="+mn-ea"/>
+                <a:cs typeface="+mn-cs"/>
+              </a:defRPr>
+            </a:lvl4pPr>
+            <a:lvl5pPr marL="2286000" indent="-457200" algn="l" defTabSz="914400" rtl="0" eaLnBrk="1" latinLnBrk="0" hangingPunct="1">
+              <a:spcBef>
+                <a:spcPts val="600"/>
+              </a:spcBef>
+              <a:buClr>
+                <a:schemeClr val="tx1">
+                  <a:lumMod val="75000"/>
+                  <a:lumOff val="25000"/>
+                </a:schemeClr>
+              </a:buClr>
+              <a:buSzPct val="75000"/>
+              <a:buFont typeface="Wingdings 2" pitchFamily="18" charset="2"/>
+              <a:buChar char=""/>
+              <a:defRPr sz="1800" kern="1200">
+                <a:solidFill>
+                  <a:schemeClr val="tx1">
+                    <a:lumMod val="75000"/>
+                    <a:lumOff val="25000"/>
+                  </a:schemeClr>
+                </a:solidFill>
+                <a:latin typeface="+mn-lt"/>
+                <a:ea typeface="+mn-ea"/>
+                <a:cs typeface="+mn-cs"/>
+              </a:defRPr>
+            </a:lvl5pPr>
+            <a:lvl6pPr marL="2743200" indent="-461963" algn="l" defTabSz="914400" rtl="0" eaLnBrk="1" latinLnBrk="0" hangingPunct="1">
+              <a:spcBef>
+                <a:spcPct val="20000"/>
+              </a:spcBef>
+              <a:buClr>
+                <a:schemeClr val="tx1">
+                  <a:lumMod val="50000"/>
+                  <a:lumOff val="50000"/>
+                </a:schemeClr>
+              </a:buClr>
+              <a:buSzPct val="75000"/>
+              <a:buFont typeface="Wingdings 2" pitchFamily="18" charset="2"/>
+              <a:buChar char=""/>
+              <a:defRPr lang="en-US" sz="1800" kern="1200" dirty="0" smtClean="0">
+                <a:solidFill>
+                  <a:schemeClr val="tx1">
+                    <a:lumMod val="75000"/>
+                    <a:lumOff val="25000"/>
+                  </a:schemeClr>
+                </a:solidFill>
+                <a:latin typeface="+mn-lt"/>
+                <a:ea typeface="+mn-ea"/>
+                <a:cs typeface="+mn-cs"/>
+              </a:defRPr>
+            </a:lvl6pPr>
+            <a:lvl7pPr marL="3205163" indent="-461963" algn="l" defTabSz="914400" rtl="0" eaLnBrk="1" latinLnBrk="0" hangingPunct="1">
+              <a:spcBef>
+                <a:spcPct val="20000"/>
+              </a:spcBef>
+              <a:buClr>
+                <a:schemeClr val="tx1">
+                  <a:lumMod val="75000"/>
+                  <a:lumOff val="25000"/>
+                </a:schemeClr>
+              </a:buClr>
+              <a:buSzPct val="75000"/>
+              <a:buFont typeface="Wingdings 2" pitchFamily="18" charset="2"/>
+              <a:buChar char=""/>
+              <a:defRPr lang="en-US" sz="1800" kern="1200" dirty="0" smtClean="0">
+                <a:solidFill>
+                  <a:schemeClr val="tx1">
+                    <a:lumMod val="75000"/>
+                    <a:lumOff val="25000"/>
+                  </a:schemeClr>
+                </a:solidFill>
+                <a:latin typeface="+mn-lt"/>
+                <a:ea typeface="+mn-ea"/>
+                <a:cs typeface="+mn-cs"/>
+              </a:defRPr>
+            </a:lvl7pPr>
+            <a:lvl8pPr marL="3657600" indent="-461963" algn="l" defTabSz="914400" rtl="0" eaLnBrk="1" latinLnBrk="0" hangingPunct="1">
+              <a:spcBef>
+                <a:spcPct val="20000"/>
+              </a:spcBef>
+              <a:buClr>
+                <a:schemeClr val="tx1">
+                  <a:lumMod val="50000"/>
+                  <a:lumOff val="50000"/>
+                </a:schemeClr>
+              </a:buClr>
+              <a:buSzPct val="75000"/>
+              <a:buFont typeface="Wingdings 2" pitchFamily="18" charset="2"/>
+              <a:buChar char=""/>
+              <a:defRPr lang="en-US" sz="1800" kern="1200" dirty="0" smtClean="0">
+                <a:solidFill>
+                  <a:schemeClr val="tx1">
+                    <a:lumMod val="75000"/>
+                    <a:lumOff val="25000"/>
+                  </a:schemeClr>
+                </a:solidFill>
+                <a:latin typeface="+mn-lt"/>
+                <a:ea typeface="+mn-ea"/>
+                <a:cs typeface="+mn-cs"/>
+              </a:defRPr>
+            </a:lvl8pPr>
+            <a:lvl9pPr marL="4119563" indent="-461963" algn="l" defTabSz="914400" rtl="0" eaLnBrk="1" latinLnBrk="0" hangingPunct="1">
+              <a:spcBef>
+                <a:spcPct val="20000"/>
+              </a:spcBef>
+              <a:buClr>
+                <a:schemeClr val="tx1">
+                  <a:lumMod val="75000"/>
+                  <a:lumOff val="25000"/>
+                </a:schemeClr>
+              </a:buClr>
+              <a:buSzPct val="75000"/>
+              <a:buFont typeface="Wingdings 2" pitchFamily="18" charset="2"/>
+              <a:buChar char=""/>
+              <a:defRPr lang="en-US" sz="1800" kern="1200" dirty="0">
+                <a:solidFill>
+                  <a:schemeClr val="tx1">
+                    <a:lumMod val="75000"/>
+                    <a:lumOff val="25000"/>
+                  </a:schemeClr>
+                </a:solidFill>
+                <a:latin typeface="+mn-lt"/>
+                <a:ea typeface="+mn-ea"/>
+                <a:cs typeface="+mn-cs"/>
+              </a:defRPr>
+            </a:lvl9pPr>
+          </a:lstStyle>
+          <a:p>
+            <a:r>
+              <a:rPr kumimoji="1" lang="en-US" altLang="zh-CN" dirty="0">
+                <a:solidFill>
+                  <a:schemeClr val="tx1"/>
+                </a:solidFill>
+              </a:rPr>
+              <a:t>What if the probability of heads is not same as the probability of tails? </a:t>
+            </a:r>
+          </a:p>
+          <a:p>
+            <a:r>
+              <a:rPr kumimoji="1" lang="en-US" altLang="zh-CN" dirty="0">
+                <a:solidFill>
+                  <a:schemeClr val="tx1"/>
+                </a:solidFill>
+              </a:rPr>
+              <a:t>Such as P(X=0) = 1/4 , and P(X=1)=3/4.</a:t>
+            </a:r>
+            <a:endParaRPr kumimoji="1" lang="zh-CN" altLang="en-US" dirty="0">
+              <a:solidFill>
+                <a:schemeClr val="tx1"/>
+              </a:solidFill>
+            </a:endParaRPr>
+          </a:p>
+        </p:txBody>
+      </p:sp>
+      <mc:AlternateContent xmlns:mc="http://schemas.openxmlformats.org/markup-compatibility/2006">
+        <mc:Choice xmlns:a14="http://schemas.microsoft.com/office/drawing/2010/main" Requires="a14">
+          <p:sp>
+            <p:nvSpPr>
+              <p:cNvPr id="6" name="内容占位符 4">
+                <a:extLst>
+                  <a:ext uri="{FF2B5EF4-FFF2-40B4-BE49-F238E27FC236}">
+                    <a16:creationId xmlns:a16="http://schemas.microsoft.com/office/drawing/2014/main" id="{D9D69492-E153-4FEF-98AB-E145CCD6482F}"/>
+                  </a:ext>
+                </a:extLst>
+              </p:cNvPr>
+              <p:cNvSpPr txBox="1">
+                <a:spLocks/>
+              </p:cNvSpPr>
+              <p:nvPr/>
+            </p:nvSpPr>
+            <p:spPr>
+              <a:xfrm>
+                <a:off x="316876" y="2934553"/>
+                <a:ext cx="8827124" cy="2583807"/>
+              </a:xfrm>
+              <a:prstGeom prst="rect">
+                <a:avLst/>
+              </a:prstGeom>
+            </p:spPr>
+            <p:txBody>
+              <a:bodyPr vert="horz" lIns="91440" tIns="45720" rIns="91440" bIns="45720" rtlCol="0">
+                <a:normAutofit/>
+              </a:bodyPr>
+              <a:lstStyle>
+                <a:lvl1pPr marL="457200" indent="-457200" algn="l" defTabSz="914400" rtl="0" eaLnBrk="1" latinLnBrk="0" hangingPunct="1">
+                  <a:spcBef>
+                    <a:spcPts val="2000"/>
+                  </a:spcBef>
+                  <a:buClr>
+                    <a:schemeClr val="tx1">
+                      <a:lumMod val="75000"/>
+                      <a:lumOff val="25000"/>
+                    </a:schemeClr>
+                  </a:buClr>
+                  <a:buSzPct val="75000"/>
+                  <a:buFont typeface="Wingdings 2" pitchFamily="18" charset="2"/>
+                  <a:buChar char=""/>
+                  <a:defRPr sz="2200" kern="1200">
+                    <a:solidFill>
+                      <a:schemeClr val="tx1">
+                        <a:lumMod val="75000"/>
+                        <a:lumOff val="25000"/>
+                      </a:schemeClr>
+                    </a:solidFill>
+                    <a:latin typeface="+mn-lt"/>
+                    <a:ea typeface="+mn-ea"/>
+                    <a:cs typeface="+mn-cs"/>
+                  </a:defRPr>
+                </a:lvl1pPr>
+                <a:lvl2pPr marL="914400" indent="-457200" algn="l" defTabSz="914400" rtl="0" eaLnBrk="1" latinLnBrk="0" hangingPunct="1">
+                  <a:spcBef>
+                    <a:spcPts val="600"/>
+                  </a:spcBef>
+                  <a:buClr>
+                    <a:schemeClr val="tx1">
+                      <a:lumMod val="50000"/>
+                      <a:lumOff val="50000"/>
+                    </a:schemeClr>
+                  </a:buClr>
+                  <a:buSzPct val="75000"/>
+                  <a:buFont typeface="Wingdings 2" pitchFamily="18" charset="2"/>
+                  <a:buChar char=""/>
+                  <a:defRPr sz="2000" kern="1200">
+                    <a:solidFill>
+                      <a:schemeClr val="tx1">
+                        <a:lumMod val="75000"/>
+                        <a:lumOff val="25000"/>
+                      </a:schemeClr>
+                    </a:solidFill>
+                    <a:latin typeface="+mn-lt"/>
+                    <a:ea typeface="+mn-ea"/>
+                    <a:cs typeface="+mn-cs"/>
+                  </a:defRPr>
+                </a:lvl2pPr>
+                <a:lvl3pPr marL="1371600" indent="-457200" algn="l" defTabSz="914400" rtl="0" eaLnBrk="1" latinLnBrk="0" hangingPunct="1">
+                  <a:spcBef>
+                    <a:spcPts val="600"/>
+                  </a:spcBef>
+                  <a:buClr>
+                    <a:schemeClr val="tx1">
+                      <a:lumMod val="75000"/>
+                      <a:lumOff val="25000"/>
+                    </a:schemeClr>
+                  </a:buClr>
+                  <a:buSzPct val="75000"/>
+                  <a:buFont typeface="Wingdings 2" pitchFamily="18" charset="2"/>
+                  <a:buChar char=""/>
+                  <a:defRPr sz="1800" kern="1200">
+                    <a:solidFill>
+                      <a:schemeClr val="tx1">
+                        <a:lumMod val="75000"/>
+                        <a:lumOff val="25000"/>
+                      </a:schemeClr>
+                    </a:solidFill>
+                    <a:latin typeface="+mn-lt"/>
+                    <a:ea typeface="+mn-ea"/>
+                    <a:cs typeface="+mn-cs"/>
+                  </a:defRPr>
+                </a:lvl3pPr>
+                <a:lvl4pPr marL="1828800" indent="-457200" algn="l" defTabSz="914400" rtl="0" eaLnBrk="1" latinLnBrk="0" hangingPunct="1">
+                  <a:spcBef>
+                    <a:spcPts val="600"/>
+                  </a:spcBef>
+                  <a:buClr>
+                    <a:schemeClr val="tx1">
+                      <a:lumMod val="50000"/>
+                      <a:lumOff val="50000"/>
+                    </a:schemeClr>
+                  </a:buClr>
+                  <a:buSzPct val="75000"/>
+                  <a:buFont typeface="Wingdings 2" pitchFamily="18" charset="2"/>
+                  <a:buChar char=""/>
+                  <a:defRPr sz="1800" kern="1200">
+                    <a:solidFill>
+                      <a:schemeClr val="tx1">
+                        <a:lumMod val="75000"/>
+                        <a:lumOff val="25000"/>
+                      </a:schemeClr>
+                    </a:solidFill>
+                    <a:latin typeface="+mn-lt"/>
+                    <a:ea typeface="+mn-ea"/>
+                    <a:cs typeface="+mn-cs"/>
+                  </a:defRPr>
+                </a:lvl4pPr>
+                <a:lvl5pPr marL="2286000" indent="-457200" algn="l" defTabSz="914400" rtl="0" eaLnBrk="1" latinLnBrk="0" hangingPunct="1">
+                  <a:spcBef>
+                    <a:spcPts val="600"/>
+                  </a:spcBef>
+                  <a:buClr>
+                    <a:schemeClr val="tx1">
+                      <a:lumMod val="75000"/>
+                      <a:lumOff val="25000"/>
+                    </a:schemeClr>
+                  </a:buClr>
+                  <a:buSzPct val="75000"/>
+                  <a:buFont typeface="Wingdings 2" pitchFamily="18" charset="2"/>
+                  <a:buChar char=""/>
+                  <a:defRPr sz="1800" kern="1200">
+                    <a:solidFill>
+                      <a:schemeClr val="tx1">
+                        <a:lumMod val="75000"/>
+                        <a:lumOff val="25000"/>
+                      </a:schemeClr>
+                    </a:solidFill>
+                    <a:latin typeface="+mn-lt"/>
+                    <a:ea typeface="+mn-ea"/>
+                    <a:cs typeface="+mn-cs"/>
+                  </a:defRPr>
+                </a:lvl5pPr>
+                <a:lvl6pPr marL="2743200" indent="-461963" algn="l" defTabSz="914400" rtl="0" eaLnBrk="1" latinLnBrk="0" hangingPunct="1">
+                  <a:spcBef>
+                    <a:spcPct val="20000"/>
+                  </a:spcBef>
+                  <a:buClr>
+                    <a:schemeClr val="tx1">
+                      <a:lumMod val="50000"/>
+                      <a:lumOff val="50000"/>
+                    </a:schemeClr>
+                  </a:buClr>
+                  <a:buSzPct val="75000"/>
+                  <a:buFont typeface="Wingdings 2" pitchFamily="18" charset="2"/>
+                  <a:buChar char=""/>
+                  <a:defRPr lang="en-US" sz="1800" kern="1200" dirty="0" smtClean="0">
+                    <a:solidFill>
+                      <a:schemeClr val="tx1">
+                        <a:lumMod val="75000"/>
+                        <a:lumOff val="25000"/>
+                      </a:schemeClr>
+                    </a:solidFill>
+                    <a:latin typeface="+mn-lt"/>
+                    <a:ea typeface="+mn-ea"/>
+                    <a:cs typeface="+mn-cs"/>
+                  </a:defRPr>
+                </a:lvl6pPr>
+                <a:lvl7pPr marL="3205163" indent="-461963" algn="l" defTabSz="914400" rtl="0" eaLnBrk="1" latinLnBrk="0" hangingPunct="1">
+                  <a:spcBef>
+                    <a:spcPct val="20000"/>
+                  </a:spcBef>
+                  <a:buClr>
+                    <a:schemeClr val="tx1">
+                      <a:lumMod val="75000"/>
+                      <a:lumOff val="25000"/>
+                    </a:schemeClr>
+                  </a:buClr>
+                  <a:buSzPct val="75000"/>
+                  <a:buFont typeface="Wingdings 2" pitchFamily="18" charset="2"/>
+                  <a:buChar char=""/>
+                  <a:defRPr lang="en-US" sz="1800" kern="1200" dirty="0" smtClean="0">
+                    <a:solidFill>
+                      <a:schemeClr val="tx1">
+                        <a:lumMod val="75000"/>
+                        <a:lumOff val="25000"/>
+                      </a:schemeClr>
+                    </a:solidFill>
+                    <a:latin typeface="+mn-lt"/>
+                    <a:ea typeface="+mn-ea"/>
+                    <a:cs typeface="+mn-cs"/>
+                  </a:defRPr>
+                </a:lvl7pPr>
+                <a:lvl8pPr marL="3657600" indent="-461963" algn="l" defTabSz="914400" rtl="0" eaLnBrk="1" latinLnBrk="0" hangingPunct="1">
+                  <a:spcBef>
+                    <a:spcPct val="20000"/>
+                  </a:spcBef>
+                  <a:buClr>
+                    <a:schemeClr val="tx1">
+                      <a:lumMod val="50000"/>
+                      <a:lumOff val="50000"/>
+                    </a:schemeClr>
+                  </a:buClr>
+                  <a:buSzPct val="75000"/>
+                  <a:buFont typeface="Wingdings 2" pitchFamily="18" charset="2"/>
+                  <a:buChar char=""/>
+                  <a:defRPr lang="en-US" sz="1800" kern="1200" dirty="0" smtClean="0">
+                    <a:solidFill>
+                      <a:schemeClr val="tx1">
+                        <a:lumMod val="75000"/>
+                        <a:lumOff val="25000"/>
+                      </a:schemeClr>
+                    </a:solidFill>
+                    <a:latin typeface="+mn-lt"/>
+                    <a:ea typeface="+mn-ea"/>
+                    <a:cs typeface="+mn-cs"/>
+                  </a:defRPr>
+                </a:lvl8pPr>
+                <a:lvl9pPr marL="4119563" indent="-461963" algn="l" defTabSz="914400" rtl="0" eaLnBrk="1" latinLnBrk="0" hangingPunct="1">
+                  <a:spcBef>
+                    <a:spcPct val="20000"/>
+                  </a:spcBef>
+                  <a:buClr>
+                    <a:schemeClr val="tx1">
+                      <a:lumMod val="75000"/>
+                      <a:lumOff val="25000"/>
+                    </a:schemeClr>
+                  </a:buClr>
+                  <a:buSzPct val="75000"/>
+                  <a:buFont typeface="Wingdings 2" pitchFamily="18" charset="2"/>
+                  <a:buChar char=""/>
+                  <a:defRPr lang="en-US" sz="1800" kern="1200" dirty="0">
+                    <a:solidFill>
+                      <a:schemeClr val="tx1">
+                        <a:lumMod val="75000"/>
+                        <a:lumOff val="25000"/>
+                      </a:schemeClr>
+                    </a:solidFill>
+                    <a:latin typeface="+mn-lt"/>
+                    <a:ea typeface="+mn-ea"/>
+                    <a:cs typeface="+mn-cs"/>
+                  </a:defRPr>
+                </a:lvl9pPr>
+              </a:lstStyle>
+              <a:p>
+                <a14:m>
+                  <m:oMath xmlns:m="http://schemas.openxmlformats.org/officeDocument/2006/math">
+                    <m:r>
+                      <a:rPr kumimoji="1" lang="en-US" altLang="zh-CN" i="1" smtClean="0">
+                        <a:solidFill>
+                          <a:schemeClr val="tx1"/>
+                        </a:solidFill>
+                        <a:latin typeface="Cambria Math" panose="02040503050406030204" pitchFamily="18" charset="0"/>
+                      </a:rPr>
+                      <m:t>𝐻</m:t>
+                    </m:r>
+                    <m:d>
+                      <m:dPr>
+                        <m:ctrlPr>
+                          <a:rPr kumimoji="1" lang="en-US" altLang="zh-CN" i="1">
+                            <a:solidFill>
+                              <a:schemeClr val="tx1"/>
+                            </a:solidFill>
+                            <a:latin typeface="Cambria Math" panose="02040503050406030204" pitchFamily="18" charset="0"/>
+                          </a:rPr>
+                        </m:ctrlPr>
+                      </m:dPr>
+                      <m:e>
+                        <m:r>
+                          <a:rPr kumimoji="1" lang="en-US" altLang="zh-CN" i="1">
+                            <a:solidFill>
+                              <a:schemeClr val="tx1"/>
+                            </a:solidFill>
+                            <a:latin typeface="Cambria Math" panose="02040503050406030204" pitchFamily="18" charset="0"/>
+                          </a:rPr>
+                          <m:t>𝑋</m:t>
+                        </m:r>
+                      </m:e>
+                    </m:d>
+                    <m:r>
+                      <a:rPr kumimoji="1" lang="en-US" altLang="zh-CN" i="1">
+                        <a:solidFill>
+                          <a:schemeClr val="tx1"/>
+                        </a:solidFill>
+                        <a:latin typeface="Cambria Math" panose="02040503050406030204" pitchFamily="18" charset="0"/>
+                      </a:rPr>
+                      <m:t>=−</m:t>
+                    </m:r>
+                    <m:nary>
+                      <m:naryPr>
+                        <m:chr m:val="∑"/>
+                        <m:ctrlPr>
+                          <a:rPr kumimoji="1" lang="en-US" altLang="zh-CN" i="1">
+                            <a:solidFill>
+                              <a:schemeClr val="tx1"/>
+                            </a:solidFill>
+                            <a:latin typeface="Cambria Math" panose="02040503050406030204" pitchFamily="18" charset="0"/>
+                          </a:rPr>
+                        </m:ctrlPr>
+                      </m:naryPr>
+                      <m:sub>
+                        <m:r>
+                          <m:rPr>
+                            <m:brk m:alnAt="23"/>
+                          </m:rPr>
+                          <a:rPr kumimoji="1" lang="en-US" altLang="zh-CN" i="1">
+                            <a:solidFill>
+                              <a:schemeClr val="tx1"/>
+                            </a:solidFill>
+                            <a:latin typeface="Cambria Math" panose="02040503050406030204" pitchFamily="18" charset="0"/>
+                          </a:rPr>
+                          <m:t>𝑖</m:t>
+                        </m:r>
+                        <m:r>
+                          <a:rPr kumimoji="1" lang="en-US" altLang="zh-CN" i="1">
+                            <a:solidFill>
+                              <a:schemeClr val="tx1"/>
+                            </a:solidFill>
+                            <a:latin typeface="Cambria Math" panose="02040503050406030204" pitchFamily="18" charset="0"/>
+                          </a:rPr>
+                          <m:t>=1</m:t>
+                        </m:r>
+                      </m:sub>
+                      <m:sup>
+                        <m:r>
+                          <a:rPr kumimoji="1" lang="en-US" altLang="zh-CN" i="1">
+                            <a:solidFill>
+                              <a:schemeClr val="tx1"/>
+                            </a:solidFill>
+                            <a:latin typeface="Cambria Math" panose="02040503050406030204" pitchFamily="18" charset="0"/>
+                          </a:rPr>
+                          <m:t>2</m:t>
+                        </m:r>
+                      </m:sup>
+                      <m:e>
+                        <m:r>
+                          <a:rPr kumimoji="1" lang="en-US" altLang="zh-CN" i="1">
+                            <a:solidFill>
+                              <a:schemeClr val="tx1"/>
+                            </a:solidFill>
+                            <a:latin typeface="Cambria Math" panose="02040503050406030204" pitchFamily="18" charset="0"/>
+                          </a:rPr>
+                          <m:t>𝑃</m:t>
+                        </m:r>
+                        <m:d>
+                          <m:dPr>
+                            <m:ctrlPr>
+                              <a:rPr kumimoji="1" lang="en-US" altLang="zh-CN" i="1">
+                                <a:solidFill>
+                                  <a:schemeClr val="tx1"/>
+                                </a:solidFill>
+                                <a:latin typeface="Cambria Math" panose="02040503050406030204" pitchFamily="18" charset="0"/>
+                              </a:rPr>
+                            </m:ctrlPr>
+                          </m:dPr>
+                          <m:e>
+                            <m:sSub>
+                              <m:sSubPr>
+                                <m:ctrlPr>
+                                  <a:rPr kumimoji="1" lang="en-US" altLang="zh-CN" i="1">
+                                    <a:solidFill>
+                                      <a:schemeClr val="tx1"/>
+                                    </a:solidFill>
+                                    <a:latin typeface="Cambria Math" panose="02040503050406030204" pitchFamily="18" charset="0"/>
+                                  </a:rPr>
+                                </m:ctrlPr>
+                              </m:sSubPr>
+                              <m:e>
+                                <m:r>
+                                  <a:rPr kumimoji="1" lang="en-US" altLang="zh-CN" i="1">
+                                    <a:solidFill>
+                                      <a:schemeClr val="tx1"/>
+                                    </a:solidFill>
+                                    <a:latin typeface="Cambria Math" panose="02040503050406030204" pitchFamily="18" charset="0"/>
+                                  </a:rPr>
+                                  <m:t>𝑥</m:t>
+                                </m:r>
+                              </m:e>
+                              <m:sub>
+                                <m:r>
+                                  <a:rPr kumimoji="1" lang="en-US" altLang="zh-CN" i="1">
+                                    <a:solidFill>
+                                      <a:schemeClr val="tx1"/>
+                                    </a:solidFill>
+                                    <a:latin typeface="Cambria Math" panose="02040503050406030204" pitchFamily="18" charset="0"/>
+                                  </a:rPr>
+                                  <m:t>𝑖</m:t>
+                                </m:r>
+                              </m:sub>
+                            </m:sSub>
+                          </m:e>
+                        </m:d>
+                        <m:func>
+                          <m:funcPr>
+                            <m:ctrlPr>
+                              <a:rPr kumimoji="1" lang="en-US" altLang="zh-CN" i="1">
+                                <a:solidFill>
+                                  <a:schemeClr val="tx1"/>
+                                </a:solidFill>
+                                <a:latin typeface="Cambria Math" panose="02040503050406030204" pitchFamily="18" charset="0"/>
+                              </a:rPr>
+                            </m:ctrlPr>
+                          </m:funcPr>
+                          <m:fName>
+                            <m:sSub>
+                              <m:sSubPr>
+                                <m:ctrlPr>
+                                  <a:rPr kumimoji="1" lang="en-US" altLang="zh-CN" i="1">
+                                    <a:solidFill>
+                                      <a:schemeClr val="tx1"/>
+                                    </a:solidFill>
+                                    <a:latin typeface="Cambria Math" panose="02040503050406030204" pitchFamily="18" charset="0"/>
+                                  </a:rPr>
+                                </m:ctrlPr>
+                              </m:sSubPr>
+                              <m:e>
+                                <m:r>
+                                  <m:rPr>
+                                    <m:sty m:val="p"/>
+                                  </m:rPr>
+                                  <a:rPr kumimoji="1" lang="en-US" altLang="zh-CN">
+                                    <a:solidFill>
+                                      <a:schemeClr val="tx1"/>
+                                    </a:solidFill>
+                                    <a:latin typeface="Cambria Math" panose="02040503050406030204" pitchFamily="18" charset="0"/>
+                                  </a:rPr>
+                                  <m:t>log</m:t>
+                                </m:r>
+                              </m:e>
+                              <m:sub>
+                                <m:r>
+                                  <a:rPr kumimoji="1" lang="en-US" altLang="zh-CN" i="1">
+                                    <a:solidFill>
+                                      <a:schemeClr val="tx1"/>
+                                    </a:solidFill>
+                                    <a:latin typeface="Cambria Math" panose="02040503050406030204" pitchFamily="18" charset="0"/>
+                                  </a:rPr>
+                                  <m:t>2</m:t>
+                                </m:r>
+                              </m:sub>
+                            </m:sSub>
+                          </m:fName>
+                          <m:e>
+                            <m:r>
+                              <a:rPr kumimoji="1" lang="en-US" altLang="zh-CN" i="1">
+                                <a:solidFill>
+                                  <a:schemeClr val="tx1"/>
+                                </a:solidFill>
+                                <a:latin typeface="Cambria Math" panose="02040503050406030204" pitchFamily="18" charset="0"/>
+                              </a:rPr>
+                              <m:t>𝑃</m:t>
+                            </m:r>
+                            <m:r>
+                              <a:rPr kumimoji="1" lang="en-US" altLang="zh-CN" i="1">
+                                <a:solidFill>
+                                  <a:schemeClr val="tx1"/>
+                                </a:solidFill>
+                                <a:latin typeface="Cambria Math" panose="02040503050406030204" pitchFamily="18" charset="0"/>
+                              </a:rPr>
+                              <m:t>(</m:t>
+                            </m:r>
+                            <m:sSub>
+                              <m:sSubPr>
+                                <m:ctrlPr>
+                                  <a:rPr kumimoji="1" lang="en-US" altLang="zh-CN" i="1">
+                                    <a:solidFill>
+                                      <a:schemeClr val="tx1"/>
+                                    </a:solidFill>
+                                    <a:latin typeface="Cambria Math" panose="02040503050406030204" pitchFamily="18" charset="0"/>
+                                  </a:rPr>
+                                </m:ctrlPr>
+                              </m:sSubPr>
+                              <m:e>
+                                <m:r>
+                                  <a:rPr kumimoji="1" lang="en-US" altLang="zh-CN" i="1">
+                                    <a:solidFill>
+                                      <a:schemeClr val="tx1"/>
+                                    </a:solidFill>
+                                    <a:latin typeface="Cambria Math" panose="02040503050406030204" pitchFamily="18" charset="0"/>
+                                  </a:rPr>
+                                  <m:t>𝑥</m:t>
+                                </m:r>
+                              </m:e>
+                              <m:sub>
+                                <m:r>
+                                  <a:rPr kumimoji="1" lang="en-US" altLang="zh-CN" i="1">
+                                    <a:solidFill>
+                                      <a:schemeClr val="tx1"/>
+                                    </a:solidFill>
+                                    <a:latin typeface="Cambria Math" panose="02040503050406030204" pitchFamily="18" charset="0"/>
+                                  </a:rPr>
+                                  <m:t>𝑖</m:t>
+                                </m:r>
+                              </m:sub>
+                            </m:sSub>
+                            <m:r>
+                              <a:rPr kumimoji="1" lang="en-US" altLang="zh-CN" i="1">
+                                <a:solidFill>
+                                  <a:schemeClr val="tx1"/>
+                                </a:solidFill>
+                                <a:latin typeface="Cambria Math" panose="02040503050406030204" pitchFamily="18" charset="0"/>
+                              </a:rPr>
+                              <m:t>)</m:t>
+                            </m:r>
+                          </m:e>
+                        </m:func>
+                      </m:e>
+                    </m:nary>
+                  </m:oMath>
+                </a14:m>
+                <a:endParaRPr kumimoji="1" lang="en-US" altLang="zh-CN" b="0" i="1" dirty="0">
+                  <a:solidFill>
+                    <a:schemeClr val="tx1"/>
+                  </a:solidFill>
+                  <a:latin typeface="Cambria Math" panose="02040503050406030204" pitchFamily="18" charset="0"/>
+                </a:endParaRPr>
+              </a:p>
+              <a:p>
+                <a14:m>
+                  <m:oMath xmlns:m="http://schemas.openxmlformats.org/officeDocument/2006/math">
+                    <m:r>
+                      <a:rPr kumimoji="1" lang="en-US" altLang="zh-CN" b="0" i="1" smtClean="0">
+                        <a:solidFill>
+                          <a:schemeClr val="tx1"/>
+                        </a:solidFill>
+                        <a:latin typeface="Cambria Math" panose="02040503050406030204" pitchFamily="18" charset="0"/>
+                      </a:rPr>
+                      <m:t>           </m:t>
+                    </m:r>
+                    <m:r>
+                      <a:rPr kumimoji="1" lang="en-US" altLang="zh-CN" i="1">
+                        <a:solidFill>
+                          <a:schemeClr val="tx1"/>
+                        </a:solidFill>
+                        <a:latin typeface="Cambria Math" panose="02040503050406030204" pitchFamily="18" charset="0"/>
+                      </a:rPr>
+                      <m:t>=−</m:t>
+                    </m:r>
+                    <m:f>
+                      <m:fPr>
+                        <m:ctrlPr>
+                          <a:rPr kumimoji="1" lang="en-US" altLang="zh-CN" b="0" i="1" smtClean="0">
+                            <a:solidFill>
+                              <a:schemeClr val="tx1"/>
+                            </a:solidFill>
+                            <a:latin typeface="Cambria Math" panose="02040503050406030204" pitchFamily="18" charset="0"/>
+                          </a:rPr>
+                        </m:ctrlPr>
+                      </m:fPr>
+                      <m:num>
+                        <m:r>
+                          <a:rPr kumimoji="1" lang="en-US" altLang="zh-CN" b="0" i="1" smtClean="0">
+                            <a:solidFill>
+                              <a:schemeClr val="tx1"/>
+                            </a:solidFill>
+                            <a:latin typeface="Cambria Math" panose="02040503050406030204" pitchFamily="18" charset="0"/>
+                          </a:rPr>
+                          <m:t>1</m:t>
+                        </m:r>
+                      </m:num>
+                      <m:den>
+                        <m:r>
+                          <a:rPr kumimoji="1" lang="en-US" altLang="zh-CN" b="0" i="1" smtClean="0">
+                            <a:solidFill>
+                              <a:schemeClr val="tx1"/>
+                            </a:solidFill>
+                            <a:latin typeface="Cambria Math" panose="02040503050406030204" pitchFamily="18" charset="0"/>
+                          </a:rPr>
+                          <m:t>4</m:t>
+                        </m:r>
+                      </m:den>
+                    </m:f>
+                    <m:r>
+                      <a:rPr kumimoji="1" lang="en-US" altLang="zh-CN" i="1">
+                        <a:solidFill>
+                          <a:schemeClr val="tx1"/>
+                        </a:solidFill>
+                        <a:latin typeface="Cambria Math" panose="02040503050406030204" pitchFamily="18" charset="0"/>
+                      </a:rPr>
+                      <m:t>×</m:t>
+                    </m:r>
+                    <m:func>
+                      <m:funcPr>
+                        <m:ctrlPr>
+                          <a:rPr kumimoji="1" lang="en-US" altLang="zh-CN" i="1">
+                            <a:solidFill>
+                              <a:schemeClr val="tx1"/>
+                            </a:solidFill>
+                            <a:latin typeface="Cambria Math" panose="02040503050406030204" pitchFamily="18" charset="0"/>
+                          </a:rPr>
+                        </m:ctrlPr>
+                      </m:funcPr>
+                      <m:fName>
+                        <m:sSub>
+                          <m:sSubPr>
+                            <m:ctrlPr>
+                              <a:rPr kumimoji="1" lang="en-US" altLang="zh-CN" i="1">
+                                <a:solidFill>
+                                  <a:schemeClr val="tx1"/>
+                                </a:solidFill>
+                                <a:latin typeface="Cambria Math" panose="02040503050406030204" pitchFamily="18" charset="0"/>
+                              </a:rPr>
+                            </m:ctrlPr>
+                          </m:sSubPr>
+                          <m:e>
+                            <m:r>
+                              <m:rPr>
+                                <m:sty m:val="p"/>
+                              </m:rPr>
+                              <a:rPr kumimoji="1" lang="en-US" altLang="zh-CN">
+                                <a:solidFill>
+                                  <a:schemeClr val="tx1"/>
+                                </a:solidFill>
+                                <a:latin typeface="Cambria Math" panose="02040503050406030204" pitchFamily="18" charset="0"/>
+                              </a:rPr>
+                              <m:t>log</m:t>
+                            </m:r>
+                          </m:e>
+                          <m:sub>
+                            <m:r>
+                              <a:rPr kumimoji="1" lang="en-US" altLang="zh-CN" i="1">
+                                <a:solidFill>
+                                  <a:schemeClr val="tx1"/>
+                                </a:solidFill>
+                                <a:latin typeface="Cambria Math" panose="02040503050406030204" pitchFamily="18" charset="0"/>
+                              </a:rPr>
+                              <m:t>2</m:t>
+                            </m:r>
+                          </m:sub>
+                        </m:sSub>
+                      </m:fName>
+                      <m:e>
+                        <m:f>
+                          <m:fPr>
+                            <m:ctrlPr>
+                              <a:rPr kumimoji="1" lang="en-US" altLang="zh-CN" b="0" i="1" smtClean="0">
+                                <a:solidFill>
+                                  <a:schemeClr val="tx1"/>
+                                </a:solidFill>
+                                <a:latin typeface="Cambria Math" panose="02040503050406030204" pitchFamily="18" charset="0"/>
+                              </a:rPr>
+                            </m:ctrlPr>
+                          </m:fPr>
+                          <m:num>
+                            <m:r>
+                              <a:rPr kumimoji="1" lang="en-US" altLang="zh-CN" b="0" i="1" smtClean="0">
+                                <a:solidFill>
+                                  <a:schemeClr val="tx1"/>
+                                </a:solidFill>
+                                <a:latin typeface="Cambria Math" panose="02040503050406030204" pitchFamily="18" charset="0"/>
+                              </a:rPr>
+                              <m:t>1</m:t>
+                            </m:r>
+                          </m:num>
+                          <m:den>
+                            <m:r>
+                              <a:rPr kumimoji="1" lang="en-US" altLang="zh-CN" b="0" i="1" smtClean="0">
+                                <a:solidFill>
+                                  <a:schemeClr val="tx1"/>
+                                </a:solidFill>
+                                <a:latin typeface="Cambria Math" panose="02040503050406030204" pitchFamily="18" charset="0"/>
+                              </a:rPr>
+                              <m:t>4</m:t>
+                            </m:r>
+                          </m:den>
+                        </m:f>
+                      </m:e>
+                    </m:func>
+                    <m:r>
+                      <a:rPr kumimoji="1" lang="en-US" altLang="zh-CN" i="1">
+                        <a:solidFill>
+                          <a:schemeClr val="tx1"/>
+                        </a:solidFill>
+                        <a:latin typeface="Cambria Math" panose="02040503050406030204" pitchFamily="18" charset="0"/>
+                      </a:rPr>
+                      <m:t>−</m:t>
+                    </m:r>
+                    <m:f>
+                      <m:fPr>
+                        <m:ctrlPr>
+                          <a:rPr kumimoji="1" lang="en-US" altLang="zh-CN" b="0" i="1" smtClean="0">
+                            <a:solidFill>
+                              <a:schemeClr val="tx1"/>
+                            </a:solidFill>
+                            <a:latin typeface="Cambria Math" panose="02040503050406030204" pitchFamily="18" charset="0"/>
+                          </a:rPr>
+                        </m:ctrlPr>
+                      </m:fPr>
+                      <m:num>
+                        <m:r>
+                          <a:rPr kumimoji="1" lang="en-US" altLang="zh-CN" b="0" i="1" smtClean="0">
+                            <a:solidFill>
+                              <a:schemeClr val="tx1"/>
+                            </a:solidFill>
+                            <a:latin typeface="Cambria Math" panose="02040503050406030204" pitchFamily="18" charset="0"/>
+                          </a:rPr>
+                          <m:t>3</m:t>
+                        </m:r>
+                      </m:num>
+                      <m:den>
+                        <m:r>
+                          <a:rPr kumimoji="1" lang="en-US" altLang="zh-CN" b="0" i="1" smtClean="0">
+                            <a:solidFill>
+                              <a:schemeClr val="tx1"/>
+                            </a:solidFill>
+                            <a:latin typeface="Cambria Math" panose="02040503050406030204" pitchFamily="18" charset="0"/>
+                          </a:rPr>
+                          <m:t>4</m:t>
+                        </m:r>
+                      </m:den>
+                    </m:f>
+                    <m:r>
+                      <a:rPr kumimoji="1" lang="en-US" altLang="zh-CN" i="1">
+                        <a:solidFill>
+                          <a:schemeClr val="tx1"/>
+                        </a:solidFill>
+                        <a:latin typeface="Cambria Math" panose="02040503050406030204" pitchFamily="18" charset="0"/>
+                      </a:rPr>
+                      <m:t>×</m:t>
+                    </m:r>
+                    <m:func>
+                      <m:funcPr>
+                        <m:ctrlPr>
+                          <a:rPr kumimoji="1" lang="en-US" altLang="zh-CN" i="1">
+                            <a:solidFill>
+                              <a:schemeClr val="tx1"/>
+                            </a:solidFill>
+                            <a:latin typeface="Cambria Math" panose="02040503050406030204" pitchFamily="18" charset="0"/>
+                          </a:rPr>
+                        </m:ctrlPr>
+                      </m:funcPr>
+                      <m:fName>
+                        <m:sSub>
+                          <m:sSubPr>
+                            <m:ctrlPr>
+                              <a:rPr kumimoji="1" lang="en-US" altLang="zh-CN" i="1">
+                                <a:solidFill>
+                                  <a:schemeClr val="tx1"/>
+                                </a:solidFill>
+                                <a:latin typeface="Cambria Math" panose="02040503050406030204" pitchFamily="18" charset="0"/>
+                              </a:rPr>
+                            </m:ctrlPr>
+                          </m:sSubPr>
+                          <m:e>
+                            <m:r>
+                              <m:rPr>
+                                <m:sty m:val="p"/>
+                              </m:rPr>
+                              <a:rPr kumimoji="1" lang="en-US" altLang="zh-CN">
+                                <a:solidFill>
+                                  <a:schemeClr val="tx1"/>
+                                </a:solidFill>
+                                <a:latin typeface="Cambria Math" panose="02040503050406030204" pitchFamily="18" charset="0"/>
+                              </a:rPr>
+                              <m:t>log</m:t>
+                            </m:r>
+                          </m:e>
+                          <m:sub>
+                            <m:r>
+                              <a:rPr kumimoji="1" lang="en-US" altLang="zh-CN" i="1">
+                                <a:solidFill>
+                                  <a:schemeClr val="tx1"/>
+                                </a:solidFill>
+                                <a:latin typeface="Cambria Math" panose="02040503050406030204" pitchFamily="18" charset="0"/>
+                              </a:rPr>
+                              <m:t>2</m:t>
+                            </m:r>
+                          </m:sub>
+                        </m:sSub>
+                      </m:fName>
+                      <m:e>
+                        <m:f>
+                          <m:fPr>
+                            <m:ctrlPr>
+                              <a:rPr kumimoji="1" lang="en-US" altLang="zh-CN" b="0" i="1" smtClean="0">
+                                <a:solidFill>
+                                  <a:schemeClr val="tx1"/>
+                                </a:solidFill>
+                                <a:latin typeface="Cambria Math" panose="02040503050406030204" pitchFamily="18" charset="0"/>
+                              </a:rPr>
+                            </m:ctrlPr>
+                          </m:fPr>
+                          <m:num>
+                            <m:r>
+                              <a:rPr kumimoji="1" lang="en-US" altLang="zh-CN" b="0" i="1" smtClean="0">
+                                <a:solidFill>
+                                  <a:schemeClr val="tx1"/>
+                                </a:solidFill>
+                                <a:latin typeface="Cambria Math" panose="02040503050406030204" pitchFamily="18" charset="0"/>
+                              </a:rPr>
+                              <m:t>3</m:t>
+                            </m:r>
+                          </m:num>
+                          <m:den>
+                            <m:r>
+                              <a:rPr kumimoji="1" lang="en-US" altLang="zh-CN" b="0" i="1" smtClean="0">
+                                <a:solidFill>
+                                  <a:schemeClr val="tx1"/>
+                                </a:solidFill>
+                                <a:latin typeface="Cambria Math" panose="02040503050406030204" pitchFamily="18" charset="0"/>
+                              </a:rPr>
+                              <m:t>4</m:t>
+                            </m:r>
+                          </m:den>
+                        </m:f>
+                      </m:e>
+                    </m:func>
+                    <m:r>
+                      <a:rPr kumimoji="1" lang="en-US" altLang="zh-CN" i="1">
+                        <a:solidFill>
+                          <a:schemeClr val="tx1"/>
+                        </a:solidFill>
+                        <a:latin typeface="Cambria Math" panose="02040503050406030204" pitchFamily="18" charset="0"/>
+                        <a:ea typeface="Cambria Math" panose="02040503050406030204" pitchFamily="18" charset="0"/>
+                      </a:rPr>
+                      <m:t>≈0.811</m:t>
+                    </m:r>
+                    <m:r>
+                      <a:rPr kumimoji="1" lang="en-US" altLang="zh-CN" b="0" i="1" smtClean="0">
+                        <a:solidFill>
+                          <a:schemeClr val="tx1"/>
+                        </a:solidFill>
+                        <a:latin typeface="Cambria Math" panose="02040503050406030204" pitchFamily="18" charset="0"/>
+                        <a:ea typeface="Cambria Math" panose="02040503050406030204" pitchFamily="18" charset="0"/>
+                      </a:rPr>
+                      <m:t>2</m:t>
+                    </m:r>
+                    <m:r>
+                      <a:rPr kumimoji="1" lang="en-US" altLang="zh-CN" b="0" i="1" smtClean="0">
+                        <a:solidFill>
+                          <a:schemeClr val="tx1"/>
+                        </a:solidFill>
+                        <a:latin typeface="Cambria Math" panose="02040503050406030204" pitchFamily="18" charset="0"/>
+                      </a:rPr>
+                      <m:t>𝑏𝑖𝑡</m:t>
+                    </m:r>
+                  </m:oMath>
+                </a14:m>
+                <a:r>
+                  <a:rPr kumimoji="1" lang="zh-CN" altLang="en-US" dirty="0">
+                    <a:solidFill>
+                      <a:schemeClr val="tx1"/>
+                    </a:solidFill>
+                  </a:rPr>
+                  <a:t>  </a:t>
+                </a:r>
+              </a:p>
+            </p:txBody>
+          </p:sp>
+        </mc:Choice>
+        <mc:Fallback>
+          <p:sp>
+            <p:nvSpPr>
+              <p:cNvPr id="6" name="内容占位符 4">
+                <a:extLst>
+                  <a:ext uri="{FF2B5EF4-FFF2-40B4-BE49-F238E27FC236}">
+                    <a16:creationId xmlns:a16="http://schemas.microsoft.com/office/drawing/2014/main" id="{D9D69492-E153-4FEF-98AB-E145CCD6482F}"/>
+                  </a:ext>
+                </a:extLst>
+              </p:cNvPr>
+              <p:cNvSpPr txBox="1">
+                <a:spLocks noRot="1" noChangeAspect="1" noMove="1" noResize="1" noEditPoints="1" noAdjustHandles="1" noChangeArrowheads="1" noChangeShapeType="1" noTextEdit="1"/>
+              </p:cNvSpPr>
+              <p:nvPr/>
+            </p:nvSpPr>
+            <p:spPr>
+              <a:xfrm>
+                <a:off x="316876" y="2934553"/>
+                <a:ext cx="8827124" cy="2583807"/>
+              </a:xfrm>
+              <a:prstGeom prst="rect">
+                <a:avLst/>
+              </a:prstGeom>
+              <a:blipFill>
+                <a:blip r:embed="rId2"/>
+                <a:stretch>
+                  <a:fillRect l="-276" t="-20283"/>
+                </a:stretch>
+              </a:blipFill>
+            </p:spPr>
+            <p:txBody>
+              <a:bodyPr/>
+              <a:lstStyle/>
+              <a:p>
+                <a:r>
+                  <a:rPr lang="en-US">
+                    <a:noFill/>
+                  </a:rPr>
+                  <a:t> </a:t>
+                </a:r>
+              </a:p>
+            </p:txBody>
+          </p:sp>
+        </mc:Fallback>
+      </mc:AlternateContent>
+    </p:spTree>
+    <p:extLst>
+      <p:ext uri="{BB962C8B-B14F-4D97-AF65-F5344CB8AC3E}">
+        <p14:creationId xmlns:p14="http://schemas.microsoft.com/office/powerpoint/2010/main" val="180393017"/>
+      </p:ext>
+    </p:extLst>
+  </p:cSld>
+  <p:clrMapOvr>
+    <a:masterClrMapping/>
+  </p:clrMapOvr>
+</p:sld>
+</file>
+
+<file path=ppt/slides/slide14.xml><?xml version="1.0" encoding="utf-8"?>
+<p:sld xmlns:a="http://schemas.openxmlformats.org/drawingml/2006/main" xmlns:r="http://schemas.openxmlformats.org/officeDocument/2006/relationships" xmlns:p="http://schemas.openxmlformats.org/presentationml/2006/main">
+  <p:cSld>
+    <p:spTree>
+      <p:nvGrpSpPr>
+        <p:cNvPr id="1" name=""/>
+        <p:cNvGrpSpPr/>
+        <p:nvPr/>
+      </p:nvGrpSpPr>
+      <p:grpSpPr>
+        <a:xfrm>
+          <a:off x="0" y="0"/>
+          <a:ext cx="0" cy="0"/>
+          <a:chOff x="0" y="0"/>
+          <a:chExt cx="0" cy="0"/>
+        </a:xfrm>
+      </p:grpSpPr>
+      <p:sp>
+        <p:nvSpPr>
+          <p:cNvPr id="5" name="标题 1">
+            <a:extLst>
+              <a:ext uri="{FF2B5EF4-FFF2-40B4-BE49-F238E27FC236}">
+                <a16:creationId xmlns:a16="http://schemas.microsoft.com/office/drawing/2014/main" id="{F0511409-B9AF-4D30-B635-901BDDA9EAD1}"/>
+              </a:ext>
+            </a:extLst>
+          </p:cNvPr>
+          <p:cNvSpPr>
+            <a:spLocks noGrp="1"/>
+          </p:cNvSpPr>
+          <p:nvPr>
+            <p:ph type="title"/>
+          </p:nvPr>
+        </p:nvSpPr>
+        <p:spPr>
+          <a:xfrm>
+            <a:off x="460664" y="539176"/>
+            <a:ext cx="8048336" cy="750455"/>
+          </a:xfrm>
+        </p:spPr>
+        <p:txBody>
+          <a:bodyPr/>
+          <a:lstStyle/>
+          <a:p>
+            <a:pPr algn="l"/>
+            <a:r>
+              <a:rPr lang="en-US" altLang="ja-JP" sz="4000" baseline="30000" dirty="0">
+                <a:solidFill>
+                  <a:schemeClr val="bg1"/>
+                </a:solidFill>
+                <a:latin typeface="黑体"/>
+                <a:ea typeface="黑体"/>
+                <a:cs typeface="黑体"/>
+              </a:rPr>
+              <a:t>2.3 </a:t>
+            </a:r>
+            <a:r>
+              <a:rPr lang="en-US" altLang="ja-JP" sz="4000" baseline="30000" dirty="0" err="1">
+                <a:solidFill>
+                  <a:schemeClr val="bg1"/>
+                </a:solidFill>
+                <a:latin typeface="黑体"/>
+                <a:ea typeface="黑体"/>
+                <a:cs typeface="黑体"/>
+              </a:rPr>
+              <a:t>Kullback-Leibler</a:t>
+            </a:r>
+            <a:r>
+              <a:rPr lang="en-US" altLang="ja-JP" sz="4000" baseline="30000" dirty="0">
+                <a:solidFill>
+                  <a:schemeClr val="bg1"/>
+                </a:solidFill>
+                <a:latin typeface="黑体"/>
+                <a:ea typeface="黑体"/>
+                <a:cs typeface="黑体"/>
+              </a:rPr>
+              <a:t> (KL) divergence</a:t>
+            </a:r>
+            <a:endParaRPr lang="ja-JP" altLang="en-US" sz="4000" baseline="30000" dirty="0">
+              <a:solidFill>
+                <a:schemeClr val="bg1"/>
+              </a:solidFill>
+              <a:latin typeface="黑体"/>
+              <a:ea typeface="黑体"/>
+              <a:cs typeface="黑体"/>
+            </a:endParaRPr>
+          </a:p>
+        </p:txBody>
+      </p:sp>
+      <mc:AlternateContent xmlns:mc="http://schemas.openxmlformats.org/markup-compatibility/2006">
+        <mc:Choice xmlns:a14="http://schemas.microsoft.com/office/drawing/2010/main" Requires="a14">
+          <p:sp>
+            <p:nvSpPr>
+              <p:cNvPr id="3" name="内容占位符 4">
+                <a:extLst>
+                  <a:ext uri="{FF2B5EF4-FFF2-40B4-BE49-F238E27FC236}">
+                    <a16:creationId xmlns:a16="http://schemas.microsoft.com/office/drawing/2014/main" id="{C3A1C0B0-1BA2-46B8-86D0-C2FA375EBD02}"/>
+                  </a:ext>
+                </a:extLst>
+              </p:cNvPr>
+              <p:cNvSpPr txBox="1">
+                <a:spLocks/>
+              </p:cNvSpPr>
+              <p:nvPr/>
+            </p:nvSpPr>
+            <p:spPr>
+              <a:xfrm>
+                <a:off x="207819" y="1450358"/>
+                <a:ext cx="8827124" cy="2316300"/>
+              </a:xfrm>
+              <a:prstGeom prst="rect">
+                <a:avLst/>
+              </a:prstGeom>
+            </p:spPr>
+            <p:txBody>
+              <a:bodyPr vert="horz" lIns="91440" tIns="45720" rIns="91440" bIns="45720" rtlCol="0">
+                <a:normAutofit/>
+              </a:bodyPr>
+              <a:lstStyle>
+                <a:lvl1pPr marL="457200" indent="-457200" algn="l" defTabSz="914400" rtl="0" eaLnBrk="1" latinLnBrk="0" hangingPunct="1">
+                  <a:spcBef>
+                    <a:spcPts val="2000"/>
+                  </a:spcBef>
+                  <a:buClr>
+                    <a:schemeClr val="tx1">
+                      <a:lumMod val="75000"/>
+                      <a:lumOff val="25000"/>
+                    </a:schemeClr>
+                  </a:buClr>
+                  <a:buSzPct val="75000"/>
+                  <a:buFont typeface="Wingdings 2" pitchFamily="18" charset="2"/>
+                  <a:buChar char=""/>
+                  <a:defRPr sz="2200" kern="1200">
+                    <a:solidFill>
+                      <a:schemeClr val="tx1">
+                        <a:lumMod val="75000"/>
+                        <a:lumOff val="25000"/>
+                      </a:schemeClr>
+                    </a:solidFill>
+                    <a:latin typeface="+mn-lt"/>
+                    <a:ea typeface="+mn-ea"/>
+                    <a:cs typeface="+mn-cs"/>
+                  </a:defRPr>
+                </a:lvl1pPr>
+                <a:lvl2pPr marL="914400" indent="-457200" algn="l" defTabSz="914400" rtl="0" eaLnBrk="1" latinLnBrk="0" hangingPunct="1">
+                  <a:spcBef>
+                    <a:spcPts val="600"/>
+                  </a:spcBef>
+                  <a:buClr>
+                    <a:schemeClr val="tx1">
+                      <a:lumMod val="50000"/>
+                      <a:lumOff val="50000"/>
+                    </a:schemeClr>
+                  </a:buClr>
+                  <a:buSzPct val="75000"/>
+                  <a:buFont typeface="Wingdings 2" pitchFamily="18" charset="2"/>
+                  <a:buChar char=""/>
+                  <a:defRPr sz="2000" kern="1200">
+                    <a:solidFill>
+                      <a:schemeClr val="tx1">
+                        <a:lumMod val="75000"/>
+                        <a:lumOff val="25000"/>
+                      </a:schemeClr>
+                    </a:solidFill>
+                    <a:latin typeface="+mn-lt"/>
+                    <a:ea typeface="+mn-ea"/>
+                    <a:cs typeface="+mn-cs"/>
+                  </a:defRPr>
+                </a:lvl2pPr>
+                <a:lvl3pPr marL="1371600" indent="-457200" algn="l" defTabSz="914400" rtl="0" eaLnBrk="1" latinLnBrk="0" hangingPunct="1">
+                  <a:spcBef>
+                    <a:spcPts val="600"/>
+                  </a:spcBef>
+                  <a:buClr>
+                    <a:schemeClr val="tx1">
+                      <a:lumMod val="75000"/>
+                      <a:lumOff val="25000"/>
+                    </a:schemeClr>
+                  </a:buClr>
+                  <a:buSzPct val="75000"/>
+                  <a:buFont typeface="Wingdings 2" pitchFamily="18" charset="2"/>
+                  <a:buChar char=""/>
+                  <a:defRPr sz="1800" kern="1200">
+                    <a:solidFill>
+                      <a:schemeClr val="tx1">
+                        <a:lumMod val="75000"/>
+                        <a:lumOff val="25000"/>
+                      </a:schemeClr>
+                    </a:solidFill>
+                    <a:latin typeface="+mn-lt"/>
+                    <a:ea typeface="+mn-ea"/>
+                    <a:cs typeface="+mn-cs"/>
+                  </a:defRPr>
+                </a:lvl3pPr>
+                <a:lvl4pPr marL="1828800" indent="-457200" algn="l" defTabSz="914400" rtl="0" eaLnBrk="1" latinLnBrk="0" hangingPunct="1">
+                  <a:spcBef>
+                    <a:spcPts val="600"/>
+                  </a:spcBef>
+                  <a:buClr>
+                    <a:schemeClr val="tx1">
+                      <a:lumMod val="50000"/>
+                      <a:lumOff val="50000"/>
+                    </a:schemeClr>
+                  </a:buClr>
+                  <a:buSzPct val="75000"/>
+                  <a:buFont typeface="Wingdings 2" pitchFamily="18" charset="2"/>
+                  <a:buChar char=""/>
+                  <a:defRPr sz="1800" kern="1200">
+                    <a:solidFill>
+                      <a:schemeClr val="tx1">
+                        <a:lumMod val="75000"/>
+                        <a:lumOff val="25000"/>
+                      </a:schemeClr>
+                    </a:solidFill>
+                    <a:latin typeface="+mn-lt"/>
+                    <a:ea typeface="+mn-ea"/>
+                    <a:cs typeface="+mn-cs"/>
+                  </a:defRPr>
+                </a:lvl4pPr>
+                <a:lvl5pPr marL="2286000" indent="-457200" algn="l" defTabSz="914400" rtl="0" eaLnBrk="1" latinLnBrk="0" hangingPunct="1">
+                  <a:spcBef>
+                    <a:spcPts val="600"/>
+                  </a:spcBef>
+                  <a:buClr>
+                    <a:schemeClr val="tx1">
+                      <a:lumMod val="75000"/>
+                      <a:lumOff val="25000"/>
+                    </a:schemeClr>
+                  </a:buClr>
+                  <a:buSzPct val="75000"/>
+                  <a:buFont typeface="Wingdings 2" pitchFamily="18" charset="2"/>
+                  <a:buChar char=""/>
+                  <a:defRPr sz="1800" kern="1200">
+                    <a:solidFill>
+                      <a:schemeClr val="tx1">
+                        <a:lumMod val="75000"/>
+                        <a:lumOff val="25000"/>
+                      </a:schemeClr>
+                    </a:solidFill>
+                    <a:latin typeface="+mn-lt"/>
+                    <a:ea typeface="+mn-ea"/>
+                    <a:cs typeface="+mn-cs"/>
+                  </a:defRPr>
+                </a:lvl5pPr>
+                <a:lvl6pPr marL="2743200" indent="-461963" algn="l" defTabSz="914400" rtl="0" eaLnBrk="1" latinLnBrk="0" hangingPunct="1">
+                  <a:spcBef>
+                    <a:spcPct val="20000"/>
+                  </a:spcBef>
+                  <a:buClr>
+                    <a:schemeClr val="tx1">
+                      <a:lumMod val="50000"/>
+                      <a:lumOff val="50000"/>
+                    </a:schemeClr>
+                  </a:buClr>
+                  <a:buSzPct val="75000"/>
+                  <a:buFont typeface="Wingdings 2" pitchFamily="18" charset="2"/>
+                  <a:buChar char=""/>
+                  <a:defRPr lang="en-US" sz="1800" kern="1200" dirty="0" smtClean="0">
+                    <a:solidFill>
+                      <a:schemeClr val="tx1">
+                        <a:lumMod val="75000"/>
+                        <a:lumOff val="25000"/>
+                      </a:schemeClr>
+                    </a:solidFill>
+                    <a:latin typeface="+mn-lt"/>
+                    <a:ea typeface="+mn-ea"/>
+                    <a:cs typeface="+mn-cs"/>
+                  </a:defRPr>
+                </a:lvl6pPr>
+                <a:lvl7pPr marL="3205163" indent="-461963" algn="l" defTabSz="914400" rtl="0" eaLnBrk="1" latinLnBrk="0" hangingPunct="1">
+                  <a:spcBef>
+                    <a:spcPct val="20000"/>
+                  </a:spcBef>
+                  <a:buClr>
+                    <a:schemeClr val="tx1">
+                      <a:lumMod val="75000"/>
+                      <a:lumOff val="25000"/>
+                    </a:schemeClr>
+                  </a:buClr>
+                  <a:buSzPct val="75000"/>
+                  <a:buFont typeface="Wingdings 2" pitchFamily="18" charset="2"/>
+                  <a:buChar char=""/>
+                  <a:defRPr lang="en-US" sz="1800" kern="1200" dirty="0" smtClean="0">
+                    <a:solidFill>
+                      <a:schemeClr val="tx1">
+                        <a:lumMod val="75000"/>
+                        <a:lumOff val="25000"/>
+                      </a:schemeClr>
+                    </a:solidFill>
+                    <a:latin typeface="+mn-lt"/>
+                    <a:ea typeface="+mn-ea"/>
+                    <a:cs typeface="+mn-cs"/>
+                  </a:defRPr>
+                </a:lvl7pPr>
+                <a:lvl8pPr marL="3657600" indent="-461963" algn="l" defTabSz="914400" rtl="0" eaLnBrk="1" latinLnBrk="0" hangingPunct="1">
+                  <a:spcBef>
+                    <a:spcPct val="20000"/>
+                  </a:spcBef>
+                  <a:buClr>
+                    <a:schemeClr val="tx1">
+                      <a:lumMod val="50000"/>
+                      <a:lumOff val="50000"/>
+                    </a:schemeClr>
+                  </a:buClr>
+                  <a:buSzPct val="75000"/>
+                  <a:buFont typeface="Wingdings 2" pitchFamily="18" charset="2"/>
+                  <a:buChar char=""/>
+                  <a:defRPr lang="en-US" sz="1800" kern="1200" dirty="0" smtClean="0">
+                    <a:solidFill>
+                      <a:schemeClr val="tx1">
+                        <a:lumMod val="75000"/>
+                        <a:lumOff val="25000"/>
+                      </a:schemeClr>
+                    </a:solidFill>
+                    <a:latin typeface="+mn-lt"/>
+                    <a:ea typeface="+mn-ea"/>
+                    <a:cs typeface="+mn-cs"/>
+                  </a:defRPr>
+                </a:lvl8pPr>
+                <a:lvl9pPr marL="4119563" indent="-461963" algn="l" defTabSz="914400" rtl="0" eaLnBrk="1" latinLnBrk="0" hangingPunct="1">
+                  <a:spcBef>
+                    <a:spcPct val="20000"/>
+                  </a:spcBef>
+                  <a:buClr>
+                    <a:schemeClr val="tx1">
+                      <a:lumMod val="75000"/>
+                      <a:lumOff val="25000"/>
+                    </a:schemeClr>
+                  </a:buClr>
+                  <a:buSzPct val="75000"/>
+                  <a:buFont typeface="Wingdings 2" pitchFamily="18" charset="2"/>
+                  <a:buChar char=""/>
+                  <a:defRPr lang="en-US" sz="1800" kern="1200" dirty="0">
+                    <a:solidFill>
+                      <a:schemeClr val="tx1">
+                        <a:lumMod val="75000"/>
+                        <a:lumOff val="25000"/>
+                      </a:schemeClr>
+                    </a:solidFill>
+                    <a:latin typeface="+mn-lt"/>
+                    <a:ea typeface="+mn-ea"/>
+                    <a:cs typeface="+mn-cs"/>
+                  </a:defRPr>
+                </a:lvl9pPr>
+              </a:lstStyle>
+              <a:p>
+                <a:r>
+                  <a:rPr kumimoji="1" lang="en-US" altLang="zh-CN" dirty="0">
+                    <a:solidFill>
+                      <a:schemeClr val="tx1"/>
+                    </a:solidFill>
+                  </a:rPr>
+                  <a:t>If we have two separate probability distributions P (X) and Q(X) over the same random variable X, we can measure how different these two distributions are using the </a:t>
+                </a:r>
+                <a:r>
+                  <a:rPr kumimoji="1" lang="en-US" altLang="zh-CN" dirty="0" err="1">
+                    <a:solidFill>
+                      <a:schemeClr val="tx1"/>
+                    </a:solidFill>
+                  </a:rPr>
+                  <a:t>Kullback-Leibler</a:t>
+                </a:r>
+                <a:r>
+                  <a:rPr kumimoji="1" lang="en-US" altLang="zh-CN" dirty="0">
+                    <a:solidFill>
+                      <a:schemeClr val="tx1"/>
+                    </a:solidFill>
+                  </a:rPr>
+                  <a:t> (KL) divergence (also called relative entropy).</a:t>
+                </a:r>
+              </a:p>
+              <a:p>
+                <a:pPr indent="0">
+                  <a:buNone/>
+                </a:pPr>
+                <a14:m>
+                  <m:oMath xmlns:m="http://schemas.openxmlformats.org/officeDocument/2006/math">
+                    <m:sSub>
+                      <m:sSubPr>
+                        <m:ctrlPr>
+                          <a:rPr kumimoji="1" lang="en-US" altLang="zh-CN" i="1">
+                            <a:solidFill>
+                              <a:schemeClr val="tx1"/>
+                            </a:solidFill>
+                            <a:latin typeface="Cambria Math" panose="02040503050406030204" pitchFamily="18" charset="0"/>
+                          </a:rPr>
+                        </m:ctrlPr>
+                      </m:sSubPr>
+                      <m:e>
+                        <m:r>
+                          <a:rPr kumimoji="1" lang="en-US" altLang="zh-CN" i="1">
+                            <a:solidFill>
+                              <a:schemeClr val="tx1"/>
+                            </a:solidFill>
+                            <a:latin typeface="Cambria Math" panose="02040503050406030204" pitchFamily="18" charset="0"/>
+                          </a:rPr>
+                          <m:t>𝐷</m:t>
+                        </m:r>
+                      </m:e>
+                      <m:sub>
+                        <m:r>
+                          <a:rPr kumimoji="1" lang="en-US" altLang="zh-CN" i="1">
+                            <a:solidFill>
+                              <a:schemeClr val="tx1"/>
+                            </a:solidFill>
+                            <a:latin typeface="Cambria Math" panose="02040503050406030204" pitchFamily="18" charset="0"/>
+                          </a:rPr>
+                          <m:t>𝐾𝐿</m:t>
+                        </m:r>
+                      </m:sub>
+                    </m:sSub>
+                    <m:r>
+                      <a:rPr kumimoji="1" lang="en-US" altLang="zh-CN" i="1">
+                        <a:solidFill>
+                          <a:schemeClr val="tx1"/>
+                        </a:solidFill>
+                        <a:latin typeface="Cambria Math" panose="02040503050406030204" pitchFamily="18" charset="0"/>
+                      </a:rPr>
+                      <m:t>(</m:t>
+                    </m:r>
+                    <m:r>
+                      <a:rPr kumimoji="1" lang="en-US" altLang="zh-CN" i="1">
+                        <a:solidFill>
+                          <a:schemeClr val="tx1"/>
+                        </a:solidFill>
+                        <a:latin typeface="Cambria Math" panose="02040503050406030204" pitchFamily="18" charset="0"/>
+                      </a:rPr>
+                      <m:t>𝑃</m:t>
+                    </m:r>
+                    <m:r>
+                      <a:rPr kumimoji="1" lang="en-US" altLang="zh-CN" i="1">
+                        <a:solidFill>
+                          <a:schemeClr val="tx1"/>
+                        </a:solidFill>
+                        <a:latin typeface="Cambria Math" panose="02040503050406030204" pitchFamily="18" charset="0"/>
+                      </a:rPr>
+                      <m:t>|</m:t>
+                    </m:r>
+                    <m:d>
+                      <m:dPr>
+                        <m:begChr m:val="|"/>
+                        <m:ctrlPr>
+                          <a:rPr kumimoji="1" lang="en-US" altLang="zh-CN" i="1">
+                            <a:solidFill>
+                              <a:schemeClr val="tx1"/>
+                            </a:solidFill>
+                            <a:latin typeface="Cambria Math" panose="02040503050406030204" pitchFamily="18" charset="0"/>
+                          </a:rPr>
+                        </m:ctrlPr>
+                      </m:dPr>
+                      <m:e>
+                        <m:r>
+                          <a:rPr kumimoji="1" lang="en-US" altLang="zh-CN" i="1">
+                            <a:solidFill>
+                              <a:schemeClr val="tx1"/>
+                            </a:solidFill>
+                            <a:latin typeface="Cambria Math" panose="02040503050406030204" pitchFamily="18" charset="0"/>
+                          </a:rPr>
+                          <m:t>𝑄</m:t>
+                        </m:r>
+                      </m:e>
+                    </m:d>
+                    <m:r>
+                      <a:rPr kumimoji="1" lang="en-US" altLang="zh-CN" i="1">
+                        <a:solidFill>
+                          <a:schemeClr val="tx1"/>
+                        </a:solidFill>
+                        <a:latin typeface="Cambria Math" panose="02040503050406030204" pitchFamily="18" charset="0"/>
+                      </a:rPr>
+                      <m:t>=</m:t>
+                    </m:r>
+                    <m:nary>
+                      <m:naryPr>
+                        <m:chr m:val="∑"/>
+                        <m:ctrlPr>
+                          <a:rPr kumimoji="1" lang="en-US" altLang="zh-CN" i="1">
+                            <a:solidFill>
+                              <a:schemeClr val="tx1"/>
+                            </a:solidFill>
+                            <a:latin typeface="Cambria Math" panose="02040503050406030204" pitchFamily="18" charset="0"/>
+                          </a:rPr>
+                        </m:ctrlPr>
+                      </m:naryPr>
+                      <m:sub>
+                        <m:r>
+                          <m:rPr>
+                            <m:brk m:alnAt="23"/>
+                          </m:rPr>
+                          <a:rPr kumimoji="1" lang="en-US" altLang="zh-CN" i="1">
+                            <a:solidFill>
+                              <a:schemeClr val="tx1"/>
+                            </a:solidFill>
+                            <a:latin typeface="Cambria Math" panose="02040503050406030204" pitchFamily="18" charset="0"/>
+                          </a:rPr>
+                          <m:t>𝑖</m:t>
+                        </m:r>
+                        <m:r>
+                          <a:rPr kumimoji="1" lang="en-US" altLang="zh-CN" i="1">
+                            <a:solidFill>
+                              <a:schemeClr val="tx1"/>
+                            </a:solidFill>
+                            <a:latin typeface="Cambria Math" panose="02040503050406030204" pitchFamily="18" charset="0"/>
+                          </a:rPr>
+                          <m:t>=1</m:t>
+                        </m:r>
+                      </m:sub>
+                      <m:sup>
+                        <m:r>
+                          <a:rPr kumimoji="1" lang="en-US" altLang="zh-CN" i="1">
+                            <a:solidFill>
+                              <a:schemeClr val="tx1"/>
+                            </a:solidFill>
+                            <a:latin typeface="Cambria Math" panose="02040503050406030204" pitchFamily="18" charset="0"/>
+                          </a:rPr>
+                          <m:t>𝑛</m:t>
+                        </m:r>
+                      </m:sup>
+                      <m:e>
+                        <m:r>
+                          <a:rPr kumimoji="1" lang="en-US" altLang="zh-CN" i="1">
+                            <a:solidFill>
+                              <a:schemeClr val="tx1"/>
+                            </a:solidFill>
+                            <a:latin typeface="Cambria Math" panose="02040503050406030204" pitchFamily="18" charset="0"/>
+                          </a:rPr>
+                          <m:t>𝑃</m:t>
+                        </m:r>
+                        <m:d>
+                          <m:dPr>
+                            <m:ctrlPr>
+                              <a:rPr kumimoji="1" lang="en-US" altLang="zh-CN" i="1">
+                                <a:solidFill>
+                                  <a:schemeClr val="tx1"/>
+                                </a:solidFill>
+                                <a:latin typeface="Cambria Math" panose="02040503050406030204" pitchFamily="18" charset="0"/>
+                              </a:rPr>
+                            </m:ctrlPr>
+                          </m:dPr>
+                          <m:e>
+                            <m:sSub>
+                              <m:sSubPr>
+                                <m:ctrlPr>
+                                  <a:rPr kumimoji="1" lang="en-US" altLang="zh-CN" i="1">
+                                    <a:solidFill>
+                                      <a:schemeClr val="tx1"/>
+                                    </a:solidFill>
+                                    <a:latin typeface="Cambria Math" panose="02040503050406030204" pitchFamily="18" charset="0"/>
+                                  </a:rPr>
+                                </m:ctrlPr>
+                              </m:sSubPr>
+                              <m:e>
+                                <m:r>
+                                  <a:rPr kumimoji="1" lang="en-US" altLang="zh-CN" i="1">
+                                    <a:solidFill>
+                                      <a:schemeClr val="tx1"/>
+                                    </a:solidFill>
+                                    <a:latin typeface="Cambria Math" panose="02040503050406030204" pitchFamily="18" charset="0"/>
+                                  </a:rPr>
+                                  <m:t>𝑥</m:t>
+                                </m:r>
+                              </m:e>
+                              <m:sub>
+                                <m:r>
+                                  <a:rPr kumimoji="1" lang="en-US" altLang="zh-CN" i="1">
+                                    <a:solidFill>
+                                      <a:schemeClr val="tx1"/>
+                                    </a:solidFill>
+                                    <a:latin typeface="Cambria Math" panose="02040503050406030204" pitchFamily="18" charset="0"/>
+                                  </a:rPr>
+                                  <m:t>𝑖</m:t>
+                                </m:r>
+                              </m:sub>
+                            </m:sSub>
+                          </m:e>
+                        </m:d>
+                        <m:func>
+                          <m:funcPr>
+                            <m:ctrlPr>
+                              <a:rPr kumimoji="1" lang="en-US" altLang="zh-CN" i="1">
+                                <a:solidFill>
+                                  <a:schemeClr val="tx1"/>
+                                </a:solidFill>
+                                <a:latin typeface="Cambria Math" panose="02040503050406030204" pitchFamily="18" charset="0"/>
+                              </a:rPr>
+                            </m:ctrlPr>
+                          </m:funcPr>
+                          <m:fName>
+                            <m:r>
+                              <m:rPr>
+                                <m:sty m:val="p"/>
+                              </m:rPr>
+                              <a:rPr kumimoji="1" lang="en-US" altLang="zh-CN" i="1">
+                                <a:solidFill>
+                                  <a:schemeClr val="tx1"/>
+                                </a:solidFill>
+                                <a:latin typeface="Cambria Math" panose="02040503050406030204" pitchFamily="18" charset="0"/>
+                              </a:rPr>
+                              <m:t>log</m:t>
+                            </m:r>
+                          </m:fName>
+                          <m:e>
+                            <m:d>
+                              <m:dPr>
+                                <m:ctrlPr>
+                                  <a:rPr kumimoji="1" lang="en-US" altLang="zh-CN" i="1">
+                                    <a:solidFill>
+                                      <a:schemeClr val="tx1"/>
+                                    </a:solidFill>
+                                    <a:latin typeface="Cambria Math" panose="02040503050406030204" pitchFamily="18" charset="0"/>
+                                  </a:rPr>
+                                </m:ctrlPr>
+                              </m:dPr>
+                              <m:e>
+                                <m:f>
+                                  <m:fPr>
+                                    <m:ctrlPr>
+                                      <a:rPr kumimoji="1" lang="en-US" altLang="zh-CN" i="1">
+                                        <a:solidFill>
+                                          <a:schemeClr val="tx1"/>
+                                        </a:solidFill>
+                                        <a:latin typeface="Cambria Math" panose="02040503050406030204" pitchFamily="18" charset="0"/>
+                                      </a:rPr>
+                                    </m:ctrlPr>
+                                  </m:fPr>
+                                  <m:num>
+                                    <m:r>
+                                      <a:rPr kumimoji="1" lang="en-US" altLang="zh-CN" i="1">
+                                        <a:solidFill>
+                                          <a:schemeClr val="tx1"/>
+                                        </a:solidFill>
+                                        <a:latin typeface="Cambria Math" panose="02040503050406030204" pitchFamily="18" charset="0"/>
+                                      </a:rPr>
+                                      <m:t>𝑃</m:t>
+                                    </m:r>
+                                    <m:d>
+                                      <m:dPr>
+                                        <m:ctrlPr>
+                                          <a:rPr kumimoji="1" lang="en-US" altLang="zh-CN" i="1">
+                                            <a:solidFill>
+                                              <a:schemeClr val="tx1"/>
+                                            </a:solidFill>
+                                            <a:latin typeface="Cambria Math" panose="02040503050406030204" pitchFamily="18" charset="0"/>
+                                          </a:rPr>
+                                        </m:ctrlPr>
+                                      </m:dPr>
+                                      <m:e>
+                                        <m:sSub>
+                                          <m:sSubPr>
+                                            <m:ctrlPr>
+                                              <a:rPr kumimoji="1" lang="en-US" altLang="zh-CN" i="1">
+                                                <a:solidFill>
+                                                  <a:schemeClr val="tx1"/>
+                                                </a:solidFill>
+                                                <a:latin typeface="Cambria Math" panose="02040503050406030204" pitchFamily="18" charset="0"/>
+                                              </a:rPr>
+                                            </m:ctrlPr>
+                                          </m:sSubPr>
+                                          <m:e>
+                                            <m:r>
+                                              <a:rPr kumimoji="1" lang="en-US" altLang="zh-CN" i="1">
+                                                <a:solidFill>
+                                                  <a:schemeClr val="tx1"/>
+                                                </a:solidFill>
+                                                <a:latin typeface="Cambria Math" panose="02040503050406030204" pitchFamily="18" charset="0"/>
+                                              </a:rPr>
+                                              <m:t>𝑥</m:t>
+                                            </m:r>
+                                          </m:e>
+                                          <m:sub>
+                                            <m:r>
+                                              <a:rPr kumimoji="1" lang="en-US" altLang="zh-CN" i="1">
+                                                <a:solidFill>
+                                                  <a:schemeClr val="tx1"/>
+                                                </a:solidFill>
+                                                <a:latin typeface="Cambria Math" panose="02040503050406030204" pitchFamily="18" charset="0"/>
+                                              </a:rPr>
+                                              <m:t>𝑖</m:t>
+                                            </m:r>
+                                          </m:sub>
+                                        </m:sSub>
+                                      </m:e>
+                                    </m:d>
+                                  </m:num>
+                                  <m:den>
+                                    <m:r>
+                                      <a:rPr kumimoji="1" lang="en-US" altLang="zh-CN" i="1">
+                                        <a:solidFill>
+                                          <a:schemeClr val="tx1"/>
+                                        </a:solidFill>
+                                        <a:latin typeface="Cambria Math" panose="02040503050406030204" pitchFamily="18" charset="0"/>
+                                      </a:rPr>
+                                      <m:t>𝑄</m:t>
+                                    </m:r>
+                                    <m:d>
+                                      <m:dPr>
+                                        <m:ctrlPr>
+                                          <a:rPr kumimoji="1" lang="en-US" altLang="zh-CN" i="1">
+                                            <a:solidFill>
+                                              <a:schemeClr val="tx1"/>
+                                            </a:solidFill>
+                                            <a:latin typeface="Cambria Math" panose="02040503050406030204" pitchFamily="18" charset="0"/>
+                                          </a:rPr>
+                                        </m:ctrlPr>
+                                      </m:dPr>
+                                      <m:e>
+                                        <m:sSub>
+                                          <m:sSubPr>
+                                            <m:ctrlPr>
+                                              <a:rPr kumimoji="1" lang="en-US" altLang="zh-CN" i="1">
+                                                <a:solidFill>
+                                                  <a:schemeClr val="tx1"/>
+                                                </a:solidFill>
+                                                <a:latin typeface="Cambria Math" panose="02040503050406030204" pitchFamily="18" charset="0"/>
+                                              </a:rPr>
+                                            </m:ctrlPr>
+                                          </m:sSubPr>
+                                          <m:e>
+                                            <m:r>
+                                              <a:rPr kumimoji="1" lang="en-US" altLang="zh-CN" i="1">
+                                                <a:solidFill>
+                                                  <a:schemeClr val="tx1"/>
+                                                </a:solidFill>
+                                                <a:latin typeface="Cambria Math" panose="02040503050406030204" pitchFamily="18" charset="0"/>
+                                              </a:rPr>
+                                              <m:t>𝑥</m:t>
+                                            </m:r>
+                                          </m:e>
+                                          <m:sub>
+                                            <m:r>
+                                              <a:rPr kumimoji="1" lang="en-US" altLang="zh-CN" i="1">
+                                                <a:solidFill>
+                                                  <a:schemeClr val="tx1"/>
+                                                </a:solidFill>
+                                                <a:latin typeface="Cambria Math" panose="02040503050406030204" pitchFamily="18" charset="0"/>
+                                              </a:rPr>
+                                              <m:t>𝑖</m:t>
+                                            </m:r>
+                                          </m:sub>
+                                        </m:sSub>
+                                      </m:e>
+                                    </m:d>
+                                  </m:den>
+                                </m:f>
+                              </m:e>
+                            </m:d>
+                          </m:e>
+                        </m:func>
+                      </m:e>
+                    </m:nary>
+                  </m:oMath>
+                </a14:m>
+                <a:r>
+                  <a:rPr kumimoji="1" lang="zh-CN" altLang="en-US" i="1" dirty="0">
+                    <a:solidFill>
+                      <a:schemeClr val="tx1"/>
+                    </a:solidFill>
+                    <a:latin typeface="Cambria Math" panose="02040503050406030204" pitchFamily="18" charset="0"/>
+                  </a:rPr>
+                  <a:t> </a:t>
+                </a:r>
+              </a:p>
+            </p:txBody>
+          </p:sp>
+        </mc:Choice>
+        <mc:Fallback>
+          <p:sp>
+            <p:nvSpPr>
+              <p:cNvPr id="3" name="内容占位符 4">
+                <a:extLst>
+                  <a:ext uri="{FF2B5EF4-FFF2-40B4-BE49-F238E27FC236}">
+                    <a16:creationId xmlns:a16="http://schemas.microsoft.com/office/drawing/2014/main" id="{C3A1C0B0-1BA2-46B8-86D0-C2FA375EBD02}"/>
+                  </a:ext>
+                </a:extLst>
+              </p:cNvPr>
+              <p:cNvSpPr txBox="1">
+                <a:spLocks noRot="1" noChangeAspect="1" noMove="1" noResize="1" noEditPoints="1" noAdjustHandles="1" noChangeArrowheads="1" noChangeShapeType="1" noTextEdit="1"/>
+              </p:cNvSpPr>
+              <p:nvPr/>
+            </p:nvSpPr>
+            <p:spPr>
+              <a:xfrm>
+                <a:off x="207819" y="1450358"/>
+                <a:ext cx="8827124" cy="2316300"/>
+              </a:xfrm>
+              <a:prstGeom prst="rect">
+                <a:avLst/>
+              </a:prstGeom>
+              <a:blipFill>
+                <a:blip r:embed="rId2"/>
+                <a:stretch>
+                  <a:fillRect l="-207" t="-1579"/>
+                </a:stretch>
+              </a:blipFill>
+            </p:spPr>
+            <p:txBody>
+              <a:bodyPr/>
+              <a:lstStyle/>
+              <a:p>
+                <a:r>
+                  <a:rPr lang="en-US">
+                    <a:noFill/>
+                  </a:rPr>
+                  <a:t> </a:t>
+                </a:r>
+              </a:p>
+            </p:txBody>
+          </p:sp>
+        </mc:Fallback>
+      </mc:AlternateContent>
+      <mc:AlternateContent xmlns:mc="http://schemas.openxmlformats.org/markup-compatibility/2006">
+        <mc:Choice xmlns:a14="http://schemas.microsoft.com/office/drawing/2010/main" Requires="a14">
+          <p:sp>
+            <p:nvSpPr>
+              <p:cNvPr id="8" name="内容占位符 4">
+                <a:extLst>
+                  <a:ext uri="{FF2B5EF4-FFF2-40B4-BE49-F238E27FC236}">
+                    <a16:creationId xmlns:a16="http://schemas.microsoft.com/office/drawing/2014/main" id="{C20DA9AD-DFFC-4C2F-9123-1FD035CACE21}"/>
+                  </a:ext>
+                </a:extLst>
+              </p:cNvPr>
+              <p:cNvSpPr txBox="1">
+                <a:spLocks/>
+              </p:cNvSpPr>
+              <p:nvPr/>
+            </p:nvSpPr>
+            <p:spPr>
+              <a:xfrm>
+                <a:off x="207819" y="3800215"/>
+                <a:ext cx="8827124" cy="1409349"/>
+              </a:xfrm>
+              <a:prstGeom prst="rect">
+                <a:avLst/>
+              </a:prstGeom>
+            </p:spPr>
+            <p:txBody>
+              <a:bodyPr vert="horz" lIns="91440" tIns="45720" rIns="91440" bIns="45720" rtlCol="0">
+                <a:normAutofit/>
+              </a:bodyPr>
+              <a:lstStyle>
+                <a:lvl1pPr marL="457200" indent="-457200" algn="l" defTabSz="914400" rtl="0" eaLnBrk="1" latinLnBrk="0" hangingPunct="1">
+                  <a:spcBef>
+                    <a:spcPts val="2000"/>
+                  </a:spcBef>
+                  <a:buClr>
+                    <a:schemeClr val="tx1">
+                      <a:lumMod val="75000"/>
+                      <a:lumOff val="25000"/>
+                    </a:schemeClr>
+                  </a:buClr>
+                  <a:buSzPct val="75000"/>
+                  <a:buFont typeface="Wingdings 2" pitchFamily="18" charset="2"/>
+                  <a:buChar char=""/>
+                  <a:defRPr sz="2200" kern="1200">
+                    <a:solidFill>
+                      <a:schemeClr val="tx1">
+                        <a:lumMod val="75000"/>
+                        <a:lumOff val="25000"/>
+                      </a:schemeClr>
+                    </a:solidFill>
+                    <a:latin typeface="+mn-lt"/>
+                    <a:ea typeface="+mn-ea"/>
+                    <a:cs typeface="+mn-cs"/>
+                  </a:defRPr>
+                </a:lvl1pPr>
+                <a:lvl2pPr marL="914400" indent="-457200" algn="l" defTabSz="914400" rtl="0" eaLnBrk="1" latinLnBrk="0" hangingPunct="1">
+                  <a:spcBef>
+                    <a:spcPts val="600"/>
+                  </a:spcBef>
+                  <a:buClr>
+                    <a:schemeClr val="tx1">
+                      <a:lumMod val="50000"/>
+                      <a:lumOff val="50000"/>
+                    </a:schemeClr>
+                  </a:buClr>
+                  <a:buSzPct val="75000"/>
+                  <a:buFont typeface="Wingdings 2" pitchFamily="18" charset="2"/>
+                  <a:buChar char=""/>
+                  <a:defRPr sz="2000" kern="1200">
+                    <a:solidFill>
+                      <a:schemeClr val="tx1">
+                        <a:lumMod val="75000"/>
+                        <a:lumOff val="25000"/>
+                      </a:schemeClr>
+                    </a:solidFill>
+                    <a:latin typeface="+mn-lt"/>
+                    <a:ea typeface="+mn-ea"/>
+                    <a:cs typeface="+mn-cs"/>
+                  </a:defRPr>
+                </a:lvl2pPr>
+                <a:lvl3pPr marL="1371600" indent="-457200" algn="l" defTabSz="914400" rtl="0" eaLnBrk="1" latinLnBrk="0" hangingPunct="1">
+                  <a:spcBef>
+                    <a:spcPts val="600"/>
+                  </a:spcBef>
+                  <a:buClr>
+                    <a:schemeClr val="tx1">
+                      <a:lumMod val="75000"/>
+                      <a:lumOff val="25000"/>
+                    </a:schemeClr>
+                  </a:buClr>
+                  <a:buSzPct val="75000"/>
+                  <a:buFont typeface="Wingdings 2" pitchFamily="18" charset="2"/>
+                  <a:buChar char=""/>
+                  <a:defRPr sz="1800" kern="1200">
+                    <a:solidFill>
+                      <a:schemeClr val="tx1">
+                        <a:lumMod val="75000"/>
+                        <a:lumOff val="25000"/>
+                      </a:schemeClr>
+                    </a:solidFill>
+                    <a:latin typeface="+mn-lt"/>
+                    <a:ea typeface="+mn-ea"/>
+                    <a:cs typeface="+mn-cs"/>
+                  </a:defRPr>
+                </a:lvl3pPr>
+                <a:lvl4pPr marL="1828800" indent="-457200" algn="l" defTabSz="914400" rtl="0" eaLnBrk="1" latinLnBrk="0" hangingPunct="1">
+                  <a:spcBef>
+                    <a:spcPts val="600"/>
+                  </a:spcBef>
+                  <a:buClr>
+                    <a:schemeClr val="tx1">
+                      <a:lumMod val="50000"/>
+                      <a:lumOff val="50000"/>
+                    </a:schemeClr>
+                  </a:buClr>
+                  <a:buSzPct val="75000"/>
+                  <a:buFont typeface="Wingdings 2" pitchFamily="18" charset="2"/>
+                  <a:buChar char=""/>
+                  <a:defRPr sz="1800" kern="1200">
+                    <a:solidFill>
+                      <a:schemeClr val="tx1">
+                        <a:lumMod val="75000"/>
+                        <a:lumOff val="25000"/>
+                      </a:schemeClr>
+                    </a:solidFill>
+                    <a:latin typeface="+mn-lt"/>
+                    <a:ea typeface="+mn-ea"/>
+                    <a:cs typeface="+mn-cs"/>
+                  </a:defRPr>
+                </a:lvl4pPr>
+                <a:lvl5pPr marL="2286000" indent="-457200" algn="l" defTabSz="914400" rtl="0" eaLnBrk="1" latinLnBrk="0" hangingPunct="1">
+                  <a:spcBef>
+                    <a:spcPts val="600"/>
+                  </a:spcBef>
+                  <a:buClr>
+                    <a:schemeClr val="tx1">
+                      <a:lumMod val="75000"/>
+                      <a:lumOff val="25000"/>
+                    </a:schemeClr>
+                  </a:buClr>
+                  <a:buSzPct val="75000"/>
+                  <a:buFont typeface="Wingdings 2" pitchFamily="18" charset="2"/>
+                  <a:buChar char=""/>
+                  <a:defRPr sz="1800" kern="1200">
+                    <a:solidFill>
+                      <a:schemeClr val="tx1">
+                        <a:lumMod val="75000"/>
+                        <a:lumOff val="25000"/>
+                      </a:schemeClr>
+                    </a:solidFill>
+                    <a:latin typeface="+mn-lt"/>
+                    <a:ea typeface="+mn-ea"/>
+                    <a:cs typeface="+mn-cs"/>
+                  </a:defRPr>
+                </a:lvl5pPr>
+                <a:lvl6pPr marL="2743200" indent="-461963" algn="l" defTabSz="914400" rtl="0" eaLnBrk="1" latinLnBrk="0" hangingPunct="1">
+                  <a:spcBef>
+                    <a:spcPct val="20000"/>
+                  </a:spcBef>
+                  <a:buClr>
+                    <a:schemeClr val="tx1">
+                      <a:lumMod val="50000"/>
+                      <a:lumOff val="50000"/>
+                    </a:schemeClr>
+                  </a:buClr>
+                  <a:buSzPct val="75000"/>
+                  <a:buFont typeface="Wingdings 2" pitchFamily="18" charset="2"/>
+                  <a:buChar char=""/>
+                  <a:defRPr lang="en-US" sz="1800" kern="1200" dirty="0" smtClean="0">
+                    <a:solidFill>
+                      <a:schemeClr val="tx1">
+                        <a:lumMod val="75000"/>
+                        <a:lumOff val="25000"/>
+                      </a:schemeClr>
+                    </a:solidFill>
+                    <a:latin typeface="+mn-lt"/>
+                    <a:ea typeface="+mn-ea"/>
+                    <a:cs typeface="+mn-cs"/>
+                  </a:defRPr>
+                </a:lvl6pPr>
+                <a:lvl7pPr marL="3205163" indent="-461963" algn="l" defTabSz="914400" rtl="0" eaLnBrk="1" latinLnBrk="0" hangingPunct="1">
+                  <a:spcBef>
+                    <a:spcPct val="20000"/>
+                  </a:spcBef>
+                  <a:buClr>
+                    <a:schemeClr val="tx1">
+                      <a:lumMod val="75000"/>
+                      <a:lumOff val="25000"/>
+                    </a:schemeClr>
+                  </a:buClr>
+                  <a:buSzPct val="75000"/>
+                  <a:buFont typeface="Wingdings 2" pitchFamily="18" charset="2"/>
+                  <a:buChar char=""/>
+                  <a:defRPr lang="en-US" sz="1800" kern="1200" dirty="0" smtClean="0">
+                    <a:solidFill>
+                      <a:schemeClr val="tx1">
+                        <a:lumMod val="75000"/>
+                        <a:lumOff val="25000"/>
+                      </a:schemeClr>
+                    </a:solidFill>
+                    <a:latin typeface="+mn-lt"/>
+                    <a:ea typeface="+mn-ea"/>
+                    <a:cs typeface="+mn-cs"/>
+                  </a:defRPr>
+                </a:lvl7pPr>
+                <a:lvl8pPr marL="3657600" indent="-461963" algn="l" defTabSz="914400" rtl="0" eaLnBrk="1" latinLnBrk="0" hangingPunct="1">
+                  <a:spcBef>
+                    <a:spcPct val="20000"/>
+                  </a:spcBef>
+                  <a:buClr>
+                    <a:schemeClr val="tx1">
+                      <a:lumMod val="50000"/>
+                      <a:lumOff val="50000"/>
+                    </a:schemeClr>
+                  </a:buClr>
+                  <a:buSzPct val="75000"/>
+                  <a:buFont typeface="Wingdings 2" pitchFamily="18" charset="2"/>
+                  <a:buChar char=""/>
+                  <a:defRPr lang="en-US" sz="1800" kern="1200" dirty="0" smtClean="0">
+                    <a:solidFill>
+                      <a:schemeClr val="tx1">
+                        <a:lumMod val="75000"/>
+                        <a:lumOff val="25000"/>
+                      </a:schemeClr>
+                    </a:solidFill>
+                    <a:latin typeface="+mn-lt"/>
+                    <a:ea typeface="+mn-ea"/>
+                    <a:cs typeface="+mn-cs"/>
+                  </a:defRPr>
+                </a:lvl8pPr>
+                <a:lvl9pPr marL="4119563" indent="-461963" algn="l" defTabSz="914400" rtl="0" eaLnBrk="1" latinLnBrk="0" hangingPunct="1">
+                  <a:spcBef>
+                    <a:spcPct val="20000"/>
+                  </a:spcBef>
+                  <a:buClr>
+                    <a:schemeClr val="tx1">
+                      <a:lumMod val="75000"/>
+                      <a:lumOff val="25000"/>
+                    </a:schemeClr>
+                  </a:buClr>
+                  <a:buSzPct val="75000"/>
+                  <a:buFont typeface="Wingdings 2" pitchFamily="18" charset="2"/>
+                  <a:buChar char=""/>
+                  <a:defRPr lang="en-US" sz="1800" kern="1200" dirty="0">
+                    <a:solidFill>
+                      <a:schemeClr val="tx1">
+                        <a:lumMod val="75000"/>
+                        <a:lumOff val="25000"/>
+                      </a:schemeClr>
+                    </a:solidFill>
+                    <a:latin typeface="+mn-lt"/>
+                    <a:ea typeface="+mn-ea"/>
+                    <a:cs typeface="+mn-cs"/>
+                  </a:defRPr>
+                </a:lvl9pPr>
+              </a:lstStyle>
+              <a:p>
+                <a:r>
+                  <a:rPr kumimoji="1" lang="en-US" altLang="zh-CN" dirty="0">
+                    <a:solidFill>
+                      <a:schemeClr val="tx1"/>
+                    </a:solidFill>
+                  </a:rPr>
+                  <a:t>In a word, K-L divergence measures the information loss.</a:t>
+                </a:r>
+              </a:p>
+              <a:p>
+                <a:pPr indent="0">
+                  <a:buNone/>
+                </a:pPr>
+                <a14:m>
+                  <m:oMath xmlns:m="http://schemas.openxmlformats.org/officeDocument/2006/math">
+                    <m:sSub>
+                      <m:sSubPr>
+                        <m:ctrlPr>
+                          <a:rPr kumimoji="1" lang="en-US" altLang="zh-CN" b="0" i="1" smtClean="0">
+                            <a:solidFill>
+                              <a:schemeClr val="tx1"/>
+                            </a:solidFill>
+                            <a:latin typeface="Cambria Math" panose="02040503050406030204" pitchFamily="18" charset="0"/>
+                          </a:rPr>
+                        </m:ctrlPr>
+                      </m:sSubPr>
+                      <m:e>
+                        <m:r>
+                          <a:rPr kumimoji="1" lang="en-US" altLang="zh-CN" b="0" i="1" smtClean="0">
+                            <a:solidFill>
+                              <a:schemeClr val="tx1"/>
+                            </a:solidFill>
+                            <a:latin typeface="Cambria Math" panose="02040503050406030204" pitchFamily="18" charset="0"/>
+                          </a:rPr>
+                          <m:t>𝐷</m:t>
+                        </m:r>
+                      </m:e>
+                      <m:sub>
+                        <m:r>
+                          <a:rPr kumimoji="1" lang="en-US" altLang="zh-CN" b="0" i="1" smtClean="0">
+                            <a:solidFill>
+                              <a:schemeClr val="tx1"/>
+                            </a:solidFill>
+                            <a:latin typeface="Cambria Math" panose="02040503050406030204" pitchFamily="18" charset="0"/>
+                          </a:rPr>
+                          <m:t>𝐾𝐿</m:t>
+                        </m:r>
+                      </m:sub>
+                    </m:sSub>
+                    <m:r>
+                      <a:rPr kumimoji="1" lang="en-US" altLang="zh-CN" b="0" i="1" smtClean="0">
+                        <a:solidFill>
+                          <a:schemeClr val="tx1"/>
+                        </a:solidFill>
+                        <a:latin typeface="Cambria Math" panose="02040503050406030204" pitchFamily="18" charset="0"/>
+                      </a:rPr>
+                      <m:t>(</m:t>
+                    </m:r>
+                    <m:r>
+                      <a:rPr kumimoji="1" lang="en-US" altLang="zh-CN" b="0" i="1" smtClean="0">
+                        <a:solidFill>
+                          <a:schemeClr val="tx1"/>
+                        </a:solidFill>
+                        <a:latin typeface="Cambria Math" panose="02040503050406030204" pitchFamily="18" charset="0"/>
+                      </a:rPr>
+                      <m:t>𝑃</m:t>
+                    </m:r>
+                    <m:r>
+                      <a:rPr kumimoji="1" lang="en-US" altLang="zh-CN" b="0" i="1" smtClean="0">
+                        <a:solidFill>
+                          <a:schemeClr val="tx1"/>
+                        </a:solidFill>
+                        <a:latin typeface="Cambria Math" panose="02040503050406030204" pitchFamily="18" charset="0"/>
+                      </a:rPr>
+                      <m:t>|</m:t>
+                    </m:r>
+                    <m:d>
+                      <m:dPr>
+                        <m:begChr m:val="|"/>
+                        <m:ctrlPr>
+                          <a:rPr kumimoji="1" lang="en-US" altLang="zh-CN" b="0" i="1" smtClean="0">
+                            <a:solidFill>
+                              <a:schemeClr val="tx1"/>
+                            </a:solidFill>
+                            <a:latin typeface="Cambria Math" panose="02040503050406030204" pitchFamily="18" charset="0"/>
+                          </a:rPr>
+                        </m:ctrlPr>
+                      </m:dPr>
+                      <m:e>
+                        <m:r>
+                          <a:rPr kumimoji="1" lang="en-US" altLang="zh-CN" b="0" i="1" smtClean="0">
+                            <a:solidFill>
+                              <a:schemeClr val="tx1"/>
+                            </a:solidFill>
+                            <a:latin typeface="Cambria Math" panose="02040503050406030204" pitchFamily="18" charset="0"/>
+                          </a:rPr>
+                          <m:t>𝑄</m:t>
+                        </m:r>
+                      </m:e>
+                    </m:d>
+                    <m:r>
+                      <a:rPr kumimoji="1" lang="en-US" altLang="zh-CN" b="0" i="1" smtClean="0">
+                        <a:solidFill>
+                          <a:schemeClr val="tx1"/>
+                        </a:solidFill>
+                        <a:latin typeface="Cambria Math" panose="02040503050406030204" pitchFamily="18" charset="0"/>
+                      </a:rPr>
+                      <m:t>=</m:t>
+                    </m:r>
+                    <m:nary>
+                      <m:naryPr>
+                        <m:chr m:val="∑"/>
+                        <m:ctrlPr>
+                          <a:rPr kumimoji="1" lang="en-US" altLang="zh-CN" b="0" i="1" smtClean="0">
+                            <a:solidFill>
+                              <a:schemeClr val="tx1"/>
+                            </a:solidFill>
+                            <a:latin typeface="Cambria Math" panose="02040503050406030204" pitchFamily="18" charset="0"/>
+                          </a:rPr>
+                        </m:ctrlPr>
+                      </m:naryPr>
+                      <m:sub>
+                        <m:r>
+                          <m:rPr>
+                            <m:brk m:alnAt="23"/>
+                          </m:rPr>
+                          <a:rPr kumimoji="1" lang="en-US" altLang="zh-CN" b="0" i="1" smtClean="0">
+                            <a:solidFill>
+                              <a:schemeClr val="tx1"/>
+                            </a:solidFill>
+                            <a:latin typeface="Cambria Math" panose="02040503050406030204" pitchFamily="18" charset="0"/>
+                          </a:rPr>
+                          <m:t>𝑖</m:t>
+                        </m:r>
+                        <m:r>
+                          <a:rPr kumimoji="1" lang="en-US" altLang="zh-CN" b="0" i="1" smtClean="0">
+                            <a:solidFill>
+                              <a:schemeClr val="tx1"/>
+                            </a:solidFill>
+                            <a:latin typeface="Cambria Math" panose="02040503050406030204" pitchFamily="18" charset="0"/>
+                          </a:rPr>
+                          <m:t>=1</m:t>
+                        </m:r>
+                      </m:sub>
+                      <m:sup>
+                        <m:r>
+                          <a:rPr kumimoji="1" lang="en-US" altLang="zh-CN" b="0" i="1" smtClean="0">
+                            <a:solidFill>
+                              <a:schemeClr val="tx1"/>
+                            </a:solidFill>
+                            <a:latin typeface="Cambria Math" panose="02040503050406030204" pitchFamily="18" charset="0"/>
+                          </a:rPr>
+                          <m:t>𝑛</m:t>
+                        </m:r>
+                      </m:sup>
+                      <m:e>
+                        <m:r>
+                          <a:rPr kumimoji="1" lang="en-US" altLang="zh-CN" i="1">
+                            <a:solidFill>
+                              <a:schemeClr val="tx1"/>
+                            </a:solidFill>
+                            <a:latin typeface="Cambria Math" panose="02040503050406030204" pitchFamily="18" charset="0"/>
+                          </a:rPr>
+                          <m:t>𝑃</m:t>
+                        </m:r>
+                        <m:d>
+                          <m:dPr>
+                            <m:ctrlPr>
+                              <a:rPr kumimoji="1" lang="en-US" altLang="zh-CN" i="1">
+                                <a:solidFill>
+                                  <a:schemeClr val="tx1"/>
+                                </a:solidFill>
+                                <a:latin typeface="Cambria Math" panose="02040503050406030204" pitchFamily="18" charset="0"/>
+                              </a:rPr>
+                            </m:ctrlPr>
+                          </m:dPr>
+                          <m:e>
+                            <m:sSub>
+                              <m:sSubPr>
+                                <m:ctrlPr>
+                                  <a:rPr kumimoji="1" lang="en-US" altLang="zh-CN" i="1">
+                                    <a:solidFill>
+                                      <a:schemeClr val="tx1"/>
+                                    </a:solidFill>
+                                    <a:latin typeface="Cambria Math" panose="02040503050406030204" pitchFamily="18" charset="0"/>
+                                  </a:rPr>
+                                </m:ctrlPr>
+                              </m:sSubPr>
+                              <m:e>
+                                <m:r>
+                                  <a:rPr kumimoji="1" lang="en-US" altLang="zh-CN" i="1">
+                                    <a:solidFill>
+                                      <a:schemeClr val="tx1"/>
+                                    </a:solidFill>
+                                    <a:latin typeface="Cambria Math" panose="02040503050406030204" pitchFamily="18" charset="0"/>
+                                  </a:rPr>
+                                  <m:t>𝑥</m:t>
+                                </m:r>
+                              </m:e>
+                              <m:sub>
+                                <m:r>
+                                  <a:rPr kumimoji="1" lang="en-US" altLang="zh-CN" i="1">
+                                    <a:solidFill>
+                                      <a:schemeClr val="tx1"/>
+                                    </a:solidFill>
+                                    <a:latin typeface="Cambria Math" panose="02040503050406030204" pitchFamily="18" charset="0"/>
+                                  </a:rPr>
+                                  <m:t>𝑖</m:t>
+                                </m:r>
+                              </m:sub>
+                            </m:sSub>
+                          </m:e>
+                        </m:d>
+                        <m:d>
+                          <m:dPr>
+                            <m:begChr m:val="["/>
+                            <m:endChr m:val="]"/>
+                            <m:ctrlPr>
+                              <a:rPr kumimoji="1" lang="en-US" altLang="zh-CN" i="1">
+                                <a:solidFill>
+                                  <a:schemeClr val="tx1"/>
+                                </a:solidFill>
+                                <a:latin typeface="Cambria Math" panose="02040503050406030204" pitchFamily="18" charset="0"/>
+                              </a:rPr>
+                            </m:ctrlPr>
+                          </m:dPr>
+                          <m:e>
+                            <m:r>
+                              <a:rPr kumimoji="1" lang="en-US" altLang="zh-CN" i="1">
+                                <a:solidFill>
+                                  <a:schemeClr val="tx1"/>
+                                </a:solidFill>
+                                <a:latin typeface="Cambria Math" panose="02040503050406030204" pitchFamily="18" charset="0"/>
+                              </a:rPr>
+                              <m:t>𝑙𝑜𝑔</m:t>
+                            </m:r>
+                            <m:r>
+                              <a:rPr kumimoji="1" lang="en-US" altLang="zh-CN" i="1">
+                                <a:solidFill>
+                                  <a:schemeClr val="tx1"/>
+                                </a:solidFill>
+                                <a:latin typeface="Cambria Math" panose="02040503050406030204" pitchFamily="18" charset="0"/>
+                              </a:rPr>
+                              <m:t>𝑃</m:t>
+                            </m:r>
+                            <m:d>
+                              <m:dPr>
+                                <m:ctrlPr>
+                                  <a:rPr kumimoji="1" lang="en-US" altLang="zh-CN" i="1">
+                                    <a:solidFill>
+                                      <a:schemeClr val="tx1"/>
+                                    </a:solidFill>
+                                    <a:latin typeface="Cambria Math" panose="02040503050406030204" pitchFamily="18" charset="0"/>
+                                  </a:rPr>
+                                </m:ctrlPr>
+                              </m:dPr>
+                              <m:e>
+                                <m:sSub>
+                                  <m:sSubPr>
+                                    <m:ctrlPr>
+                                      <a:rPr kumimoji="1" lang="en-US" altLang="zh-CN" i="1">
+                                        <a:solidFill>
+                                          <a:schemeClr val="tx1"/>
+                                        </a:solidFill>
+                                        <a:latin typeface="Cambria Math" panose="02040503050406030204" pitchFamily="18" charset="0"/>
+                                      </a:rPr>
+                                    </m:ctrlPr>
+                                  </m:sSubPr>
+                                  <m:e>
+                                    <m:r>
+                                      <a:rPr kumimoji="1" lang="en-US" altLang="zh-CN" i="1">
+                                        <a:solidFill>
+                                          <a:schemeClr val="tx1"/>
+                                        </a:solidFill>
+                                        <a:latin typeface="Cambria Math" panose="02040503050406030204" pitchFamily="18" charset="0"/>
+                                      </a:rPr>
+                                      <m:t>𝑥</m:t>
+                                    </m:r>
+                                  </m:e>
+                                  <m:sub>
+                                    <m:r>
+                                      <a:rPr kumimoji="1" lang="en-US" altLang="zh-CN" i="1">
+                                        <a:solidFill>
+                                          <a:schemeClr val="tx1"/>
+                                        </a:solidFill>
+                                        <a:latin typeface="Cambria Math" panose="02040503050406030204" pitchFamily="18" charset="0"/>
+                                      </a:rPr>
+                                      <m:t>𝑖</m:t>
+                                    </m:r>
+                                  </m:sub>
+                                </m:sSub>
+                              </m:e>
+                            </m:d>
+                            <m:r>
+                              <a:rPr kumimoji="1" lang="en-US" altLang="zh-CN" i="1">
+                                <a:solidFill>
+                                  <a:schemeClr val="tx1"/>
+                                </a:solidFill>
+                                <a:latin typeface="Cambria Math" panose="02040503050406030204" pitchFamily="18" charset="0"/>
+                              </a:rPr>
+                              <m:t>−</m:t>
+                            </m:r>
+                            <m:r>
+                              <a:rPr kumimoji="1" lang="en-US" altLang="zh-CN" i="1">
+                                <a:solidFill>
+                                  <a:schemeClr val="tx1"/>
+                                </a:solidFill>
+                                <a:latin typeface="Cambria Math" panose="02040503050406030204" pitchFamily="18" charset="0"/>
+                              </a:rPr>
+                              <m:t>𝑙𝑜𝑔𝑄</m:t>
+                            </m:r>
+                            <m:d>
+                              <m:dPr>
+                                <m:ctrlPr>
+                                  <a:rPr kumimoji="1" lang="en-US" altLang="zh-CN" i="1">
+                                    <a:solidFill>
+                                      <a:schemeClr val="tx1"/>
+                                    </a:solidFill>
+                                    <a:latin typeface="Cambria Math" panose="02040503050406030204" pitchFamily="18" charset="0"/>
+                                  </a:rPr>
+                                </m:ctrlPr>
+                              </m:dPr>
+                              <m:e>
+                                <m:sSub>
+                                  <m:sSubPr>
+                                    <m:ctrlPr>
+                                      <a:rPr kumimoji="1" lang="en-US" altLang="zh-CN" i="1">
+                                        <a:solidFill>
+                                          <a:schemeClr val="tx1"/>
+                                        </a:solidFill>
+                                        <a:latin typeface="Cambria Math" panose="02040503050406030204" pitchFamily="18" charset="0"/>
+                                      </a:rPr>
+                                    </m:ctrlPr>
+                                  </m:sSubPr>
+                                  <m:e>
+                                    <m:r>
+                                      <a:rPr kumimoji="1" lang="en-US" altLang="zh-CN" i="1">
+                                        <a:solidFill>
+                                          <a:schemeClr val="tx1"/>
+                                        </a:solidFill>
+                                        <a:latin typeface="Cambria Math" panose="02040503050406030204" pitchFamily="18" charset="0"/>
+                                      </a:rPr>
+                                      <m:t>𝑥</m:t>
+                                    </m:r>
+                                  </m:e>
+                                  <m:sub>
+                                    <m:r>
+                                      <a:rPr kumimoji="1" lang="en-US" altLang="zh-CN" i="1">
+                                        <a:solidFill>
+                                          <a:schemeClr val="tx1"/>
+                                        </a:solidFill>
+                                        <a:latin typeface="Cambria Math" panose="02040503050406030204" pitchFamily="18" charset="0"/>
+                                      </a:rPr>
+                                      <m:t>𝑖</m:t>
+                                    </m:r>
+                                  </m:sub>
+                                </m:sSub>
+                              </m:e>
+                            </m:d>
+                          </m:e>
+                        </m:d>
+                      </m:e>
+                    </m:nary>
+                  </m:oMath>
+                </a14:m>
+                <a:r>
+                  <a:rPr kumimoji="1" lang="zh-CN" altLang="en-US" dirty="0">
+                    <a:solidFill>
+                      <a:schemeClr val="tx1"/>
+                    </a:solidFill>
+                  </a:rPr>
+                  <a:t> </a:t>
+                </a:r>
+              </a:p>
+            </p:txBody>
+          </p:sp>
+        </mc:Choice>
+        <mc:Fallback>
+          <p:sp>
+            <p:nvSpPr>
+              <p:cNvPr id="8" name="内容占位符 4">
+                <a:extLst>
+                  <a:ext uri="{FF2B5EF4-FFF2-40B4-BE49-F238E27FC236}">
+                    <a16:creationId xmlns:a16="http://schemas.microsoft.com/office/drawing/2014/main" id="{C20DA9AD-DFFC-4C2F-9123-1FD035CACE21}"/>
+                  </a:ext>
+                </a:extLst>
+              </p:cNvPr>
+              <p:cNvSpPr txBox="1">
+                <a:spLocks noRot="1" noChangeAspect="1" noMove="1" noResize="1" noEditPoints="1" noAdjustHandles="1" noChangeArrowheads="1" noChangeShapeType="1" noTextEdit="1"/>
+              </p:cNvSpPr>
+              <p:nvPr/>
+            </p:nvSpPr>
+            <p:spPr>
+              <a:xfrm>
+                <a:off x="207819" y="3800215"/>
+                <a:ext cx="8827124" cy="1409349"/>
+              </a:xfrm>
+              <a:prstGeom prst="rect">
+                <a:avLst/>
+              </a:prstGeom>
+              <a:blipFill>
+                <a:blip r:embed="rId3"/>
+                <a:stretch>
+                  <a:fillRect l="-207" t="-2155" b="-30172"/>
+                </a:stretch>
+              </a:blipFill>
+            </p:spPr>
+            <p:txBody>
+              <a:bodyPr/>
+              <a:lstStyle/>
+              <a:p>
+                <a:r>
+                  <a:rPr lang="en-US">
+                    <a:noFill/>
+                  </a:rPr>
+                  <a:t> </a:t>
+                </a:r>
+              </a:p>
+            </p:txBody>
+          </p:sp>
+        </mc:Fallback>
+      </mc:AlternateContent>
+    </p:spTree>
+    <p:extLst>
+      <p:ext uri="{BB962C8B-B14F-4D97-AF65-F5344CB8AC3E}">
+        <p14:creationId xmlns:p14="http://schemas.microsoft.com/office/powerpoint/2010/main" val="839055891"/>
+      </p:ext>
+    </p:extLst>
+  </p:cSld>
+  <p:clrMapOvr>
+    <a:masterClrMapping/>
+  </p:clrMapOvr>
+</p:sld>
+</file>
+
+<file path=ppt/slides/slide15.xml><?xml version="1.0" encoding="utf-8"?>
+<p:sld xmlns:a="http://schemas.openxmlformats.org/drawingml/2006/main" xmlns:r="http://schemas.openxmlformats.org/officeDocument/2006/relationships" xmlns:p="http://schemas.openxmlformats.org/presentationml/2006/main">
+  <p:cSld>
+    <p:spTree>
+      <p:nvGrpSpPr>
+        <p:cNvPr id="1" name=""/>
+        <p:cNvGrpSpPr/>
+        <p:nvPr/>
+      </p:nvGrpSpPr>
+      <p:grpSpPr>
+        <a:xfrm>
+          <a:off x="0" y="0"/>
+          <a:ext cx="0" cy="0"/>
+          <a:chOff x="0" y="0"/>
+          <a:chExt cx="0" cy="0"/>
+        </a:xfrm>
+      </p:grpSpPr>
+      <p:sp>
+        <p:nvSpPr>
+          <p:cNvPr id="5" name="标题 1">
+            <a:extLst>
+              <a:ext uri="{FF2B5EF4-FFF2-40B4-BE49-F238E27FC236}">
+                <a16:creationId xmlns:a16="http://schemas.microsoft.com/office/drawing/2014/main" id="{F0511409-B9AF-4D30-B635-901BDDA9EAD1}"/>
+              </a:ext>
+            </a:extLst>
+          </p:cNvPr>
+          <p:cNvSpPr>
+            <a:spLocks noGrp="1"/>
+          </p:cNvSpPr>
+          <p:nvPr>
+            <p:ph type="title"/>
+          </p:nvPr>
+        </p:nvSpPr>
+        <p:spPr>
+          <a:xfrm>
+            <a:off x="460664" y="539176"/>
+            <a:ext cx="8048336" cy="750455"/>
+          </a:xfrm>
+        </p:spPr>
+        <p:txBody>
+          <a:bodyPr/>
+          <a:lstStyle/>
+          <a:p>
+            <a:pPr algn="l"/>
+            <a:r>
+              <a:rPr lang="en-US" altLang="ja-JP" sz="4000" baseline="30000" dirty="0">
+                <a:solidFill>
+                  <a:schemeClr val="bg1"/>
+                </a:solidFill>
+                <a:latin typeface="黑体"/>
+                <a:ea typeface="黑体"/>
+                <a:cs typeface="黑体"/>
+              </a:rPr>
+              <a:t>2.4 Cross-Entropy</a:t>
+            </a:r>
+            <a:endParaRPr lang="ja-JP" altLang="en-US" sz="4000" baseline="30000" dirty="0">
+              <a:solidFill>
+                <a:schemeClr val="bg1"/>
+              </a:solidFill>
+              <a:latin typeface="黑体"/>
+              <a:ea typeface="黑体"/>
+              <a:cs typeface="黑体"/>
+            </a:endParaRPr>
+          </a:p>
+        </p:txBody>
+      </p:sp>
+      <mc:AlternateContent xmlns:mc="http://schemas.openxmlformats.org/markup-compatibility/2006">
+        <mc:Choice xmlns:a14="http://schemas.microsoft.com/office/drawing/2010/main" Requires="a14">
+          <p:sp>
+            <p:nvSpPr>
+              <p:cNvPr id="8" name="内容占位符 4">
+                <a:extLst>
+                  <a:ext uri="{FF2B5EF4-FFF2-40B4-BE49-F238E27FC236}">
+                    <a16:creationId xmlns:a16="http://schemas.microsoft.com/office/drawing/2014/main" id="{C20DA9AD-DFFC-4C2F-9123-1FD035CACE21}"/>
+                  </a:ext>
+                </a:extLst>
+              </p:cNvPr>
+              <p:cNvSpPr txBox="1">
+                <a:spLocks/>
+              </p:cNvSpPr>
+              <p:nvPr/>
+            </p:nvSpPr>
+            <p:spPr>
+              <a:xfrm>
+                <a:off x="207819" y="1711356"/>
+                <a:ext cx="8827124" cy="2634141"/>
+              </a:xfrm>
+              <a:prstGeom prst="rect">
+                <a:avLst/>
+              </a:prstGeom>
+            </p:spPr>
+            <p:txBody>
+              <a:bodyPr vert="horz" lIns="91440" tIns="45720" rIns="91440" bIns="45720" rtlCol="0">
+                <a:normAutofit/>
+              </a:bodyPr>
+              <a:lstStyle>
+                <a:lvl1pPr marL="457200" indent="-457200" algn="l" defTabSz="914400" rtl="0" eaLnBrk="1" latinLnBrk="0" hangingPunct="1">
+                  <a:spcBef>
+                    <a:spcPts val="2000"/>
+                  </a:spcBef>
+                  <a:buClr>
+                    <a:schemeClr val="tx1">
+                      <a:lumMod val="75000"/>
+                      <a:lumOff val="25000"/>
+                    </a:schemeClr>
+                  </a:buClr>
+                  <a:buSzPct val="75000"/>
+                  <a:buFont typeface="Wingdings 2" pitchFamily="18" charset="2"/>
+                  <a:buChar char=""/>
+                  <a:defRPr sz="2200" kern="1200">
+                    <a:solidFill>
+                      <a:schemeClr val="tx1">
+                        <a:lumMod val="75000"/>
+                        <a:lumOff val="25000"/>
+                      </a:schemeClr>
+                    </a:solidFill>
+                    <a:latin typeface="+mn-lt"/>
+                    <a:ea typeface="+mn-ea"/>
+                    <a:cs typeface="+mn-cs"/>
+                  </a:defRPr>
+                </a:lvl1pPr>
+                <a:lvl2pPr marL="914400" indent="-457200" algn="l" defTabSz="914400" rtl="0" eaLnBrk="1" latinLnBrk="0" hangingPunct="1">
+                  <a:spcBef>
+                    <a:spcPts val="600"/>
+                  </a:spcBef>
+                  <a:buClr>
+                    <a:schemeClr val="tx1">
+                      <a:lumMod val="50000"/>
+                      <a:lumOff val="50000"/>
+                    </a:schemeClr>
+                  </a:buClr>
+                  <a:buSzPct val="75000"/>
+                  <a:buFont typeface="Wingdings 2" pitchFamily="18" charset="2"/>
+                  <a:buChar char=""/>
+                  <a:defRPr sz="2000" kern="1200">
+                    <a:solidFill>
+                      <a:schemeClr val="tx1">
+                        <a:lumMod val="75000"/>
+                        <a:lumOff val="25000"/>
+                      </a:schemeClr>
+                    </a:solidFill>
+                    <a:latin typeface="+mn-lt"/>
+                    <a:ea typeface="+mn-ea"/>
+                    <a:cs typeface="+mn-cs"/>
+                  </a:defRPr>
+                </a:lvl2pPr>
+                <a:lvl3pPr marL="1371600" indent="-457200" algn="l" defTabSz="914400" rtl="0" eaLnBrk="1" latinLnBrk="0" hangingPunct="1">
+                  <a:spcBef>
+                    <a:spcPts val="600"/>
+                  </a:spcBef>
+                  <a:buClr>
+                    <a:schemeClr val="tx1">
+                      <a:lumMod val="75000"/>
+                      <a:lumOff val="25000"/>
+                    </a:schemeClr>
+                  </a:buClr>
+                  <a:buSzPct val="75000"/>
+                  <a:buFont typeface="Wingdings 2" pitchFamily="18" charset="2"/>
+                  <a:buChar char=""/>
+                  <a:defRPr sz="1800" kern="1200">
+                    <a:solidFill>
+                      <a:schemeClr val="tx1">
+                        <a:lumMod val="75000"/>
+                        <a:lumOff val="25000"/>
+                      </a:schemeClr>
+                    </a:solidFill>
+                    <a:latin typeface="+mn-lt"/>
+                    <a:ea typeface="+mn-ea"/>
+                    <a:cs typeface="+mn-cs"/>
+                  </a:defRPr>
+                </a:lvl3pPr>
+                <a:lvl4pPr marL="1828800" indent="-457200" algn="l" defTabSz="914400" rtl="0" eaLnBrk="1" latinLnBrk="0" hangingPunct="1">
+                  <a:spcBef>
+                    <a:spcPts val="600"/>
+                  </a:spcBef>
+                  <a:buClr>
+                    <a:schemeClr val="tx1">
+                      <a:lumMod val="50000"/>
+                      <a:lumOff val="50000"/>
+                    </a:schemeClr>
+                  </a:buClr>
+                  <a:buSzPct val="75000"/>
+                  <a:buFont typeface="Wingdings 2" pitchFamily="18" charset="2"/>
+                  <a:buChar char=""/>
+                  <a:defRPr sz="1800" kern="1200">
+                    <a:solidFill>
+                      <a:schemeClr val="tx1">
+                        <a:lumMod val="75000"/>
+                        <a:lumOff val="25000"/>
+                      </a:schemeClr>
+                    </a:solidFill>
+                    <a:latin typeface="+mn-lt"/>
+                    <a:ea typeface="+mn-ea"/>
+                    <a:cs typeface="+mn-cs"/>
+                  </a:defRPr>
+                </a:lvl4pPr>
+                <a:lvl5pPr marL="2286000" indent="-457200" algn="l" defTabSz="914400" rtl="0" eaLnBrk="1" latinLnBrk="0" hangingPunct="1">
+                  <a:spcBef>
+                    <a:spcPts val="600"/>
+                  </a:spcBef>
+                  <a:buClr>
+                    <a:schemeClr val="tx1">
+                      <a:lumMod val="75000"/>
+                      <a:lumOff val="25000"/>
+                    </a:schemeClr>
+                  </a:buClr>
+                  <a:buSzPct val="75000"/>
+                  <a:buFont typeface="Wingdings 2" pitchFamily="18" charset="2"/>
+                  <a:buChar char=""/>
+                  <a:defRPr sz="1800" kern="1200">
+                    <a:solidFill>
+                      <a:schemeClr val="tx1">
+                        <a:lumMod val="75000"/>
+                        <a:lumOff val="25000"/>
+                      </a:schemeClr>
+                    </a:solidFill>
+                    <a:latin typeface="+mn-lt"/>
+                    <a:ea typeface="+mn-ea"/>
+                    <a:cs typeface="+mn-cs"/>
+                  </a:defRPr>
+                </a:lvl5pPr>
+                <a:lvl6pPr marL="2743200" indent="-461963" algn="l" defTabSz="914400" rtl="0" eaLnBrk="1" latinLnBrk="0" hangingPunct="1">
+                  <a:spcBef>
+                    <a:spcPct val="20000"/>
+                  </a:spcBef>
+                  <a:buClr>
+                    <a:schemeClr val="tx1">
+                      <a:lumMod val="50000"/>
+                      <a:lumOff val="50000"/>
+                    </a:schemeClr>
+                  </a:buClr>
+                  <a:buSzPct val="75000"/>
+                  <a:buFont typeface="Wingdings 2" pitchFamily="18" charset="2"/>
+                  <a:buChar char=""/>
+                  <a:defRPr lang="en-US" sz="1800" kern="1200" dirty="0" smtClean="0">
+                    <a:solidFill>
+                      <a:schemeClr val="tx1">
+                        <a:lumMod val="75000"/>
+                        <a:lumOff val="25000"/>
+                      </a:schemeClr>
+                    </a:solidFill>
+                    <a:latin typeface="+mn-lt"/>
+                    <a:ea typeface="+mn-ea"/>
+                    <a:cs typeface="+mn-cs"/>
+                  </a:defRPr>
+                </a:lvl6pPr>
+                <a:lvl7pPr marL="3205163" indent="-461963" algn="l" defTabSz="914400" rtl="0" eaLnBrk="1" latinLnBrk="0" hangingPunct="1">
+                  <a:spcBef>
+                    <a:spcPct val="20000"/>
+                  </a:spcBef>
+                  <a:buClr>
+                    <a:schemeClr val="tx1">
+                      <a:lumMod val="75000"/>
+                      <a:lumOff val="25000"/>
+                    </a:schemeClr>
+                  </a:buClr>
+                  <a:buSzPct val="75000"/>
+                  <a:buFont typeface="Wingdings 2" pitchFamily="18" charset="2"/>
+                  <a:buChar char=""/>
+                  <a:defRPr lang="en-US" sz="1800" kern="1200" dirty="0" smtClean="0">
+                    <a:solidFill>
+                      <a:schemeClr val="tx1">
+                        <a:lumMod val="75000"/>
+                        <a:lumOff val="25000"/>
+                      </a:schemeClr>
+                    </a:solidFill>
+                    <a:latin typeface="+mn-lt"/>
+                    <a:ea typeface="+mn-ea"/>
+                    <a:cs typeface="+mn-cs"/>
+                  </a:defRPr>
+                </a:lvl7pPr>
+                <a:lvl8pPr marL="3657600" indent="-461963" algn="l" defTabSz="914400" rtl="0" eaLnBrk="1" latinLnBrk="0" hangingPunct="1">
+                  <a:spcBef>
+                    <a:spcPct val="20000"/>
+                  </a:spcBef>
+                  <a:buClr>
+                    <a:schemeClr val="tx1">
+                      <a:lumMod val="50000"/>
+                      <a:lumOff val="50000"/>
+                    </a:schemeClr>
+                  </a:buClr>
+                  <a:buSzPct val="75000"/>
+                  <a:buFont typeface="Wingdings 2" pitchFamily="18" charset="2"/>
+                  <a:buChar char=""/>
+                  <a:defRPr lang="en-US" sz="1800" kern="1200" dirty="0" smtClean="0">
+                    <a:solidFill>
+                      <a:schemeClr val="tx1">
+                        <a:lumMod val="75000"/>
+                        <a:lumOff val="25000"/>
+                      </a:schemeClr>
+                    </a:solidFill>
+                    <a:latin typeface="+mn-lt"/>
+                    <a:ea typeface="+mn-ea"/>
+                    <a:cs typeface="+mn-cs"/>
+                  </a:defRPr>
+                </a:lvl8pPr>
+                <a:lvl9pPr marL="4119563" indent="-461963" algn="l" defTabSz="914400" rtl="0" eaLnBrk="1" latinLnBrk="0" hangingPunct="1">
+                  <a:spcBef>
+                    <a:spcPct val="20000"/>
+                  </a:spcBef>
+                  <a:buClr>
+                    <a:schemeClr val="tx1">
+                      <a:lumMod val="75000"/>
+                      <a:lumOff val="25000"/>
+                    </a:schemeClr>
+                  </a:buClr>
+                  <a:buSzPct val="75000"/>
+                  <a:buFont typeface="Wingdings 2" pitchFamily="18" charset="2"/>
+                  <a:buChar char=""/>
+                  <a:defRPr lang="en-US" sz="1800" kern="1200" dirty="0">
+                    <a:solidFill>
+                      <a:schemeClr val="tx1">
+                        <a:lumMod val="75000"/>
+                        <a:lumOff val="25000"/>
+                      </a:schemeClr>
+                    </a:solidFill>
+                    <a:latin typeface="+mn-lt"/>
+                    <a:ea typeface="+mn-ea"/>
+                    <a:cs typeface="+mn-cs"/>
+                  </a:defRPr>
+                </a:lvl9pPr>
+              </a:lstStyle>
+              <a:p>
+                <a:pPr indent="0">
+                  <a:buNone/>
+                </a:pPr>
+                <a14:m>
+                  <m:oMath xmlns:m="http://schemas.openxmlformats.org/officeDocument/2006/math">
+                    <m:sSub>
+                      <m:sSubPr>
+                        <m:ctrlPr>
+                          <a:rPr kumimoji="1" lang="en-US" altLang="zh-CN" b="0" i="1" smtClean="0">
+                            <a:solidFill>
+                              <a:schemeClr val="tx1"/>
+                            </a:solidFill>
+                            <a:latin typeface="Cambria Math" panose="02040503050406030204" pitchFamily="18" charset="0"/>
+                          </a:rPr>
+                        </m:ctrlPr>
+                      </m:sSubPr>
+                      <m:e>
+                        <m:r>
+                          <a:rPr kumimoji="1" lang="en-US" altLang="zh-CN" b="0" i="1" smtClean="0">
+                            <a:solidFill>
+                              <a:schemeClr val="tx1"/>
+                            </a:solidFill>
+                            <a:latin typeface="Cambria Math" panose="02040503050406030204" pitchFamily="18" charset="0"/>
+                          </a:rPr>
+                          <m:t>𝐷</m:t>
+                        </m:r>
+                      </m:e>
+                      <m:sub>
+                        <m:r>
+                          <a:rPr kumimoji="1" lang="en-US" altLang="zh-CN" b="0" i="1" smtClean="0">
+                            <a:solidFill>
+                              <a:schemeClr val="tx1"/>
+                            </a:solidFill>
+                            <a:latin typeface="Cambria Math" panose="02040503050406030204" pitchFamily="18" charset="0"/>
+                          </a:rPr>
+                          <m:t>𝐾𝐿</m:t>
+                        </m:r>
+                      </m:sub>
+                    </m:sSub>
+                    <m:r>
+                      <a:rPr kumimoji="1" lang="en-US" altLang="zh-CN" b="0" i="1" smtClean="0">
+                        <a:solidFill>
+                          <a:schemeClr val="tx1"/>
+                        </a:solidFill>
+                        <a:latin typeface="Cambria Math" panose="02040503050406030204" pitchFamily="18" charset="0"/>
+                      </a:rPr>
+                      <m:t>(</m:t>
+                    </m:r>
+                    <m:r>
+                      <a:rPr kumimoji="1" lang="en-US" altLang="zh-CN" b="0" i="1" smtClean="0">
+                        <a:solidFill>
+                          <a:schemeClr val="tx1"/>
+                        </a:solidFill>
+                        <a:latin typeface="Cambria Math" panose="02040503050406030204" pitchFamily="18" charset="0"/>
+                      </a:rPr>
+                      <m:t>𝑃</m:t>
+                    </m:r>
+                    <m:r>
+                      <a:rPr kumimoji="1" lang="en-US" altLang="zh-CN" b="0" i="1" smtClean="0">
+                        <a:solidFill>
+                          <a:schemeClr val="tx1"/>
+                        </a:solidFill>
+                        <a:latin typeface="Cambria Math" panose="02040503050406030204" pitchFamily="18" charset="0"/>
+                      </a:rPr>
+                      <m:t>|</m:t>
+                    </m:r>
+                    <m:d>
+                      <m:dPr>
+                        <m:begChr m:val="|"/>
+                        <m:ctrlPr>
+                          <a:rPr kumimoji="1" lang="en-US" altLang="zh-CN" b="0" i="1" smtClean="0">
+                            <a:solidFill>
+                              <a:schemeClr val="tx1"/>
+                            </a:solidFill>
+                            <a:latin typeface="Cambria Math" panose="02040503050406030204" pitchFamily="18" charset="0"/>
+                          </a:rPr>
+                        </m:ctrlPr>
+                      </m:dPr>
+                      <m:e>
+                        <m:r>
+                          <a:rPr kumimoji="1" lang="en-US" altLang="zh-CN" b="0" i="1" smtClean="0">
+                            <a:solidFill>
+                              <a:schemeClr val="tx1"/>
+                            </a:solidFill>
+                            <a:latin typeface="Cambria Math" panose="02040503050406030204" pitchFamily="18" charset="0"/>
+                          </a:rPr>
+                          <m:t>𝑄</m:t>
+                        </m:r>
+                      </m:e>
+                    </m:d>
+                    <m:r>
+                      <a:rPr kumimoji="1" lang="en-US" altLang="zh-CN" b="0" i="1" smtClean="0">
+                        <a:solidFill>
+                          <a:schemeClr val="tx1"/>
+                        </a:solidFill>
+                        <a:latin typeface="Cambria Math" panose="02040503050406030204" pitchFamily="18" charset="0"/>
+                      </a:rPr>
+                      <m:t>=</m:t>
+                    </m:r>
+                    <m:nary>
+                      <m:naryPr>
+                        <m:chr m:val="∑"/>
+                        <m:ctrlPr>
+                          <a:rPr kumimoji="1" lang="en-US" altLang="zh-CN" b="0" i="1" smtClean="0">
+                            <a:solidFill>
+                              <a:schemeClr val="tx1"/>
+                            </a:solidFill>
+                            <a:latin typeface="Cambria Math" panose="02040503050406030204" pitchFamily="18" charset="0"/>
+                          </a:rPr>
+                        </m:ctrlPr>
+                      </m:naryPr>
+                      <m:sub>
+                        <m:r>
+                          <m:rPr>
+                            <m:brk m:alnAt="23"/>
+                          </m:rPr>
+                          <a:rPr kumimoji="1" lang="en-US" altLang="zh-CN" b="0" i="1" smtClean="0">
+                            <a:solidFill>
+                              <a:schemeClr val="tx1"/>
+                            </a:solidFill>
+                            <a:latin typeface="Cambria Math" panose="02040503050406030204" pitchFamily="18" charset="0"/>
+                          </a:rPr>
+                          <m:t>𝑖</m:t>
+                        </m:r>
+                        <m:r>
+                          <a:rPr kumimoji="1" lang="en-US" altLang="zh-CN" b="0" i="1" smtClean="0">
+                            <a:solidFill>
+                              <a:schemeClr val="tx1"/>
+                            </a:solidFill>
+                            <a:latin typeface="Cambria Math" panose="02040503050406030204" pitchFamily="18" charset="0"/>
+                          </a:rPr>
+                          <m:t>=1</m:t>
+                        </m:r>
+                      </m:sub>
+                      <m:sup>
+                        <m:r>
+                          <a:rPr kumimoji="1" lang="en-US" altLang="zh-CN" b="0" i="1" smtClean="0">
+                            <a:solidFill>
+                              <a:schemeClr val="tx1"/>
+                            </a:solidFill>
+                            <a:latin typeface="Cambria Math" panose="02040503050406030204" pitchFamily="18" charset="0"/>
+                          </a:rPr>
+                          <m:t>𝑛</m:t>
+                        </m:r>
+                      </m:sup>
+                      <m:e>
+                        <m:r>
+                          <a:rPr kumimoji="1" lang="en-US" altLang="zh-CN" i="1">
+                            <a:solidFill>
+                              <a:schemeClr val="tx1"/>
+                            </a:solidFill>
+                            <a:latin typeface="Cambria Math" panose="02040503050406030204" pitchFamily="18" charset="0"/>
+                          </a:rPr>
+                          <m:t>𝑃</m:t>
+                        </m:r>
+                        <m:d>
+                          <m:dPr>
+                            <m:ctrlPr>
+                              <a:rPr kumimoji="1" lang="en-US" altLang="zh-CN" i="1">
+                                <a:solidFill>
+                                  <a:schemeClr val="tx1"/>
+                                </a:solidFill>
+                                <a:latin typeface="Cambria Math" panose="02040503050406030204" pitchFamily="18" charset="0"/>
+                              </a:rPr>
+                            </m:ctrlPr>
+                          </m:dPr>
+                          <m:e>
+                            <m:sSub>
+                              <m:sSubPr>
+                                <m:ctrlPr>
+                                  <a:rPr kumimoji="1" lang="en-US" altLang="zh-CN" i="1">
+                                    <a:solidFill>
+                                      <a:schemeClr val="tx1"/>
+                                    </a:solidFill>
+                                    <a:latin typeface="Cambria Math" panose="02040503050406030204" pitchFamily="18" charset="0"/>
+                                  </a:rPr>
+                                </m:ctrlPr>
+                              </m:sSubPr>
+                              <m:e>
+                                <m:r>
+                                  <a:rPr kumimoji="1" lang="en-US" altLang="zh-CN" i="1">
+                                    <a:solidFill>
+                                      <a:schemeClr val="tx1"/>
+                                    </a:solidFill>
+                                    <a:latin typeface="Cambria Math" panose="02040503050406030204" pitchFamily="18" charset="0"/>
+                                  </a:rPr>
+                                  <m:t>𝑥</m:t>
+                                </m:r>
+                              </m:e>
+                              <m:sub>
+                                <m:r>
+                                  <a:rPr kumimoji="1" lang="en-US" altLang="zh-CN" i="1">
+                                    <a:solidFill>
+                                      <a:schemeClr val="tx1"/>
+                                    </a:solidFill>
+                                    <a:latin typeface="Cambria Math" panose="02040503050406030204" pitchFamily="18" charset="0"/>
+                                  </a:rPr>
+                                  <m:t>𝑖</m:t>
+                                </m:r>
+                              </m:sub>
+                            </m:sSub>
+                          </m:e>
+                        </m:d>
+                        <m:d>
+                          <m:dPr>
+                            <m:begChr m:val="["/>
+                            <m:endChr m:val="]"/>
+                            <m:ctrlPr>
+                              <a:rPr kumimoji="1" lang="en-US" altLang="zh-CN" i="1">
+                                <a:solidFill>
+                                  <a:schemeClr val="tx1"/>
+                                </a:solidFill>
+                                <a:latin typeface="Cambria Math" panose="02040503050406030204" pitchFamily="18" charset="0"/>
+                              </a:rPr>
+                            </m:ctrlPr>
+                          </m:dPr>
+                          <m:e>
+                            <m:r>
+                              <a:rPr kumimoji="1" lang="en-US" altLang="zh-CN" i="1">
+                                <a:solidFill>
+                                  <a:schemeClr val="tx1"/>
+                                </a:solidFill>
+                                <a:latin typeface="Cambria Math" panose="02040503050406030204" pitchFamily="18" charset="0"/>
+                              </a:rPr>
+                              <m:t>𝑙𝑜𝑔</m:t>
+                            </m:r>
+                            <m:r>
+                              <a:rPr kumimoji="1" lang="en-US" altLang="zh-CN" i="1">
+                                <a:solidFill>
+                                  <a:schemeClr val="tx1"/>
+                                </a:solidFill>
+                                <a:latin typeface="Cambria Math" panose="02040503050406030204" pitchFamily="18" charset="0"/>
+                              </a:rPr>
+                              <m:t>𝑃</m:t>
+                            </m:r>
+                            <m:d>
+                              <m:dPr>
+                                <m:ctrlPr>
+                                  <a:rPr kumimoji="1" lang="en-US" altLang="zh-CN" i="1">
+                                    <a:solidFill>
+                                      <a:schemeClr val="tx1"/>
+                                    </a:solidFill>
+                                    <a:latin typeface="Cambria Math" panose="02040503050406030204" pitchFamily="18" charset="0"/>
+                                  </a:rPr>
+                                </m:ctrlPr>
+                              </m:dPr>
+                              <m:e>
+                                <m:sSub>
+                                  <m:sSubPr>
+                                    <m:ctrlPr>
+                                      <a:rPr kumimoji="1" lang="en-US" altLang="zh-CN" i="1">
+                                        <a:solidFill>
+                                          <a:schemeClr val="tx1"/>
+                                        </a:solidFill>
+                                        <a:latin typeface="Cambria Math" panose="02040503050406030204" pitchFamily="18" charset="0"/>
+                                      </a:rPr>
+                                    </m:ctrlPr>
+                                  </m:sSubPr>
+                                  <m:e>
+                                    <m:r>
+                                      <a:rPr kumimoji="1" lang="en-US" altLang="zh-CN" i="1">
+                                        <a:solidFill>
+                                          <a:schemeClr val="tx1"/>
+                                        </a:solidFill>
+                                        <a:latin typeface="Cambria Math" panose="02040503050406030204" pitchFamily="18" charset="0"/>
+                                      </a:rPr>
+                                      <m:t>𝑥</m:t>
+                                    </m:r>
+                                  </m:e>
+                                  <m:sub>
+                                    <m:r>
+                                      <a:rPr kumimoji="1" lang="en-US" altLang="zh-CN" i="1">
+                                        <a:solidFill>
+                                          <a:schemeClr val="tx1"/>
+                                        </a:solidFill>
+                                        <a:latin typeface="Cambria Math" panose="02040503050406030204" pitchFamily="18" charset="0"/>
+                                      </a:rPr>
+                                      <m:t>𝑖</m:t>
+                                    </m:r>
+                                  </m:sub>
+                                </m:sSub>
+                              </m:e>
+                            </m:d>
+                            <m:r>
+                              <a:rPr kumimoji="1" lang="en-US" altLang="zh-CN" i="1">
+                                <a:solidFill>
+                                  <a:schemeClr val="tx1"/>
+                                </a:solidFill>
+                                <a:latin typeface="Cambria Math" panose="02040503050406030204" pitchFamily="18" charset="0"/>
+                              </a:rPr>
+                              <m:t>−</m:t>
+                            </m:r>
+                            <m:r>
+                              <a:rPr kumimoji="1" lang="en-US" altLang="zh-CN" i="1">
+                                <a:solidFill>
+                                  <a:schemeClr val="tx1"/>
+                                </a:solidFill>
+                                <a:latin typeface="Cambria Math" panose="02040503050406030204" pitchFamily="18" charset="0"/>
+                              </a:rPr>
+                              <m:t>𝑙𝑜𝑔𝑄</m:t>
+                            </m:r>
+                            <m:d>
+                              <m:dPr>
+                                <m:ctrlPr>
+                                  <a:rPr kumimoji="1" lang="en-US" altLang="zh-CN" i="1">
+                                    <a:solidFill>
+                                      <a:schemeClr val="tx1"/>
+                                    </a:solidFill>
+                                    <a:latin typeface="Cambria Math" panose="02040503050406030204" pitchFamily="18" charset="0"/>
+                                  </a:rPr>
+                                </m:ctrlPr>
+                              </m:dPr>
+                              <m:e>
+                                <m:sSub>
+                                  <m:sSubPr>
+                                    <m:ctrlPr>
+                                      <a:rPr kumimoji="1" lang="en-US" altLang="zh-CN" i="1">
+                                        <a:solidFill>
+                                          <a:schemeClr val="tx1"/>
+                                        </a:solidFill>
+                                        <a:latin typeface="Cambria Math" panose="02040503050406030204" pitchFamily="18" charset="0"/>
+                                      </a:rPr>
+                                    </m:ctrlPr>
+                                  </m:sSubPr>
+                                  <m:e>
+                                    <m:r>
+                                      <a:rPr kumimoji="1" lang="en-US" altLang="zh-CN" i="1">
+                                        <a:solidFill>
+                                          <a:schemeClr val="tx1"/>
+                                        </a:solidFill>
+                                        <a:latin typeface="Cambria Math" panose="02040503050406030204" pitchFamily="18" charset="0"/>
+                                      </a:rPr>
+                                      <m:t>𝑥</m:t>
+                                    </m:r>
+                                  </m:e>
+                                  <m:sub>
+                                    <m:r>
+                                      <a:rPr kumimoji="1" lang="en-US" altLang="zh-CN" i="1">
+                                        <a:solidFill>
+                                          <a:schemeClr val="tx1"/>
+                                        </a:solidFill>
+                                        <a:latin typeface="Cambria Math" panose="02040503050406030204" pitchFamily="18" charset="0"/>
+                                      </a:rPr>
+                                      <m:t>𝑖</m:t>
+                                    </m:r>
+                                  </m:sub>
+                                </m:sSub>
+                              </m:e>
+                            </m:d>
+                          </m:e>
+                        </m:d>
+                      </m:e>
+                    </m:nary>
+                  </m:oMath>
+                </a14:m>
+                <a:r>
+                  <a:rPr kumimoji="1" lang="zh-CN" altLang="en-US" dirty="0">
+                    <a:solidFill>
+                      <a:schemeClr val="tx1"/>
+                    </a:solidFill>
+                  </a:rPr>
+                  <a:t> </a:t>
+                </a:r>
+                <a:endParaRPr kumimoji="1" lang="en-US" altLang="zh-CN" dirty="0">
+                  <a:solidFill>
+                    <a:schemeClr val="tx1"/>
+                  </a:solidFill>
+                </a:endParaRPr>
+              </a:p>
+              <a:p>
+                <a:pPr indent="0">
+                  <a:buNone/>
+                </a:pPr>
+                <a14:m>
+                  <m:oMath xmlns:m="http://schemas.openxmlformats.org/officeDocument/2006/math">
+                    <m:r>
+                      <a:rPr kumimoji="1" lang="en-US" altLang="zh-CN" b="0" i="1" smtClean="0">
+                        <a:solidFill>
+                          <a:schemeClr val="tx1"/>
+                        </a:solidFill>
+                        <a:latin typeface="Cambria Math" panose="02040503050406030204" pitchFamily="18" charset="0"/>
+                      </a:rPr>
+                      <m:t>                     =</m:t>
+                    </m:r>
+                    <m:nary>
+                      <m:naryPr>
+                        <m:chr m:val="∑"/>
+                        <m:ctrlPr>
+                          <a:rPr kumimoji="1" lang="en-US" altLang="zh-CN" b="0" i="1" smtClean="0">
+                            <a:solidFill>
+                              <a:schemeClr val="tx1"/>
+                            </a:solidFill>
+                            <a:latin typeface="Cambria Math" panose="02040503050406030204" pitchFamily="18" charset="0"/>
+                          </a:rPr>
+                        </m:ctrlPr>
+                      </m:naryPr>
+                      <m:sub>
+                        <m:r>
+                          <m:rPr>
+                            <m:brk m:alnAt="23"/>
+                          </m:rPr>
+                          <a:rPr kumimoji="1" lang="en-US" altLang="zh-CN" b="0" i="1" smtClean="0">
+                            <a:solidFill>
+                              <a:schemeClr val="tx1"/>
+                            </a:solidFill>
+                            <a:latin typeface="Cambria Math" panose="02040503050406030204" pitchFamily="18" charset="0"/>
+                          </a:rPr>
+                          <m:t>𝑖</m:t>
+                        </m:r>
+                        <m:r>
+                          <a:rPr kumimoji="1" lang="en-US" altLang="zh-CN" b="0" i="1" smtClean="0">
+                            <a:solidFill>
+                              <a:schemeClr val="tx1"/>
+                            </a:solidFill>
+                            <a:latin typeface="Cambria Math" panose="02040503050406030204" pitchFamily="18" charset="0"/>
+                          </a:rPr>
+                          <m:t>=1</m:t>
+                        </m:r>
+                      </m:sub>
+                      <m:sup>
+                        <m:r>
+                          <a:rPr kumimoji="1" lang="en-US" altLang="zh-CN" b="0" i="1" smtClean="0">
+                            <a:solidFill>
+                              <a:schemeClr val="tx1"/>
+                            </a:solidFill>
+                            <a:latin typeface="Cambria Math" panose="02040503050406030204" pitchFamily="18" charset="0"/>
+                          </a:rPr>
+                          <m:t>𝑛</m:t>
+                        </m:r>
+                      </m:sup>
+                      <m:e>
+                        <m:r>
+                          <a:rPr kumimoji="1" lang="en-US" altLang="zh-CN" i="1">
+                            <a:solidFill>
+                              <a:schemeClr val="tx1"/>
+                            </a:solidFill>
+                            <a:latin typeface="Cambria Math" panose="02040503050406030204" pitchFamily="18" charset="0"/>
+                          </a:rPr>
+                          <m:t>𝑃</m:t>
+                        </m:r>
+                        <m:d>
+                          <m:dPr>
+                            <m:ctrlPr>
+                              <a:rPr kumimoji="1" lang="en-US" altLang="zh-CN" i="1">
+                                <a:solidFill>
+                                  <a:schemeClr val="tx1"/>
+                                </a:solidFill>
+                                <a:latin typeface="Cambria Math" panose="02040503050406030204" pitchFamily="18" charset="0"/>
+                              </a:rPr>
+                            </m:ctrlPr>
+                          </m:dPr>
+                          <m:e>
+                            <m:sSub>
+                              <m:sSubPr>
+                                <m:ctrlPr>
+                                  <a:rPr kumimoji="1" lang="en-US" altLang="zh-CN" i="1">
+                                    <a:solidFill>
+                                      <a:schemeClr val="tx1"/>
+                                    </a:solidFill>
+                                    <a:latin typeface="Cambria Math" panose="02040503050406030204" pitchFamily="18" charset="0"/>
+                                  </a:rPr>
+                                </m:ctrlPr>
+                              </m:sSubPr>
+                              <m:e>
+                                <m:r>
+                                  <a:rPr kumimoji="1" lang="en-US" altLang="zh-CN" i="1">
+                                    <a:solidFill>
+                                      <a:schemeClr val="tx1"/>
+                                    </a:solidFill>
+                                    <a:latin typeface="Cambria Math" panose="02040503050406030204" pitchFamily="18" charset="0"/>
+                                  </a:rPr>
+                                  <m:t>𝑥</m:t>
+                                </m:r>
+                              </m:e>
+                              <m:sub>
+                                <m:r>
+                                  <a:rPr kumimoji="1" lang="en-US" altLang="zh-CN" i="1">
+                                    <a:solidFill>
+                                      <a:schemeClr val="tx1"/>
+                                    </a:solidFill>
+                                    <a:latin typeface="Cambria Math" panose="02040503050406030204" pitchFamily="18" charset="0"/>
+                                  </a:rPr>
+                                  <m:t>𝑖</m:t>
+                                </m:r>
+                              </m:sub>
+                            </m:sSub>
+                          </m:e>
+                        </m:d>
+                        <m:r>
+                          <a:rPr kumimoji="1" lang="en-US" altLang="zh-CN" i="1">
+                            <a:solidFill>
+                              <a:schemeClr val="tx1"/>
+                            </a:solidFill>
+                            <a:latin typeface="Cambria Math" panose="02040503050406030204" pitchFamily="18" charset="0"/>
+                          </a:rPr>
+                          <m:t>𝑙𝑜𝑔𝑃</m:t>
+                        </m:r>
+                        <m:d>
+                          <m:dPr>
+                            <m:ctrlPr>
+                              <a:rPr kumimoji="1" lang="en-US" altLang="zh-CN" i="1">
+                                <a:solidFill>
+                                  <a:schemeClr val="tx1"/>
+                                </a:solidFill>
+                                <a:latin typeface="Cambria Math" panose="02040503050406030204" pitchFamily="18" charset="0"/>
+                              </a:rPr>
+                            </m:ctrlPr>
+                          </m:dPr>
+                          <m:e>
+                            <m:sSub>
+                              <m:sSubPr>
+                                <m:ctrlPr>
+                                  <a:rPr kumimoji="1" lang="en-US" altLang="zh-CN" i="1">
+                                    <a:solidFill>
+                                      <a:schemeClr val="tx1"/>
+                                    </a:solidFill>
+                                    <a:latin typeface="Cambria Math" panose="02040503050406030204" pitchFamily="18" charset="0"/>
+                                  </a:rPr>
+                                </m:ctrlPr>
+                              </m:sSubPr>
+                              <m:e>
+                                <m:r>
+                                  <a:rPr kumimoji="1" lang="en-US" altLang="zh-CN" i="1">
+                                    <a:solidFill>
+                                      <a:schemeClr val="tx1"/>
+                                    </a:solidFill>
+                                    <a:latin typeface="Cambria Math" panose="02040503050406030204" pitchFamily="18" charset="0"/>
+                                  </a:rPr>
+                                  <m:t>𝑥</m:t>
+                                </m:r>
+                              </m:e>
+                              <m:sub>
+                                <m:r>
+                                  <a:rPr kumimoji="1" lang="en-US" altLang="zh-CN" i="1">
+                                    <a:solidFill>
+                                      <a:schemeClr val="tx1"/>
+                                    </a:solidFill>
+                                    <a:latin typeface="Cambria Math" panose="02040503050406030204" pitchFamily="18" charset="0"/>
+                                  </a:rPr>
+                                  <m:t>𝑖</m:t>
+                                </m:r>
+                              </m:sub>
+                            </m:sSub>
+                          </m:e>
+                        </m:d>
+                      </m:e>
+                    </m:nary>
+                    <m:r>
+                      <a:rPr kumimoji="1" lang="en-US" altLang="zh-CN" b="0" i="1" smtClean="0">
+                        <a:solidFill>
+                          <a:schemeClr val="tx1"/>
+                        </a:solidFill>
+                        <a:latin typeface="Cambria Math" panose="02040503050406030204" pitchFamily="18" charset="0"/>
+                      </a:rPr>
+                      <m:t>−</m:t>
+                    </m:r>
+                    <m:nary>
+                      <m:naryPr>
+                        <m:chr m:val="∑"/>
+                        <m:ctrlPr>
+                          <a:rPr kumimoji="1" lang="en-US" altLang="zh-CN" i="1">
+                            <a:solidFill>
+                              <a:schemeClr val="tx1"/>
+                            </a:solidFill>
+                            <a:latin typeface="Cambria Math" panose="02040503050406030204" pitchFamily="18" charset="0"/>
+                          </a:rPr>
+                        </m:ctrlPr>
+                      </m:naryPr>
+                      <m:sub>
+                        <m:r>
+                          <m:rPr>
+                            <m:brk m:alnAt="23"/>
+                          </m:rPr>
+                          <a:rPr kumimoji="1" lang="en-US" altLang="zh-CN" i="1">
+                            <a:solidFill>
+                              <a:schemeClr val="tx1"/>
+                            </a:solidFill>
+                            <a:latin typeface="Cambria Math" panose="02040503050406030204" pitchFamily="18" charset="0"/>
+                          </a:rPr>
+                          <m:t>𝑖</m:t>
+                        </m:r>
+                        <m:r>
+                          <a:rPr kumimoji="1" lang="en-US" altLang="zh-CN" i="1">
+                            <a:solidFill>
+                              <a:schemeClr val="tx1"/>
+                            </a:solidFill>
+                            <a:latin typeface="Cambria Math" panose="02040503050406030204" pitchFamily="18" charset="0"/>
+                          </a:rPr>
+                          <m:t>=1</m:t>
+                        </m:r>
+                      </m:sub>
+                      <m:sup>
+                        <m:r>
+                          <a:rPr kumimoji="1" lang="en-US" altLang="zh-CN" i="1">
+                            <a:solidFill>
+                              <a:schemeClr val="tx1"/>
+                            </a:solidFill>
+                            <a:latin typeface="Cambria Math" panose="02040503050406030204" pitchFamily="18" charset="0"/>
+                          </a:rPr>
+                          <m:t>𝑛</m:t>
+                        </m:r>
+                      </m:sup>
+                      <m:e>
+                        <m:r>
+                          <a:rPr kumimoji="1" lang="en-US" altLang="zh-CN" i="1">
+                            <a:solidFill>
+                              <a:schemeClr val="tx1"/>
+                            </a:solidFill>
+                            <a:latin typeface="Cambria Math" panose="02040503050406030204" pitchFamily="18" charset="0"/>
+                          </a:rPr>
+                          <m:t>𝑃</m:t>
+                        </m:r>
+                        <m:d>
+                          <m:dPr>
+                            <m:ctrlPr>
+                              <a:rPr kumimoji="1" lang="en-US" altLang="zh-CN" i="1">
+                                <a:solidFill>
+                                  <a:schemeClr val="tx1"/>
+                                </a:solidFill>
+                                <a:latin typeface="Cambria Math" panose="02040503050406030204" pitchFamily="18" charset="0"/>
+                              </a:rPr>
+                            </m:ctrlPr>
+                          </m:dPr>
+                          <m:e>
+                            <m:sSub>
+                              <m:sSubPr>
+                                <m:ctrlPr>
+                                  <a:rPr kumimoji="1" lang="en-US" altLang="zh-CN" i="1">
+                                    <a:solidFill>
+                                      <a:schemeClr val="tx1"/>
+                                    </a:solidFill>
+                                    <a:latin typeface="Cambria Math" panose="02040503050406030204" pitchFamily="18" charset="0"/>
+                                  </a:rPr>
+                                </m:ctrlPr>
+                              </m:sSubPr>
+                              <m:e>
+                                <m:r>
+                                  <a:rPr kumimoji="1" lang="en-US" altLang="zh-CN" i="1">
+                                    <a:solidFill>
+                                      <a:schemeClr val="tx1"/>
+                                    </a:solidFill>
+                                    <a:latin typeface="Cambria Math" panose="02040503050406030204" pitchFamily="18" charset="0"/>
+                                  </a:rPr>
+                                  <m:t>𝑥</m:t>
+                                </m:r>
+                              </m:e>
+                              <m:sub>
+                                <m:r>
+                                  <a:rPr kumimoji="1" lang="en-US" altLang="zh-CN" i="1">
+                                    <a:solidFill>
+                                      <a:schemeClr val="tx1"/>
+                                    </a:solidFill>
+                                    <a:latin typeface="Cambria Math" panose="02040503050406030204" pitchFamily="18" charset="0"/>
+                                  </a:rPr>
+                                  <m:t>𝑖</m:t>
+                                </m:r>
+                              </m:sub>
+                            </m:sSub>
+                          </m:e>
+                        </m:d>
+                        <m:r>
+                          <a:rPr kumimoji="1" lang="en-US" altLang="zh-CN" i="1">
+                            <a:solidFill>
+                              <a:schemeClr val="tx1"/>
+                            </a:solidFill>
+                            <a:latin typeface="Cambria Math" panose="02040503050406030204" pitchFamily="18" charset="0"/>
+                          </a:rPr>
+                          <m:t>𝑙𝑜𝑔</m:t>
+                        </m:r>
+                        <m:r>
+                          <a:rPr kumimoji="1" lang="en-US" altLang="zh-CN" i="1">
+                            <a:solidFill>
+                              <a:schemeClr val="tx1"/>
+                            </a:solidFill>
+                            <a:latin typeface="Cambria Math" panose="02040503050406030204" pitchFamily="18" charset="0"/>
+                          </a:rPr>
+                          <m:t>𝑄</m:t>
+                        </m:r>
+                        <m:d>
+                          <m:dPr>
+                            <m:ctrlPr>
+                              <a:rPr kumimoji="1" lang="en-US" altLang="zh-CN" i="1">
+                                <a:solidFill>
+                                  <a:schemeClr val="tx1"/>
+                                </a:solidFill>
+                                <a:latin typeface="Cambria Math" panose="02040503050406030204" pitchFamily="18" charset="0"/>
+                              </a:rPr>
+                            </m:ctrlPr>
+                          </m:dPr>
+                          <m:e>
+                            <m:sSub>
+                              <m:sSubPr>
+                                <m:ctrlPr>
+                                  <a:rPr kumimoji="1" lang="en-US" altLang="zh-CN" i="1">
+                                    <a:solidFill>
+                                      <a:schemeClr val="tx1"/>
+                                    </a:solidFill>
+                                    <a:latin typeface="Cambria Math" panose="02040503050406030204" pitchFamily="18" charset="0"/>
+                                  </a:rPr>
+                                </m:ctrlPr>
+                              </m:sSubPr>
+                              <m:e>
+                                <m:r>
+                                  <a:rPr kumimoji="1" lang="en-US" altLang="zh-CN" i="1">
+                                    <a:solidFill>
+                                      <a:schemeClr val="tx1"/>
+                                    </a:solidFill>
+                                    <a:latin typeface="Cambria Math" panose="02040503050406030204" pitchFamily="18" charset="0"/>
+                                  </a:rPr>
+                                  <m:t>𝑥</m:t>
+                                </m:r>
+                              </m:e>
+                              <m:sub>
+                                <m:r>
+                                  <a:rPr kumimoji="1" lang="en-US" altLang="zh-CN" i="1">
+                                    <a:solidFill>
+                                      <a:schemeClr val="tx1"/>
+                                    </a:solidFill>
+                                    <a:latin typeface="Cambria Math" panose="02040503050406030204" pitchFamily="18" charset="0"/>
+                                  </a:rPr>
+                                  <m:t>𝑖</m:t>
+                                </m:r>
+                              </m:sub>
+                            </m:sSub>
+                          </m:e>
+                        </m:d>
+                      </m:e>
+                    </m:nary>
+                  </m:oMath>
+                </a14:m>
+                <a:r>
+                  <a:rPr kumimoji="1" lang="en-US" altLang="zh-CN" dirty="0">
+                    <a:solidFill>
+                      <a:schemeClr val="tx1"/>
+                    </a:solidFill>
+                  </a:rPr>
+                  <a:t> </a:t>
+                </a:r>
+              </a:p>
+              <a:p>
+                <a:pPr indent="0">
+                  <a:buNone/>
+                </a:pPr>
+                <a14:m>
+                  <m:oMath xmlns:m="http://schemas.openxmlformats.org/officeDocument/2006/math">
+                    <m:r>
+                      <a:rPr kumimoji="1" lang="en-US" altLang="zh-CN" b="0" i="1" smtClean="0">
+                        <a:solidFill>
+                          <a:schemeClr val="tx1"/>
+                        </a:solidFill>
+                        <a:latin typeface="Cambria Math" panose="02040503050406030204" pitchFamily="18" charset="0"/>
+                      </a:rPr>
+                      <m:t>                     =−</m:t>
+                    </m:r>
+                    <m:r>
+                      <a:rPr kumimoji="1" lang="en-US" altLang="zh-CN" b="0" i="1" smtClean="0">
+                        <a:solidFill>
+                          <a:schemeClr val="tx1"/>
+                        </a:solidFill>
+                        <a:latin typeface="Cambria Math" panose="02040503050406030204" pitchFamily="18" charset="0"/>
+                      </a:rPr>
+                      <m:t>𝐻</m:t>
+                    </m:r>
+                    <m:d>
+                      <m:dPr>
+                        <m:ctrlPr>
+                          <a:rPr kumimoji="1" lang="en-US" altLang="zh-CN" b="0" i="1" smtClean="0">
+                            <a:solidFill>
+                              <a:schemeClr val="tx1"/>
+                            </a:solidFill>
+                            <a:latin typeface="Cambria Math" panose="02040503050406030204" pitchFamily="18" charset="0"/>
+                          </a:rPr>
+                        </m:ctrlPr>
+                      </m:dPr>
+                      <m:e>
+                        <m:r>
+                          <a:rPr kumimoji="1" lang="en-US" altLang="zh-CN" b="0" i="1" smtClean="0">
+                            <a:solidFill>
+                              <a:schemeClr val="tx1"/>
+                            </a:solidFill>
+                            <a:latin typeface="Cambria Math" panose="02040503050406030204" pitchFamily="18" charset="0"/>
+                          </a:rPr>
+                          <m:t>𝑃</m:t>
+                        </m:r>
+                      </m:e>
+                    </m:d>
+                    <m:r>
+                      <a:rPr kumimoji="1" lang="en-US" altLang="zh-CN" b="0" i="1" smtClean="0">
+                        <a:solidFill>
+                          <a:schemeClr val="tx1"/>
+                        </a:solidFill>
+                        <a:latin typeface="Cambria Math" panose="02040503050406030204" pitchFamily="18" charset="0"/>
+                      </a:rPr>
+                      <m:t>+</m:t>
+                    </m:r>
+                    <m:r>
+                      <a:rPr kumimoji="1" lang="en-US" altLang="zh-CN" b="0" i="1" smtClean="0">
+                        <a:solidFill>
+                          <a:schemeClr val="tx1"/>
+                        </a:solidFill>
+                        <a:latin typeface="Cambria Math" panose="02040503050406030204" pitchFamily="18" charset="0"/>
+                      </a:rPr>
+                      <m:t>𝐻</m:t>
+                    </m:r>
+                    <m:r>
+                      <a:rPr kumimoji="1" lang="en-US" altLang="zh-CN" b="0" i="1" smtClean="0">
+                        <a:solidFill>
+                          <a:schemeClr val="tx1"/>
+                        </a:solidFill>
+                        <a:latin typeface="Cambria Math" panose="02040503050406030204" pitchFamily="18" charset="0"/>
+                      </a:rPr>
+                      <m:t>(</m:t>
+                    </m:r>
+                    <m:r>
+                      <a:rPr kumimoji="1" lang="en-US" altLang="zh-CN" b="0" i="1" smtClean="0">
+                        <a:solidFill>
+                          <a:schemeClr val="tx1"/>
+                        </a:solidFill>
+                        <a:latin typeface="Cambria Math" panose="02040503050406030204" pitchFamily="18" charset="0"/>
+                      </a:rPr>
+                      <m:t>𝑃</m:t>
+                    </m:r>
+                    <m:r>
+                      <a:rPr kumimoji="1" lang="en-US" altLang="zh-CN" b="0" i="1" smtClean="0">
+                        <a:solidFill>
+                          <a:schemeClr val="tx1"/>
+                        </a:solidFill>
+                        <a:latin typeface="Cambria Math" panose="02040503050406030204" pitchFamily="18" charset="0"/>
+                      </a:rPr>
+                      <m:t>, </m:t>
+                    </m:r>
+                    <m:r>
+                      <a:rPr kumimoji="1" lang="en-US" altLang="zh-CN" b="0" i="1" smtClean="0">
+                        <a:solidFill>
+                          <a:schemeClr val="tx1"/>
+                        </a:solidFill>
+                        <a:latin typeface="Cambria Math" panose="02040503050406030204" pitchFamily="18" charset="0"/>
+                      </a:rPr>
+                      <m:t>𝑄</m:t>
+                    </m:r>
+                    <m:r>
+                      <a:rPr kumimoji="1" lang="en-US" altLang="zh-CN" b="0" i="1" smtClean="0">
+                        <a:solidFill>
+                          <a:schemeClr val="tx1"/>
+                        </a:solidFill>
+                        <a:latin typeface="Cambria Math" panose="02040503050406030204" pitchFamily="18" charset="0"/>
+                      </a:rPr>
+                      <m:t>)</m:t>
+                    </m:r>
+                  </m:oMath>
+                </a14:m>
+                <a:r>
+                  <a:rPr kumimoji="1" lang="zh-CN" altLang="en-US" dirty="0">
+                    <a:solidFill>
+                      <a:schemeClr val="tx1"/>
+                    </a:solidFill>
+                  </a:rPr>
+                  <a:t> </a:t>
+                </a:r>
+                <a:endParaRPr kumimoji="1" lang="en-US" altLang="zh-CN" dirty="0">
+                  <a:solidFill>
+                    <a:schemeClr val="tx1"/>
+                  </a:solidFill>
+                </a:endParaRPr>
+              </a:p>
+              <a:p>
+                <a:pPr indent="0">
+                  <a:buNone/>
+                </a:pPr>
+                <a14:m>
+                  <m:oMath xmlns:m="http://schemas.openxmlformats.org/officeDocument/2006/math">
+                    <m:r>
+                      <a:rPr kumimoji="1" lang="en-US" altLang="zh-CN" b="0" i="1" smtClean="0">
+                        <a:solidFill>
+                          <a:schemeClr val="tx1"/>
+                        </a:solidFill>
+                        <a:latin typeface="Cambria Math" panose="02040503050406030204" pitchFamily="18" charset="0"/>
+                      </a:rPr>
+                      <m:t>𝐻</m:t>
+                    </m:r>
+                    <m:d>
+                      <m:dPr>
+                        <m:ctrlPr>
+                          <a:rPr kumimoji="1" lang="en-US" altLang="zh-CN" b="0" i="1" smtClean="0">
+                            <a:solidFill>
+                              <a:schemeClr val="tx1"/>
+                            </a:solidFill>
+                            <a:latin typeface="Cambria Math" panose="02040503050406030204" pitchFamily="18" charset="0"/>
+                          </a:rPr>
+                        </m:ctrlPr>
+                      </m:dPr>
+                      <m:e>
+                        <m:r>
+                          <a:rPr kumimoji="1" lang="en-US" altLang="zh-CN" b="0" i="1" smtClean="0">
+                            <a:solidFill>
+                              <a:schemeClr val="tx1"/>
+                            </a:solidFill>
+                            <a:latin typeface="Cambria Math" panose="02040503050406030204" pitchFamily="18" charset="0"/>
+                          </a:rPr>
+                          <m:t>𝑃</m:t>
+                        </m:r>
+                        <m:r>
+                          <a:rPr kumimoji="1" lang="en-US" altLang="zh-CN" b="0" i="1" smtClean="0">
+                            <a:solidFill>
+                              <a:schemeClr val="tx1"/>
+                            </a:solidFill>
+                            <a:latin typeface="Cambria Math" panose="02040503050406030204" pitchFamily="18" charset="0"/>
+                          </a:rPr>
+                          <m:t>,</m:t>
+                        </m:r>
+                        <m:r>
+                          <a:rPr kumimoji="1" lang="en-US" altLang="zh-CN" b="0" i="1" smtClean="0">
+                            <a:solidFill>
+                              <a:schemeClr val="tx1"/>
+                            </a:solidFill>
+                            <a:latin typeface="Cambria Math" panose="02040503050406030204" pitchFamily="18" charset="0"/>
+                          </a:rPr>
+                          <m:t>𝑄</m:t>
+                        </m:r>
+                      </m:e>
+                    </m:d>
+                    <m:r>
+                      <a:rPr kumimoji="1" lang="en-US" altLang="zh-CN" b="0" i="1" smtClean="0">
+                        <a:solidFill>
+                          <a:schemeClr val="tx1"/>
+                        </a:solidFill>
+                        <a:latin typeface="Cambria Math" panose="02040503050406030204" pitchFamily="18" charset="0"/>
+                      </a:rPr>
+                      <m:t>=−</m:t>
+                    </m:r>
+                    <m:nary>
+                      <m:naryPr>
+                        <m:chr m:val="∑"/>
+                        <m:ctrlPr>
+                          <a:rPr kumimoji="1" lang="en-US" altLang="zh-CN" i="1">
+                            <a:solidFill>
+                              <a:schemeClr val="tx1"/>
+                            </a:solidFill>
+                            <a:latin typeface="Cambria Math" panose="02040503050406030204" pitchFamily="18" charset="0"/>
+                          </a:rPr>
+                        </m:ctrlPr>
+                      </m:naryPr>
+                      <m:sub>
+                        <m:r>
+                          <m:rPr>
+                            <m:brk m:alnAt="23"/>
+                          </m:rPr>
+                          <a:rPr kumimoji="1" lang="en-US" altLang="zh-CN" i="1">
+                            <a:solidFill>
+                              <a:schemeClr val="tx1"/>
+                            </a:solidFill>
+                            <a:latin typeface="Cambria Math" panose="02040503050406030204" pitchFamily="18" charset="0"/>
+                          </a:rPr>
+                          <m:t>𝑖</m:t>
+                        </m:r>
+                        <m:r>
+                          <a:rPr kumimoji="1" lang="en-US" altLang="zh-CN" i="1">
+                            <a:solidFill>
+                              <a:schemeClr val="tx1"/>
+                            </a:solidFill>
+                            <a:latin typeface="Cambria Math" panose="02040503050406030204" pitchFamily="18" charset="0"/>
+                          </a:rPr>
+                          <m:t>=1</m:t>
+                        </m:r>
+                      </m:sub>
+                      <m:sup>
+                        <m:r>
+                          <a:rPr kumimoji="1" lang="en-US" altLang="zh-CN" i="1">
+                            <a:solidFill>
+                              <a:schemeClr val="tx1"/>
+                            </a:solidFill>
+                            <a:latin typeface="Cambria Math" panose="02040503050406030204" pitchFamily="18" charset="0"/>
+                          </a:rPr>
+                          <m:t>𝑛</m:t>
+                        </m:r>
+                      </m:sup>
+                      <m:e>
+                        <m:r>
+                          <a:rPr kumimoji="1" lang="en-US" altLang="zh-CN" i="1">
+                            <a:solidFill>
+                              <a:schemeClr val="tx1"/>
+                            </a:solidFill>
+                            <a:latin typeface="Cambria Math" panose="02040503050406030204" pitchFamily="18" charset="0"/>
+                          </a:rPr>
+                          <m:t>𝑃</m:t>
+                        </m:r>
+                        <m:d>
+                          <m:dPr>
+                            <m:ctrlPr>
+                              <a:rPr kumimoji="1" lang="en-US" altLang="zh-CN" i="1">
+                                <a:solidFill>
+                                  <a:schemeClr val="tx1"/>
+                                </a:solidFill>
+                                <a:latin typeface="Cambria Math" panose="02040503050406030204" pitchFamily="18" charset="0"/>
+                              </a:rPr>
+                            </m:ctrlPr>
+                          </m:dPr>
+                          <m:e>
+                            <m:sSub>
+                              <m:sSubPr>
+                                <m:ctrlPr>
+                                  <a:rPr kumimoji="1" lang="en-US" altLang="zh-CN" i="1">
+                                    <a:solidFill>
+                                      <a:schemeClr val="tx1"/>
+                                    </a:solidFill>
+                                    <a:latin typeface="Cambria Math" panose="02040503050406030204" pitchFamily="18" charset="0"/>
+                                  </a:rPr>
+                                </m:ctrlPr>
+                              </m:sSubPr>
+                              <m:e>
+                                <m:r>
+                                  <a:rPr kumimoji="1" lang="en-US" altLang="zh-CN" i="1">
+                                    <a:solidFill>
+                                      <a:schemeClr val="tx1"/>
+                                    </a:solidFill>
+                                    <a:latin typeface="Cambria Math" panose="02040503050406030204" pitchFamily="18" charset="0"/>
+                                  </a:rPr>
+                                  <m:t>𝑥</m:t>
+                                </m:r>
+                              </m:e>
+                              <m:sub>
+                                <m:r>
+                                  <a:rPr kumimoji="1" lang="en-US" altLang="zh-CN" i="1">
+                                    <a:solidFill>
+                                      <a:schemeClr val="tx1"/>
+                                    </a:solidFill>
+                                    <a:latin typeface="Cambria Math" panose="02040503050406030204" pitchFamily="18" charset="0"/>
+                                  </a:rPr>
+                                  <m:t>𝑖</m:t>
+                                </m:r>
+                              </m:sub>
+                            </m:sSub>
+                          </m:e>
+                        </m:d>
+                        <m:r>
+                          <a:rPr kumimoji="1" lang="en-US" altLang="zh-CN" i="1">
+                            <a:solidFill>
+                              <a:schemeClr val="tx1"/>
+                            </a:solidFill>
+                            <a:latin typeface="Cambria Math" panose="02040503050406030204" pitchFamily="18" charset="0"/>
+                          </a:rPr>
+                          <m:t>𝑙𝑜𝑔𝑄</m:t>
+                        </m:r>
+                        <m:d>
+                          <m:dPr>
+                            <m:ctrlPr>
+                              <a:rPr kumimoji="1" lang="en-US" altLang="zh-CN" i="1">
+                                <a:solidFill>
+                                  <a:schemeClr val="tx1"/>
+                                </a:solidFill>
+                                <a:latin typeface="Cambria Math" panose="02040503050406030204" pitchFamily="18" charset="0"/>
+                              </a:rPr>
+                            </m:ctrlPr>
+                          </m:dPr>
+                          <m:e>
+                            <m:sSub>
+                              <m:sSubPr>
+                                <m:ctrlPr>
+                                  <a:rPr kumimoji="1" lang="en-US" altLang="zh-CN" i="1">
+                                    <a:solidFill>
+                                      <a:schemeClr val="tx1"/>
+                                    </a:solidFill>
+                                    <a:latin typeface="Cambria Math" panose="02040503050406030204" pitchFamily="18" charset="0"/>
+                                  </a:rPr>
+                                </m:ctrlPr>
+                              </m:sSubPr>
+                              <m:e>
+                                <m:r>
+                                  <a:rPr kumimoji="1" lang="en-US" altLang="zh-CN" i="1">
+                                    <a:solidFill>
+                                      <a:schemeClr val="tx1"/>
+                                    </a:solidFill>
+                                    <a:latin typeface="Cambria Math" panose="02040503050406030204" pitchFamily="18" charset="0"/>
+                                  </a:rPr>
+                                  <m:t>𝑥</m:t>
+                                </m:r>
+                              </m:e>
+                              <m:sub>
+                                <m:r>
+                                  <a:rPr kumimoji="1" lang="en-US" altLang="zh-CN" i="1">
+                                    <a:solidFill>
+                                      <a:schemeClr val="tx1"/>
+                                    </a:solidFill>
+                                    <a:latin typeface="Cambria Math" panose="02040503050406030204" pitchFamily="18" charset="0"/>
+                                  </a:rPr>
+                                  <m:t>𝑖</m:t>
+                                </m:r>
+                              </m:sub>
+                            </m:sSub>
+                          </m:e>
+                        </m:d>
+                      </m:e>
+                    </m:nary>
+                  </m:oMath>
+                </a14:m>
+                <a:r>
+                  <a:rPr kumimoji="1" lang="zh-CN" altLang="en-US" dirty="0">
+                    <a:solidFill>
+                      <a:schemeClr val="tx1"/>
+                    </a:solidFill>
+                  </a:rPr>
+                  <a:t> </a:t>
+                </a:r>
+              </a:p>
+            </p:txBody>
+          </p:sp>
+        </mc:Choice>
+        <mc:Fallback>
+          <p:sp>
+            <p:nvSpPr>
+              <p:cNvPr id="8" name="内容占位符 4">
+                <a:extLst>
+                  <a:ext uri="{FF2B5EF4-FFF2-40B4-BE49-F238E27FC236}">
+                    <a16:creationId xmlns:a16="http://schemas.microsoft.com/office/drawing/2014/main" id="{C20DA9AD-DFFC-4C2F-9123-1FD035CACE21}"/>
+                  </a:ext>
+                </a:extLst>
+              </p:cNvPr>
+              <p:cNvSpPr txBox="1">
+                <a:spLocks noRot="1" noChangeAspect="1" noMove="1" noResize="1" noEditPoints="1" noAdjustHandles="1" noChangeArrowheads="1" noChangeShapeType="1" noTextEdit="1"/>
+              </p:cNvSpPr>
+              <p:nvPr/>
+            </p:nvSpPr>
+            <p:spPr>
+              <a:xfrm>
+                <a:off x="207819" y="1711356"/>
+                <a:ext cx="8827124" cy="2634141"/>
+              </a:xfrm>
+              <a:prstGeom prst="rect">
+                <a:avLst/>
+              </a:prstGeom>
+              <a:blipFill>
+                <a:blip r:embed="rId2"/>
+                <a:stretch>
+                  <a:fillRect t="-20833" b="-14583"/>
+                </a:stretch>
+              </a:blipFill>
+            </p:spPr>
+            <p:txBody>
+              <a:bodyPr/>
+              <a:lstStyle/>
+              <a:p>
+                <a:r>
+                  <a:rPr lang="en-US">
+                    <a:noFill/>
+                  </a:rPr>
+                  <a:t> </a:t>
+                </a:r>
+              </a:p>
+            </p:txBody>
+          </p:sp>
+        </mc:Fallback>
+      </mc:AlternateContent>
+    </p:spTree>
+    <p:extLst>
+      <p:ext uri="{BB962C8B-B14F-4D97-AF65-F5344CB8AC3E}">
+        <p14:creationId xmlns:p14="http://schemas.microsoft.com/office/powerpoint/2010/main" val="3991104603"/>
+      </p:ext>
+    </p:extLst>
+  </p:cSld>
+  <p:clrMapOvr>
+    <a:masterClrMapping/>
+  </p:clrMapOvr>
+</p:sld>
+</file>
+
+<file path=ppt/slides/slide16.xml><?xml version="1.0" encoding="utf-8"?>
+<p:sld xmlns:a="http://schemas.openxmlformats.org/drawingml/2006/main" xmlns:r="http://schemas.openxmlformats.org/officeDocument/2006/relationships" xmlns:p="http://schemas.openxmlformats.org/presentationml/2006/main">
+  <p:cSld>
+    <p:spTree>
+      <p:nvGrpSpPr>
+        <p:cNvPr id="1" name=""/>
+        <p:cNvGrpSpPr/>
+        <p:nvPr/>
+      </p:nvGrpSpPr>
+      <p:grpSpPr>
+        <a:xfrm>
+          <a:off x="0" y="0"/>
+          <a:ext cx="0" cy="0"/>
+          <a:chOff x="0" y="0"/>
+          <a:chExt cx="0" cy="0"/>
+        </a:xfrm>
+      </p:grpSpPr>
+      <p:sp>
+        <p:nvSpPr>
+          <p:cNvPr id="5" name="标题 1">
+            <a:extLst>
+              <a:ext uri="{FF2B5EF4-FFF2-40B4-BE49-F238E27FC236}">
+                <a16:creationId xmlns:a16="http://schemas.microsoft.com/office/drawing/2014/main" id="{F0511409-B9AF-4D30-B635-901BDDA9EAD1}"/>
+              </a:ext>
+            </a:extLst>
+          </p:cNvPr>
+          <p:cNvSpPr>
+            <a:spLocks noGrp="1"/>
+          </p:cNvSpPr>
+          <p:nvPr>
+            <p:ph type="title"/>
+          </p:nvPr>
+        </p:nvSpPr>
+        <p:spPr>
+          <a:xfrm>
+            <a:off x="460664" y="539176"/>
+            <a:ext cx="8048336" cy="750455"/>
+          </a:xfrm>
+        </p:spPr>
+        <p:txBody>
+          <a:bodyPr/>
+          <a:lstStyle/>
+          <a:p>
+            <a:pPr algn="l"/>
+            <a:r>
+              <a:rPr lang="en-US" altLang="ja-JP" sz="4000" baseline="30000" dirty="0">
+                <a:solidFill>
+                  <a:schemeClr val="bg1"/>
+                </a:solidFill>
+                <a:latin typeface="黑体"/>
+                <a:ea typeface="黑体"/>
+                <a:cs typeface="黑体"/>
+              </a:rPr>
+              <a:t>3.1 The Challenge Of Unstructured Models </a:t>
+            </a:r>
+            <a:endParaRPr lang="ja-JP" altLang="en-US" sz="4000" baseline="30000" dirty="0">
+              <a:solidFill>
+                <a:schemeClr val="bg1"/>
+              </a:solidFill>
+              <a:latin typeface="黑体"/>
+              <a:ea typeface="黑体"/>
+              <a:cs typeface="黑体"/>
+            </a:endParaRPr>
+          </a:p>
+        </p:txBody>
+      </p:sp>
+      <p:sp>
+        <p:nvSpPr>
+          <p:cNvPr id="8" name="内容占位符 4">
+            <a:extLst>
+              <a:ext uri="{FF2B5EF4-FFF2-40B4-BE49-F238E27FC236}">
+                <a16:creationId xmlns:a16="http://schemas.microsoft.com/office/drawing/2014/main" id="{C20DA9AD-DFFC-4C2F-9123-1FD035CACE21}"/>
+              </a:ext>
+            </a:extLst>
+          </p:cNvPr>
+          <p:cNvSpPr txBox="1">
+            <a:spLocks/>
+          </p:cNvSpPr>
+          <p:nvPr/>
+        </p:nvSpPr>
+        <p:spPr>
+          <a:xfrm>
+            <a:off x="158438" y="1510020"/>
+            <a:ext cx="8827124" cy="4714611"/>
+          </a:xfrm>
+          <a:prstGeom prst="rect">
+            <a:avLst/>
+          </a:prstGeom>
+        </p:spPr>
+        <p:txBody>
+          <a:bodyPr vert="horz" lIns="91440" tIns="45720" rIns="91440" bIns="45720" rtlCol="0">
+            <a:normAutofit fontScale="92500"/>
+          </a:bodyPr>
+          <a:lstStyle>
+            <a:lvl1pPr marL="457200" indent="-457200" algn="l" defTabSz="914400" rtl="0" eaLnBrk="1" latinLnBrk="0" hangingPunct="1">
+              <a:spcBef>
+                <a:spcPts val="2000"/>
+              </a:spcBef>
+              <a:buClr>
+                <a:schemeClr val="tx1">
+                  <a:lumMod val="75000"/>
+                  <a:lumOff val="25000"/>
+                </a:schemeClr>
+              </a:buClr>
+              <a:buSzPct val="75000"/>
+              <a:buFont typeface="Wingdings 2" pitchFamily="18" charset="2"/>
+              <a:buChar char=""/>
+              <a:defRPr sz="2200" kern="1200">
+                <a:solidFill>
+                  <a:schemeClr val="tx1">
+                    <a:lumMod val="75000"/>
+                    <a:lumOff val="25000"/>
+                  </a:schemeClr>
+                </a:solidFill>
+                <a:latin typeface="+mn-lt"/>
+                <a:ea typeface="+mn-ea"/>
+                <a:cs typeface="+mn-cs"/>
+              </a:defRPr>
+            </a:lvl1pPr>
+            <a:lvl2pPr marL="914400" indent="-457200" algn="l" defTabSz="914400" rtl="0" eaLnBrk="1" latinLnBrk="0" hangingPunct="1">
+              <a:spcBef>
+                <a:spcPts val="600"/>
+              </a:spcBef>
+              <a:buClr>
+                <a:schemeClr val="tx1">
+                  <a:lumMod val="50000"/>
+                  <a:lumOff val="50000"/>
+                </a:schemeClr>
+              </a:buClr>
+              <a:buSzPct val="75000"/>
+              <a:buFont typeface="Wingdings 2" pitchFamily="18" charset="2"/>
+              <a:buChar char=""/>
+              <a:defRPr sz="2000" kern="1200">
+                <a:solidFill>
+                  <a:schemeClr val="tx1">
+                    <a:lumMod val="75000"/>
+                    <a:lumOff val="25000"/>
+                  </a:schemeClr>
+                </a:solidFill>
+                <a:latin typeface="+mn-lt"/>
+                <a:ea typeface="+mn-ea"/>
+                <a:cs typeface="+mn-cs"/>
+              </a:defRPr>
+            </a:lvl2pPr>
+            <a:lvl3pPr marL="1371600" indent="-457200" algn="l" defTabSz="914400" rtl="0" eaLnBrk="1" latinLnBrk="0" hangingPunct="1">
+              <a:spcBef>
+                <a:spcPts val="600"/>
+              </a:spcBef>
+              <a:buClr>
+                <a:schemeClr val="tx1">
+                  <a:lumMod val="75000"/>
+                  <a:lumOff val="25000"/>
+                </a:schemeClr>
+              </a:buClr>
+              <a:buSzPct val="75000"/>
+              <a:buFont typeface="Wingdings 2" pitchFamily="18" charset="2"/>
+              <a:buChar char=""/>
+              <a:defRPr sz="1800" kern="1200">
+                <a:solidFill>
+                  <a:schemeClr val="tx1">
+                    <a:lumMod val="75000"/>
+                    <a:lumOff val="25000"/>
+                  </a:schemeClr>
+                </a:solidFill>
+                <a:latin typeface="+mn-lt"/>
+                <a:ea typeface="+mn-ea"/>
+                <a:cs typeface="+mn-cs"/>
+              </a:defRPr>
+            </a:lvl3pPr>
+            <a:lvl4pPr marL="1828800" indent="-457200" algn="l" defTabSz="914400" rtl="0" eaLnBrk="1" latinLnBrk="0" hangingPunct="1">
+              <a:spcBef>
+                <a:spcPts val="600"/>
+              </a:spcBef>
+              <a:buClr>
+                <a:schemeClr val="tx1">
+                  <a:lumMod val="50000"/>
+                  <a:lumOff val="50000"/>
+                </a:schemeClr>
+              </a:buClr>
+              <a:buSzPct val="75000"/>
+              <a:buFont typeface="Wingdings 2" pitchFamily="18" charset="2"/>
+              <a:buChar char=""/>
+              <a:defRPr sz="1800" kern="1200">
+                <a:solidFill>
+                  <a:schemeClr val="tx1">
+                    <a:lumMod val="75000"/>
+                    <a:lumOff val="25000"/>
+                  </a:schemeClr>
+                </a:solidFill>
+                <a:latin typeface="+mn-lt"/>
+                <a:ea typeface="+mn-ea"/>
+                <a:cs typeface="+mn-cs"/>
+              </a:defRPr>
+            </a:lvl4pPr>
+            <a:lvl5pPr marL="2286000" indent="-457200" algn="l" defTabSz="914400" rtl="0" eaLnBrk="1" latinLnBrk="0" hangingPunct="1">
+              <a:spcBef>
+                <a:spcPts val="600"/>
+              </a:spcBef>
+              <a:buClr>
+                <a:schemeClr val="tx1">
+                  <a:lumMod val="75000"/>
+                  <a:lumOff val="25000"/>
+                </a:schemeClr>
+              </a:buClr>
+              <a:buSzPct val="75000"/>
+              <a:buFont typeface="Wingdings 2" pitchFamily="18" charset="2"/>
+              <a:buChar char=""/>
+              <a:defRPr sz="1800" kern="1200">
+                <a:solidFill>
+                  <a:schemeClr val="tx1">
+                    <a:lumMod val="75000"/>
+                    <a:lumOff val="25000"/>
+                  </a:schemeClr>
+                </a:solidFill>
+                <a:latin typeface="+mn-lt"/>
+                <a:ea typeface="+mn-ea"/>
+                <a:cs typeface="+mn-cs"/>
+              </a:defRPr>
+            </a:lvl5pPr>
+            <a:lvl6pPr marL="2743200" indent="-461963" algn="l" defTabSz="914400" rtl="0" eaLnBrk="1" latinLnBrk="0" hangingPunct="1">
+              <a:spcBef>
+                <a:spcPct val="20000"/>
+              </a:spcBef>
+              <a:buClr>
+                <a:schemeClr val="tx1">
+                  <a:lumMod val="50000"/>
+                  <a:lumOff val="50000"/>
+                </a:schemeClr>
+              </a:buClr>
+              <a:buSzPct val="75000"/>
+              <a:buFont typeface="Wingdings 2" pitchFamily="18" charset="2"/>
+              <a:buChar char=""/>
+              <a:defRPr lang="en-US" sz="1800" kern="1200" dirty="0" smtClean="0">
+                <a:solidFill>
+                  <a:schemeClr val="tx1">
+                    <a:lumMod val="75000"/>
+                    <a:lumOff val="25000"/>
+                  </a:schemeClr>
+                </a:solidFill>
+                <a:latin typeface="+mn-lt"/>
+                <a:ea typeface="+mn-ea"/>
+                <a:cs typeface="+mn-cs"/>
+              </a:defRPr>
+            </a:lvl6pPr>
+            <a:lvl7pPr marL="3205163" indent="-461963" algn="l" defTabSz="914400" rtl="0" eaLnBrk="1" latinLnBrk="0" hangingPunct="1">
+              <a:spcBef>
+                <a:spcPct val="20000"/>
+              </a:spcBef>
+              <a:buClr>
+                <a:schemeClr val="tx1">
+                  <a:lumMod val="75000"/>
+                  <a:lumOff val="25000"/>
+                </a:schemeClr>
+              </a:buClr>
+              <a:buSzPct val="75000"/>
+              <a:buFont typeface="Wingdings 2" pitchFamily="18" charset="2"/>
+              <a:buChar char=""/>
+              <a:defRPr lang="en-US" sz="1800" kern="1200" dirty="0" smtClean="0">
+                <a:solidFill>
+                  <a:schemeClr val="tx1">
+                    <a:lumMod val="75000"/>
+                    <a:lumOff val="25000"/>
+                  </a:schemeClr>
+                </a:solidFill>
+                <a:latin typeface="+mn-lt"/>
+                <a:ea typeface="+mn-ea"/>
+                <a:cs typeface="+mn-cs"/>
+              </a:defRPr>
+            </a:lvl7pPr>
+            <a:lvl8pPr marL="3657600" indent="-461963" algn="l" defTabSz="914400" rtl="0" eaLnBrk="1" latinLnBrk="0" hangingPunct="1">
+              <a:spcBef>
+                <a:spcPct val="20000"/>
+              </a:spcBef>
+              <a:buClr>
+                <a:schemeClr val="tx1">
+                  <a:lumMod val="50000"/>
+                  <a:lumOff val="50000"/>
+                </a:schemeClr>
+              </a:buClr>
+              <a:buSzPct val="75000"/>
+              <a:buFont typeface="Wingdings 2" pitchFamily="18" charset="2"/>
+              <a:buChar char=""/>
+              <a:defRPr lang="en-US" sz="1800" kern="1200" dirty="0" smtClean="0">
+                <a:solidFill>
+                  <a:schemeClr val="tx1">
+                    <a:lumMod val="75000"/>
+                    <a:lumOff val="25000"/>
+                  </a:schemeClr>
+                </a:solidFill>
+                <a:latin typeface="+mn-lt"/>
+                <a:ea typeface="+mn-ea"/>
+                <a:cs typeface="+mn-cs"/>
+              </a:defRPr>
+            </a:lvl8pPr>
+            <a:lvl9pPr marL="4119563" indent="-461963" algn="l" defTabSz="914400" rtl="0" eaLnBrk="1" latinLnBrk="0" hangingPunct="1">
+              <a:spcBef>
+                <a:spcPct val="20000"/>
+              </a:spcBef>
+              <a:buClr>
+                <a:schemeClr val="tx1">
+                  <a:lumMod val="75000"/>
+                  <a:lumOff val="25000"/>
+                </a:schemeClr>
+              </a:buClr>
+              <a:buSzPct val="75000"/>
+              <a:buFont typeface="Wingdings 2" pitchFamily="18" charset="2"/>
+              <a:buChar char=""/>
+              <a:defRPr lang="en-US" sz="1800" kern="1200" dirty="0">
+                <a:solidFill>
+                  <a:schemeClr val="tx1">
+                    <a:lumMod val="75000"/>
+                    <a:lumOff val="25000"/>
+                  </a:schemeClr>
+                </a:solidFill>
+                <a:latin typeface="+mn-lt"/>
+                <a:ea typeface="+mn-ea"/>
+                <a:cs typeface="+mn-cs"/>
+              </a:defRPr>
+            </a:lvl9pPr>
+          </a:lstStyle>
+          <a:p>
+            <a:pPr indent="0">
+              <a:buNone/>
+            </a:pPr>
+            <a:r>
+              <a:rPr kumimoji="1" lang="en-US" altLang="zh-CN" dirty="0">
+                <a:solidFill>
+                  <a:schemeClr val="tx1"/>
+                </a:solidFill>
+              </a:rPr>
+              <a:t>The goal of deep learning is to predict the input by training a probability model. </a:t>
+            </a:r>
+          </a:p>
+          <a:p>
+            <a:pPr indent="0">
+              <a:buNone/>
+            </a:pPr>
+            <a:r>
+              <a:rPr kumimoji="1" lang="en-US" altLang="zh-CN" dirty="0">
+                <a:solidFill>
+                  <a:schemeClr val="tx1"/>
+                </a:solidFill>
+              </a:rPr>
+              <a:t>However, Modeling a rich distribution over thousands or millions of random variables is a challenging task, both computationally and statistically. </a:t>
+            </a:r>
+          </a:p>
+          <a:p>
+            <a:pPr indent="0">
+              <a:buNone/>
+            </a:pPr>
+            <a:r>
+              <a:rPr kumimoji="1" lang="en-US" altLang="zh-CN" dirty="0">
+                <a:solidFill>
+                  <a:schemeClr val="tx1"/>
+                </a:solidFill>
+              </a:rPr>
+              <a:t>For a small, 32 × 32 pixel color (RGB) image, there are 2</a:t>
+            </a:r>
+            <a:r>
+              <a:rPr kumimoji="1" lang="en-US" altLang="zh-CN" baseline="30000" dirty="0">
+                <a:solidFill>
+                  <a:schemeClr val="tx1"/>
+                </a:solidFill>
+              </a:rPr>
+              <a:t>3072</a:t>
+            </a:r>
+            <a:r>
+              <a:rPr kumimoji="1" lang="en-US" altLang="zh-CN" dirty="0">
+                <a:solidFill>
+                  <a:schemeClr val="tx1"/>
+                </a:solidFill>
+              </a:rPr>
+              <a:t> possible binary images of this form. This number is over 10</a:t>
+            </a:r>
+            <a:r>
+              <a:rPr kumimoji="1" lang="en-US" altLang="zh-CN" baseline="30000" dirty="0">
+                <a:solidFill>
+                  <a:schemeClr val="tx1"/>
+                </a:solidFill>
+              </a:rPr>
+              <a:t>800</a:t>
+            </a:r>
+            <a:r>
+              <a:rPr kumimoji="1" lang="en-US" altLang="zh-CN" dirty="0">
+                <a:solidFill>
+                  <a:schemeClr val="tx1"/>
+                </a:solidFill>
+              </a:rPr>
+              <a:t> times larger than the estimated number of atoms in the universe.</a:t>
+            </a:r>
+          </a:p>
+          <a:p>
+            <a:pPr indent="0">
+              <a:buNone/>
+            </a:pPr>
+            <a:r>
+              <a:rPr kumimoji="1" lang="en-US" altLang="zh-CN" dirty="0">
+                <a:solidFill>
+                  <a:schemeClr val="tx1"/>
+                </a:solidFill>
+              </a:rPr>
+              <a:t>In general, if we wish to model a distribution over a random vector x containing n discrete variables capable of taking on k values each, then the naive approach of representing P(x) by storing a lookup table with one probability value per possible outcome requires </a:t>
+            </a:r>
+            <a:r>
+              <a:rPr kumimoji="1" lang="en-US" altLang="zh-CN" dirty="0" err="1">
+                <a:solidFill>
+                  <a:schemeClr val="tx1"/>
+                </a:solidFill>
+              </a:rPr>
+              <a:t>k</a:t>
+            </a:r>
+            <a:r>
+              <a:rPr kumimoji="1" lang="en-US" altLang="zh-CN" baseline="30000" dirty="0" err="1">
+                <a:solidFill>
+                  <a:schemeClr val="tx1"/>
+                </a:solidFill>
+              </a:rPr>
+              <a:t>n</a:t>
+            </a:r>
+            <a:r>
+              <a:rPr kumimoji="1" lang="en-US" altLang="zh-CN" dirty="0">
+                <a:solidFill>
+                  <a:schemeClr val="tx1"/>
+                </a:solidFill>
+              </a:rPr>
+              <a:t> parameters!</a:t>
+            </a:r>
+            <a:endParaRPr kumimoji="1" lang="zh-CN" altLang="en-US" dirty="0">
+              <a:solidFill>
+                <a:schemeClr val="tx1"/>
+              </a:solidFill>
+            </a:endParaRPr>
+          </a:p>
+        </p:txBody>
+      </p:sp>
+    </p:spTree>
+    <p:extLst>
+      <p:ext uri="{BB962C8B-B14F-4D97-AF65-F5344CB8AC3E}">
+        <p14:creationId xmlns:p14="http://schemas.microsoft.com/office/powerpoint/2010/main" val="833137515"/>
+      </p:ext>
+    </p:extLst>
+  </p:cSld>
+  <p:clrMapOvr>
+    <a:masterClrMapping/>
+  </p:clrMapOvr>
+</p:sld>
+</file>
+
+<file path=ppt/slides/slide17.xml><?xml version="1.0" encoding="utf-8"?>
+<p:sld xmlns:a="http://schemas.openxmlformats.org/drawingml/2006/main" xmlns:r="http://schemas.openxmlformats.org/officeDocument/2006/relationships" xmlns:p="http://schemas.openxmlformats.org/presentationml/2006/main">
+  <p:cSld>
+    <p:spTree>
+      <p:nvGrpSpPr>
+        <p:cNvPr id="1" name=""/>
+        <p:cNvGrpSpPr/>
+        <p:nvPr/>
+      </p:nvGrpSpPr>
+      <p:grpSpPr>
+        <a:xfrm>
+          <a:off x="0" y="0"/>
+          <a:ext cx="0" cy="0"/>
+          <a:chOff x="0" y="0"/>
+          <a:chExt cx="0" cy="0"/>
+        </a:xfrm>
+      </p:grpSpPr>
+      <p:sp>
+        <p:nvSpPr>
+          <p:cNvPr id="5" name="标题 1">
+            <a:extLst>
+              <a:ext uri="{FF2B5EF4-FFF2-40B4-BE49-F238E27FC236}">
+                <a16:creationId xmlns:a16="http://schemas.microsoft.com/office/drawing/2014/main" id="{F0511409-B9AF-4D30-B635-901BDDA9EAD1}"/>
+              </a:ext>
+            </a:extLst>
+          </p:cNvPr>
+          <p:cNvSpPr>
+            <a:spLocks noGrp="1"/>
+          </p:cNvSpPr>
+          <p:nvPr>
+            <p:ph type="title"/>
+          </p:nvPr>
+        </p:nvSpPr>
+        <p:spPr>
+          <a:xfrm>
+            <a:off x="460664" y="539176"/>
+            <a:ext cx="8048336" cy="750455"/>
+          </a:xfrm>
+        </p:spPr>
+        <p:txBody>
+          <a:bodyPr/>
+          <a:lstStyle/>
+          <a:p>
+            <a:pPr algn="l"/>
+            <a:r>
+              <a:rPr lang="en-US" altLang="ja-JP" sz="4000" baseline="30000" dirty="0">
+                <a:solidFill>
+                  <a:schemeClr val="bg1"/>
+                </a:solidFill>
+                <a:latin typeface="黑体"/>
+                <a:ea typeface="黑体"/>
+                <a:cs typeface="黑体"/>
+              </a:rPr>
+              <a:t>3.2 Structured Probabilistic Models </a:t>
+            </a:r>
+            <a:endParaRPr lang="ja-JP" altLang="en-US" sz="4000" baseline="30000" dirty="0">
+              <a:solidFill>
+                <a:schemeClr val="bg1"/>
+              </a:solidFill>
+              <a:latin typeface="黑体"/>
+              <a:ea typeface="黑体"/>
+              <a:cs typeface="黑体"/>
+            </a:endParaRPr>
+          </a:p>
+        </p:txBody>
+      </p:sp>
+      <p:sp>
+        <p:nvSpPr>
+          <p:cNvPr id="8" name="内容占位符 4">
+            <a:extLst>
+              <a:ext uri="{FF2B5EF4-FFF2-40B4-BE49-F238E27FC236}">
+                <a16:creationId xmlns:a16="http://schemas.microsoft.com/office/drawing/2014/main" id="{C20DA9AD-DFFC-4C2F-9123-1FD035CACE21}"/>
+              </a:ext>
+            </a:extLst>
+          </p:cNvPr>
+          <p:cNvSpPr txBox="1">
+            <a:spLocks/>
+          </p:cNvSpPr>
+          <p:nvPr/>
+        </p:nvSpPr>
+        <p:spPr>
+          <a:xfrm>
+            <a:off x="0" y="1459684"/>
+            <a:ext cx="8827124" cy="2281806"/>
+          </a:xfrm>
+          <a:prstGeom prst="rect">
+            <a:avLst/>
+          </a:prstGeom>
+        </p:spPr>
+        <p:txBody>
+          <a:bodyPr vert="horz" lIns="91440" tIns="45720" rIns="91440" bIns="45720" rtlCol="0">
+            <a:normAutofit fontScale="92500" lnSpcReduction="10000"/>
+          </a:bodyPr>
+          <a:lstStyle>
+            <a:lvl1pPr marL="457200" indent="-457200" algn="l" defTabSz="914400" rtl="0" eaLnBrk="1" latinLnBrk="0" hangingPunct="1">
+              <a:spcBef>
+                <a:spcPts val="2000"/>
+              </a:spcBef>
+              <a:buClr>
+                <a:schemeClr val="tx1">
+                  <a:lumMod val="75000"/>
+                  <a:lumOff val="25000"/>
+                </a:schemeClr>
+              </a:buClr>
+              <a:buSzPct val="75000"/>
+              <a:buFont typeface="Wingdings 2" pitchFamily="18" charset="2"/>
+              <a:buChar char=""/>
+              <a:defRPr sz="2200" kern="1200">
+                <a:solidFill>
+                  <a:schemeClr val="tx1">
+                    <a:lumMod val="75000"/>
+                    <a:lumOff val="25000"/>
+                  </a:schemeClr>
+                </a:solidFill>
+                <a:latin typeface="+mn-lt"/>
+                <a:ea typeface="+mn-ea"/>
+                <a:cs typeface="+mn-cs"/>
+              </a:defRPr>
+            </a:lvl1pPr>
+            <a:lvl2pPr marL="914400" indent="-457200" algn="l" defTabSz="914400" rtl="0" eaLnBrk="1" latinLnBrk="0" hangingPunct="1">
+              <a:spcBef>
+                <a:spcPts val="600"/>
+              </a:spcBef>
+              <a:buClr>
+                <a:schemeClr val="tx1">
+                  <a:lumMod val="50000"/>
+                  <a:lumOff val="50000"/>
+                </a:schemeClr>
+              </a:buClr>
+              <a:buSzPct val="75000"/>
+              <a:buFont typeface="Wingdings 2" pitchFamily="18" charset="2"/>
+              <a:buChar char=""/>
+              <a:defRPr sz="2000" kern="1200">
+                <a:solidFill>
+                  <a:schemeClr val="tx1">
+                    <a:lumMod val="75000"/>
+                    <a:lumOff val="25000"/>
+                  </a:schemeClr>
+                </a:solidFill>
+                <a:latin typeface="+mn-lt"/>
+                <a:ea typeface="+mn-ea"/>
+                <a:cs typeface="+mn-cs"/>
+              </a:defRPr>
+            </a:lvl2pPr>
+            <a:lvl3pPr marL="1371600" indent="-457200" algn="l" defTabSz="914400" rtl="0" eaLnBrk="1" latinLnBrk="0" hangingPunct="1">
+              <a:spcBef>
+                <a:spcPts val="600"/>
+              </a:spcBef>
+              <a:buClr>
+                <a:schemeClr val="tx1">
+                  <a:lumMod val="75000"/>
+                  <a:lumOff val="25000"/>
+                </a:schemeClr>
+              </a:buClr>
+              <a:buSzPct val="75000"/>
+              <a:buFont typeface="Wingdings 2" pitchFamily="18" charset="2"/>
+              <a:buChar char=""/>
+              <a:defRPr sz="1800" kern="1200">
+                <a:solidFill>
+                  <a:schemeClr val="tx1">
+                    <a:lumMod val="75000"/>
+                    <a:lumOff val="25000"/>
+                  </a:schemeClr>
+                </a:solidFill>
+                <a:latin typeface="+mn-lt"/>
+                <a:ea typeface="+mn-ea"/>
+                <a:cs typeface="+mn-cs"/>
+              </a:defRPr>
+            </a:lvl3pPr>
+            <a:lvl4pPr marL="1828800" indent="-457200" algn="l" defTabSz="914400" rtl="0" eaLnBrk="1" latinLnBrk="0" hangingPunct="1">
+              <a:spcBef>
+                <a:spcPts val="600"/>
+              </a:spcBef>
+              <a:buClr>
+                <a:schemeClr val="tx1">
+                  <a:lumMod val="50000"/>
+                  <a:lumOff val="50000"/>
+                </a:schemeClr>
+              </a:buClr>
+              <a:buSzPct val="75000"/>
+              <a:buFont typeface="Wingdings 2" pitchFamily="18" charset="2"/>
+              <a:buChar char=""/>
+              <a:defRPr sz="1800" kern="1200">
+                <a:solidFill>
+                  <a:schemeClr val="tx1">
+                    <a:lumMod val="75000"/>
+                    <a:lumOff val="25000"/>
+                  </a:schemeClr>
+                </a:solidFill>
+                <a:latin typeface="+mn-lt"/>
+                <a:ea typeface="+mn-ea"/>
+                <a:cs typeface="+mn-cs"/>
+              </a:defRPr>
+            </a:lvl4pPr>
+            <a:lvl5pPr marL="2286000" indent="-457200" algn="l" defTabSz="914400" rtl="0" eaLnBrk="1" latinLnBrk="0" hangingPunct="1">
+              <a:spcBef>
+                <a:spcPts val="600"/>
+              </a:spcBef>
+              <a:buClr>
+                <a:schemeClr val="tx1">
+                  <a:lumMod val="75000"/>
+                  <a:lumOff val="25000"/>
+                </a:schemeClr>
+              </a:buClr>
+              <a:buSzPct val="75000"/>
+              <a:buFont typeface="Wingdings 2" pitchFamily="18" charset="2"/>
+              <a:buChar char=""/>
+              <a:defRPr sz="1800" kern="1200">
+                <a:solidFill>
+                  <a:schemeClr val="tx1">
+                    <a:lumMod val="75000"/>
+                    <a:lumOff val="25000"/>
+                  </a:schemeClr>
+                </a:solidFill>
+                <a:latin typeface="+mn-lt"/>
+                <a:ea typeface="+mn-ea"/>
+                <a:cs typeface="+mn-cs"/>
+              </a:defRPr>
+            </a:lvl5pPr>
+            <a:lvl6pPr marL="2743200" indent="-461963" algn="l" defTabSz="914400" rtl="0" eaLnBrk="1" latinLnBrk="0" hangingPunct="1">
+              <a:spcBef>
+                <a:spcPct val="20000"/>
+              </a:spcBef>
+              <a:buClr>
+                <a:schemeClr val="tx1">
+                  <a:lumMod val="50000"/>
+                  <a:lumOff val="50000"/>
+                </a:schemeClr>
+              </a:buClr>
+              <a:buSzPct val="75000"/>
+              <a:buFont typeface="Wingdings 2" pitchFamily="18" charset="2"/>
+              <a:buChar char=""/>
+              <a:defRPr lang="en-US" sz="1800" kern="1200" dirty="0" smtClean="0">
+                <a:solidFill>
+                  <a:schemeClr val="tx1">
+                    <a:lumMod val="75000"/>
+                    <a:lumOff val="25000"/>
+                  </a:schemeClr>
+                </a:solidFill>
+                <a:latin typeface="+mn-lt"/>
+                <a:ea typeface="+mn-ea"/>
+                <a:cs typeface="+mn-cs"/>
+              </a:defRPr>
+            </a:lvl6pPr>
+            <a:lvl7pPr marL="3205163" indent="-461963" algn="l" defTabSz="914400" rtl="0" eaLnBrk="1" latinLnBrk="0" hangingPunct="1">
+              <a:spcBef>
+                <a:spcPct val="20000"/>
+              </a:spcBef>
+              <a:buClr>
+                <a:schemeClr val="tx1">
+                  <a:lumMod val="75000"/>
+                  <a:lumOff val="25000"/>
+                </a:schemeClr>
+              </a:buClr>
+              <a:buSzPct val="75000"/>
+              <a:buFont typeface="Wingdings 2" pitchFamily="18" charset="2"/>
+              <a:buChar char=""/>
+              <a:defRPr lang="en-US" sz="1800" kern="1200" dirty="0" smtClean="0">
+                <a:solidFill>
+                  <a:schemeClr val="tx1">
+                    <a:lumMod val="75000"/>
+                    <a:lumOff val="25000"/>
+                  </a:schemeClr>
+                </a:solidFill>
+                <a:latin typeface="+mn-lt"/>
+                <a:ea typeface="+mn-ea"/>
+                <a:cs typeface="+mn-cs"/>
+              </a:defRPr>
+            </a:lvl7pPr>
+            <a:lvl8pPr marL="3657600" indent="-461963" algn="l" defTabSz="914400" rtl="0" eaLnBrk="1" latinLnBrk="0" hangingPunct="1">
+              <a:spcBef>
+                <a:spcPct val="20000"/>
+              </a:spcBef>
+              <a:buClr>
+                <a:schemeClr val="tx1">
+                  <a:lumMod val="50000"/>
+                  <a:lumOff val="50000"/>
+                </a:schemeClr>
+              </a:buClr>
+              <a:buSzPct val="75000"/>
+              <a:buFont typeface="Wingdings 2" pitchFamily="18" charset="2"/>
+              <a:buChar char=""/>
+              <a:defRPr lang="en-US" sz="1800" kern="1200" dirty="0" smtClean="0">
+                <a:solidFill>
+                  <a:schemeClr val="tx1">
+                    <a:lumMod val="75000"/>
+                    <a:lumOff val="25000"/>
+                  </a:schemeClr>
+                </a:solidFill>
+                <a:latin typeface="+mn-lt"/>
+                <a:ea typeface="+mn-ea"/>
+                <a:cs typeface="+mn-cs"/>
+              </a:defRPr>
+            </a:lvl8pPr>
+            <a:lvl9pPr marL="4119563" indent="-461963" algn="l" defTabSz="914400" rtl="0" eaLnBrk="1" latinLnBrk="0" hangingPunct="1">
+              <a:spcBef>
+                <a:spcPct val="20000"/>
+              </a:spcBef>
+              <a:buClr>
+                <a:schemeClr val="tx1">
+                  <a:lumMod val="75000"/>
+                  <a:lumOff val="25000"/>
+                </a:schemeClr>
+              </a:buClr>
+              <a:buSzPct val="75000"/>
+              <a:buFont typeface="Wingdings 2" pitchFamily="18" charset="2"/>
+              <a:buChar char=""/>
+              <a:defRPr lang="en-US" sz="1800" kern="1200" dirty="0">
+                <a:solidFill>
+                  <a:schemeClr val="tx1">
+                    <a:lumMod val="75000"/>
+                    <a:lumOff val="25000"/>
+                  </a:schemeClr>
+                </a:solidFill>
+                <a:latin typeface="+mn-lt"/>
+                <a:ea typeface="+mn-ea"/>
+                <a:cs typeface="+mn-cs"/>
+              </a:defRPr>
+            </a:lvl9pPr>
+          </a:lstStyle>
+          <a:p>
+            <a:pPr indent="0">
+              <a:buNone/>
+            </a:pPr>
+            <a:r>
+              <a:rPr kumimoji="1" lang="en-US" altLang="zh-CN" dirty="0">
+                <a:solidFill>
+                  <a:schemeClr val="tx1"/>
+                </a:solidFill>
+              </a:rPr>
+              <a:t>The problem with the table-based approach is that we are explicitly modeling every possible kind of interaction between every possible subset of variables. </a:t>
+            </a:r>
+          </a:p>
+          <a:p>
+            <a:pPr indent="0">
+              <a:buNone/>
+            </a:pPr>
+            <a:r>
+              <a:rPr kumimoji="1" lang="en-US" altLang="zh-CN" dirty="0">
+                <a:solidFill>
+                  <a:schemeClr val="tx1"/>
+                </a:solidFill>
+              </a:rPr>
+              <a:t>The probability distributions we encounter in real tasks are much simpler than this. </a:t>
+            </a:r>
+          </a:p>
+          <a:p>
+            <a:pPr indent="0">
+              <a:buNone/>
+            </a:pPr>
+            <a:r>
+              <a:rPr kumimoji="1" lang="en-US" altLang="zh-CN" dirty="0">
+                <a:solidFill>
+                  <a:schemeClr val="tx1"/>
+                </a:solidFill>
+              </a:rPr>
+              <a:t>Usually, most variables influence each other only indirectly.</a:t>
+            </a:r>
+            <a:endParaRPr kumimoji="1" lang="zh-CN" altLang="en-US" dirty="0">
+              <a:solidFill>
+                <a:schemeClr val="tx1"/>
+              </a:solidFill>
+            </a:endParaRPr>
+          </a:p>
+        </p:txBody>
+      </p:sp>
+      <p:sp>
+        <p:nvSpPr>
+          <p:cNvPr id="7" name="内容占位符 4">
+            <a:extLst>
+              <a:ext uri="{FF2B5EF4-FFF2-40B4-BE49-F238E27FC236}">
+                <a16:creationId xmlns:a16="http://schemas.microsoft.com/office/drawing/2014/main" id="{D8D05264-AE42-4ADD-A678-9D57135F3D64}"/>
+              </a:ext>
+            </a:extLst>
+          </p:cNvPr>
+          <p:cNvSpPr txBox="1">
+            <a:spLocks/>
+          </p:cNvSpPr>
+          <p:nvPr/>
+        </p:nvSpPr>
+        <p:spPr>
+          <a:xfrm>
+            <a:off x="0" y="3779069"/>
+            <a:ext cx="8827124" cy="935544"/>
+          </a:xfrm>
+          <a:prstGeom prst="rect">
+            <a:avLst/>
+          </a:prstGeom>
+        </p:spPr>
+        <p:txBody>
+          <a:bodyPr vert="horz" lIns="91440" tIns="45720" rIns="91440" bIns="45720" rtlCol="0">
+            <a:normAutofit fontScale="92500"/>
+          </a:bodyPr>
+          <a:lstStyle>
+            <a:lvl1pPr marL="457200" indent="-457200" algn="l" defTabSz="914400" rtl="0" eaLnBrk="1" latinLnBrk="0" hangingPunct="1">
+              <a:spcBef>
+                <a:spcPts val="2000"/>
+              </a:spcBef>
+              <a:buClr>
+                <a:schemeClr val="tx1">
+                  <a:lumMod val="75000"/>
+                  <a:lumOff val="25000"/>
+                </a:schemeClr>
+              </a:buClr>
+              <a:buSzPct val="75000"/>
+              <a:buFont typeface="Wingdings 2" pitchFamily="18" charset="2"/>
+              <a:buChar char=""/>
+              <a:defRPr sz="2200" kern="1200">
+                <a:solidFill>
+                  <a:schemeClr val="tx1">
+                    <a:lumMod val="75000"/>
+                    <a:lumOff val="25000"/>
+                  </a:schemeClr>
+                </a:solidFill>
+                <a:latin typeface="+mn-lt"/>
+                <a:ea typeface="+mn-ea"/>
+                <a:cs typeface="+mn-cs"/>
+              </a:defRPr>
+            </a:lvl1pPr>
+            <a:lvl2pPr marL="914400" indent="-457200" algn="l" defTabSz="914400" rtl="0" eaLnBrk="1" latinLnBrk="0" hangingPunct="1">
+              <a:spcBef>
+                <a:spcPts val="600"/>
+              </a:spcBef>
+              <a:buClr>
+                <a:schemeClr val="tx1">
+                  <a:lumMod val="50000"/>
+                  <a:lumOff val="50000"/>
+                </a:schemeClr>
+              </a:buClr>
+              <a:buSzPct val="75000"/>
+              <a:buFont typeface="Wingdings 2" pitchFamily="18" charset="2"/>
+              <a:buChar char=""/>
+              <a:defRPr sz="2000" kern="1200">
+                <a:solidFill>
+                  <a:schemeClr val="tx1">
+                    <a:lumMod val="75000"/>
+                    <a:lumOff val="25000"/>
+                  </a:schemeClr>
+                </a:solidFill>
+                <a:latin typeface="+mn-lt"/>
+                <a:ea typeface="+mn-ea"/>
+                <a:cs typeface="+mn-cs"/>
+              </a:defRPr>
+            </a:lvl2pPr>
+            <a:lvl3pPr marL="1371600" indent="-457200" algn="l" defTabSz="914400" rtl="0" eaLnBrk="1" latinLnBrk="0" hangingPunct="1">
+              <a:spcBef>
+                <a:spcPts val="600"/>
+              </a:spcBef>
+              <a:buClr>
+                <a:schemeClr val="tx1">
+                  <a:lumMod val="75000"/>
+                  <a:lumOff val="25000"/>
+                </a:schemeClr>
+              </a:buClr>
+              <a:buSzPct val="75000"/>
+              <a:buFont typeface="Wingdings 2" pitchFamily="18" charset="2"/>
+              <a:buChar char=""/>
+              <a:defRPr sz="1800" kern="1200">
+                <a:solidFill>
+                  <a:schemeClr val="tx1">
+                    <a:lumMod val="75000"/>
+                    <a:lumOff val="25000"/>
+                  </a:schemeClr>
+                </a:solidFill>
+                <a:latin typeface="+mn-lt"/>
+                <a:ea typeface="+mn-ea"/>
+                <a:cs typeface="+mn-cs"/>
+              </a:defRPr>
+            </a:lvl3pPr>
+            <a:lvl4pPr marL="1828800" indent="-457200" algn="l" defTabSz="914400" rtl="0" eaLnBrk="1" latinLnBrk="0" hangingPunct="1">
+              <a:spcBef>
+                <a:spcPts val="600"/>
+              </a:spcBef>
+              <a:buClr>
+                <a:schemeClr val="tx1">
+                  <a:lumMod val="50000"/>
+                  <a:lumOff val="50000"/>
+                </a:schemeClr>
+              </a:buClr>
+              <a:buSzPct val="75000"/>
+              <a:buFont typeface="Wingdings 2" pitchFamily="18" charset="2"/>
+              <a:buChar char=""/>
+              <a:defRPr sz="1800" kern="1200">
+                <a:solidFill>
+                  <a:schemeClr val="tx1">
+                    <a:lumMod val="75000"/>
+                    <a:lumOff val="25000"/>
+                  </a:schemeClr>
+                </a:solidFill>
+                <a:latin typeface="+mn-lt"/>
+                <a:ea typeface="+mn-ea"/>
+                <a:cs typeface="+mn-cs"/>
+              </a:defRPr>
+            </a:lvl4pPr>
+            <a:lvl5pPr marL="2286000" indent="-457200" algn="l" defTabSz="914400" rtl="0" eaLnBrk="1" latinLnBrk="0" hangingPunct="1">
+              <a:spcBef>
+                <a:spcPts val="600"/>
+              </a:spcBef>
+              <a:buClr>
+                <a:schemeClr val="tx1">
+                  <a:lumMod val="75000"/>
+                  <a:lumOff val="25000"/>
+                </a:schemeClr>
+              </a:buClr>
+              <a:buSzPct val="75000"/>
+              <a:buFont typeface="Wingdings 2" pitchFamily="18" charset="2"/>
+              <a:buChar char=""/>
+              <a:defRPr sz="1800" kern="1200">
+                <a:solidFill>
+                  <a:schemeClr val="tx1">
+                    <a:lumMod val="75000"/>
+                    <a:lumOff val="25000"/>
+                  </a:schemeClr>
+                </a:solidFill>
+                <a:latin typeface="+mn-lt"/>
+                <a:ea typeface="+mn-ea"/>
+                <a:cs typeface="+mn-cs"/>
+              </a:defRPr>
+            </a:lvl5pPr>
+            <a:lvl6pPr marL="2743200" indent="-461963" algn="l" defTabSz="914400" rtl="0" eaLnBrk="1" latinLnBrk="0" hangingPunct="1">
+              <a:spcBef>
+                <a:spcPct val="20000"/>
+              </a:spcBef>
+              <a:buClr>
+                <a:schemeClr val="tx1">
+                  <a:lumMod val="50000"/>
+                  <a:lumOff val="50000"/>
+                </a:schemeClr>
+              </a:buClr>
+              <a:buSzPct val="75000"/>
+              <a:buFont typeface="Wingdings 2" pitchFamily="18" charset="2"/>
+              <a:buChar char=""/>
+              <a:defRPr lang="en-US" sz="1800" kern="1200" dirty="0" smtClean="0">
+                <a:solidFill>
+                  <a:schemeClr val="tx1">
+                    <a:lumMod val="75000"/>
+                    <a:lumOff val="25000"/>
+                  </a:schemeClr>
+                </a:solidFill>
+                <a:latin typeface="+mn-lt"/>
+                <a:ea typeface="+mn-ea"/>
+                <a:cs typeface="+mn-cs"/>
+              </a:defRPr>
+            </a:lvl6pPr>
+            <a:lvl7pPr marL="3205163" indent="-461963" algn="l" defTabSz="914400" rtl="0" eaLnBrk="1" latinLnBrk="0" hangingPunct="1">
+              <a:spcBef>
+                <a:spcPct val="20000"/>
+              </a:spcBef>
+              <a:buClr>
+                <a:schemeClr val="tx1">
+                  <a:lumMod val="75000"/>
+                  <a:lumOff val="25000"/>
+                </a:schemeClr>
+              </a:buClr>
+              <a:buSzPct val="75000"/>
+              <a:buFont typeface="Wingdings 2" pitchFamily="18" charset="2"/>
+              <a:buChar char=""/>
+              <a:defRPr lang="en-US" sz="1800" kern="1200" dirty="0" smtClean="0">
+                <a:solidFill>
+                  <a:schemeClr val="tx1">
+                    <a:lumMod val="75000"/>
+                    <a:lumOff val="25000"/>
+                  </a:schemeClr>
+                </a:solidFill>
+                <a:latin typeface="+mn-lt"/>
+                <a:ea typeface="+mn-ea"/>
+                <a:cs typeface="+mn-cs"/>
+              </a:defRPr>
+            </a:lvl7pPr>
+            <a:lvl8pPr marL="3657600" indent="-461963" algn="l" defTabSz="914400" rtl="0" eaLnBrk="1" latinLnBrk="0" hangingPunct="1">
+              <a:spcBef>
+                <a:spcPct val="20000"/>
+              </a:spcBef>
+              <a:buClr>
+                <a:schemeClr val="tx1">
+                  <a:lumMod val="50000"/>
+                  <a:lumOff val="50000"/>
+                </a:schemeClr>
+              </a:buClr>
+              <a:buSzPct val="75000"/>
+              <a:buFont typeface="Wingdings 2" pitchFamily="18" charset="2"/>
+              <a:buChar char=""/>
+              <a:defRPr lang="en-US" sz="1800" kern="1200" dirty="0" smtClean="0">
+                <a:solidFill>
+                  <a:schemeClr val="tx1">
+                    <a:lumMod val="75000"/>
+                    <a:lumOff val="25000"/>
+                  </a:schemeClr>
+                </a:solidFill>
+                <a:latin typeface="+mn-lt"/>
+                <a:ea typeface="+mn-ea"/>
+                <a:cs typeface="+mn-cs"/>
+              </a:defRPr>
+            </a:lvl8pPr>
+            <a:lvl9pPr marL="4119563" indent="-461963" algn="l" defTabSz="914400" rtl="0" eaLnBrk="1" latinLnBrk="0" hangingPunct="1">
+              <a:spcBef>
+                <a:spcPct val="20000"/>
+              </a:spcBef>
+              <a:buClr>
+                <a:schemeClr val="tx1">
+                  <a:lumMod val="75000"/>
+                  <a:lumOff val="25000"/>
+                </a:schemeClr>
+              </a:buClr>
+              <a:buSzPct val="75000"/>
+              <a:buFont typeface="Wingdings 2" pitchFamily="18" charset="2"/>
+              <a:buChar char=""/>
+              <a:defRPr lang="en-US" sz="1800" kern="1200" dirty="0">
+                <a:solidFill>
+                  <a:schemeClr val="tx1">
+                    <a:lumMod val="75000"/>
+                    <a:lumOff val="25000"/>
+                  </a:schemeClr>
+                </a:solidFill>
+                <a:latin typeface="+mn-lt"/>
+                <a:ea typeface="+mn-ea"/>
+                <a:cs typeface="+mn-cs"/>
+              </a:defRPr>
+            </a:lvl9pPr>
+          </a:lstStyle>
+          <a:p>
+            <a:pPr indent="0">
+              <a:buNone/>
+            </a:pPr>
+            <a:r>
+              <a:rPr kumimoji="1" lang="en-US" altLang="zh-CN" dirty="0">
+                <a:solidFill>
+                  <a:schemeClr val="tx1"/>
+                </a:solidFill>
+              </a:rPr>
+              <a:t>For example, consider modeling the finishing times of a team in a relay race. Suppose the team consists of three runners, Alice, Bob, and Carol.</a:t>
+            </a:r>
+          </a:p>
+          <a:p>
+            <a:pPr indent="0">
+              <a:buNone/>
+            </a:pPr>
+            <a:endParaRPr kumimoji="1" lang="zh-CN" altLang="en-US" dirty="0">
+              <a:solidFill>
+                <a:schemeClr val="tx1"/>
+              </a:solidFill>
+            </a:endParaRPr>
+          </a:p>
+        </p:txBody>
+      </p:sp>
+      <p:pic>
+        <p:nvPicPr>
+          <p:cNvPr id="2" name="图片 1">
+            <a:extLst>
+              <a:ext uri="{FF2B5EF4-FFF2-40B4-BE49-F238E27FC236}">
+                <a16:creationId xmlns:a16="http://schemas.microsoft.com/office/drawing/2014/main" id="{114F5BFE-3D31-403C-87D0-BB86382696AA}"/>
+              </a:ext>
+            </a:extLst>
+          </p:cNvPr>
+          <p:cNvPicPr>
+            <a:picLocks noChangeAspect="1"/>
+          </p:cNvPicPr>
+          <p:nvPr/>
+        </p:nvPicPr>
+        <p:blipFill>
+          <a:blip r:embed="rId2"/>
+          <a:stretch>
+            <a:fillRect/>
+          </a:stretch>
+        </p:blipFill>
+        <p:spPr>
+          <a:xfrm>
+            <a:off x="2012627" y="4714613"/>
+            <a:ext cx="3771900" cy="1152525"/>
+          </a:xfrm>
+          <a:prstGeom prst="rect">
+            <a:avLst/>
+          </a:prstGeom>
+        </p:spPr>
+      </p:pic>
+    </p:spTree>
+    <p:extLst>
+      <p:ext uri="{BB962C8B-B14F-4D97-AF65-F5344CB8AC3E}">
+        <p14:creationId xmlns:p14="http://schemas.microsoft.com/office/powerpoint/2010/main" val="827842369"/>
+      </p:ext>
+    </p:extLst>
+  </p:cSld>
+  <p:clrMapOvr>
+    <a:masterClrMapping/>
+  </p:clrMapOvr>
+</p:sld>
+</file>
+
+<file path=ppt/slides/slide18.xml><?xml version="1.0" encoding="utf-8"?>
+<p:sld xmlns:a="http://schemas.openxmlformats.org/drawingml/2006/main" xmlns:r="http://schemas.openxmlformats.org/officeDocument/2006/relationships" xmlns:p="http://schemas.openxmlformats.org/presentationml/2006/main">
+  <p:cSld>
+    <p:spTree>
+      <p:nvGrpSpPr>
+        <p:cNvPr id="1" name=""/>
+        <p:cNvGrpSpPr/>
+        <p:nvPr/>
+      </p:nvGrpSpPr>
+      <p:grpSpPr>
+        <a:xfrm>
+          <a:off x="0" y="0"/>
+          <a:ext cx="0" cy="0"/>
+          <a:chOff x="0" y="0"/>
+          <a:chExt cx="0" cy="0"/>
+        </a:xfrm>
+      </p:grpSpPr>
+      <p:sp>
+        <p:nvSpPr>
+          <p:cNvPr id="5" name="标题 1">
+            <a:extLst>
+              <a:ext uri="{FF2B5EF4-FFF2-40B4-BE49-F238E27FC236}">
+                <a16:creationId xmlns:a16="http://schemas.microsoft.com/office/drawing/2014/main" id="{F0511409-B9AF-4D30-B635-901BDDA9EAD1}"/>
+              </a:ext>
+            </a:extLst>
+          </p:cNvPr>
+          <p:cNvSpPr>
+            <a:spLocks noGrp="1"/>
+          </p:cNvSpPr>
+          <p:nvPr>
+            <p:ph type="title"/>
+          </p:nvPr>
+        </p:nvSpPr>
+        <p:spPr>
+          <a:xfrm>
+            <a:off x="460664" y="539176"/>
+            <a:ext cx="8048336" cy="750455"/>
+          </a:xfrm>
+        </p:spPr>
+        <p:txBody>
+          <a:bodyPr/>
+          <a:lstStyle/>
+          <a:p>
+            <a:pPr algn="l"/>
+            <a:r>
+              <a:rPr lang="en-US" altLang="ja-JP" sz="4000" baseline="30000" dirty="0">
+                <a:solidFill>
+                  <a:schemeClr val="bg1"/>
+                </a:solidFill>
+                <a:latin typeface="黑体"/>
+                <a:ea typeface="黑体"/>
+                <a:cs typeface="黑体"/>
+              </a:rPr>
+              <a:t>3.2 Structured Probabilistic Models </a:t>
+            </a:r>
+            <a:endParaRPr lang="ja-JP" altLang="en-US" sz="4000" baseline="30000" dirty="0">
+              <a:solidFill>
+                <a:schemeClr val="bg1"/>
+              </a:solidFill>
+              <a:latin typeface="黑体"/>
+              <a:ea typeface="黑体"/>
+              <a:cs typeface="黑体"/>
+            </a:endParaRPr>
+          </a:p>
+        </p:txBody>
+      </p:sp>
+      <p:pic>
+        <p:nvPicPr>
+          <p:cNvPr id="6" name="图片 5">
+            <a:extLst>
+              <a:ext uri="{FF2B5EF4-FFF2-40B4-BE49-F238E27FC236}">
+                <a16:creationId xmlns:a16="http://schemas.microsoft.com/office/drawing/2014/main" id="{F25F5A3F-4970-4CDF-B26E-D8509533D10B}"/>
+              </a:ext>
+            </a:extLst>
+          </p:cNvPr>
+          <p:cNvPicPr>
+            <a:picLocks noChangeAspect="1"/>
+          </p:cNvPicPr>
+          <p:nvPr/>
+        </p:nvPicPr>
+        <p:blipFill>
+          <a:blip r:embed="rId2"/>
+          <a:stretch>
+            <a:fillRect/>
+          </a:stretch>
+        </p:blipFill>
+        <p:spPr>
+          <a:xfrm>
+            <a:off x="460664" y="1541393"/>
+            <a:ext cx="3771900" cy="1152525"/>
+          </a:xfrm>
+          <a:prstGeom prst="rect">
+            <a:avLst/>
+          </a:prstGeom>
+        </p:spPr>
+      </p:pic>
+      <p:sp>
+        <p:nvSpPr>
+          <p:cNvPr id="7" name="内容占位符 4">
+            <a:extLst>
+              <a:ext uri="{FF2B5EF4-FFF2-40B4-BE49-F238E27FC236}">
+                <a16:creationId xmlns:a16="http://schemas.microsoft.com/office/drawing/2014/main" id="{D8D05264-AE42-4ADD-A678-9D57135F3D64}"/>
+              </a:ext>
+            </a:extLst>
+          </p:cNvPr>
+          <p:cNvSpPr txBox="1">
+            <a:spLocks/>
+          </p:cNvSpPr>
+          <p:nvPr/>
+        </p:nvSpPr>
+        <p:spPr>
+          <a:xfrm>
+            <a:off x="0" y="2945680"/>
+            <a:ext cx="8827124" cy="1050808"/>
+          </a:xfrm>
+          <a:prstGeom prst="rect">
+            <a:avLst/>
+          </a:prstGeom>
+        </p:spPr>
+        <p:txBody>
+          <a:bodyPr vert="horz" lIns="91440" tIns="45720" rIns="91440" bIns="45720" rtlCol="0">
+            <a:normAutofit/>
+          </a:bodyPr>
+          <a:lstStyle>
+            <a:lvl1pPr marL="457200" indent="-457200" algn="l" defTabSz="914400" rtl="0" eaLnBrk="1" latinLnBrk="0" hangingPunct="1">
+              <a:spcBef>
+                <a:spcPts val="2000"/>
+              </a:spcBef>
+              <a:buClr>
+                <a:schemeClr val="tx1">
+                  <a:lumMod val="75000"/>
+                  <a:lumOff val="25000"/>
+                </a:schemeClr>
+              </a:buClr>
+              <a:buSzPct val="75000"/>
+              <a:buFont typeface="Wingdings 2" pitchFamily="18" charset="2"/>
+              <a:buChar char=""/>
+              <a:defRPr sz="2200" kern="1200">
+                <a:solidFill>
+                  <a:schemeClr val="tx1">
+                    <a:lumMod val="75000"/>
+                    <a:lumOff val="25000"/>
+                  </a:schemeClr>
+                </a:solidFill>
+                <a:latin typeface="+mn-lt"/>
+                <a:ea typeface="+mn-ea"/>
+                <a:cs typeface="+mn-cs"/>
+              </a:defRPr>
+            </a:lvl1pPr>
+            <a:lvl2pPr marL="914400" indent="-457200" algn="l" defTabSz="914400" rtl="0" eaLnBrk="1" latinLnBrk="0" hangingPunct="1">
+              <a:spcBef>
+                <a:spcPts val="600"/>
+              </a:spcBef>
+              <a:buClr>
+                <a:schemeClr val="tx1">
+                  <a:lumMod val="50000"/>
+                  <a:lumOff val="50000"/>
+                </a:schemeClr>
+              </a:buClr>
+              <a:buSzPct val="75000"/>
+              <a:buFont typeface="Wingdings 2" pitchFamily="18" charset="2"/>
+              <a:buChar char=""/>
+              <a:defRPr sz="2000" kern="1200">
+                <a:solidFill>
+                  <a:schemeClr val="tx1">
+                    <a:lumMod val="75000"/>
+                    <a:lumOff val="25000"/>
+                  </a:schemeClr>
+                </a:solidFill>
+                <a:latin typeface="+mn-lt"/>
+                <a:ea typeface="+mn-ea"/>
+                <a:cs typeface="+mn-cs"/>
+              </a:defRPr>
+            </a:lvl2pPr>
+            <a:lvl3pPr marL="1371600" indent="-457200" algn="l" defTabSz="914400" rtl="0" eaLnBrk="1" latinLnBrk="0" hangingPunct="1">
+              <a:spcBef>
+                <a:spcPts val="600"/>
+              </a:spcBef>
+              <a:buClr>
+                <a:schemeClr val="tx1">
+                  <a:lumMod val="75000"/>
+                  <a:lumOff val="25000"/>
+                </a:schemeClr>
+              </a:buClr>
+              <a:buSzPct val="75000"/>
+              <a:buFont typeface="Wingdings 2" pitchFamily="18" charset="2"/>
+              <a:buChar char=""/>
+              <a:defRPr sz="1800" kern="1200">
+                <a:solidFill>
+                  <a:schemeClr val="tx1">
+                    <a:lumMod val="75000"/>
+                    <a:lumOff val="25000"/>
+                  </a:schemeClr>
+                </a:solidFill>
+                <a:latin typeface="+mn-lt"/>
+                <a:ea typeface="+mn-ea"/>
+                <a:cs typeface="+mn-cs"/>
+              </a:defRPr>
+            </a:lvl3pPr>
+            <a:lvl4pPr marL="1828800" indent="-457200" algn="l" defTabSz="914400" rtl="0" eaLnBrk="1" latinLnBrk="0" hangingPunct="1">
+              <a:spcBef>
+                <a:spcPts val="600"/>
+              </a:spcBef>
+              <a:buClr>
+                <a:schemeClr val="tx1">
+                  <a:lumMod val="50000"/>
+                  <a:lumOff val="50000"/>
+                </a:schemeClr>
+              </a:buClr>
+              <a:buSzPct val="75000"/>
+              <a:buFont typeface="Wingdings 2" pitchFamily="18" charset="2"/>
+              <a:buChar char=""/>
+              <a:defRPr sz="1800" kern="1200">
+                <a:solidFill>
+                  <a:schemeClr val="tx1">
+                    <a:lumMod val="75000"/>
+                    <a:lumOff val="25000"/>
+                  </a:schemeClr>
+                </a:solidFill>
+                <a:latin typeface="+mn-lt"/>
+                <a:ea typeface="+mn-ea"/>
+                <a:cs typeface="+mn-cs"/>
+              </a:defRPr>
+            </a:lvl4pPr>
+            <a:lvl5pPr marL="2286000" indent="-457200" algn="l" defTabSz="914400" rtl="0" eaLnBrk="1" latinLnBrk="0" hangingPunct="1">
+              <a:spcBef>
+                <a:spcPts val="600"/>
+              </a:spcBef>
+              <a:buClr>
+                <a:schemeClr val="tx1">
+                  <a:lumMod val="75000"/>
+                  <a:lumOff val="25000"/>
+                </a:schemeClr>
+              </a:buClr>
+              <a:buSzPct val="75000"/>
+              <a:buFont typeface="Wingdings 2" pitchFamily="18" charset="2"/>
+              <a:buChar char=""/>
+              <a:defRPr sz="1800" kern="1200">
+                <a:solidFill>
+                  <a:schemeClr val="tx1">
+                    <a:lumMod val="75000"/>
+                    <a:lumOff val="25000"/>
+                  </a:schemeClr>
+                </a:solidFill>
+                <a:latin typeface="+mn-lt"/>
+                <a:ea typeface="+mn-ea"/>
+                <a:cs typeface="+mn-cs"/>
+              </a:defRPr>
+            </a:lvl5pPr>
+            <a:lvl6pPr marL="2743200" indent="-461963" algn="l" defTabSz="914400" rtl="0" eaLnBrk="1" latinLnBrk="0" hangingPunct="1">
+              <a:spcBef>
+                <a:spcPct val="20000"/>
+              </a:spcBef>
+              <a:buClr>
+                <a:schemeClr val="tx1">
+                  <a:lumMod val="50000"/>
+                  <a:lumOff val="50000"/>
+                </a:schemeClr>
+              </a:buClr>
+              <a:buSzPct val="75000"/>
+              <a:buFont typeface="Wingdings 2" pitchFamily="18" charset="2"/>
+              <a:buChar char=""/>
+              <a:defRPr lang="en-US" sz="1800" kern="1200" dirty="0" smtClean="0">
+                <a:solidFill>
+                  <a:schemeClr val="tx1">
+                    <a:lumMod val="75000"/>
+                    <a:lumOff val="25000"/>
+                  </a:schemeClr>
+                </a:solidFill>
+                <a:latin typeface="+mn-lt"/>
+                <a:ea typeface="+mn-ea"/>
+                <a:cs typeface="+mn-cs"/>
+              </a:defRPr>
+            </a:lvl6pPr>
+            <a:lvl7pPr marL="3205163" indent="-461963" algn="l" defTabSz="914400" rtl="0" eaLnBrk="1" latinLnBrk="0" hangingPunct="1">
+              <a:spcBef>
+                <a:spcPct val="20000"/>
+              </a:spcBef>
+              <a:buClr>
+                <a:schemeClr val="tx1">
+                  <a:lumMod val="75000"/>
+                  <a:lumOff val="25000"/>
+                </a:schemeClr>
+              </a:buClr>
+              <a:buSzPct val="75000"/>
+              <a:buFont typeface="Wingdings 2" pitchFamily="18" charset="2"/>
+              <a:buChar char=""/>
+              <a:defRPr lang="en-US" sz="1800" kern="1200" dirty="0" smtClean="0">
+                <a:solidFill>
+                  <a:schemeClr val="tx1">
+                    <a:lumMod val="75000"/>
+                    <a:lumOff val="25000"/>
+                  </a:schemeClr>
+                </a:solidFill>
+                <a:latin typeface="+mn-lt"/>
+                <a:ea typeface="+mn-ea"/>
+                <a:cs typeface="+mn-cs"/>
+              </a:defRPr>
+            </a:lvl7pPr>
+            <a:lvl8pPr marL="3657600" indent="-461963" algn="l" defTabSz="914400" rtl="0" eaLnBrk="1" latinLnBrk="0" hangingPunct="1">
+              <a:spcBef>
+                <a:spcPct val="20000"/>
+              </a:spcBef>
+              <a:buClr>
+                <a:schemeClr val="tx1">
+                  <a:lumMod val="50000"/>
+                  <a:lumOff val="50000"/>
+                </a:schemeClr>
+              </a:buClr>
+              <a:buSzPct val="75000"/>
+              <a:buFont typeface="Wingdings 2" pitchFamily="18" charset="2"/>
+              <a:buChar char=""/>
+              <a:defRPr lang="en-US" sz="1800" kern="1200" dirty="0" smtClean="0">
+                <a:solidFill>
+                  <a:schemeClr val="tx1">
+                    <a:lumMod val="75000"/>
+                    <a:lumOff val="25000"/>
+                  </a:schemeClr>
+                </a:solidFill>
+                <a:latin typeface="+mn-lt"/>
+                <a:ea typeface="+mn-ea"/>
+                <a:cs typeface="+mn-cs"/>
+              </a:defRPr>
+            </a:lvl8pPr>
+            <a:lvl9pPr marL="4119563" indent="-461963" algn="l" defTabSz="914400" rtl="0" eaLnBrk="1" latinLnBrk="0" hangingPunct="1">
+              <a:spcBef>
+                <a:spcPct val="20000"/>
+              </a:spcBef>
+              <a:buClr>
+                <a:schemeClr val="tx1">
+                  <a:lumMod val="75000"/>
+                  <a:lumOff val="25000"/>
+                </a:schemeClr>
+              </a:buClr>
+              <a:buSzPct val="75000"/>
+              <a:buFont typeface="Wingdings 2" pitchFamily="18" charset="2"/>
+              <a:buChar char=""/>
+              <a:defRPr lang="en-US" sz="1800" kern="1200" dirty="0">
+                <a:solidFill>
+                  <a:schemeClr val="tx1">
+                    <a:lumMod val="75000"/>
+                    <a:lumOff val="25000"/>
+                  </a:schemeClr>
+                </a:solidFill>
+                <a:latin typeface="+mn-lt"/>
+                <a:ea typeface="+mn-ea"/>
+                <a:cs typeface="+mn-cs"/>
+              </a:defRPr>
+            </a:lvl9pPr>
+          </a:lstStyle>
+          <a:p>
+            <a:pPr indent="0">
+              <a:buNone/>
+            </a:pPr>
+            <a:r>
+              <a:rPr kumimoji="1" lang="en-US" altLang="zh-CN" dirty="0">
+                <a:solidFill>
+                  <a:schemeClr val="tx1"/>
+                </a:solidFill>
+              </a:rPr>
+              <a:t>For example, consider modeling the finishing times of a team in a relay race.</a:t>
+            </a:r>
+            <a:endParaRPr kumimoji="1" lang="zh-CN" altLang="en-US" dirty="0">
+              <a:solidFill>
+                <a:schemeClr val="tx1"/>
+              </a:solidFill>
+            </a:endParaRPr>
+          </a:p>
+        </p:txBody>
+      </p:sp>
+    </p:spTree>
+    <p:extLst>
+      <p:ext uri="{BB962C8B-B14F-4D97-AF65-F5344CB8AC3E}">
+        <p14:creationId xmlns:p14="http://schemas.microsoft.com/office/powerpoint/2010/main" val="413269758"/>
+      </p:ext>
+    </p:extLst>
+  </p:cSld>
+  <p:clrMapOvr>
+    <a:masterClrMapping/>
+  </p:clrMapOvr>
+</p:sld>
+</file>
+
+<file path=ppt/slides/slide19.xml><?xml version="1.0" encoding="utf-8"?>
+<p:sld xmlns:a="http://schemas.openxmlformats.org/drawingml/2006/main" xmlns:r="http://schemas.openxmlformats.org/officeDocument/2006/relationships" xmlns:p="http://schemas.openxmlformats.org/presentationml/2006/main">
+  <p:cSld>
+    <p:spTree>
+      <p:nvGrpSpPr>
+        <p:cNvPr id="1" name=""/>
+        <p:cNvGrpSpPr/>
+        <p:nvPr/>
+      </p:nvGrpSpPr>
+      <p:grpSpPr>
+        <a:xfrm>
+          <a:off x="0" y="0"/>
+          <a:ext cx="0" cy="0"/>
+          <a:chOff x="0" y="0"/>
+          <a:chExt cx="0" cy="0"/>
+        </a:xfrm>
+      </p:grpSpPr>
+      <p:pic>
+        <p:nvPicPr>
+          <p:cNvPr id="7" name="图片 6" descr="PPT4.jpg"/>
+          <p:cNvPicPr>
+            <a:picLocks noChangeAspect="1"/>
+          </p:cNvPicPr>
+          <p:nvPr/>
+        </p:nvPicPr>
+        <p:blipFill>
+          <a:blip r:embed="rId2">
+            <a:extLst>
+              <a:ext uri="{28A0092B-C50C-407E-A947-70E740481C1C}">
+                <a14:useLocalDpi xmlns:a14="http://schemas.microsoft.com/office/drawing/2010/main" val="0"/>
+              </a:ext>
+            </a:extLst>
+          </a:blip>
+          <a:stretch>
+            <a:fillRect/>
+          </a:stretch>
+        </p:blipFill>
+        <p:spPr>
+          <a:xfrm>
+            <a:off x="0" y="0"/>
+            <a:ext cx="9144000" cy="6858000"/>
+          </a:xfrm>
+          <a:prstGeom prst="rect">
+            <a:avLst/>
+          </a:prstGeom>
+        </p:spPr>
+      </p:pic>
+    </p:spTree>
+    <p:extLst>
+      <p:ext uri="{BB962C8B-B14F-4D97-AF65-F5344CB8AC3E}">
+        <p14:creationId xmlns:p14="http://schemas.microsoft.com/office/powerpoint/2010/main" val="1072584553"/>
+      </p:ext>
+    </p:extLst>
+  </p:cSld>
+  <p:clrMapOvr>
+    <a:masterClrMapping/>
+  </p:clrMapOvr>
+</p:sld>
+</file>
+
 <file path=ppt/slides/slide2.xml><?xml version="1.0" encoding="utf-8"?>
 <p:sld xmlns:a="http://schemas.openxmlformats.org/drawingml/2006/main" xmlns:r="http://schemas.openxmlformats.org/officeDocument/2006/relationships" xmlns:p="http://schemas.openxmlformats.org/presentationml/2006/main">
   <p:cSld>
@@ -5256,7 +14231,7 @@
         <p:spPr>
           <a:xfrm>
             <a:off x="460664" y="539176"/>
-            <a:ext cx="8048336" cy="750455"/>
+            <a:ext cx="8582668" cy="750455"/>
           </a:xfrm>
         </p:spPr>
         <p:txBody>
@@ -5273,7 +14248,7 @@
                 <a:ea typeface="黑体"/>
                 <a:cs typeface="黑体"/>
               </a:rPr>
-              <a:t>Relationship between probability and measure </a:t>
+              <a:t>1.2 Relationship between probability and measure </a:t>
             </a:r>
             <a:endParaRPr lang="ja-JP" altLang="en-US" sz="4000" baseline="30000" dirty="0">
               <a:solidFill>
@@ -5288,10 +14263,10 @@
       </p:sp>
       <p:pic>
         <p:nvPicPr>
-          <p:cNvPr id="3" name="图片 2">
+          <p:cNvPr id="6" name="图片 5">
             <a:extLst>
               <a:ext uri="{FF2B5EF4-FFF2-40B4-BE49-F238E27FC236}">
-                <a16:creationId xmlns:a16="http://schemas.microsoft.com/office/drawing/2014/main" id="{B84CCC07-0DC3-446B-8581-E92A4F1ADFCD}"/>
+                <a16:creationId xmlns:a16="http://schemas.microsoft.com/office/drawing/2014/main" id="{2D1143D8-8BBD-43C0-8506-86607F84B2D8}"/>
               </a:ext>
             </a:extLst>
           </p:cNvPr>
@@ -5308,8 +14283,8 @@
         </p:blipFill>
         <p:spPr>
           <a:xfrm>
-            <a:off x="1827212" y="1885950"/>
-            <a:ext cx="4676775" cy="3314700"/>
+            <a:off x="1233487" y="1771650"/>
+            <a:ext cx="6677025" cy="3314700"/>
           </a:xfrm>
           <a:prstGeom prst="rect">
             <a:avLst/>
@@ -5376,7 +14351,7 @@
                 <a:ea typeface="黑体"/>
                 <a:cs typeface="黑体"/>
               </a:rPr>
-              <a:t>Countable Set</a:t>
+              <a:t>1.3 Countable Set</a:t>
             </a:r>
             <a:endParaRPr lang="ja-JP" altLang="en-US" sz="4000" baseline="30000" dirty="0">
               <a:solidFill>
@@ -5475,6 +14450,41 @@
           <a:chExt cx="0" cy="0"/>
         </a:xfrm>
       </p:grpSpPr>
+      <p:sp>
+        <p:nvSpPr>
+          <p:cNvPr id="8" name="文本框 7">
+            <a:extLst>
+              <a:ext uri="{FF2B5EF4-FFF2-40B4-BE49-F238E27FC236}">
+                <a16:creationId xmlns:a16="http://schemas.microsoft.com/office/drawing/2014/main" id="{68E6A7C0-564A-4C1E-8C8D-BDA72B4ACD56}"/>
+              </a:ext>
+            </a:extLst>
+          </p:cNvPr>
+          <p:cNvSpPr txBox="1"/>
+          <p:nvPr/>
+        </p:nvSpPr>
+        <p:spPr>
+          <a:xfrm>
+            <a:off x="460664" y="1588046"/>
+            <a:ext cx="8381332" cy="1015663"/>
+          </a:xfrm>
+          <a:prstGeom prst="rect">
+            <a:avLst/>
+          </a:prstGeom>
+          <a:noFill/>
+        </p:spPr>
+        <p:txBody>
+          <a:bodyPr wrap="square" rtlCol="0">
+            <a:spAutoFit/>
+          </a:bodyPr>
+          <a:lstStyle/>
+          <a:p>
+            <a:r>
+              <a:rPr lang="en-US" dirty="0"/>
+              <a:t>In mathematics, a rational number is a number that can be expressed as the quotient or fraction p/q of two integers, a numerator p and a non-zero denominator q.</a:t>
+            </a:r>
+          </a:p>
+        </p:txBody>
+      </p:sp>
       <p:pic>
         <p:nvPicPr>
           <p:cNvPr id="4" name="图片 3">
@@ -5541,7 +14551,7 @@
                 <a:ea typeface="黑体"/>
                 <a:cs typeface="黑体"/>
               </a:rPr>
-              <a:t>Rational number</a:t>
+              <a:t>1.4 Rational number</a:t>
             </a:r>
             <a:endParaRPr lang="ja-JP" altLang="en-US" sz="4000" baseline="30000" dirty="0">
               <a:solidFill>
@@ -5716,7 +14726,7 @@
                 <a:ea typeface="黑体"/>
                 <a:cs typeface="黑体"/>
               </a:rPr>
-              <a:t>Proof</a:t>
+              <a:t>1.5 Proof</a:t>
             </a:r>
             <a:endParaRPr lang="ja-JP" altLang="en-US" sz="4000" baseline="30000" dirty="0">
               <a:solidFill>
@@ -7029,8 +16039,8 @@
           </a:p>
         </p:txBody>
       </p:sp>
-      <mc:AlternateContent xmlns:mc="http://schemas.openxmlformats.org/markup-compatibility/2006">
-        <mc:Choice xmlns:a14="http://schemas.microsoft.com/office/drawing/2010/main" Requires="a14">
+      <mc:AlternateContent xmlns:mc="http://schemas.openxmlformats.org/markup-compatibility/2006" xmlns:a14="http://schemas.microsoft.com/office/drawing/2010/main">
+        <mc:Choice Requires="a14">
           <p:sp>
             <p:nvSpPr>
               <p:cNvPr id="47" name="文本框 46">
@@ -7167,7 +16177,7 @@
                             <a:latin typeface="Cambria Math" panose="02040503050406030204" pitchFamily="18" charset="0"/>
                             <a:ea typeface="Cambria Math" panose="02040503050406030204" pitchFamily="18" charset="0"/>
                           </a:rPr>
-                          <m:t>-</m:t>
+                          <m:t>−</m:t>
                         </m:r>
                         <m:f>
                           <m:fPr>
@@ -7500,7 +16510,7 @@
             </p:txBody>
           </p:sp>
         </mc:Choice>
-        <mc:Fallback>
+        <mc:Fallback xmlns="">
           <p:sp>
             <p:nvSpPr>
               <p:cNvPr id="47" name="文本框 46">
@@ -7545,8 +16555,8 @@
           </p:sp>
         </mc:Fallback>
       </mc:AlternateContent>
-      <mc:AlternateContent xmlns:mc="http://schemas.openxmlformats.org/markup-compatibility/2006">
-        <mc:Choice xmlns:a14="http://schemas.microsoft.com/office/drawing/2010/main" Requires="a14">
+      <mc:AlternateContent xmlns:mc="http://schemas.openxmlformats.org/markup-compatibility/2006" xmlns:a14="http://schemas.microsoft.com/office/drawing/2010/main">
+        <mc:Choice Requires="a14">
           <p:sp>
             <p:nvSpPr>
               <p:cNvPr id="49" name="文本框 48">
@@ -7701,7 +16711,7 @@
             </p:txBody>
           </p:sp>
         </mc:Choice>
-        <mc:Fallback>
+        <mc:Fallback xmlns="">
           <p:sp>
             <p:nvSpPr>
               <p:cNvPr id="49" name="文本框 48">
@@ -7746,8 +16756,8 @@
           </p:sp>
         </mc:Fallback>
       </mc:AlternateContent>
-      <mc:AlternateContent xmlns:mc="http://schemas.openxmlformats.org/markup-compatibility/2006">
-        <mc:Choice xmlns:a14="http://schemas.microsoft.com/office/drawing/2010/main" Requires="a14">
+      <mc:AlternateContent xmlns:mc="http://schemas.openxmlformats.org/markup-compatibility/2006" xmlns:a14="http://schemas.microsoft.com/office/drawing/2010/main">
+        <mc:Choice Requires="a14">
           <p:sp>
             <p:nvSpPr>
               <p:cNvPr id="50" name="文本框 49">
@@ -7776,6 +16786,7 @@
               </a:bodyPr>
               <a:lstStyle/>
               <a:p>
+                <a:pPr/>
                 <a14:m>
                   <m:oMathPara xmlns:m="http://schemas.openxmlformats.org/officeDocument/2006/math">
                     <m:oMathParaPr>
@@ -7802,7 +16813,9 @@
                         <m:t>𝜀</m:t>
                       </m:r>
                       <m:r>
-                        <a:rPr lang="en-US" sz="1800" i="1" smtClean="0"/>
+                        <a:rPr lang="en-US" sz="1800" i="1" smtClean="0">
+                          <a:latin typeface="Cambria Math" panose="02040503050406030204" pitchFamily="18" charset="0"/>
+                        </a:rPr>
                         <m:t>→</m:t>
                       </m:r>
                       <m:r>
@@ -7883,7 +16896,7 @@
             </p:txBody>
           </p:sp>
         </mc:Choice>
-        <mc:Fallback>
+        <mc:Fallback xmlns="">
           <p:sp>
             <p:nvSpPr>
               <p:cNvPr id="50" name="文本框 49">
@@ -8036,40 +17049,329 @@
           <a:chExt cx="0" cy="0"/>
         </a:xfrm>
       </p:grpSpPr>
-      <p:pic>
-        <p:nvPicPr>
-          <p:cNvPr id="7" name="图片 6" descr="PPT4.jpg"/>
-          <p:cNvPicPr>
-            <a:picLocks noChangeAspect="1"/>
-          </p:cNvPicPr>
-          <p:nvPr/>
-        </p:nvPicPr>
-        <p:blipFill>
-          <a:blip r:embed="rId2">
+      <p:sp>
+        <p:nvSpPr>
+          <p:cNvPr id="5" name="标题 1">
             <a:extLst>
-              <a:ext uri="{28A0092B-C50C-407E-A947-70E740481C1C}">
-                <a14:useLocalDpi xmlns:a14="http://schemas.microsoft.com/office/drawing/2010/main" val="0"/>
+              <a:ext uri="{FF2B5EF4-FFF2-40B4-BE49-F238E27FC236}">
+                <a16:creationId xmlns:a16="http://schemas.microsoft.com/office/drawing/2014/main" id="{F0511409-B9AF-4D30-B635-901BDDA9EAD1}"/>
               </a:ext>
             </a:extLst>
-          </a:blip>
-          <a:stretch>
-            <a:fillRect/>
-          </a:stretch>
-        </p:blipFill>
+          </p:cNvPr>
+          <p:cNvSpPr>
+            <a:spLocks noGrp="1"/>
+          </p:cNvSpPr>
+          <p:nvPr>
+            <p:ph type="title"/>
+          </p:nvPr>
+        </p:nvSpPr>
         <p:spPr>
           <a:xfrm>
-            <a:off x="0" y="0"/>
-            <a:ext cx="9144000" cy="6858000"/>
+            <a:off x="460664" y="539176"/>
+            <a:ext cx="8048336" cy="750455"/>
+          </a:xfrm>
+        </p:spPr>
+        <p:txBody>
+          <a:bodyPr/>
+          <a:lstStyle/>
+          <a:p>
+            <a:pPr algn="l"/>
+            <a:r>
+              <a:rPr lang="en-US" altLang="ja-JP" sz="4000" baseline="30000" dirty="0">
+                <a:solidFill>
+                  <a:schemeClr val="bg1"/>
+                </a:solidFill>
+                <a:latin typeface="黑体"/>
+                <a:ea typeface="黑体"/>
+                <a:cs typeface="黑体"/>
+              </a:rPr>
+              <a:t>2.Information Theory</a:t>
+            </a:r>
+            <a:endParaRPr lang="ja-JP" altLang="en-US" sz="4000" baseline="30000" dirty="0">
+              <a:solidFill>
+                <a:schemeClr val="bg1"/>
+              </a:solidFill>
+              <a:latin typeface="黑体"/>
+              <a:ea typeface="黑体"/>
+              <a:cs typeface="黑体"/>
+            </a:endParaRPr>
+          </a:p>
+        </p:txBody>
+      </p:sp>
+      <p:sp>
+        <p:nvSpPr>
+          <p:cNvPr id="3" name="内容占位符 4">
+            <a:extLst>
+              <a:ext uri="{FF2B5EF4-FFF2-40B4-BE49-F238E27FC236}">
+                <a16:creationId xmlns:a16="http://schemas.microsoft.com/office/drawing/2014/main" id="{C3A1C0B0-1BA2-46B8-86D0-C2FA375EBD02}"/>
+              </a:ext>
+            </a:extLst>
+          </p:cNvPr>
+          <p:cNvSpPr txBox="1">
+            <a:spLocks/>
+          </p:cNvSpPr>
+          <p:nvPr/>
+        </p:nvSpPr>
+        <p:spPr>
+          <a:xfrm>
+            <a:off x="207819" y="1691979"/>
+            <a:ext cx="8785179" cy="1890119"/>
           </a:xfrm>
           <a:prstGeom prst="rect">
             <a:avLst/>
           </a:prstGeom>
         </p:spPr>
-      </p:pic>
+        <p:txBody>
+          <a:bodyPr vert="horz" lIns="91440" tIns="45720" rIns="91440" bIns="45720" rtlCol="0">
+            <a:normAutofit/>
+          </a:bodyPr>
+          <a:lstStyle>
+            <a:lvl1pPr marL="457200" indent="-457200" algn="l" defTabSz="914400" rtl="0" eaLnBrk="1" latinLnBrk="0" hangingPunct="1">
+              <a:spcBef>
+                <a:spcPts val="2000"/>
+              </a:spcBef>
+              <a:buClr>
+                <a:schemeClr val="tx1">
+                  <a:lumMod val="75000"/>
+                  <a:lumOff val="25000"/>
+                </a:schemeClr>
+              </a:buClr>
+              <a:buSzPct val="75000"/>
+              <a:buFont typeface="Wingdings 2" pitchFamily="18" charset="2"/>
+              <a:buChar char=""/>
+              <a:defRPr sz="2200" kern="1200">
+                <a:solidFill>
+                  <a:schemeClr val="tx1">
+                    <a:lumMod val="75000"/>
+                    <a:lumOff val="25000"/>
+                  </a:schemeClr>
+                </a:solidFill>
+                <a:latin typeface="+mn-lt"/>
+                <a:ea typeface="+mn-ea"/>
+                <a:cs typeface="+mn-cs"/>
+              </a:defRPr>
+            </a:lvl1pPr>
+            <a:lvl2pPr marL="914400" indent="-457200" algn="l" defTabSz="914400" rtl="0" eaLnBrk="1" latinLnBrk="0" hangingPunct="1">
+              <a:spcBef>
+                <a:spcPts val="600"/>
+              </a:spcBef>
+              <a:buClr>
+                <a:schemeClr val="tx1">
+                  <a:lumMod val="50000"/>
+                  <a:lumOff val="50000"/>
+                </a:schemeClr>
+              </a:buClr>
+              <a:buSzPct val="75000"/>
+              <a:buFont typeface="Wingdings 2" pitchFamily="18" charset="2"/>
+              <a:buChar char=""/>
+              <a:defRPr sz="2000" kern="1200">
+                <a:solidFill>
+                  <a:schemeClr val="tx1">
+                    <a:lumMod val="75000"/>
+                    <a:lumOff val="25000"/>
+                  </a:schemeClr>
+                </a:solidFill>
+                <a:latin typeface="+mn-lt"/>
+                <a:ea typeface="+mn-ea"/>
+                <a:cs typeface="+mn-cs"/>
+              </a:defRPr>
+            </a:lvl2pPr>
+            <a:lvl3pPr marL="1371600" indent="-457200" algn="l" defTabSz="914400" rtl="0" eaLnBrk="1" latinLnBrk="0" hangingPunct="1">
+              <a:spcBef>
+                <a:spcPts val="600"/>
+              </a:spcBef>
+              <a:buClr>
+                <a:schemeClr val="tx1">
+                  <a:lumMod val="75000"/>
+                  <a:lumOff val="25000"/>
+                </a:schemeClr>
+              </a:buClr>
+              <a:buSzPct val="75000"/>
+              <a:buFont typeface="Wingdings 2" pitchFamily="18" charset="2"/>
+              <a:buChar char=""/>
+              <a:defRPr sz="1800" kern="1200">
+                <a:solidFill>
+                  <a:schemeClr val="tx1">
+                    <a:lumMod val="75000"/>
+                    <a:lumOff val="25000"/>
+                  </a:schemeClr>
+                </a:solidFill>
+                <a:latin typeface="+mn-lt"/>
+                <a:ea typeface="+mn-ea"/>
+                <a:cs typeface="+mn-cs"/>
+              </a:defRPr>
+            </a:lvl3pPr>
+            <a:lvl4pPr marL="1828800" indent="-457200" algn="l" defTabSz="914400" rtl="0" eaLnBrk="1" latinLnBrk="0" hangingPunct="1">
+              <a:spcBef>
+                <a:spcPts val="600"/>
+              </a:spcBef>
+              <a:buClr>
+                <a:schemeClr val="tx1">
+                  <a:lumMod val="50000"/>
+                  <a:lumOff val="50000"/>
+                </a:schemeClr>
+              </a:buClr>
+              <a:buSzPct val="75000"/>
+              <a:buFont typeface="Wingdings 2" pitchFamily="18" charset="2"/>
+              <a:buChar char=""/>
+              <a:defRPr sz="1800" kern="1200">
+                <a:solidFill>
+                  <a:schemeClr val="tx1">
+                    <a:lumMod val="75000"/>
+                    <a:lumOff val="25000"/>
+                  </a:schemeClr>
+                </a:solidFill>
+                <a:latin typeface="+mn-lt"/>
+                <a:ea typeface="+mn-ea"/>
+                <a:cs typeface="+mn-cs"/>
+              </a:defRPr>
+            </a:lvl4pPr>
+            <a:lvl5pPr marL="2286000" indent="-457200" algn="l" defTabSz="914400" rtl="0" eaLnBrk="1" latinLnBrk="0" hangingPunct="1">
+              <a:spcBef>
+                <a:spcPts val="600"/>
+              </a:spcBef>
+              <a:buClr>
+                <a:schemeClr val="tx1">
+                  <a:lumMod val="75000"/>
+                  <a:lumOff val="25000"/>
+                </a:schemeClr>
+              </a:buClr>
+              <a:buSzPct val="75000"/>
+              <a:buFont typeface="Wingdings 2" pitchFamily="18" charset="2"/>
+              <a:buChar char=""/>
+              <a:defRPr sz="1800" kern="1200">
+                <a:solidFill>
+                  <a:schemeClr val="tx1">
+                    <a:lumMod val="75000"/>
+                    <a:lumOff val="25000"/>
+                  </a:schemeClr>
+                </a:solidFill>
+                <a:latin typeface="+mn-lt"/>
+                <a:ea typeface="+mn-ea"/>
+                <a:cs typeface="+mn-cs"/>
+              </a:defRPr>
+            </a:lvl5pPr>
+            <a:lvl6pPr marL="2743200" indent="-461963" algn="l" defTabSz="914400" rtl="0" eaLnBrk="1" latinLnBrk="0" hangingPunct="1">
+              <a:spcBef>
+                <a:spcPct val="20000"/>
+              </a:spcBef>
+              <a:buClr>
+                <a:schemeClr val="tx1">
+                  <a:lumMod val="50000"/>
+                  <a:lumOff val="50000"/>
+                </a:schemeClr>
+              </a:buClr>
+              <a:buSzPct val="75000"/>
+              <a:buFont typeface="Wingdings 2" pitchFamily="18" charset="2"/>
+              <a:buChar char=""/>
+              <a:defRPr lang="en-US" sz="1800" kern="1200" dirty="0" smtClean="0">
+                <a:solidFill>
+                  <a:schemeClr val="tx1">
+                    <a:lumMod val="75000"/>
+                    <a:lumOff val="25000"/>
+                  </a:schemeClr>
+                </a:solidFill>
+                <a:latin typeface="+mn-lt"/>
+                <a:ea typeface="+mn-ea"/>
+                <a:cs typeface="+mn-cs"/>
+              </a:defRPr>
+            </a:lvl6pPr>
+            <a:lvl7pPr marL="3205163" indent="-461963" algn="l" defTabSz="914400" rtl="0" eaLnBrk="1" latinLnBrk="0" hangingPunct="1">
+              <a:spcBef>
+                <a:spcPct val="20000"/>
+              </a:spcBef>
+              <a:buClr>
+                <a:schemeClr val="tx1">
+                  <a:lumMod val="75000"/>
+                  <a:lumOff val="25000"/>
+                </a:schemeClr>
+              </a:buClr>
+              <a:buSzPct val="75000"/>
+              <a:buFont typeface="Wingdings 2" pitchFamily="18" charset="2"/>
+              <a:buChar char=""/>
+              <a:defRPr lang="en-US" sz="1800" kern="1200" dirty="0" smtClean="0">
+                <a:solidFill>
+                  <a:schemeClr val="tx1">
+                    <a:lumMod val="75000"/>
+                    <a:lumOff val="25000"/>
+                  </a:schemeClr>
+                </a:solidFill>
+                <a:latin typeface="+mn-lt"/>
+                <a:ea typeface="+mn-ea"/>
+                <a:cs typeface="+mn-cs"/>
+              </a:defRPr>
+            </a:lvl7pPr>
+            <a:lvl8pPr marL="3657600" indent="-461963" algn="l" defTabSz="914400" rtl="0" eaLnBrk="1" latinLnBrk="0" hangingPunct="1">
+              <a:spcBef>
+                <a:spcPct val="20000"/>
+              </a:spcBef>
+              <a:buClr>
+                <a:schemeClr val="tx1">
+                  <a:lumMod val="50000"/>
+                  <a:lumOff val="50000"/>
+                </a:schemeClr>
+              </a:buClr>
+              <a:buSzPct val="75000"/>
+              <a:buFont typeface="Wingdings 2" pitchFamily="18" charset="2"/>
+              <a:buChar char=""/>
+              <a:defRPr lang="en-US" sz="1800" kern="1200" dirty="0" smtClean="0">
+                <a:solidFill>
+                  <a:schemeClr val="tx1">
+                    <a:lumMod val="75000"/>
+                    <a:lumOff val="25000"/>
+                  </a:schemeClr>
+                </a:solidFill>
+                <a:latin typeface="+mn-lt"/>
+                <a:ea typeface="+mn-ea"/>
+                <a:cs typeface="+mn-cs"/>
+              </a:defRPr>
+            </a:lvl8pPr>
+            <a:lvl9pPr marL="4119563" indent="-461963" algn="l" defTabSz="914400" rtl="0" eaLnBrk="1" latinLnBrk="0" hangingPunct="1">
+              <a:spcBef>
+                <a:spcPct val="20000"/>
+              </a:spcBef>
+              <a:buClr>
+                <a:schemeClr val="tx1">
+                  <a:lumMod val="75000"/>
+                  <a:lumOff val="25000"/>
+                </a:schemeClr>
+              </a:buClr>
+              <a:buSzPct val="75000"/>
+              <a:buFont typeface="Wingdings 2" pitchFamily="18" charset="2"/>
+              <a:buChar char=""/>
+              <a:defRPr lang="en-US" sz="1800" kern="1200" dirty="0">
+                <a:solidFill>
+                  <a:schemeClr val="tx1">
+                    <a:lumMod val="75000"/>
+                    <a:lumOff val="25000"/>
+                  </a:schemeClr>
+                </a:solidFill>
+                <a:latin typeface="+mn-lt"/>
+                <a:ea typeface="+mn-ea"/>
+                <a:cs typeface="+mn-cs"/>
+              </a:defRPr>
+            </a:lvl9pPr>
+          </a:lstStyle>
+          <a:p>
+            <a:endParaRPr kumimoji="1" lang="en-US" altLang="zh-CN" dirty="0">
+              <a:solidFill>
+                <a:schemeClr val="tx1"/>
+              </a:solidFill>
+            </a:endParaRPr>
+          </a:p>
+          <a:p>
+            <a:endParaRPr kumimoji="1" lang="zh-CN" altLang="en-US" dirty="0">
+              <a:solidFill>
+                <a:schemeClr val="tx1"/>
+              </a:solidFill>
+            </a:endParaRPr>
+          </a:p>
+        </p:txBody>
+      </p:sp>
     </p:spTree>
     <p:extLst>
       <p:ext uri="{BB962C8B-B14F-4D97-AF65-F5344CB8AC3E}">
-        <p14:creationId xmlns:p14="http://schemas.microsoft.com/office/powerpoint/2010/main" val="1072584553"/>
+        <p14:creationId xmlns:p14="http://schemas.microsoft.com/office/powerpoint/2010/main" val="1043356063"/>
       </p:ext>
     </p:extLst>
   </p:cSld>
